--- a/firewalls/Firewalling in FreeBSD-v1.pptx
+++ b/firewalls/Firewalling in FreeBSD-v1.pptx
@@ -5629,18 +5629,18 @@
             </a:r>
           </a:p>
           <a:p>
-            <a:pPr>
+            <a:pPr lvl="1">
               <a:buNone/>
             </a:pPr>
             <a:r>
-              <a:rPr lang="en-US" sz="2600" dirty="0" err="1" smtClean="0">
+              <a:rPr lang="en-US" sz="1600" dirty="0" err="1" smtClean="0">
                 <a:latin typeface="Courier"/>
                 <a:cs typeface="Courier"/>
               </a:rPr>
               <a:t>ext_if</a:t>
             </a:r>
             <a:r>
-              <a:rPr lang="en-US" sz="2600" dirty="0" smtClean="0">
+              <a:rPr lang="en-US" sz="1600" dirty="0" smtClean="0">
                 <a:latin typeface="Courier"/>
                 <a:cs typeface="Courier"/>
               </a:rPr>
@@ -5648,18 +5648,18 @@
             </a:r>
           </a:p>
           <a:p>
-            <a:pPr>
+            <a:pPr lvl="1">
               <a:buNone/>
             </a:pPr>
             <a:r>
-              <a:rPr lang="en-US" sz="2600" dirty="0" err="1" smtClean="0">
+              <a:rPr lang="en-US" sz="1600" dirty="0" err="1" smtClean="0">
                 <a:latin typeface="Courier"/>
                 <a:cs typeface="Courier"/>
               </a:rPr>
               <a:t>int_if</a:t>
             </a:r>
             <a:r>
-              <a:rPr lang="en-US" sz="2600" dirty="0" smtClean="0">
+              <a:rPr lang="en-US" sz="1600" dirty="0" smtClean="0">
                 <a:latin typeface="Courier"/>
                 <a:cs typeface="Courier"/>
               </a:rPr>
@@ -5667,11 +5667,11 @@
             </a:r>
           </a:p>
           <a:p>
-            <a:pPr>
+            <a:pPr lvl="1">
               <a:buNone/>
             </a:pPr>
             <a:r>
-              <a:rPr lang="en-US" sz="2600" dirty="0" smtClean="0">
+              <a:rPr lang="en-US" sz="1600" dirty="0" smtClean="0">
                 <a:latin typeface="Courier"/>
                 <a:cs typeface="Courier"/>
               </a:rPr>
@@ -5679,18 +5679,18 @@
             </a:r>
           </a:p>
           <a:p>
-            <a:pPr>
+            <a:pPr lvl="1">
               <a:buNone/>
             </a:pPr>
             <a:r>
-              <a:rPr lang="en-US" sz="2600" dirty="0" err="1" smtClean="0">
+              <a:rPr lang="en-US" sz="1600" dirty="0" err="1" smtClean="0">
                 <a:latin typeface="Courier"/>
                 <a:cs typeface="Courier"/>
               </a:rPr>
               <a:t>good_ports</a:t>
             </a:r>
             <a:r>
-              <a:rPr lang="en-US" sz="2600" dirty="0" smtClean="0">
+              <a:rPr lang="en-US" sz="1600" dirty="0" smtClean="0">
                 <a:latin typeface="Courier"/>
                 <a:cs typeface="Courier"/>
               </a:rPr>
@@ -5698,18 +5698,18 @@
             </a:r>
           </a:p>
           <a:p>
-            <a:pPr>
+            <a:pPr lvl="1">
               <a:buNone/>
             </a:pPr>
             <a:r>
-              <a:rPr lang="en-US" sz="2600" dirty="0" err="1" smtClean="0">
+              <a:rPr lang="en-US" sz="1600" dirty="0" err="1" smtClean="0">
                 <a:latin typeface="Courier"/>
                 <a:cs typeface="Courier"/>
               </a:rPr>
               <a:t>bad_ips</a:t>
             </a:r>
             <a:r>
-              <a:rPr lang="en-US" sz="2600" dirty="0" smtClean="0">
+              <a:rPr lang="en-US" sz="1600" dirty="0" smtClean="0">
                 <a:latin typeface="Courier"/>
                 <a:cs typeface="Courier"/>
               </a:rPr>
@@ -5717,23 +5717,64 @@
             </a:r>
           </a:p>
           <a:p>
-            <a:pPr>
+            <a:pPr lvl="1">
               <a:buNone/>
             </a:pPr>
             <a:r>
-              <a:rPr lang="en-US" sz="2600" dirty="0" err="1" smtClean="0">
+              <a:rPr lang="en-US" sz="1600" dirty="0" err="1" smtClean="0">
                 <a:latin typeface="Courier"/>
                 <a:cs typeface="Courier"/>
               </a:rPr>
               <a:t>my_pc</a:t>
             </a:r>
             <a:r>
-              <a:rPr lang="en-US" sz="2600" dirty="0" smtClean="0">
+              <a:rPr lang="en-US" sz="1600" dirty="0" smtClean="0">
                 <a:latin typeface="Courier"/>
                 <a:cs typeface="Courier"/>
               </a:rPr>
-              <a:t>=“172.16.1.1”</a:t>
-            </a:r>
+              <a:t>=“172.16.1.1</a:t>
+            </a:r>
+            <a:r>
+              <a:rPr lang="en-US" sz="1600" dirty="0" smtClean="0">
+                <a:latin typeface="Courier"/>
+                <a:cs typeface="Courier"/>
+              </a:rPr>
+              <a:t>”</a:t>
+            </a:r>
+          </a:p>
+          <a:p>
+            <a:r>
+              <a:rPr lang="en-US" dirty="0"/>
+              <a:t>Macros cannot contain a </a:t>
+            </a:r>
+            <a:r>
+              <a:rPr lang="en-US" dirty="0" smtClean="0"/>
+              <a:t>hyphen however</a:t>
+            </a:r>
+          </a:p>
+          <a:p>
+            <a:pPr lvl="1"/>
+            <a:r>
+              <a:rPr lang="en-US" dirty="0" smtClean="0"/>
+              <a:t>so </a:t>
+            </a:r>
+            <a:r>
+              <a:rPr lang="en-US" dirty="0" err="1" smtClean="0"/>
+              <a:t>ext</a:t>
+            </a:r>
+            <a:r>
+              <a:rPr lang="en-US" dirty="0" smtClean="0"/>
+              <a:t>-if=“em0” will </a:t>
+            </a:r>
+            <a:r>
+              <a:rPr lang="en-US" smtClean="0"/>
+              <a:t>not work</a:t>
+            </a:r>
+            <a:endParaRPr lang="en-US" dirty="0" smtClean="0"/>
+          </a:p>
+          <a:p>
+            <a:pPr lvl="1"/>
+            <a:endParaRPr lang="en-US" dirty="0"/>
           </a:p>
           <a:p>
             <a:endParaRPr lang="en-US" dirty="0"/>
@@ -5813,6 +5854,13 @@
               <a:rPr lang="en-US" dirty="0" err="1" smtClean="0"/>
               <a:t>ruleset</a:t>
             </a:r>
+            <a:r>
+              <a:rPr lang="en-US" dirty="0" smtClean="0"/>
+              <a:t>:</a:t>
+            </a:r>
+            <a:br>
+              <a:rPr lang="en-US" dirty="0" smtClean="0"/>
+            </a:br>
             <a:endParaRPr lang="en-US" dirty="0" smtClean="0"/>
           </a:p>
           <a:p>
@@ -5824,7 +5872,14 @@
                 <a:latin typeface="Courier"/>
                 <a:cs typeface="Courier"/>
               </a:rPr>
-              <a:t>block in all</a:t>
+              <a:t>block </a:t>
+            </a:r>
+            <a:r>
+              <a:rPr lang="en-US" sz="2000" dirty="0" smtClean="0">
+                <a:latin typeface="Courier"/>
+                <a:cs typeface="Courier"/>
+              </a:rPr>
+              <a:t>in all</a:t>
             </a:r>
           </a:p>
           <a:p>
@@ -5951,6 +6006,18 @@
               </a:rPr>
               <a:t>bad_ips</a:t>
             </a:r>
+            <a:r>
+              <a:rPr lang="en-US" sz="2000" dirty="0" smtClean="0">
+                <a:latin typeface="Courier"/>
+                <a:cs typeface="Courier"/>
+              </a:rPr>
+              <a:t>\</a:t>
+            </a:r>
+          </a:p>
+          <a:p>
+            <a:pPr marL="0" indent="0">
+              <a:buNone/>
+            </a:pPr>
             <a:endParaRPr lang="en-US" sz="2000" dirty="0">
               <a:latin typeface="Courier"/>
               <a:cs typeface="Courier"/>

--- a/firewalls/Firewalling in FreeBSD-v1.pptx
+++ b/firewalls/Firewalling in FreeBSD-v1.pptx
@@ -5764,13 +5764,8 @@
             </a:r>
             <a:r>
               <a:rPr lang="en-US" dirty="0" smtClean="0"/>
-              <a:t>-if=“em0” will </a:t>
-            </a:r>
-            <a:r>
-              <a:rPr lang="en-US" smtClean="0"/>
-              <a:t>not work</a:t>
-            </a:r>
-            <a:endParaRPr lang="en-US" dirty="0" smtClean="0"/>
+              <a:t>-if=“em0” will not work</a:t>
+            </a:r>
           </a:p>
           <a:p>
             <a:pPr lvl="1"/>

--- a/firewalls/Firewalling in FreeBSD-v1.pptx
+++ b/firewalls/Firewalling in FreeBSD-v1.pptx
@@ -313,7 +313,7 @@
             <a:fld id="{2663308E-FC3B-3C49-8918-A2AB2DD24839}" type="datetimeFigureOut">
               <a:rPr lang="en-US" smtClean="0"/>
               <a:pPr/>
-              <a:t>5/27/14</a:t>
+              <a:t>5/28/14</a:t>
             </a:fld>
             <a:endParaRPr lang="en-US"/>
           </a:p>
@@ -480,7 +480,7 @@
             <a:fld id="{2663308E-FC3B-3C49-8918-A2AB2DD24839}" type="datetimeFigureOut">
               <a:rPr lang="en-US" smtClean="0"/>
               <a:pPr/>
-              <a:t>5/27/14</a:t>
+              <a:t>5/28/14</a:t>
             </a:fld>
             <a:endParaRPr lang="en-US"/>
           </a:p>
@@ -657,7 +657,7 @@
             <a:fld id="{2663308E-FC3B-3C49-8918-A2AB2DD24839}" type="datetimeFigureOut">
               <a:rPr lang="en-US" smtClean="0"/>
               <a:pPr/>
-              <a:t>5/27/14</a:t>
+              <a:t>5/28/14</a:t>
             </a:fld>
             <a:endParaRPr lang="en-US"/>
           </a:p>
@@ -824,7 +824,7 @@
             <a:fld id="{2663308E-FC3B-3C49-8918-A2AB2DD24839}" type="datetimeFigureOut">
               <a:rPr lang="en-US" smtClean="0"/>
               <a:pPr/>
-              <a:t>5/27/14</a:t>
+              <a:t>5/28/14</a:t>
             </a:fld>
             <a:endParaRPr lang="en-US"/>
           </a:p>
@@ -1067,7 +1067,7 @@
             <a:fld id="{2663308E-FC3B-3C49-8918-A2AB2DD24839}" type="datetimeFigureOut">
               <a:rPr lang="en-US" smtClean="0"/>
               <a:pPr/>
-              <a:t>5/27/14</a:t>
+              <a:t>5/28/14</a:t>
             </a:fld>
             <a:endParaRPr lang="en-US"/>
           </a:p>
@@ -1352,7 +1352,7 @@
             <a:fld id="{2663308E-FC3B-3C49-8918-A2AB2DD24839}" type="datetimeFigureOut">
               <a:rPr lang="en-US" smtClean="0"/>
               <a:pPr/>
-              <a:t>5/27/14</a:t>
+              <a:t>5/28/14</a:t>
             </a:fld>
             <a:endParaRPr lang="en-US"/>
           </a:p>
@@ -1771,7 +1771,7 @@
             <a:fld id="{2663308E-FC3B-3C49-8918-A2AB2DD24839}" type="datetimeFigureOut">
               <a:rPr lang="en-US" smtClean="0"/>
               <a:pPr/>
-              <a:t>5/27/14</a:t>
+              <a:t>5/28/14</a:t>
             </a:fld>
             <a:endParaRPr lang="en-US"/>
           </a:p>
@@ -1886,7 +1886,7 @@
             <a:fld id="{2663308E-FC3B-3C49-8918-A2AB2DD24839}" type="datetimeFigureOut">
               <a:rPr lang="en-US" smtClean="0"/>
               <a:pPr/>
-              <a:t>5/27/14</a:t>
+              <a:t>5/28/14</a:t>
             </a:fld>
             <a:endParaRPr lang="en-US"/>
           </a:p>
@@ -1978,7 +1978,7 @@
             <a:fld id="{2663308E-FC3B-3C49-8918-A2AB2DD24839}" type="datetimeFigureOut">
               <a:rPr lang="en-US" smtClean="0"/>
               <a:pPr/>
-              <a:t>5/27/14</a:t>
+              <a:t>5/28/14</a:t>
             </a:fld>
             <a:endParaRPr lang="en-US"/>
           </a:p>
@@ -2252,7 +2252,7 @@
             <a:fld id="{2663308E-FC3B-3C49-8918-A2AB2DD24839}" type="datetimeFigureOut">
               <a:rPr lang="en-US" smtClean="0"/>
               <a:pPr/>
-              <a:t>5/27/14</a:t>
+              <a:t>5/28/14</a:t>
             </a:fld>
             <a:endParaRPr lang="en-US"/>
           </a:p>
@@ -2502,7 +2502,7 @@
             <a:fld id="{2663308E-FC3B-3C49-8918-A2AB2DD24839}" type="datetimeFigureOut">
               <a:rPr lang="en-US" smtClean="0"/>
               <a:pPr/>
-              <a:t>5/27/14</a:t>
+              <a:t>5/28/14</a:t>
             </a:fld>
             <a:endParaRPr lang="en-US"/>
           </a:p>
@@ -2712,7 +2712,7 @@
             <a:fld id="{2663308E-FC3B-3C49-8918-A2AB2DD24839}" type="datetimeFigureOut">
               <a:rPr lang="en-US" smtClean="0"/>
               <a:pPr/>
-              <a:t>5/27/14</a:t>
+              <a:t>5/28/14</a:t>
             </a:fld>
             <a:endParaRPr lang="en-US"/>
           </a:p>
@@ -4509,7 +4509,7 @@
         </p:spPr>
         <p:txBody>
           <a:bodyPr>
-            <a:normAutofit fontScale="92500" lnSpcReduction="20000"/>
+            <a:normAutofit fontScale="92500" lnSpcReduction="10000"/>
           </a:bodyPr>
           <a:lstStyle/>
           <a:p>
@@ -4534,22 +4534,25 @@
           <a:p>
             <a:r>
               <a:rPr lang="en-US" dirty="0" smtClean="0"/>
-              <a:t>Done by</a:t>
-            </a:r>
+              <a:t>Done </a:t>
+            </a:r>
+            <a:r>
+              <a:rPr lang="en-US" dirty="0" smtClean="0"/>
+              <a:t>by adding the below at the top of the file</a:t>
+            </a:r>
+            <a:endParaRPr lang="en-US" dirty="0" smtClean="0"/>
           </a:p>
           <a:p>
             <a:pPr lvl="1"/>
             <a:r>
               <a:rPr lang="en-US" b="1" dirty="0" smtClean="0"/>
-              <a:t>block in all</a:t>
-            </a:r>
-          </a:p>
-          <a:p>
-            <a:pPr lvl="1"/>
+              <a:t>block in </a:t>
+            </a:r>
             <a:r>
               <a:rPr lang="en-US" b="1" dirty="0" smtClean="0"/>
-              <a:t>block out all</a:t>
-            </a:r>
+              <a:t>all</a:t>
+            </a:r>
+            <a:endParaRPr lang="en-US" b="1" dirty="0" smtClean="0"/>
           </a:p>
           <a:p>
             <a:r>
@@ -5732,14 +5735,7 @@
                 <a:latin typeface="Courier"/>
                 <a:cs typeface="Courier"/>
               </a:rPr>
-              <a:t>=“172.16.1.1</a:t>
-            </a:r>
-            <a:r>
-              <a:rPr lang="en-US" sz="1600" dirty="0" smtClean="0">
-                <a:latin typeface="Courier"/>
-                <a:cs typeface="Courier"/>
-              </a:rPr>
-              <a:t>”</a:t>
+              <a:t>=“172.16.1.1”</a:t>
             </a:r>
           </a:p>
           <a:p>
@@ -5867,14 +5863,7 @@
                 <a:latin typeface="Courier"/>
                 <a:cs typeface="Courier"/>
               </a:rPr>
-              <a:t>block </a:t>
-            </a:r>
-            <a:r>
-              <a:rPr lang="en-US" sz="2000" dirty="0" smtClean="0">
-                <a:latin typeface="Courier"/>
-                <a:cs typeface="Courier"/>
-              </a:rPr>
-              <a:t>in all</a:t>
+              <a:t>block in all</a:t>
             </a:r>
           </a:p>
           <a:p>

--- a/firewalls/Firewalling in FreeBSD-v1.pptx
+++ b/firewalls/Firewalling in FreeBSD-v1.pptx
@@ -6084,7 +6084,43 @@
           <a:p>
             <a:r>
               <a:rPr lang="en-US" b="1" dirty="0" smtClean="0"/>
-              <a:t>Anti-SPAM</a:t>
+              <a:t>Anti-</a:t>
+            </a:r>
+            <a:r>
+              <a:rPr lang="en-US" b="1" dirty="0" smtClean="0"/>
+              <a:t>SPAM – </a:t>
+            </a:r>
+            <a:r>
+              <a:rPr lang="en-US" dirty="0" smtClean="0"/>
+              <a:t>when used with a software called </a:t>
+            </a:r>
+            <a:r>
+              <a:rPr lang="en-US" b="1" dirty="0" err="1" smtClean="0"/>
+              <a:t>spamd</a:t>
+            </a:r>
+            <a:r>
+              <a:rPr lang="en-US" dirty="0" smtClean="0"/>
+              <a:t> which downloads a list a blacklisted IP Addresses which ca</a:t>
+            </a:r>
+            <a:r>
+              <a:rPr lang="en-US" dirty="0" smtClean="0"/>
+              <a:t>n be fed to PF to block (</a:t>
+            </a:r>
+            <a:r>
+              <a:rPr lang="en-US" dirty="0" err="1" smtClean="0"/>
+              <a:t>spamd</a:t>
+            </a:r>
+            <a:r>
+              <a:rPr lang="en-US" dirty="0" smtClean="0"/>
+              <a:t> is not </a:t>
+            </a:r>
+            <a:r>
+              <a:rPr lang="en-US" smtClean="0"/>
+              <a:t>spamassassin</a:t>
+            </a:r>
+            <a:r>
+              <a:rPr lang="en-US" dirty="0" smtClean="0"/>
+              <a:t>) </a:t>
             </a:r>
             <a:endParaRPr lang="en-US" b="1" dirty="0"/>
           </a:p>
@@ -6525,7 +6561,15 @@
             </a:r>
             <a:r>
               <a:rPr lang="en-US" dirty="0" smtClean="0"/>
-              <a:t>. Inclusive firewall does the reverse</a:t>
+              <a:t> (default is to allow). </a:t>
+            </a:r>
+            <a:r>
+              <a:rPr lang="en-US" dirty="0" smtClean="0"/>
+              <a:t>Inclusive firewall does the </a:t>
+            </a:r>
+            <a:r>
+              <a:rPr lang="en-US" dirty="0" smtClean="0"/>
+              <a:t>reverse (default is to block)</a:t>
             </a:r>
             <a:endParaRPr lang="en-US" dirty="0"/>
           </a:p>

--- a/firewalls/Firewalling in FreeBSD-v1.pptx
+++ b/firewalls/Firewalling in FreeBSD-v1.pptx
@@ -5755,12 +5755,16 @@
               <a:t>so </a:t>
             </a:r>
             <a:r>
-              <a:rPr lang="en-US" dirty="0" err="1" smtClean="0"/>
+              <a:rPr lang="en-US" b="1" dirty="0" err="1" smtClean="0"/>
               <a:t>ext</a:t>
             </a:r>
             <a:r>
-              <a:rPr lang="en-US" dirty="0" smtClean="0"/>
-              <a:t>-if=“em0” will not work</a:t>
+              <a:rPr lang="en-US" b="1" dirty="0" smtClean="0"/>
+              <a:t>-if=“em0” </a:t>
+            </a:r>
+            <a:r>
+              <a:rPr lang="en-US" dirty="0" smtClean="0"/>
+              <a:t>will not work</a:t>
             </a:r>
           </a:p>
           <a:p>
@@ -6115,7 +6119,7 @@
               <a:t> is not </a:t>
             </a:r>
             <a:r>
-              <a:rPr lang="en-US" smtClean="0"/>
+              <a:rPr lang="en-US" dirty="0" err="1" smtClean="0"/>
               <a:t>spamassassin</a:t>
             </a:r>
             <a:r>

--- a/firewalls/Firewalling in FreeBSD-v1.pptx
+++ b/firewalls/Firewalling in FreeBSD-v1.pptx
@@ -4534,25 +4534,15 @@
           <a:p>
             <a:r>
               <a:rPr lang="en-US" dirty="0" smtClean="0"/>
-              <a:t>Done </a:t>
-            </a:r>
-            <a:r>
-              <a:rPr lang="en-US" dirty="0" smtClean="0"/>
-              <a:t>by adding the below at the top of the file</a:t>
-            </a:r>
-            <a:endParaRPr lang="en-US" dirty="0" smtClean="0"/>
+              <a:t>Done by adding the below at the top of the file</a:t>
+            </a:r>
           </a:p>
           <a:p>
             <a:pPr lvl="1"/>
             <a:r>
               <a:rPr lang="en-US" b="1" dirty="0" smtClean="0"/>
-              <a:t>block in </a:t>
-            </a:r>
-            <a:r>
-              <a:rPr lang="en-US" b="1" dirty="0" smtClean="0"/>
-              <a:t>all</a:t>
-            </a:r>
-            <a:endParaRPr lang="en-US" b="1" dirty="0" smtClean="0"/>
+              <a:t>block in all</a:t>
+            </a:r>
           </a:p>
           <a:p>
             <a:r>
@@ -6071,9 +6061,16 @@
             <p:ph idx="1"/>
           </p:nvPr>
         </p:nvSpPr>
-        <p:spPr/>
-        <p:txBody>
-          <a:bodyPr/>
+        <p:spPr>
+          <a:xfrm>
+            <a:off x="235266" y="1600200"/>
+            <a:ext cx="8229600" cy="4525963"/>
+          </a:xfrm>
+        </p:spPr>
+        <p:txBody>
+          <a:bodyPr>
+            <a:normAutofit fontScale="92500" lnSpcReduction="20000"/>
+          </a:bodyPr>
           <a:lstStyle/>
           <a:p>
             <a:r>
@@ -6088,11 +6085,7 @@
           <a:p>
             <a:r>
               <a:rPr lang="en-US" b="1" dirty="0" smtClean="0"/>
-              <a:t>Anti-</a:t>
-            </a:r>
-            <a:r>
-              <a:rPr lang="en-US" b="1" dirty="0" smtClean="0"/>
-              <a:t>SPAM – </a:t>
+              <a:t>Anti-SPAM – </a:t>
             </a:r>
             <a:r>
               <a:rPr lang="en-US" dirty="0" smtClean="0"/>
@@ -6104,11 +6097,7 @@
             </a:r>
             <a:r>
               <a:rPr lang="en-US" dirty="0" smtClean="0"/>
-              <a:t> which downloads a list a blacklisted IP Addresses which ca</a:t>
-            </a:r>
-            <a:r>
-              <a:rPr lang="en-US" dirty="0" smtClean="0"/>
-              <a:t>n be fed to PF to block (</a:t>
+              <a:t> which downloads a list a blacklisted IP Addresses which can be fed to PF to block (</a:t>
             </a:r>
             <a:r>
               <a:rPr lang="en-US" dirty="0" err="1" smtClean="0"/>
@@ -6126,7 +6115,74 @@
               <a:rPr lang="en-US" dirty="0" smtClean="0"/>
               <a:t>) </a:t>
             </a:r>
-            <a:endParaRPr lang="en-US" b="1" dirty="0"/>
+            <a:endParaRPr lang="en-US" dirty="0"/>
+          </a:p>
+          <a:p>
+            <a:r>
+              <a:rPr lang="en-US" b="1" dirty="0" smtClean="0"/>
+              <a:t>Gateway Firewall – </a:t>
+            </a:r>
+            <a:r>
+              <a:rPr lang="en-US" dirty="0" smtClean="0"/>
+              <a:t>add to /</a:t>
+            </a:r>
+            <a:r>
+              <a:rPr lang="en-US" dirty="0" err="1" smtClean="0"/>
+              <a:t>etc</a:t>
+            </a:r>
+            <a:r>
+              <a:rPr lang="en-US" dirty="0" smtClean="0"/>
+              <a:t>/</a:t>
+            </a:r>
+            <a:r>
+              <a:rPr lang="en-US" smtClean="0"/>
+              <a:t>rc</a:t>
+            </a:r>
+            <a:r>
+              <a:rPr lang="en-US" smtClean="0"/>
+              <a:t>.conf</a:t>
+            </a:r>
+            <a:endParaRPr lang="en-US" b="1" dirty="0" smtClean="0"/>
+          </a:p>
+          <a:p>
+            <a:pPr marL="457200" lvl="1" indent="0">
+              <a:buNone/>
+            </a:pPr>
+            <a:r>
+              <a:rPr lang="en-US" sz="2400" dirty="0" err="1"/>
+              <a:t>gateway_enable</a:t>
+            </a:r>
+            <a:r>
+              <a:rPr lang="en-US" sz="2400" dirty="0"/>
+              <a:t>="YES" </a:t>
+            </a:r>
+            <a:r>
+              <a:rPr lang="en-US" sz="2400" dirty="0" smtClean="0"/>
+              <a:t>		#</a:t>
+            </a:r>
+            <a:r>
+              <a:rPr lang="en-US" sz="2400" dirty="0"/>
+              <a:t>for </a:t>
+            </a:r>
+            <a:r>
+              <a:rPr lang="en-US" sz="2400" dirty="0" smtClean="0"/>
+              <a:t>ipv4 </a:t>
+            </a:r>
+            <a:br>
+              <a:rPr lang="en-US" sz="2400" dirty="0" smtClean="0"/>
+            </a:br>
+            <a:r>
+              <a:rPr lang="en-US" sz="2400" dirty="0" smtClean="0"/>
+              <a:t>ipv6_gateway_enable</a:t>
+            </a:r>
+            <a:r>
+              <a:rPr lang="en-US" sz="2400" dirty="0"/>
+              <a:t>="YES" #for ipv6</a:t>
+            </a:r>
+            <a:endParaRPr lang="en-US" sz="2600" dirty="0">
+              <a:latin typeface="Courier"/>
+              <a:cs typeface="Courier"/>
+            </a:endParaRPr>
           </a:p>
         </p:txBody>
       </p:sp>
@@ -6565,15 +6621,7 @@
             </a:r>
             <a:r>
               <a:rPr lang="en-US" dirty="0" smtClean="0"/>
-              <a:t> (default is to allow). </a:t>
-            </a:r>
-            <a:r>
-              <a:rPr lang="en-US" dirty="0" smtClean="0"/>
-              <a:t>Inclusive firewall does the </a:t>
-            </a:r>
-            <a:r>
-              <a:rPr lang="en-US" dirty="0" smtClean="0"/>
-              <a:t>reverse (default is to block)</a:t>
+              <a:t> (default is to allow). Inclusive firewall does the reverse (default is to block)</a:t>
             </a:r>
             <a:endParaRPr lang="en-US" dirty="0"/>
           </a:p>

--- a/firewalls/Firewalling in FreeBSD-v1.pptx
+++ b/firewalls/Firewalling in FreeBSD-v1.pptx
@@ -28,8 +28,9 @@
     <p:sldId id="274" r:id="rId22"/>
     <p:sldId id="273" r:id="rId23"/>
     <p:sldId id="275" r:id="rId24"/>
-    <p:sldId id="281" r:id="rId25"/>
-    <p:sldId id="279" r:id="rId26"/>
+    <p:sldId id="282" r:id="rId25"/>
+    <p:sldId id="281" r:id="rId26"/>
+    <p:sldId id="279" r:id="rId27"/>
   </p:sldIdLst>
   <p:sldSz cx="9144000" cy="6858000" type="screen4x3"/>
   <p:notesSz cx="6858000" cy="9144000"/>
@@ -6044,6 +6045,118 @@
           <a:lstStyle/>
           <a:p>
             <a:r>
+              <a:rPr lang="en-US" dirty="0" smtClean="0"/>
+              <a:t>Logging</a:t>
+            </a:r>
+            <a:endParaRPr lang="en-US" dirty="0"/>
+          </a:p>
+        </p:txBody>
+      </p:sp>
+      <p:sp>
+        <p:nvSpPr>
+          <p:cNvPr id="3" name="Content Placeholder 2"/>
+          <p:cNvSpPr>
+            <a:spLocks noGrp="1"/>
+          </p:cNvSpPr>
+          <p:nvPr>
+            <p:ph idx="1"/>
+          </p:nvPr>
+        </p:nvSpPr>
+        <p:spPr/>
+        <p:txBody>
+          <a:bodyPr/>
+          <a:lstStyle/>
+          <a:p>
+            <a:r>
+              <a:rPr lang="en-US" dirty="0" smtClean="0"/>
+              <a:t>When you activate logging, a new virtual interface will be created called </a:t>
+            </a:r>
+            <a:r>
+              <a:rPr lang="en-US" i="1" dirty="0" smtClean="0"/>
+              <a:t>pflog0</a:t>
+            </a:r>
+          </a:p>
+          <a:p>
+            <a:r>
+              <a:rPr lang="en-US" dirty="0" smtClean="0"/>
+              <a:t>Doing a </a:t>
+            </a:r>
+            <a:r>
+              <a:rPr lang="en-US" dirty="0" err="1" smtClean="0"/>
+              <a:t>tcpdump</a:t>
+            </a:r>
+            <a:r>
+              <a:rPr lang="en-US" dirty="0" smtClean="0"/>
+              <a:t> on this interface will provide details of all traffic that you have chosen to log</a:t>
+            </a:r>
+          </a:p>
+          <a:p>
+            <a:r>
+              <a:rPr lang="en-US" dirty="0" smtClean="0"/>
+              <a:t>You can also direct all logs to /</a:t>
+            </a:r>
+            <a:r>
+              <a:rPr lang="en-US" dirty="0" err="1" smtClean="0"/>
+              <a:t>var</a:t>
+            </a:r>
+            <a:r>
+              <a:rPr lang="en-US" dirty="0" smtClean="0"/>
+              <a:t>/logs/</a:t>
+            </a:r>
+            <a:r>
+              <a:rPr lang="en-US" smtClean="0"/>
+              <a:t>pflog</a:t>
+            </a:r>
+            <a:endParaRPr lang="en-US"/>
+          </a:p>
+        </p:txBody>
+      </p:sp>
+    </p:spTree>
+    <p:extLst>
+      <p:ext uri="{BB962C8B-B14F-4D97-AF65-F5344CB8AC3E}">
+        <p14:creationId xmlns:p14="http://schemas.microsoft.com/office/powerpoint/2010/main" val="2574323067"/>
+      </p:ext>
+    </p:extLst>
+  </p:cSld>
+  <p:clrMapOvr>
+    <a:masterClrMapping/>
+  </p:clrMapOvr>
+</p:sld>
+</file>
+
+<file path=ppt/slides/slide25.xml><?xml version="1.0" encoding="utf-8"?>
+<p:sld xmlns:a="http://schemas.openxmlformats.org/drawingml/2006/main" xmlns:r="http://schemas.openxmlformats.org/officeDocument/2006/relationships" xmlns:p="http://schemas.openxmlformats.org/presentationml/2006/main">
+  <p:cSld>
+    <p:spTree>
+      <p:nvGrpSpPr>
+        <p:cNvPr id="1" name=""/>
+        <p:cNvGrpSpPr/>
+        <p:nvPr/>
+      </p:nvGrpSpPr>
+      <p:grpSpPr>
+        <a:xfrm>
+          <a:off x="0" y="0"/>
+          <a:ext cx="0" cy="0"/>
+          <a:chOff x="0" y="0"/>
+          <a:chExt cx="0" cy="0"/>
+        </a:xfrm>
+      </p:grpSpPr>
+      <p:sp>
+        <p:nvSpPr>
+          <p:cNvPr id="2" name="Title 1"/>
+          <p:cNvSpPr>
+            <a:spLocks noGrp="1"/>
+          </p:cNvSpPr>
+          <p:nvPr>
+            <p:ph type="title"/>
+          </p:nvPr>
+        </p:nvSpPr>
+        <p:spPr/>
+        <p:txBody>
+          <a:bodyPr/>
+          <a:lstStyle/>
+          <a:p>
+            <a:r>
               <a:rPr lang="en-US" b="1" dirty="0" smtClean="0"/>
               <a:t>Other PF Features</a:t>
             </a:r>
@@ -6136,11 +6249,7 @@
             </a:r>
             <a:r>
               <a:rPr lang="en-US" smtClean="0"/>
-              <a:t>rc</a:t>
-            </a:r>
-            <a:r>
-              <a:rPr lang="en-US" smtClean="0"/>
-              <a:t>.conf</a:t>
+              <a:t>rc.conf</a:t>
             </a:r>
             <a:endParaRPr lang="en-US" b="1" dirty="0" smtClean="0"/>
           </a:p>
@@ -6194,7 +6303,7 @@
 </p:sld>
 </file>
 
-<file path=ppt/slides/slide25.xml><?xml version="1.0" encoding="utf-8"?>
+<file path=ppt/slides/slide26.xml><?xml version="1.0" encoding="utf-8"?>
 <p:sld xmlns:a="http://schemas.openxmlformats.org/drawingml/2006/main" xmlns:r="http://schemas.openxmlformats.org/officeDocument/2006/relationships" xmlns:p="http://schemas.openxmlformats.org/presentationml/2006/main">
   <p:cSld>
     <p:spTree>

--- a/firewalls/Firewalling in FreeBSD-v1.pptx
+++ b/firewalls/Firewalling in FreeBSD-v1.pptx
@@ -6045,10 +6045,10 @@
           <a:lstStyle/>
           <a:p>
             <a:r>
-              <a:rPr lang="en-US" dirty="0" smtClean="0"/>
+              <a:rPr lang="en-US" b="1" dirty="0" smtClean="0"/>
               <a:t>Logging</a:t>
             </a:r>
-            <a:endParaRPr lang="en-US" dirty="0"/>
+            <a:endParaRPr lang="en-US" b="1" dirty="0"/>
           </a:p>
         </p:txBody>
       </p:sp>
@@ -6072,7 +6072,7 @@
               <a:t>When you activate logging, a new virtual interface will be created called </a:t>
             </a:r>
             <a:r>
-              <a:rPr lang="en-US" i="1" dirty="0" smtClean="0"/>
+              <a:rPr lang="en-US" b="1" i="1" dirty="0" smtClean="0"/>
               <a:t>pflog0</a:t>
             </a:r>
           </a:p>
@@ -6093,21 +6093,74 @@
           <a:p>
             <a:r>
               <a:rPr lang="en-US" dirty="0" smtClean="0"/>
-              <a:t>You can also direct all logs to /</a:t>
+              <a:t>You can also direct all logs to </a:t>
+            </a:r>
+            <a:r>
+              <a:rPr lang="en-US" b="1" dirty="0" smtClean="0"/>
+              <a:t>/</a:t>
+            </a:r>
+            <a:r>
+              <a:rPr lang="en-US" b="1" dirty="0" err="1" smtClean="0"/>
+              <a:t>var</a:t>
+            </a:r>
+            <a:r>
+              <a:rPr lang="en-US" b="1" dirty="0" smtClean="0"/>
+              <a:t>/logs/</a:t>
+            </a:r>
+            <a:r>
+              <a:rPr lang="en-US" b="1" dirty="0" err="1" smtClean="0"/>
+              <a:t>pflog</a:t>
+            </a:r>
+            <a:r>
+              <a:rPr lang="en-US" b="1" dirty="0" smtClean="0"/>
+              <a:t> </a:t>
+            </a:r>
+            <a:r>
+              <a:rPr lang="en-US" dirty="0" smtClean="0"/>
+              <a:t>by adding the following to /</a:t>
             </a:r>
             <a:r>
               <a:rPr lang="en-US" dirty="0" err="1" smtClean="0"/>
+              <a:t>etc</a:t>
+            </a:r>
+            <a:r>
+              <a:rPr lang="en-US" dirty="0" smtClean="0"/>
+              <a:t>/</a:t>
+            </a:r>
+            <a:r>
+              <a:rPr lang="en-US" dirty="0" err="1" smtClean="0"/>
+              <a:t>rc.conf</a:t>
+            </a:r>
+            <a:endParaRPr lang="en-US" dirty="0" smtClean="0"/>
+          </a:p>
+          <a:p>
+            <a:pPr marL="457200" lvl="1" indent="0">
+              <a:buNone/>
+            </a:pPr>
+            <a:r>
+              <a:rPr lang="en-US" b="1" dirty="0" err="1"/>
+              <a:t>pflog_logfile</a:t>
+            </a:r>
+            <a:r>
+              <a:rPr lang="en-US" b="1" dirty="0"/>
+              <a:t>="/</a:t>
+            </a:r>
+            <a:r>
+              <a:rPr lang="en-US" b="1" dirty="0" err="1"/>
               <a:t>var</a:t>
             </a:r>
             <a:r>
-              <a:rPr lang="en-US" dirty="0" smtClean="0"/>
-              <a:t>/logs/</a:t>
-            </a:r>
-            <a:r>
-              <a:rPr lang="en-US" smtClean="0"/>
+              <a:rPr lang="en-US" b="1" dirty="0"/>
+              <a:t>/log/</a:t>
+            </a:r>
+            <a:r>
+              <a:rPr lang="en-US" b="1" dirty="0" err="1"/>
               <a:t>pflog</a:t>
             </a:r>
-            <a:endParaRPr lang="en-US"/>
+            <a:r>
+              <a:rPr lang="en-US" b="1" dirty="0"/>
+              <a:t>"</a:t>
+            </a:r>
           </a:p>
         </p:txBody>
       </p:sp>

--- a/firewalls/Firewalling in FreeBSD-v1.pptx
+++ b/firewalls/Firewalling in FreeBSD-v1.pptx
@@ -5200,7 +5200,7 @@
         <p:spPr/>
         <p:txBody>
           <a:bodyPr>
-            <a:normAutofit fontScale="92500"/>
+            <a:normAutofit fontScale="92500" lnSpcReduction="10000"/>
           </a:bodyPr>
           <a:lstStyle/>
           <a:p>
@@ -5248,7 +5248,21 @@
                 <a:latin typeface="Courier"/>
                 <a:cs typeface="Courier"/>
               </a:rPr>
-              <a:t>pass in on em0 </a:t>
+              <a:t>pass in </a:t>
+            </a:r>
+            <a:r>
+              <a:rPr lang="en-US" dirty="0" smtClean="0">
+                <a:latin typeface="Courier"/>
+                <a:cs typeface="Courier"/>
+              </a:rPr>
+              <a:t>log on </a:t>
+            </a:r>
+            <a:r>
+              <a:rPr lang="en-US" dirty="0" smtClean="0">
+                <a:latin typeface="Courier"/>
+                <a:cs typeface="Courier"/>
+              </a:rPr>
+              <a:t>em0 </a:t>
             </a:r>
             <a:r>
               <a:rPr lang="en-US" dirty="0" err="1" smtClean="0">

--- a/firewalls/Firewalling in FreeBSD-v1.pptx
+++ b/firewalls/Firewalling in FreeBSD-v1.pptx
@@ -5200,7 +5200,7 @@
         <p:spPr/>
         <p:txBody>
           <a:bodyPr>
-            <a:normAutofit fontScale="92500" lnSpcReduction="10000"/>
+            <a:normAutofit fontScale="92500"/>
           </a:bodyPr>
           <a:lstStyle/>
           <a:p>
@@ -5224,19 +5224,14 @@
                 <a:latin typeface="Courier"/>
                 <a:cs typeface="Courier"/>
               </a:rPr>
-              <a:t>block out all</a:t>
-            </a:r>
-          </a:p>
-          <a:p>
-            <a:pPr>
-              <a:buNone/>
-            </a:pPr>
+              <a:t>set </a:t>
+            </a:r>
             <a:r>
               <a:rPr lang="en-US" dirty="0" smtClean="0">
                 <a:latin typeface="Courier"/>
                 <a:cs typeface="Courier"/>
               </a:rPr>
-              <a:t>set skip on lo0</a:t>
+              <a:t>skip on lo0</a:t>
             </a:r>
           </a:p>
           <a:p>
@@ -5248,21 +5243,7 @@
                 <a:latin typeface="Courier"/>
                 <a:cs typeface="Courier"/>
               </a:rPr>
-              <a:t>pass in </a:t>
-            </a:r>
-            <a:r>
-              <a:rPr lang="en-US" dirty="0" smtClean="0">
-                <a:latin typeface="Courier"/>
-                <a:cs typeface="Courier"/>
-              </a:rPr>
-              <a:t>log on </a:t>
-            </a:r>
-            <a:r>
-              <a:rPr lang="en-US" dirty="0" smtClean="0">
-                <a:latin typeface="Courier"/>
-                <a:cs typeface="Courier"/>
-              </a:rPr>
-              <a:t>em0 </a:t>
+              <a:t>pass in log on em0 </a:t>
             </a:r>
             <a:r>
               <a:rPr lang="en-US" dirty="0" err="1" smtClean="0">
@@ -5443,19 +5424,14 @@
                 <a:latin typeface="Courier"/>
                 <a:cs typeface="Courier"/>
               </a:rPr>
-              <a:t>block out all</a:t>
-            </a:r>
-          </a:p>
-          <a:p>
-            <a:pPr>
-              <a:buNone/>
-            </a:pPr>
+              <a:t>set </a:t>
+            </a:r>
             <a:r>
               <a:rPr lang="en-US" sz="2000" dirty="0" smtClean="0">
                 <a:latin typeface="Courier"/>
                 <a:cs typeface="Courier"/>
               </a:rPr>
-              <a:t>set skip on lo0</a:t>
+              <a:t>skip on lo0</a:t>
             </a:r>
           </a:p>
           <a:p>
@@ -5884,19 +5860,14 @@
                 <a:latin typeface="Courier"/>
                 <a:cs typeface="Courier"/>
               </a:rPr>
-              <a:t>block out all</a:t>
-            </a:r>
-          </a:p>
-          <a:p>
-            <a:pPr>
-              <a:buNone/>
-            </a:pPr>
+              <a:t>set </a:t>
+            </a:r>
             <a:r>
               <a:rPr lang="en-US" sz="2000" dirty="0" smtClean="0">
                 <a:latin typeface="Courier"/>
                 <a:cs typeface="Courier"/>
               </a:rPr>
-              <a:t>set skip on lo0</a:t>
+              <a:t>skip on lo0</a:t>
             </a:r>
           </a:p>
           <a:p>

--- a/firewalls/Firewalling in FreeBSD-v1.pptx
+++ b/firewalls/Firewalling in FreeBSD-v1.pptx
@@ -4510,7 +4510,7 @@
         </p:spPr>
         <p:txBody>
           <a:bodyPr>
-            <a:normAutofit fontScale="92500" lnSpcReduction="10000"/>
+            <a:normAutofit fontScale="92500" lnSpcReduction="20000"/>
           </a:bodyPr>
           <a:lstStyle/>
           <a:p>
@@ -4548,15 +4548,48 @@
           <a:p>
             <a:r>
               <a:rPr lang="en-US" dirty="0" smtClean="0"/>
-              <a:t>Also good idea to leave out the loopback interface</a:t>
-            </a:r>
+              <a:t>Also good idea to leave out the loopback </a:t>
+            </a:r>
+            <a:r>
+              <a:rPr lang="en-US" dirty="0" smtClean="0"/>
+              <a:t>interface and link local addresses</a:t>
+            </a:r>
+            <a:endParaRPr lang="en-US" dirty="0" smtClean="0"/>
           </a:p>
           <a:p>
             <a:pPr lvl="1"/>
             <a:r>
               <a:rPr lang="en-US" b="1" dirty="0" smtClean="0"/>
-              <a:t>set skip on lo0</a:t>
-            </a:r>
+              <a:t>set skip on </a:t>
+            </a:r>
+            <a:r>
+              <a:rPr lang="en-US" b="1" dirty="0" smtClean="0"/>
+              <a:t>lo0</a:t>
+            </a:r>
+          </a:p>
+          <a:p>
+            <a:pPr lvl="1"/>
+            <a:r>
+              <a:rPr lang="en-US" dirty="0" smtClean="0"/>
+              <a:t>You can set a macro </a:t>
+            </a:r>
+            <a:r>
+              <a:rPr lang="en-US" dirty="0" err="1" smtClean="0"/>
+              <a:t>eg</a:t>
+            </a:r>
+            <a:r>
+              <a:rPr lang="en-US" smtClean="0"/>
+              <a:t>: ipv6_ll=fe80</a:t>
+            </a:r>
+            <a:r>
+              <a:rPr lang="en-US" dirty="0" smtClean="0"/>
+              <a:t>::</a:t>
+            </a:r>
+            <a:r>
+              <a:rPr lang="en-US" smtClean="0"/>
+              <a:t>/10</a:t>
+            </a:r>
+            <a:endParaRPr lang="en-US" dirty="0" smtClean="0"/>
           </a:p>
           <a:p>
             <a:endParaRPr lang="en-US" b="1" dirty="0" smtClean="0"/>
@@ -5224,14 +5257,7 @@
                 <a:latin typeface="Courier"/>
                 <a:cs typeface="Courier"/>
               </a:rPr>
-              <a:t>set </a:t>
-            </a:r>
-            <a:r>
-              <a:rPr lang="en-US" dirty="0" smtClean="0">
-                <a:latin typeface="Courier"/>
-                <a:cs typeface="Courier"/>
-              </a:rPr>
-              <a:t>skip on lo0</a:t>
+              <a:t>set skip on lo0</a:t>
             </a:r>
           </a:p>
           <a:p>
@@ -5424,14 +5450,7 @@
                 <a:latin typeface="Courier"/>
                 <a:cs typeface="Courier"/>
               </a:rPr>
-              <a:t>set </a:t>
-            </a:r>
-            <a:r>
-              <a:rPr lang="en-US" sz="2000" dirty="0" smtClean="0">
-                <a:latin typeface="Courier"/>
-                <a:cs typeface="Courier"/>
-              </a:rPr>
-              <a:t>skip on lo0</a:t>
+              <a:t>set skip on lo0</a:t>
             </a:r>
           </a:p>
           <a:p>
@@ -5860,14 +5879,7 @@
                 <a:latin typeface="Courier"/>
                 <a:cs typeface="Courier"/>
               </a:rPr>
-              <a:t>set </a:t>
-            </a:r>
-            <a:r>
-              <a:rPr lang="en-US" sz="2000" dirty="0" smtClean="0">
-                <a:latin typeface="Courier"/>
-                <a:cs typeface="Courier"/>
-              </a:rPr>
-              <a:t>skip on lo0</a:t>
+              <a:t>set skip on lo0</a:t>
             </a:r>
           </a:p>
           <a:p>

--- a/firewalls/Firewalling in FreeBSD-v1.pptx
+++ b/firewalls/Firewalling in FreeBSD-v1.pptx
@@ -4504,13 +4504,13 @@
         </p:nvSpPr>
         <p:spPr>
           <a:xfrm>
-            <a:off x="457200" y="1161858"/>
-            <a:ext cx="8229600" cy="4964305"/>
+            <a:off x="457199" y="1161858"/>
+            <a:ext cx="8336501" cy="5368256"/>
           </a:xfrm>
         </p:spPr>
         <p:txBody>
           <a:bodyPr>
-            <a:normAutofit fontScale="92500" lnSpcReduction="20000"/>
+            <a:normAutofit fontScale="92500" lnSpcReduction="10000"/>
           </a:bodyPr>
           <a:lstStyle/>
           <a:p>
@@ -4578,16 +4578,8 @@
               <a:t>eg</a:t>
             </a:r>
             <a:r>
-              <a:rPr lang="en-US" smtClean="0"/>
-              <a:t>: ipv6_ll=fe80</a:t>
-            </a:r>
-            <a:r>
-              <a:rPr lang="en-US" dirty="0" smtClean="0"/>
-              <a:t>::</a:t>
-            </a:r>
-            <a:r>
-              <a:rPr lang="en-US" smtClean="0"/>
-              <a:t>/10</a:t>
+              <a:rPr lang="en-US" dirty="0" smtClean="0"/>
+              <a:t>: ipv6_ll=“fe80::/10”</a:t>
             </a:r>
             <a:endParaRPr lang="en-US" dirty="0" smtClean="0"/>
           </a:p>

--- a/firewalls/Firewalling in FreeBSD-v1.pptx
+++ b/firewalls/Firewalling in FreeBSD-v1.pptx
@@ -5225,7 +5225,7 @@
         <p:spPr/>
         <p:txBody>
           <a:bodyPr>
-            <a:normAutofit fontScale="92500"/>
+            <a:normAutofit/>
           </a:bodyPr>
           <a:lstStyle/>
           <a:p>
@@ -5233,19 +5233,30 @@
               <a:buNone/>
             </a:pPr>
             <a:r>
-              <a:rPr lang="en-US" dirty="0" smtClean="0">
+              <a:rPr lang="en-US" sz="2400" dirty="0" smtClean="0">
                 <a:latin typeface="Courier"/>
                 <a:cs typeface="Courier"/>
               </a:rPr>
-              <a:t>block in all</a:t>
-            </a:r>
+              <a:t>block in </a:t>
+            </a:r>
+            <a:r>
+              <a:rPr lang="en-US" sz="2400" dirty="0">
+                <a:latin typeface="Courier"/>
+                <a:cs typeface="Courier"/>
+              </a:rPr>
+              <a:t>all #block stuff by default</a:t>
+            </a:r>
+            <a:endParaRPr lang="en-US" sz="2400" dirty="0" smtClean="0">
+              <a:latin typeface="Courier"/>
+              <a:cs typeface="Courier"/>
+            </a:endParaRPr>
           </a:p>
           <a:p>
             <a:pPr>
               <a:buNone/>
             </a:pPr>
             <a:r>
-              <a:rPr lang="en-US" dirty="0" smtClean="0">
+              <a:rPr lang="en-US" sz="2400" dirty="0" smtClean="0">
                 <a:latin typeface="Courier"/>
                 <a:cs typeface="Courier"/>
               </a:rPr>
@@ -5257,35 +5268,35 @@
               <a:buNone/>
             </a:pPr>
             <a:r>
-              <a:rPr lang="en-US" dirty="0" smtClean="0">
+              <a:rPr lang="en-US" sz="2400" dirty="0" smtClean="0">
                 <a:latin typeface="Courier"/>
                 <a:cs typeface="Courier"/>
               </a:rPr>
               <a:t>pass in log on em0 </a:t>
             </a:r>
             <a:r>
-              <a:rPr lang="en-US" dirty="0" err="1" smtClean="0">
+              <a:rPr lang="en-US" sz="2400" dirty="0" err="1" smtClean="0">
                 <a:latin typeface="Courier"/>
                 <a:cs typeface="Courier"/>
               </a:rPr>
               <a:t>inet</a:t>
             </a:r>
             <a:r>
-              <a:rPr lang="en-US" dirty="0" smtClean="0">
+              <a:rPr lang="en-US" sz="2400" dirty="0" smtClean="0">
                 <a:latin typeface="Courier"/>
                 <a:cs typeface="Courier"/>
               </a:rPr>
               <a:t> proto </a:t>
             </a:r>
             <a:r>
-              <a:rPr lang="en-US" dirty="0" err="1" smtClean="0">
+              <a:rPr lang="en-US" sz="2400" dirty="0" err="1" smtClean="0">
                 <a:latin typeface="Courier"/>
                 <a:cs typeface="Courier"/>
               </a:rPr>
               <a:t>tcp</a:t>
             </a:r>
             <a:r>
-              <a:rPr lang="en-US" dirty="0" smtClean="0">
+              <a:rPr lang="en-US" sz="2400" dirty="0" smtClean="0">
                 <a:latin typeface="Courier"/>
                 <a:cs typeface="Courier"/>
               </a:rPr>
@@ -5297,47 +5308,47 @@
               <a:buNone/>
             </a:pPr>
             <a:r>
-              <a:rPr lang="en-US" dirty="0" smtClean="0">
+              <a:rPr lang="en-US" sz="2400" dirty="0" smtClean="0">
                 <a:latin typeface="Courier"/>
                 <a:cs typeface="Courier"/>
               </a:rPr>
               <a:t>pass out on em0 </a:t>
             </a:r>
             <a:r>
-              <a:rPr lang="en-US" dirty="0" err="1" smtClean="0">
+              <a:rPr lang="en-US" sz="2400" dirty="0" err="1" smtClean="0">
                 <a:latin typeface="Courier"/>
                 <a:cs typeface="Courier"/>
               </a:rPr>
               <a:t>inet</a:t>
             </a:r>
             <a:r>
-              <a:rPr lang="en-US" dirty="0" smtClean="0">
+              <a:rPr lang="en-US" sz="2400" dirty="0" smtClean="0">
                 <a:latin typeface="Courier"/>
                 <a:cs typeface="Courier"/>
               </a:rPr>
               <a:t> proto </a:t>
             </a:r>
             <a:r>
-              <a:rPr lang="en-US" dirty="0" err="1" smtClean="0">
+              <a:rPr lang="en-US" sz="2400" dirty="0" err="1" smtClean="0">
                 <a:latin typeface="Courier"/>
                 <a:cs typeface="Courier"/>
               </a:rPr>
               <a:t>tcp</a:t>
             </a:r>
             <a:r>
-              <a:rPr lang="en-US" dirty="0" smtClean="0">
+              <a:rPr lang="en-US" sz="2400" dirty="0" smtClean="0">
                 <a:latin typeface="Courier"/>
                 <a:cs typeface="Courier"/>
               </a:rPr>
               <a:t> all</a:t>
             </a:r>
             <a:br>
-              <a:rPr lang="en-US" dirty="0" smtClean="0">
+              <a:rPr lang="en-US" sz="2400" dirty="0" smtClean="0">
                 <a:latin typeface="Courier"/>
                 <a:cs typeface="Courier"/>
               </a:rPr>
             </a:br>
-            <a:endParaRPr lang="en-US" dirty="0" smtClean="0">
+            <a:endParaRPr lang="en-US" sz="2400" dirty="0" smtClean="0">
               <a:latin typeface="Courier"/>
               <a:cs typeface="Courier"/>
             </a:endParaRPr>
@@ -5430,8 +5441,19 @@
                 <a:latin typeface="Courier"/>
                 <a:cs typeface="Courier"/>
               </a:rPr>
-              <a:t>block in all</a:t>
-            </a:r>
+              <a:t>block in </a:t>
+            </a:r>
+            <a:r>
+              <a:rPr lang="en-US" sz="2000" dirty="0" smtClean="0">
+                <a:latin typeface="Courier"/>
+                <a:cs typeface="Courier"/>
+              </a:rPr>
+              <a:t>all #block stuff by default</a:t>
+            </a:r>
+            <a:endParaRPr lang="en-US" sz="2000" dirty="0" smtClean="0">
+              <a:latin typeface="Courier"/>
+              <a:cs typeface="Courier"/>
+            </a:endParaRPr>
           </a:p>
           <a:p>
             <a:pPr>
@@ -5859,8 +5881,19 @@
                 <a:latin typeface="Courier"/>
                 <a:cs typeface="Courier"/>
               </a:rPr>
-              <a:t>block in all</a:t>
-            </a:r>
+              <a:t>block in </a:t>
+            </a:r>
+            <a:r>
+              <a:rPr lang="en-US" sz="2000" dirty="0">
+                <a:latin typeface="Courier"/>
+                <a:cs typeface="Courier"/>
+              </a:rPr>
+              <a:t>all #block stuff by default</a:t>
+            </a:r>
+            <a:endParaRPr lang="en-US" sz="2000" dirty="0" smtClean="0">
+              <a:latin typeface="Courier"/>
+              <a:cs typeface="Courier"/>
+            </a:endParaRPr>
           </a:p>
           <a:p>
             <a:pPr>

--- a/firewalls/Firewalling in FreeBSD-v1.pptx
+++ b/firewalls/Firewalling in FreeBSD-v1.pptx
@@ -28,9 +28,15 @@
     <p:sldId id="274" r:id="rId22"/>
     <p:sldId id="273" r:id="rId23"/>
     <p:sldId id="275" r:id="rId24"/>
-    <p:sldId id="282" r:id="rId25"/>
-    <p:sldId id="281" r:id="rId26"/>
-    <p:sldId id="279" r:id="rId27"/>
+    <p:sldId id="285" r:id="rId25"/>
+    <p:sldId id="286" r:id="rId26"/>
+    <p:sldId id="288" r:id="rId27"/>
+    <p:sldId id="287" r:id="rId28"/>
+    <p:sldId id="283" r:id="rId29"/>
+    <p:sldId id="284" r:id="rId30"/>
+    <p:sldId id="282" r:id="rId31"/>
+    <p:sldId id="281" r:id="rId32"/>
+    <p:sldId id="279" r:id="rId33"/>
   </p:sldIdLst>
   <p:sldSz cx="9144000" cy="6858000" type="screen4x3"/>
   <p:notesSz cx="6858000" cy="9144000"/>
@@ -4548,23 +4554,14 @@
           <a:p>
             <a:r>
               <a:rPr lang="en-US" dirty="0" smtClean="0"/>
-              <a:t>Also good idea to leave out the loopback </a:t>
-            </a:r>
-            <a:r>
-              <a:rPr lang="en-US" dirty="0" smtClean="0"/>
-              <a:t>interface and link local addresses</a:t>
-            </a:r>
-            <a:endParaRPr lang="en-US" dirty="0" smtClean="0"/>
+              <a:t>Also good idea to leave out the loopback interface and link local addresses</a:t>
+            </a:r>
           </a:p>
           <a:p>
             <a:pPr lvl="1"/>
             <a:r>
               <a:rPr lang="en-US" b="1" dirty="0" smtClean="0"/>
-              <a:t>set skip on </a:t>
-            </a:r>
-            <a:r>
-              <a:rPr lang="en-US" b="1" dirty="0" smtClean="0"/>
-              <a:t>lo0</a:t>
+              <a:t>set skip on lo0</a:t>
             </a:r>
           </a:p>
           <a:p>
@@ -4581,7 +4578,6 @@
               <a:rPr lang="en-US" dirty="0" smtClean="0"/>
               <a:t>: ipv6_ll=“fe80::/10”</a:t>
             </a:r>
-            <a:endParaRPr lang="en-US" dirty="0" smtClean="0"/>
           </a:p>
           <a:p>
             <a:endParaRPr lang="en-US" b="1" dirty="0" smtClean="0"/>
@@ -5441,19 +5437,8 @@
                 <a:latin typeface="Courier"/>
                 <a:cs typeface="Courier"/>
               </a:rPr>
-              <a:t>block in </a:t>
-            </a:r>
-            <a:r>
-              <a:rPr lang="en-US" sz="2000" dirty="0" smtClean="0">
-                <a:latin typeface="Courier"/>
-                <a:cs typeface="Courier"/>
-              </a:rPr>
-              <a:t>all #block stuff by default</a:t>
-            </a:r>
-            <a:endParaRPr lang="en-US" sz="2000" dirty="0" smtClean="0">
-              <a:latin typeface="Courier"/>
-              <a:cs typeface="Courier"/>
-            </a:endParaRPr>
+              <a:t>block in all #block stuff by default</a:t>
+            </a:r>
           </a:p>
           <a:p>
             <a:pPr>
@@ -6061,14 +6046,19 @@
             <p:ph type="title"/>
           </p:nvPr>
         </p:nvSpPr>
-        <p:spPr/>
+        <p:spPr>
+          <a:xfrm>
+            <a:off x="457200" y="32747"/>
+            <a:ext cx="8229600" cy="919701"/>
+          </a:xfrm>
+        </p:spPr>
         <p:txBody>
           <a:bodyPr/>
           <a:lstStyle/>
           <a:p>
             <a:r>
               <a:rPr lang="en-US" b="1" dirty="0" smtClean="0"/>
-              <a:t>Logging</a:t>
+              <a:t>Understanding the PF Rules</a:t>
             </a:r>
             <a:endParaRPr lang="en-US" b="1" dirty="0"/>
           </a:p>
@@ -6084,112 +6074,73 @@
             <p:ph idx="1"/>
           </p:nvPr>
         </p:nvSpPr>
-        <p:spPr/>
-        <p:txBody>
-          <a:bodyPr/>
-          <a:lstStyle/>
-          <a:p>
-            <a:r>
-              <a:rPr lang="en-US" dirty="0" smtClean="0"/>
-              <a:t>When you activate logging, a new virtual interface will be created called </a:t>
-            </a:r>
-            <a:r>
-              <a:rPr lang="en-US" b="1" i="1" dirty="0" smtClean="0"/>
-              <a:t>pflog0</a:t>
-            </a:r>
-          </a:p>
-          <a:p>
-            <a:r>
-              <a:rPr lang="en-US" dirty="0" smtClean="0"/>
-              <a:t>Doing a </a:t>
-            </a:r>
-            <a:r>
-              <a:rPr lang="en-US" dirty="0" err="1" smtClean="0"/>
-              <a:t>tcpdump</a:t>
-            </a:r>
-            <a:r>
-              <a:rPr lang="en-US" dirty="0" smtClean="0"/>
-              <a:t> on this interface will provide details of all traffic that you have chosen to log</a:t>
-            </a:r>
-          </a:p>
-          <a:p>
-            <a:r>
-              <a:rPr lang="en-US" dirty="0" smtClean="0"/>
-              <a:t>You can also direct all logs to </a:t>
-            </a:r>
-            <a:r>
-              <a:rPr lang="en-US" b="1" dirty="0" smtClean="0"/>
-              <a:t>/</a:t>
-            </a:r>
-            <a:r>
-              <a:rPr lang="en-US" b="1" dirty="0" err="1" smtClean="0"/>
-              <a:t>var</a:t>
-            </a:r>
-            <a:r>
-              <a:rPr lang="en-US" b="1" dirty="0" smtClean="0"/>
-              <a:t>/logs/</a:t>
-            </a:r>
-            <a:r>
-              <a:rPr lang="en-US" b="1" dirty="0" err="1" smtClean="0"/>
-              <a:t>pflog</a:t>
-            </a:r>
-            <a:r>
-              <a:rPr lang="en-US" b="1" dirty="0" smtClean="0"/>
-              <a:t> </a:t>
-            </a:r>
-            <a:r>
-              <a:rPr lang="en-US" dirty="0" smtClean="0"/>
-              <a:t>by adding the following to /</a:t>
-            </a:r>
-            <a:r>
-              <a:rPr lang="en-US" dirty="0" err="1" smtClean="0"/>
-              <a:t>etc</a:t>
-            </a:r>
-            <a:r>
-              <a:rPr lang="en-US" dirty="0" smtClean="0"/>
-              <a:t>/</a:t>
-            </a:r>
-            <a:r>
-              <a:rPr lang="en-US" dirty="0" err="1" smtClean="0"/>
-              <a:t>rc.conf</a:t>
-            </a:r>
+        <p:spPr>
+          <a:xfrm>
+            <a:off x="347767" y="1103630"/>
+            <a:ext cx="8339033" cy="5472793"/>
+          </a:xfrm>
+        </p:spPr>
+        <p:txBody>
+          <a:bodyPr>
+            <a:normAutofit fontScale="92500" lnSpcReduction="10000"/>
+          </a:bodyPr>
+          <a:lstStyle/>
+          <a:p>
+            <a:r>
+              <a:rPr lang="en-US" dirty="0" smtClean="0"/>
+              <a:t>Rules are red from top to bottom</a:t>
+            </a:r>
+          </a:p>
+          <a:p>
+            <a:r>
+              <a:rPr lang="en-US" dirty="0" smtClean="0"/>
+              <a:t>A matching pass rule in one direction automatically creates a matching pass rule in the other direction</a:t>
+            </a:r>
+          </a:p>
+          <a:p>
+            <a:r>
+              <a:rPr lang="en-US" dirty="0" smtClean="0"/>
+              <a:t>PF allows everything in or out by default and you may (or may not) want this</a:t>
+            </a:r>
+          </a:p>
+          <a:p>
+            <a:r>
+              <a:rPr lang="en-US" dirty="0" smtClean="0"/>
+              <a:t>The last rule to match the packet wins</a:t>
+            </a:r>
+          </a:p>
+          <a:p>
+            <a:r>
+              <a:rPr lang="en-US" dirty="0" smtClean="0"/>
+              <a:t>If the packet is not matched it is allowed through anyway (default allow – exclusive)</a:t>
+            </a:r>
+          </a:p>
+          <a:p>
+            <a:r>
+              <a:rPr lang="en-US" dirty="0" smtClean="0"/>
+              <a:t>If you don</a:t>
+            </a:r>
+            <a:r>
+              <a:rPr lang="fr-FR" dirty="0" smtClean="0"/>
+              <a:t>’</a:t>
+            </a:r>
+            <a:r>
+              <a:rPr lang="en-US" dirty="0" smtClean="0"/>
+              <a:t>t want this, you must set an implicit block</a:t>
+            </a:r>
+          </a:p>
+          <a:p>
             <a:endParaRPr lang="en-US" dirty="0" smtClean="0"/>
           </a:p>
           <a:p>
-            <a:pPr marL="457200" lvl="1" indent="0">
-              <a:buNone/>
-            </a:pPr>
-            <a:r>
-              <a:rPr lang="en-US" b="1" dirty="0" err="1"/>
-              <a:t>pflog_logfile</a:t>
-            </a:r>
-            <a:r>
-              <a:rPr lang="en-US" b="1" dirty="0"/>
-              <a:t>="/</a:t>
-            </a:r>
-            <a:r>
-              <a:rPr lang="en-US" b="1" dirty="0" err="1"/>
-              <a:t>var</a:t>
-            </a:r>
-            <a:r>
-              <a:rPr lang="en-US" b="1" dirty="0"/>
-              <a:t>/log/</a:t>
-            </a:r>
-            <a:r>
-              <a:rPr lang="en-US" b="1" dirty="0" err="1"/>
-              <a:t>pflog</a:t>
-            </a:r>
-            <a:r>
-              <a:rPr lang="en-US" b="1" dirty="0"/>
-              <a:t>"</a:t>
-            </a:r>
+            <a:endParaRPr lang="en-US" dirty="0"/>
           </a:p>
         </p:txBody>
       </p:sp>
     </p:spTree>
     <p:extLst>
       <p:ext uri="{BB962C8B-B14F-4D97-AF65-F5344CB8AC3E}">
-        <p14:creationId xmlns:p14="http://schemas.microsoft.com/office/powerpoint/2010/main" val="2574323067"/>
+        <p14:creationId xmlns:p14="http://schemas.microsoft.com/office/powerpoint/2010/main" val="1400018760"/>
       </p:ext>
     </p:extLst>
   </p:cSld>
@@ -6233,7 +6184,7 @@
           <a:p>
             <a:r>
               <a:rPr lang="en-US" b="1" dirty="0" smtClean="0"/>
-              <a:t>Other PF Features</a:t>
+              <a:t>Sample Web Server</a:t>
             </a:r>
             <a:endParaRPr lang="en-US" b="1" dirty="0"/>
           </a:p>
@@ -6249,128 +6200,143 @@
             <p:ph idx="1"/>
           </p:nvPr>
         </p:nvSpPr>
-        <p:spPr>
-          <a:xfrm>
-            <a:off x="235266" y="1600200"/>
-            <a:ext cx="8229600" cy="4525963"/>
-          </a:xfrm>
-        </p:spPr>
+        <p:spPr/>
         <p:txBody>
           <a:bodyPr>
-            <a:normAutofit fontScale="92500" lnSpcReduction="20000"/>
+            <a:normAutofit/>
           </a:bodyPr>
           <a:lstStyle/>
           <a:p>
-            <a:r>
-              <a:rPr lang="en-US" b="1" dirty="0" err="1" smtClean="0"/>
-              <a:t>Antispoofing</a:t>
-            </a:r>
-            <a:r>
-              <a:rPr lang="en-US" dirty="0" smtClean="0"/>
-              <a:t> - when a malicious user fakes the source IP address in packets they transmit in order to either hide their real address or to impersonate another node on the network</a:t>
-            </a:r>
-          </a:p>
-          <a:p>
-            <a:r>
-              <a:rPr lang="en-US" b="1" dirty="0" smtClean="0"/>
-              <a:t>Anti-SPAM – </a:t>
-            </a:r>
-            <a:r>
-              <a:rPr lang="en-US" dirty="0" smtClean="0"/>
-              <a:t>when used with a software called </a:t>
-            </a:r>
-            <a:r>
-              <a:rPr lang="en-US" b="1" dirty="0" err="1" smtClean="0"/>
-              <a:t>spamd</a:t>
-            </a:r>
-            <a:r>
-              <a:rPr lang="en-US" dirty="0" smtClean="0"/>
-              <a:t> which downloads a list a blacklisted IP Addresses which can be fed to PF to block (</a:t>
-            </a:r>
-            <a:r>
-              <a:rPr lang="en-US" dirty="0" err="1" smtClean="0"/>
-              <a:t>spamd</a:t>
-            </a:r>
-            <a:r>
-              <a:rPr lang="en-US" dirty="0" smtClean="0"/>
-              <a:t> is not </a:t>
-            </a:r>
-            <a:r>
-              <a:rPr lang="en-US" dirty="0" err="1" smtClean="0"/>
-              <a:t>spamassassin</a:t>
-            </a:r>
-            <a:r>
-              <a:rPr lang="en-US" dirty="0" smtClean="0"/>
-              <a:t>) </a:t>
-            </a:r>
-            <a:endParaRPr lang="en-US" dirty="0"/>
-          </a:p>
-          <a:p>
-            <a:r>
-              <a:rPr lang="en-US" b="1" dirty="0" smtClean="0"/>
-              <a:t>Gateway Firewall – </a:t>
-            </a:r>
-            <a:r>
-              <a:rPr lang="en-US" dirty="0" smtClean="0"/>
-              <a:t>add to /</a:t>
-            </a:r>
-            <a:r>
-              <a:rPr lang="en-US" dirty="0" err="1" smtClean="0"/>
-              <a:t>etc</a:t>
-            </a:r>
-            <a:r>
-              <a:rPr lang="en-US" dirty="0" smtClean="0"/>
-              <a:t>/</a:t>
-            </a:r>
-            <a:r>
-              <a:rPr lang="en-US" smtClean="0"/>
-              <a:t>rc.conf</a:t>
-            </a:r>
-            <a:endParaRPr lang="en-US" b="1" dirty="0" smtClean="0"/>
-          </a:p>
-          <a:p>
-            <a:pPr marL="457200" lvl="1" indent="0">
+            <a:pPr marL="0" indent="0">
               <a:buNone/>
             </a:pPr>
             <a:r>
               <a:rPr lang="en-US" sz="2400" dirty="0" err="1"/>
-              <a:t>gateway_enable</a:t>
+              <a:t>ext_if</a:t>
             </a:r>
             <a:r>
               <a:rPr lang="en-US" sz="2400" dirty="0"/>
-              <a:t>="YES" </a:t>
+              <a:t>=“em0”</a:t>
+            </a:r>
+          </a:p>
+          <a:p>
+            <a:pPr marL="0" indent="0">
+              <a:buNone/>
+            </a:pPr>
+            <a:r>
+              <a:rPr lang="en-US" sz="2400" dirty="0" err="1"/>
+              <a:t>good_ports</a:t>
+            </a:r>
+            <a:r>
+              <a:rPr lang="en-US" sz="2400" dirty="0"/>
+              <a:t>=“{ 22, </a:t>
             </a:r>
             <a:r>
               <a:rPr lang="en-US" sz="2400" dirty="0" smtClean="0"/>
-              <a:t>		#</a:t>
+              <a:t>443</a:t>
             </a:r>
             <a:r>
               <a:rPr lang="en-US" sz="2400" dirty="0"/>
-              <a:t>for </a:t>
+              <a:t>, 80 }”</a:t>
+            </a:r>
+            <a:br>
+              <a:rPr lang="en-US" sz="2400" dirty="0"/>
+            </a:br>
+            <a:endParaRPr lang="en-US" sz="2400" dirty="0"/>
+          </a:p>
+          <a:p>
+            <a:pPr marL="0" indent="0">
+              <a:buNone/>
+            </a:pPr>
+            <a:r>
+              <a:rPr lang="en-US" sz="2400" dirty="0"/>
+              <a:t>block in all</a:t>
+            </a:r>
+          </a:p>
+          <a:p>
+            <a:pPr marL="0" indent="0">
+              <a:buNone/>
+            </a:pPr>
+            <a:r>
+              <a:rPr lang="en-US" sz="2400" dirty="0"/>
+              <a:t>pass out all</a:t>
+            </a:r>
+          </a:p>
+          <a:p>
+            <a:pPr marL="0" indent="0">
+              <a:buNone/>
+            </a:pPr>
+            <a:r>
+              <a:rPr lang="en-US" sz="2400" dirty="0"/>
+              <a:t>pass in on $em0 </a:t>
+            </a:r>
+            <a:r>
+              <a:rPr lang="en-US" sz="2400" dirty="0" err="1"/>
+              <a:t>inet</a:t>
+            </a:r>
+            <a:r>
+              <a:rPr lang="en-US" sz="2400" dirty="0"/>
+              <a:t> proto </a:t>
+            </a:r>
+            <a:r>
+              <a:rPr lang="en-US" sz="2400" dirty="0" err="1"/>
+              <a:t>tcp</a:t>
+            </a:r>
+            <a:r>
+              <a:rPr lang="en-US" sz="2400" dirty="0"/>
+              <a:t> from $</a:t>
+            </a:r>
+            <a:r>
+              <a:rPr lang="en-US" sz="2400" dirty="0" err="1"/>
+              <a:t>good_ports</a:t>
+            </a:r>
+            <a:r>
+              <a:rPr lang="en-US" sz="2400" dirty="0"/>
+              <a:t> to </a:t>
             </a:r>
             <a:r>
               <a:rPr lang="en-US" sz="2400" dirty="0" smtClean="0"/>
-              <a:t>ipv4 </a:t>
+              <a:t>any</a:t>
             </a:r>
             <a:br>
               <a:rPr lang="en-US" sz="2400" dirty="0" smtClean="0"/>
             </a:br>
             <a:r>
               <a:rPr lang="en-US" sz="2400" dirty="0" smtClean="0"/>
-              <a:t>ipv6_gateway_enable</a:t>
-            </a:r>
-            <a:r>
-              <a:rPr lang="en-US" sz="2400" dirty="0"/>
-              <a:t>="YES" #for ipv6</a:t>
-            </a:r>
-            <a:endParaRPr lang="en-US" sz="2600" dirty="0">
-              <a:latin typeface="Courier"/>
-              <a:cs typeface="Courier"/>
-            </a:endParaRPr>
+              <a:t/>
+            </a:r>
+            <a:br>
+              <a:rPr lang="en-US" sz="2400" dirty="0" smtClean="0"/>
+            </a:br>
+            <a:r>
+              <a:rPr lang="en-US" sz="2400" dirty="0" smtClean="0"/>
+              <a:t/>
+            </a:r>
+            <a:br>
+              <a:rPr lang="en-US" sz="2400" dirty="0" smtClean="0"/>
+            </a:br>
+            <a:r>
+              <a:rPr lang="en-US" sz="2400" dirty="0" smtClean="0"/>
+              <a:t>##This is sufficient to allow any communication that the server initiates (pass out all), all incoming </a:t>
+            </a:r>
+            <a:r>
+              <a:rPr lang="en-US" sz="2400" dirty="0" err="1" smtClean="0"/>
+              <a:t>tcp</a:t>
+            </a:r>
+            <a:r>
+              <a:rPr lang="en-US" sz="2400" dirty="0" smtClean="0"/>
+              <a:t> traffic to the good ports and block all other incoming traffic</a:t>
+            </a:r>
+            <a:endParaRPr lang="en-US" sz="2400" dirty="0"/>
           </a:p>
         </p:txBody>
       </p:sp>
     </p:spTree>
+    <p:extLst>
+      <p:ext uri="{BB962C8B-B14F-4D97-AF65-F5344CB8AC3E}">
+        <p14:creationId xmlns:p14="http://schemas.microsoft.com/office/powerpoint/2010/main" val="3366821294"/>
+      </p:ext>
+    </p:extLst>
   </p:cSld>
   <p:clrMapOvr>
     <a:masterClrMapping/>
@@ -6411,13 +6377,217 @@
           <a:lstStyle/>
           <a:p>
             <a:r>
-              <a:rPr lang="en-US" dirty="0" smtClean="0"/>
-              <a:t>References and more reading</a:t>
-            </a:r>
+              <a:rPr lang="en-US" b="1" dirty="0" smtClean="0"/>
+              <a:t>Sample Web Server 2</a:t>
+            </a:r>
+            <a:endParaRPr lang="en-US" b="1" dirty="0"/>
+          </a:p>
+        </p:txBody>
+      </p:sp>
+      <p:sp>
+        <p:nvSpPr>
+          <p:cNvPr id="3" name="Content Placeholder 2"/>
+          <p:cNvSpPr>
+            <a:spLocks noGrp="1"/>
+          </p:cNvSpPr>
+          <p:nvPr>
+            <p:ph idx="1"/>
+          </p:nvPr>
+        </p:nvSpPr>
+        <p:spPr>
+          <a:xfrm>
+            <a:off x="302406" y="1285048"/>
+            <a:ext cx="8648810" cy="5007415"/>
+          </a:xfrm>
+        </p:spPr>
+        <p:txBody>
+          <a:bodyPr>
+            <a:normAutofit fontScale="92500" lnSpcReduction="20000"/>
+          </a:bodyPr>
+          <a:lstStyle/>
+          <a:p>
+            <a:pPr marL="0" indent="0">
+              <a:buNone/>
+            </a:pPr>
+            <a:r>
+              <a:rPr lang="en-US" sz="2800" dirty="0" err="1"/>
+              <a:t>ext_if</a:t>
+            </a:r>
+            <a:r>
+              <a:rPr lang="en-US" sz="2800" dirty="0"/>
+              <a:t>=“em0”</a:t>
+            </a:r>
+          </a:p>
+          <a:p>
+            <a:pPr marL="0" indent="0">
+              <a:buNone/>
+            </a:pPr>
+            <a:r>
+              <a:rPr lang="en-US" sz="2800" dirty="0" err="1"/>
+              <a:t>good_ports</a:t>
+            </a:r>
+            <a:r>
+              <a:rPr lang="en-US" sz="2800" dirty="0"/>
+              <a:t>=“{ 22, 443, 80 }”</a:t>
+            </a:r>
+            <a:br>
+              <a:rPr lang="en-US" sz="2800" dirty="0"/>
+            </a:br>
+            <a:endParaRPr lang="en-US" sz="2800" dirty="0"/>
+          </a:p>
+          <a:p>
+            <a:pPr marL="0" indent="0">
+              <a:buNone/>
+            </a:pPr>
+            <a:r>
+              <a:rPr lang="en-US" sz="2800" dirty="0"/>
+              <a:t>pass in </a:t>
+            </a:r>
+            <a:r>
+              <a:rPr lang="en-US" sz="2800" dirty="0" smtClean="0"/>
+              <a:t>quick on </a:t>
+            </a:r>
+            <a:r>
+              <a:rPr lang="en-US" sz="2800" dirty="0"/>
+              <a:t>$em0 </a:t>
+            </a:r>
+            <a:r>
+              <a:rPr lang="en-US" sz="2800" dirty="0" err="1"/>
+              <a:t>inet</a:t>
+            </a:r>
+            <a:r>
+              <a:rPr lang="en-US" sz="2800" dirty="0"/>
+              <a:t> proto </a:t>
+            </a:r>
+            <a:r>
+              <a:rPr lang="en-US" sz="2800" dirty="0" err="1"/>
+              <a:t>tcp</a:t>
+            </a:r>
+            <a:r>
+              <a:rPr lang="en-US" sz="2800" dirty="0"/>
+              <a:t> from $</a:t>
+            </a:r>
+            <a:r>
+              <a:rPr lang="en-US" sz="2800" dirty="0" err="1"/>
+              <a:t>good_ports</a:t>
+            </a:r>
+            <a:r>
+              <a:rPr lang="en-US" sz="2800" dirty="0"/>
+              <a:t> to any</a:t>
+            </a:r>
+          </a:p>
+          <a:p>
+            <a:pPr marL="0" indent="0">
+              <a:buNone/>
+            </a:pPr>
+            <a:r>
+              <a:rPr lang="en-US" sz="2800" dirty="0"/>
+              <a:t>block in all</a:t>
+            </a:r>
+          </a:p>
+          <a:p>
+            <a:pPr marL="0" indent="0">
+              <a:buNone/>
+            </a:pPr>
+            <a:r>
+              <a:rPr lang="en-US" sz="2800" dirty="0"/>
+              <a:t>pass out all</a:t>
+            </a:r>
+            <a:br>
+              <a:rPr lang="en-US" sz="2800" dirty="0"/>
+            </a:br>
+            <a:endParaRPr lang="en-US" sz="2800" dirty="0"/>
+          </a:p>
+          <a:p>
+            <a:pPr marL="0" indent="0">
+              <a:buNone/>
+            </a:pPr>
+            <a:r>
+              <a:rPr lang="en-US" dirty="0"/>
+              <a:t/>
+            </a:r>
+            <a:br>
+              <a:rPr lang="en-US" dirty="0"/>
+            </a:br>
+            <a:r>
+              <a:rPr lang="en-US" dirty="0"/>
+              <a:t>##These rules will </a:t>
+            </a:r>
+            <a:r>
+              <a:rPr lang="en-US" dirty="0" smtClean="0"/>
+              <a:t>pass the good ports first (due to quick) then block </a:t>
+            </a:r>
+            <a:r>
+              <a:rPr lang="en-US" dirty="0"/>
+              <a:t>all incoming traffic (block in all</a:t>
+            </a:r>
+            <a:r>
+              <a:rPr lang="en-US" dirty="0" smtClean="0"/>
+              <a:t>) </a:t>
+            </a:r>
+            <a:r>
+              <a:rPr lang="en-US" dirty="0"/>
+              <a:t>Outgoing traffic will be allowed as long as the server sent the first packet (pass out all)</a:t>
+            </a:r>
+          </a:p>
+          <a:p>
             <a:endParaRPr lang="en-US" dirty="0"/>
           </a:p>
         </p:txBody>
       </p:sp>
+    </p:spTree>
+    <p:extLst>
+      <p:ext uri="{BB962C8B-B14F-4D97-AF65-F5344CB8AC3E}">
+        <p14:creationId xmlns:p14="http://schemas.microsoft.com/office/powerpoint/2010/main" val="1777343887"/>
+      </p:ext>
+    </p:extLst>
+  </p:cSld>
+  <p:clrMapOvr>
+    <a:masterClrMapping/>
+  </p:clrMapOvr>
+</p:sld>
+</file>
+
+<file path=ppt/slides/slide27.xml><?xml version="1.0" encoding="utf-8"?>
+<p:sld xmlns:a="http://schemas.openxmlformats.org/drawingml/2006/main" xmlns:r="http://schemas.openxmlformats.org/officeDocument/2006/relationships" xmlns:p="http://schemas.openxmlformats.org/presentationml/2006/main">
+  <p:cSld>
+    <p:spTree>
+      <p:nvGrpSpPr>
+        <p:cNvPr id="1" name=""/>
+        <p:cNvGrpSpPr/>
+        <p:nvPr/>
+      </p:nvGrpSpPr>
+      <p:grpSpPr>
+        <a:xfrm>
+          <a:off x="0" y="0"/>
+          <a:ext cx="0" cy="0"/>
+          <a:chOff x="0" y="0"/>
+          <a:chExt cx="0" cy="0"/>
+        </a:xfrm>
+      </p:grpSpPr>
+      <p:sp>
+        <p:nvSpPr>
+          <p:cNvPr id="2" name="Title 1"/>
+          <p:cNvSpPr>
+            <a:spLocks noGrp="1"/>
+          </p:cNvSpPr>
+          <p:nvPr>
+            <p:ph type="title"/>
+          </p:nvPr>
+        </p:nvSpPr>
+        <p:spPr/>
+        <p:txBody>
+          <a:bodyPr/>
+          <a:lstStyle/>
+          <a:p>
+            <a:r>
+              <a:rPr lang="en-US" b="1" dirty="0" smtClean="0"/>
+              <a:t>Sample Web Server 3</a:t>
+            </a:r>
+            <a:endParaRPr lang="en-US" b="1" dirty="0"/>
+          </a:p>
+        </p:txBody>
+      </p:sp>
       <p:sp>
         <p:nvSpPr>
           <p:cNvPr id="3" name="Content Placeholder 2"/>
@@ -6428,58 +6598,497 @@
             <p:ph idx="1"/>
           </p:nvPr>
         </p:nvSpPr>
+        <p:spPr>
+          <a:xfrm>
+            <a:off x="347767" y="1600200"/>
+            <a:ext cx="8467367" cy="4779686"/>
+          </a:xfrm>
+        </p:spPr>
+        <p:txBody>
+          <a:bodyPr>
+            <a:normAutofit/>
+          </a:bodyPr>
+          <a:lstStyle/>
+          <a:p>
+            <a:pPr marL="0" indent="0">
+              <a:buNone/>
+            </a:pPr>
+            <a:r>
+              <a:rPr lang="en-US" sz="2400" dirty="0" err="1"/>
+              <a:t>ext_if</a:t>
+            </a:r>
+            <a:r>
+              <a:rPr lang="en-US" sz="2400" dirty="0"/>
+              <a:t>=“em0”</a:t>
+            </a:r>
+          </a:p>
+          <a:p>
+            <a:pPr marL="0" indent="0">
+              <a:buNone/>
+            </a:pPr>
+            <a:r>
+              <a:rPr lang="en-US" sz="2400" dirty="0" err="1"/>
+              <a:t>good_ports</a:t>
+            </a:r>
+            <a:r>
+              <a:rPr lang="en-US" sz="2400" dirty="0"/>
+              <a:t>=“{ 22, </a:t>
+            </a:r>
+            <a:r>
+              <a:rPr lang="en-US" sz="2400" dirty="0" smtClean="0"/>
+              <a:t>443</a:t>
+            </a:r>
+            <a:r>
+              <a:rPr lang="en-US" sz="2400" dirty="0"/>
+              <a:t>, 80 }”</a:t>
+            </a:r>
+            <a:br>
+              <a:rPr lang="en-US" sz="2400" dirty="0"/>
+            </a:br>
+            <a:endParaRPr lang="en-US" sz="2400" dirty="0"/>
+          </a:p>
+          <a:p>
+            <a:pPr marL="0" indent="0">
+              <a:buNone/>
+            </a:pPr>
+            <a:r>
+              <a:rPr lang="en-US" sz="2400" dirty="0" smtClean="0"/>
+              <a:t>pass </a:t>
+            </a:r>
+            <a:r>
+              <a:rPr lang="en-US" sz="2400" dirty="0"/>
+              <a:t>in on $em0 </a:t>
+            </a:r>
+            <a:r>
+              <a:rPr lang="en-US" sz="2400" dirty="0" err="1"/>
+              <a:t>inet</a:t>
+            </a:r>
+            <a:r>
+              <a:rPr lang="en-US" sz="2400" dirty="0"/>
+              <a:t> proto </a:t>
+            </a:r>
+            <a:r>
+              <a:rPr lang="en-US" sz="2400" dirty="0" err="1"/>
+              <a:t>tcp</a:t>
+            </a:r>
+            <a:r>
+              <a:rPr lang="en-US" sz="2400" dirty="0"/>
+              <a:t> from $</a:t>
+            </a:r>
+            <a:r>
+              <a:rPr lang="en-US" sz="2400" dirty="0" err="1"/>
+              <a:t>good_ports</a:t>
+            </a:r>
+            <a:r>
+              <a:rPr lang="en-US" sz="2400" dirty="0"/>
+              <a:t> to </a:t>
+            </a:r>
+            <a:r>
+              <a:rPr lang="en-US" sz="2400" dirty="0" smtClean="0"/>
+              <a:t>any</a:t>
+            </a:r>
+          </a:p>
+          <a:p>
+            <a:pPr marL="0" indent="0">
+              <a:buNone/>
+            </a:pPr>
+            <a:r>
+              <a:rPr lang="en-US" sz="2400" dirty="0"/>
+              <a:t>b</a:t>
+            </a:r>
+            <a:r>
+              <a:rPr lang="en-US" sz="2400" dirty="0" smtClean="0"/>
+              <a:t>lock in all</a:t>
+            </a:r>
+            <a:endParaRPr lang="en-US" sz="2400" dirty="0"/>
+          </a:p>
+          <a:p>
+            <a:pPr marL="0" indent="0">
+              <a:buNone/>
+            </a:pPr>
+            <a:r>
+              <a:rPr lang="en-US" sz="2400" dirty="0"/>
+              <a:t>p</a:t>
+            </a:r>
+            <a:r>
+              <a:rPr lang="en-US" sz="2400" dirty="0" smtClean="0"/>
+              <a:t>ass out all</a:t>
+            </a:r>
+            <a:br>
+              <a:rPr lang="en-US" sz="2400" dirty="0" smtClean="0"/>
+            </a:br>
+            <a:endParaRPr lang="en-US" sz="2400" dirty="0" smtClean="0"/>
+          </a:p>
+          <a:p>
+            <a:pPr marL="0" indent="0">
+              <a:buNone/>
+            </a:pPr>
+            <a:r>
+              <a:rPr lang="en-US" sz="2400" dirty="0" smtClean="0"/>
+              <a:t/>
+            </a:r>
+            <a:br>
+              <a:rPr lang="en-US" sz="2400" dirty="0" smtClean="0"/>
+            </a:br>
+            <a:r>
+              <a:rPr lang="en-US" sz="2400" dirty="0"/>
+              <a:t>##</a:t>
+            </a:r>
+            <a:r>
+              <a:rPr lang="en-US" sz="2400" dirty="0" smtClean="0"/>
+              <a:t>These rules will block all incoming traffic (block in all) including traffic to the good ports hence this will fail. Outgoing traffic will be allowed as long as the server sent the first packet (pass out all)</a:t>
+            </a:r>
+            <a:endParaRPr lang="en-US" sz="2400" dirty="0"/>
+          </a:p>
+        </p:txBody>
+      </p:sp>
+    </p:spTree>
+    <p:extLst>
+      <p:ext uri="{BB962C8B-B14F-4D97-AF65-F5344CB8AC3E}">
+        <p14:creationId xmlns:p14="http://schemas.microsoft.com/office/powerpoint/2010/main" val="3890930800"/>
+      </p:ext>
+    </p:extLst>
+  </p:cSld>
+  <p:clrMapOvr>
+    <a:masterClrMapping/>
+  </p:clrMapOvr>
+</p:sld>
+</file>
+
+<file path=ppt/slides/slide28.xml><?xml version="1.0" encoding="utf-8"?>
+<p:sld xmlns:a="http://schemas.openxmlformats.org/drawingml/2006/main" xmlns:r="http://schemas.openxmlformats.org/officeDocument/2006/relationships" xmlns:p="http://schemas.openxmlformats.org/presentationml/2006/main">
+  <p:cSld>
+    <p:spTree>
+      <p:nvGrpSpPr>
+        <p:cNvPr id="1" name=""/>
+        <p:cNvGrpSpPr/>
+        <p:nvPr/>
+      </p:nvGrpSpPr>
+      <p:grpSpPr>
+        <a:xfrm>
+          <a:off x="0" y="0"/>
+          <a:ext cx="0" cy="0"/>
+          <a:chOff x="0" y="0"/>
+          <a:chExt cx="0" cy="0"/>
+        </a:xfrm>
+      </p:grpSpPr>
+      <p:sp>
+        <p:nvSpPr>
+          <p:cNvPr id="2" name="Title 1"/>
+          <p:cNvSpPr>
+            <a:spLocks noGrp="1"/>
+          </p:cNvSpPr>
+          <p:nvPr>
+            <p:ph type="title"/>
+          </p:nvPr>
+        </p:nvSpPr>
         <p:spPr/>
         <p:txBody>
           <a:bodyPr/>
           <a:lstStyle/>
           <a:p>
             <a:r>
-              <a:rPr lang="en-US" dirty="0" smtClean="0">
-                <a:hlinkClick r:id="rId2"/>
-              </a:rPr>
-              <a:t>http://en.wikipedia.org/wiki/PF_%28firewall%29</a:t>
-            </a:r>
-            <a:endParaRPr lang="en-US" dirty="0" smtClean="0"/>
-          </a:p>
-          <a:p>
-            <a:r>
-              <a:rPr lang="en-US" dirty="0" smtClean="0">
-                <a:hlinkClick r:id="rId3"/>
-              </a:rPr>
-              <a:t>http://www.openbsd.org/faq/pf/filter.html</a:t>
-            </a:r>
-            <a:endParaRPr lang="en-US" dirty="0" smtClean="0"/>
-          </a:p>
-          <a:p>
-            <a:r>
-              <a:rPr lang="en-US" dirty="0" smtClean="0">
-                <a:hlinkClick r:id="rId4"/>
-              </a:rPr>
-              <a:t>http://www.freebsd.org/doc/en_US.ISO8859-1/books/handbook/firewalls-pf.html</a:t>
-            </a:r>
-            <a:endParaRPr lang="en-US" dirty="0" smtClean="0"/>
-          </a:p>
-          <a:p>
-            <a:r>
-              <a:rPr lang="en-US" dirty="0" smtClean="0">
-                <a:hlinkClick r:id="rId5"/>
-              </a:rPr>
-              <a:t>http://en.wikipedia.org/wiki/Firewall_%28computing%29</a:t>
-            </a:r>
-            <a:r>
-              <a:rPr lang="en-US" dirty="0" smtClean="0"/>
-              <a:t> </a:t>
-            </a:r>
-          </a:p>
-          <a:p>
-            <a:endParaRPr lang="en-US" dirty="0" smtClean="0"/>
-          </a:p>
-          <a:p>
-            <a:endParaRPr lang="en-US" dirty="0"/>
+              <a:rPr lang="en-US" b="1" dirty="0" smtClean="0"/>
+              <a:t>Sample Mail Server example 1</a:t>
+            </a:r>
+            <a:endParaRPr lang="en-US" b="1" dirty="0"/>
+          </a:p>
+        </p:txBody>
+      </p:sp>
+      <p:sp>
+        <p:nvSpPr>
+          <p:cNvPr id="3" name="Content Placeholder 2"/>
+          <p:cNvSpPr>
+            <a:spLocks noGrp="1"/>
+          </p:cNvSpPr>
+          <p:nvPr>
+            <p:ph idx="1"/>
+          </p:nvPr>
+        </p:nvSpPr>
+        <p:spPr/>
+        <p:txBody>
+          <a:bodyPr>
+            <a:normAutofit/>
+          </a:bodyPr>
+          <a:lstStyle/>
+          <a:p>
+            <a:pPr marL="0" indent="0">
+              <a:buNone/>
+            </a:pPr>
+            <a:r>
+              <a:rPr lang="en-US" sz="2800" dirty="0" err="1" smtClean="0"/>
+              <a:t>ext_if</a:t>
+            </a:r>
+            <a:r>
+              <a:rPr lang="en-US" sz="2800" dirty="0" smtClean="0"/>
+              <a:t>=“em0”</a:t>
+            </a:r>
+          </a:p>
+          <a:p>
+            <a:pPr marL="0" indent="0">
+              <a:buNone/>
+            </a:pPr>
+            <a:r>
+              <a:rPr lang="en-US" sz="2800" dirty="0" err="1"/>
+              <a:t>g</a:t>
+            </a:r>
+            <a:r>
+              <a:rPr lang="en-US" sz="2800" dirty="0" err="1" smtClean="0"/>
+              <a:t>ood_ports</a:t>
+            </a:r>
+            <a:r>
+              <a:rPr lang="en-US" sz="2800" dirty="0" smtClean="0"/>
+              <a:t>=“{ 22, 25, 110, 143, 993, 995, 443, 80 }”</a:t>
+            </a:r>
+            <a:br>
+              <a:rPr lang="en-US" sz="2800" dirty="0" smtClean="0"/>
+            </a:br>
+            <a:endParaRPr lang="en-US" sz="2800" dirty="0" smtClean="0"/>
+          </a:p>
+          <a:p>
+            <a:pPr marL="0" indent="0">
+              <a:buNone/>
+            </a:pPr>
+            <a:r>
+              <a:rPr lang="en-US" sz="2800" dirty="0"/>
+              <a:t>b</a:t>
+            </a:r>
+            <a:r>
+              <a:rPr lang="en-US" sz="2800" dirty="0" smtClean="0"/>
+              <a:t>lock in all</a:t>
+            </a:r>
+          </a:p>
+          <a:p>
+            <a:pPr marL="0" indent="0">
+              <a:buNone/>
+            </a:pPr>
+            <a:r>
+              <a:rPr lang="en-US" sz="2800" dirty="0"/>
+              <a:t>p</a:t>
+            </a:r>
+            <a:r>
+              <a:rPr lang="en-US" sz="2800" dirty="0" smtClean="0"/>
+              <a:t>ass out all</a:t>
+            </a:r>
+          </a:p>
+          <a:p>
+            <a:pPr marL="0" indent="0">
+              <a:buNone/>
+            </a:pPr>
+            <a:r>
+              <a:rPr lang="en-US" sz="2800" dirty="0" smtClean="0"/>
+              <a:t>pass in on $em0 </a:t>
+            </a:r>
+            <a:r>
+              <a:rPr lang="en-US" sz="2800" dirty="0" err="1" smtClean="0"/>
+              <a:t>inet</a:t>
+            </a:r>
+            <a:r>
+              <a:rPr lang="en-US" sz="2800" dirty="0" smtClean="0"/>
+              <a:t> proto </a:t>
+            </a:r>
+            <a:r>
+              <a:rPr lang="en-US" sz="2800" dirty="0" err="1" smtClean="0"/>
+              <a:t>tcp</a:t>
+            </a:r>
+            <a:r>
+              <a:rPr lang="en-US" sz="2800" dirty="0" smtClean="0"/>
+              <a:t> from $</a:t>
+            </a:r>
+            <a:r>
+              <a:rPr lang="en-US" sz="2800" dirty="0" err="1" smtClean="0"/>
+              <a:t>good_ports</a:t>
+            </a:r>
+            <a:r>
+              <a:rPr lang="en-US" sz="2800" dirty="0" smtClean="0"/>
+              <a:t> to any </a:t>
+            </a:r>
+          </a:p>
+          <a:p>
+            <a:pPr marL="0" indent="0">
+              <a:buNone/>
+            </a:pPr>
+            <a:r>
+              <a:rPr lang="en-US" sz="2800" dirty="0" smtClean="0"/>
+              <a:t/>
+            </a:r>
+            <a:br>
+              <a:rPr lang="en-US" sz="2800" dirty="0" smtClean="0"/>
+            </a:br>
+            <a:endParaRPr lang="en-US" sz="2800" dirty="0"/>
           </a:p>
         </p:txBody>
       </p:sp>
     </p:spTree>
+    <p:extLst>
+      <p:ext uri="{BB962C8B-B14F-4D97-AF65-F5344CB8AC3E}">
+        <p14:creationId xmlns:p14="http://schemas.microsoft.com/office/powerpoint/2010/main" val="2566821977"/>
+      </p:ext>
+    </p:extLst>
+  </p:cSld>
+  <p:clrMapOvr>
+    <a:masterClrMapping/>
+  </p:clrMapOvr>
+</p:sld>
+</file>
+
+<file path=ppt/slides/slide29.xml><?xml version="1.0" encoding="utf-8"?>
+<p:sld xmlns:a="http://schemas.openxmlformats.org/drawingml/2006/main" xmlns:r="http://schemas.openxmlformats.org/officeDocument/2006/relationships" xmlns:p="http://schemas.openxmlformats.org/presentationml/2006/main">
+  <p:cSld>
+    <p:spTree>
+      <p:nvGrpSpPr>
+        <p:cNvPr id="1" name=""/>
+        <p:cNvGrpSpPr/>
+        <p:nvPr/>
+      </p:nvGrpSpPr>
+      <p:grpSpPr>
+        <a:xfrm>
+          <a:off x="0" y="0"/>
+          <a:ext cx="0" cy="0"/>
+          <a:chOff x="0" y="0"/>
+          <a:chExt cx="0" cy="0"/>
+        </a:xfrm>
+      </p:grpSpPr>
+      <p:sp>
+        <p:nvSpPr>
+          <p:cNvPr id="2" name="Title 1"/>
+          <p:cNvSpPr>
+            <a:spLocks noGrp="1"/>
+          </p:cNvSpPr>
+          <p:nvPr>
+            <p:ph type="title"/>
+          </p:nvPr>
+        </p:nvSpPr>
+        <p:spPr/>
+        <p:txBody>
+          <a:bodyPr/>
+          <a:lstStyle/>
+          <a:p>
+            <a:r>
+              <a:rPr lang="en-US" b="1" dirty="0" smtClean="0"/>
+              <a:t>Sample Mail Server example 2</a:t>
+            </a:r>
+            <a:endParaRPr lang="en-US" b="1" dirty="0"/>
+          </a:p>
+        </p:txBody>
+      </p:sp>
+      <p:sp>
+        <p:nvSpPr>
+          <p:cNvPr id="3" name="Content Placeholder 2"/>
+          <p:cNvSpPr>
+            <a:spLocks noGrp="1"/>
+          </p:cNvSpPr>
+          <p:nvPr>
+            <p:ph idx="1"/>
+          </p:nvPr>
+        </p:nvSpPr>
+        <p:spPr/>
+        <p:txBody>
+          <a:bodyPr>
+            <a:normAutofit/>
+          </a:bodyPr>
+          <a:lstStyle/>
+          <a:p>
+            <a:pPr marL="0" indent="0">
+              <a:buNone/>
+            </a:pPr>
+            <a:r>
+              <a:rPr lang="en-US" sz="2800" dirty="0" err="1" smtClean="0"/>
+              <a:t>ext_if</a:t>
+            </a:r>
+            <a:r>
+              <a:rPr lang="en-US" sz="2800" dirty="0" smtClean="0"/>
+              <a:t>=“em0”</a:t>
+            </a:r>
+          </a:p>
+          <a:p>
+            <a:pPr marL="0" indent="0">
+              <a:buNone/>
+            </a:pPr>
+            <a:r>
+              <a:rPr lang="en-US" sz="2800" dirty="0" err="1"/>
+              <a:t>g</a:t>
+            </a:r>
+            <a:r>
+              <a:rPr lang="en-US" sz="2800" dirty="0" err="1" smtClean="0"/>
+              <a:t>ood_ports</a:t>
+            </a:r>
+            <a:r>
+              <a:rPr lang="en-US" sz="2800" dirty="0" smtClean="0"/>
+              <a:t>=“{ 22, 25, 110, 143, 993, 995, 443, 80 }”</a:t>
+            </a:r>
+            <a:br>
+              <a:rPr lang="en-US" sz="2800" dirty="0" smtClean="0"/>
+            </a:br>
+            <a:endParaRPr lang="en-US" sz="2800" dirty="0" smtClean="0"/>
+          </a:p>
+          <a:p>
+            <a:pPr marL="0" indent="0">
+              <a:buNone/>
+            </a:pPr>
+            <a:r>
+              <a:rPr lang="en-US" sz="2800" dirty="0" smtClean="0"/>
+              <a:t>pass in quick on $em0 </a:t>
+            </a:r>
+            <a:r>
+              <a:rPr lang="en-US" sz="2800" dirty="0" err="1" smtClean="0"/>
+              <a:t>inet</a:t>
+            </a:r>
+            <a:r>
+              <a:rPr lang="en-US" sz="2800" dirty="0" smtClean="0"/>
+              <a:t> proto </a:t>
+            </a:r>
+            <a:r>
+              <a:rPr lang="en-US" sz="2800" dirty="0" err="1" smtClean="0"/>
+              <a:t>tcp</a:t>
+            </a:r>
+            <a:r>
+              <a:rPr lang="en-US" sz="2800" dirty="0" smtClean="0"/>
+              <a:t> from $</a:t>
+            </a:r>
+            <a:r>
+              <a:rPr lang="en-US" sz="2800" dirty="0" err="1" smtClean="0"/>
+              <a:t>good_ports</a:t>
+            </a:r>
+            <a:r>
+              <a:rPr lang="en-US" sz="2800" dirty="0" smtClean="0"/>
+              <a:t> to any </a:t>
+            </a:r>
+          </a:p>
+          <a:p>
+            <a:pPr marL="0" indent="0">
+              <a:buNone/>
+            </a:pPr>
+            <a:r>
+              <a:rPr lang="en-US" sz="2800" dirty="0"/>
+              <a:t>b</a:t>
+            </a:r>
+            <a:r>
+              <a:rPr lang="en-US" sz="2800" dirty="0" smtClean="0"/>
+              <a:t>lock in all</a:t>
+            </a:r>
+            <a:endParaRPr lang="en-US" sz="2800" dirty="0"/>
+          </a:p>
+          <a:p>
+            <a:pPr marL="0" indent="0">
+              <a:buNone/>
+            </a:pPr>
+            <a:endParaRPr lang="en-US" sz="2800" dirty="0" smtClean="0"/>
+          </a:p>
+          <a:p>
+            <a:pPr marL="0" indent="0">
+              <a:buNone/>
+            </a:pPr>
+            <a:endParaRPr lang="en-US" sz="2800" dirty="0"/>
+          </a:p>
+        </p:txBody>
+      </p:sp>
+    </p:spTree>
+    <p:extLst>
+      <p:ext uri="{BB962C8B-B14F-4D97-AF65-F5344CB8AC3E}">
+        <p14:creationId xmlns:p14="http://schemas.microsoft.com/office/powerpoint/2010/main" val="2188458699"/>
+      </p:ext>
+    </p:extLst>
   </p:cSld>
   <p:clrMapOvr>
     <a:masterClrMapping/>
@@ -6567,6 +7176,459 @@
           </a:p>
           <a:p>
             <a:pPr lvl="1"/>
+            <a:endParaRPr lang="en-US" dirty="0"/>
+          </a:p>
+        </p:txBody>
+      </p:sp>
+    </p:spTree>
+  </p:cSld>
+  <p:clrMapOvr>
+    <a:masterClrMapping/>
+  </p:clrMapOvr>
+</p:sld>
+</file>
+
+<file path=ppt/slides/slide30.xml><?xml version="1.0" encoding="utf-8"?>
+<p:sld xmlns:a="http://schemas.openxmlformats.org/drawingml/2006/main" xmlns:r="http://schemas.openxmlformats.org/officeDocument/2006/relationships" xmlns:p="http://schemas.openxmlformats.org/presentationml/2006/main">
+  <p:cSld>
+    <p:spTree>
+      <p:nvGrpSpPr>
+        <p:cNvPr id="1" name=""/>
+        <p:cNvGrpSpPr/>
+        <p:nvPr/>
+      </p:nvGrpSpPr>
+      <p:grpSpPr>
+        <a:xfrm>
+          <a:off x="0" y="0"/>
+          <a:ext cx="0" cy="0"/>
+          <a:chOff x="0" y="0"/>
+          <a:chExt cx="0" cy="0"/>
+        </a:xfrm>
+      </p:grpSpPr>
+      <p:sp>
+        <p:nvSpPr>
+          <p:cNvPr id="2" name="Title 1"/>
+          <p:cNvSpPr>
+            <a:spLocks noGrp="1"/>
+          </p:cNvSpPr>
+          <p:nvPr>
+            <p:ph type="title"/>
+          </p:nvPr>
+        </p:nvSpPr>
+        <p:spPr/>
+        <p:txBody>
+          <a:bodyPr/>
+          <a:lstStyle/>
+          <a:p>
+            <a:r>
+              <a:rPr lang="en-US" b="1" dirty="0" smtClean="0"/>
+              <a:t>Logging</a:t>
+            </a:r>
+            <a:endParaRPr lang="en-US" b="1" dirty="0"/>
+          </a:p>
+        </p:txBody>
+      </p:sp>
+      <p:sp>
+        <p:nvSpPr>
+          <p:cNvPr id="3" name="Content Placeholder 2"/>
+          <p:cNvSpPr>
+            <a:spLocks noGrp="1"/>
+          </p:cNvSpPr>
+          <p:nvPr>
+            <p:ph idx="1"/>
+          </p:nvPr>
+        </p:nvSpPr>
+        <p:spPr/>
+        <p:txBody>
+          <a:bodyPr/>
+          <a:lstStyle/>
+          <a:p>
+            <a:r>
+              <a:rPr lang="en-US" dirty="0" smtClean="0"/>
+              <a:t>When you activate logging, a new virtual interface will be created called </a:t>
+            </a:r>
+            <a:r>
+              <a:rPr lang="en-US" b="1" i="1" dirty="0" smtClean="0"/>
+              <a:t>pflog0</a:t>
+            </a:r>
+          </a:p>
+          <a:p>
+            <a:r>
+              <a:rPr lang="en-US" dirty="0" smtClean="0"/>
+              <a:t>Doing a </a:t>
+            </a:r>
+            <a:r>
+              <a:rPr lang="en-US" dirty="0" err="1" smtClean="0"/>
+              <a:t>tcpdump</a:t>
+            </a:r>
+            <a:r>
+              <a:rPr lang="en-US" dirty="0" smtClean="0"/>
+              <a:t> on this interface will provide details of all traffic that you have chosen to log</a:t>
+            </a:r>
+          </a:p>
+          <a:p>
+            <a:r>
+              <a:rPr lang="en-US" dirty="0" smtClean="0"/>
+              <a:t>You can also direct all logs to </a:t>
+            </a:r>
+            <a:r>
+              <a:rPr lang="en-US" b="1" dirty="0" smtClean="0"/>
+              <a:t>/</a:t>
+            </a:r>
+            <a:r>
+              <a:rPr lang="en-US" b="1" dirty="0" err="1" smtClean="0"/>
+              <a:t>var</a:t>
+            </a:r>
+            <a:r>
+              <a:rPr lang="en-US" b="1" dirty="0" smtClean="0"/>
+              <a:t>/logs/</a:t>
+            </a:r>
+            <a:r>
+              <a:rPr lang="en-US" b="1" dirty="0" err="1" smtClean="0"/>
+              <a:t>pflog</a:t>
+            </a:r>
+            <a:r>
+              <a:rPr lang="en-US" b="1" dirty="0" smtClean="0"/>
+              <a:t> </a:t>
+            </a:r>
+            <a:r>
+              <a:rPr lang="en-US" dirty="0" smtClean="0"/>
+              <a:t>by adding the following to /</a:t>
+            </a:r>
+            <a:r>
+              <a:rPr lang="en-US" dirty="0" err="1" smtClean="0"/>
+              <a:t>etc</a:t>
+            </a:r>
+            <a:r>
+              <a:rPr lang="en-US" dirty="0" smtClean="0"/>
+              <a:t>/</a:t>
+            </a:r>
+            <a:r>
+              <a:rPr lang="en-US" dirty="0" err="1" smtClean="0"/>
+              <a:t>rc.conf</a:t>
+            </a:r>
+            <a:endParaRPr lang="en-US" dirty="0" smtClean="0"/>
+          </a:p>
+          <a:p>
+            <a:pPr marL="457200" lvl="1" indent="0">
+              <a:buNone/>
+            </a:pPr>
+            <a:r>
+              <a:rPr lang="en-US" b="1" dirty="0" err="1"/>
+              <a:t>pflog_logfile</a:t>
+            </a:r>
+            <a:r>
+              <a:rPr lang="en-US" b="1" dirty="0"/>
+              <a:t>="/</a:t>
+            </a:r>
+            <a:r>
+              <a:rPr lang="en-US" b="1" dirty="0" err="1"/>
+              <a:t>var</a:t>
+            </a:r>
+            <a:r>
+              <a:rPr lang="en-US" b="1" dirty="0"/>
+              <a:t>/log/</a:t>
+            </a:r>
+            <a:r>
+              <a:rPr lang="en-US" b="1" dirty="0" err="1"/>
+              <a:t>pflog</a:t>
+            </a:r>
+            <a:r>
+              <a:rPr lang="en-US" b="1" dirty="0"/>
+              <a:t>"</a:t>
+            </a:r>
+          </a:p>
+        </p:txBody>
+      </p:sp>
+    </p:spTree>
+    <p:extLst>
+      <p:ext uri="{BB962C8B-B14F-4D97-AF65-F5344CB8AC3E}">
+        <p14:creationId xmlns:p14="http://schemas.microsoft.com/office/powerpoint/2010/main" val="2574323067"/>
+      </p:ext>
+    </p:extLst>
+  </p:cSld>
+  <p:clrMapOvr>
+    <a:masterClrMapping/>
+  </p:clrMapOvr>
+</p:sld>
+</file>
+
+<file path=ppt/slides/slide31.xml><?xml version="1.0" encoding="utf-8"?>
+<p:sld xmlns:a="http://schemas.openxmlformats.org/drawingml/2006/main" xmlns:r="http://schemas.openxmlformats.org/officeDocument/2006/relationships" xmlns:p="http://schemas.openxmlformats.org/presentationml/2006/main">
+  <p:cSld>
+    <p:spTree>
+      <p:nvGrpSpPr>
+        <p:cNvPr id="1" name=""/>
+        <p:cNvGrpSpPr/>
+        <p:nvPr/>
+      </p:nvGrpSpPr>
+      <p:grpSpPr>
+        <a:xfrm>
+          <a:off x="0" y="0"/>
+          <a:ext cx="0" cy="0"/>
+          <a:chOff x="0" y="0"/>
+          <a:chExt cx="0" cy="0"/>
+        </a:xfrm>
+      </p:grpSpPr>
+      <p:sp>
+        <p:nvSpPr>
+          <p:cNvPr id="2" name="Title 1"/>
+          <p:cNvSpPr>
+            <a:spLocks noGrp="1"/>
+          </p:cNvSpPr>
+          <p:nvPr>
+            <p:ph type="title"/>
+          </p:nvPr>
+        </p:nvSpPr>
+        <p:spPr/>
+        <p:txBody>
+          <a:bodyPr/>
+          <a:lstStyle/>
+          <a:p>
+            <a:r>
+              <a:rPr lang="en-US" b="1" dirty="0" smtClean="0"/>
+              <a:t>Other PF Features</a:t>
+            </a:r>
+            <a:endParaRPr lang="en-US" b="1" dirty="0"/>
+          </a:p>
+        </p:txBody>
+      </p:sp>
+      <p:sp>
+        <p:nvSpPr>
+          <p:cNvPr id="3" name="Content Placeholder 2"/>
+          <p:cNvSpPr>
+            <a:spLocks noGrp="1"/>
+          </p:cNvSpPr>
+          <p:nvPr>
+            <p:ph idx="1"/>
+          </p:nvPr>
+        </p:nvSpPr>
+        <p:spPr>
+          <a:xfrm>
+            <a:off x="235266" y="1600200"/>
+            <a:ext cx="8229600" cy="4525963"/>
+          </a:xfrm>
+        </p:spPr>
+        <p:txBody>
+          <a:bodyPr>
+            <a:normAutofit fontScale="92500" lnSpcReduction="20000"/>
+          </a:bodyPr>
+          <a:lstStyle/>
+          <a:p>
+            <a:r>
+              <a:rPr lang="en-US" b="1" dirty="0" err="1" smtClean="0"/>
+              <a:t>Antispoofing</a:t>
+            </a:r>
+            <a:r>
+              <a:rPr lang="en-US" dirty="0" smtClean="0"/>
+              <a:t> - when a malicious user fakes the source IP address in packets they transmit in order to either hide their real address or to impersonate another node on the network</a:t>
+            </a:r>
+          </a:p>
+          <a:p>
+            <a:r>
+              <a:rPr lang="en-US" b="1" dirty="0" smtClean="0"/>
+              <a:t>Anti-SPAM – </a:t>
+            </a:r>
+            <a:r>
+              <a:rPr lang="en-US" dirty="0" smtClean="0"/>
+              <a:t>when used with a software called </a:t>
+            </a:r>
+            <a:r>
+              <a:rPr lang="en-US" b="1" dirty="0" err="1" smtClean="0"/>
+              <a:t>spamd</a:t>
+            </a:r>
+            <a:r>
+              <a:rPr lang="en-US" dirty="0" smtClean="0"/>
+              <a:t> which downloads a list a blacklisted IP Addresses which can be fed to PF to block (</a:t>
+            </a:r>
+            <a:r>
+              <a:rPr lang="en-US" dirty="0" err="1" smtClean="0"/>
+              <a:t>spamd</a:t>
+            </a:r>
+            <a:r>
+              <a:rPr lang="en-US" dirty="0" smtClean="0"/>
+              <a:t> is not </a:t>
+            </a:r>
+            <a:r>
+              <a:rPr lang="en-US" dirty="0" err="1" smtClean="0"/>
+              <a:t>spamassassin</a:t>
+            </a:r>
+            <a:r>
+              <a:rPr lang="en-US" dirty="0" smtClean="0"/>
+              <a:t>) </a:t>
+            </a:r>
+            <a:endParaRPr lang="en-US" dirty="0"/>
+          </a:p>
+          <a:p>
+            <a:r>
+              <a:rPr lang="en-US" b="1" dirty="0" smtClean="0"/>
+              <a:t>Gateway Firewall – </a:t>
+            </a:r>
+            <a:r>
+              <a:rPr lang="en-US" dirty="0" smtClean="0"/>
+              <a:t>add to /</a:t>
+            </a:r>
+            <a:r>
+              <a:rPr lang="en-US" dirty="0" err="1" smtClean="0"/>
+              <a:t>etc</a:t>
+            </a:r>
+            <a:r>
+              <a:rPr lang="en-US" dirty="0" smtClean="0"/>
+              <a:t>/</a:t>
+            </a:r>
+            <a:r>
+              <a:rPr lang="en-US" smtClean="0"/>
+              <a:t>rc.conf</a:t>
+            </a:r>
+            <a:endParaRPr lang="en-US" b="1" dirty="0" smtClean="0"/>
+          </a:p>
+          <a:p>
+            <a:pPr marL="457200" lvl="1" indent="0">
+              <a:buNone/>
+            </a:pPr>
+            <a:r>
+              <a:rPr lang="en-US" sz="2400" dirty="0" err="1"/>
+              <a:t>gateway_enable</a:t>
+            </a:r>
+            <a:r>
+              <a:rPr lang="en-US" sz="2400" dirty="0"/>
+              <a:t>="YES" </a:t>
+            </a:r>
+            <a:r>
+              <a:rPr lang="en-US" sz="2400" dirty="0" smtClean="0"/>
+              <a:t>		#</a:t>
+            </a:r>
+            <a:r>
+              <a:rPr lang="en-US" sz="2400" dirty="0"/>
+              <a:t>for </a:t>
+            </a:r>
+            <a:r>
+              <a:rPr lang="en-US" sz="2400" dirty="0" smtClean="0"/>
+              <a:t>ipv4 </a:t>
+            </a:r>
+            <a:br>
+              <a:rPr lang="en-US" sz="2400" dirty="0" smtClean="0"/>
+            </a:br>
+            <a:r>
+              <a:rPr lang="en-US" sz="2400" dirty="0" smtClean="0"/>
+              <a:t>ipv6_gateway_enable</a:t>
+            </a:r>
+            <a:r>
+              <a:rPr lang="en-US" sz="2400" dirty="0"/>
+              <a:t>="YES" #for ipv6</a:t>
+            </a:r>
+            <a:endParaRPr lang="en-US" sz="2600" dirty="0">
+              <a:latin typeface="Courier"/>
+              <a:cs typeface="Courier"/>
+            </a:endParaRPr>
+          </a:p>
+        </p:txBody>
+      </p:sp>
+    </p:spTree>
+  </p:cSld>
+  <p:clrMapOvr>
+    <a:masterClrMapping/>
+  </p:clrMapOvr>
+</p:sld>
+</file>
+
+<file path=ppt/slides/slide32.xml><?xml version="1.0" encoding="utf-8"?>
+<p:sld xmlns:a="http://schemas.openxmlformats.org/drawingml/2006/main" xmlns:r="http://schemas.openxmlformats.org/officeDocument/2006/relationships" xmlns:p="http://schemas.openxmlformats.org/presentationml/2006/main">
+  <p:cSld>
+    <p:spTree>
+      <p:nvGrpSpPr>
+        <p:cNvPr id="1" name=""/>
+        <p:cNvGrpSpPr/>
+        <p:nvPr/>
+      </p:nvGrpSpPr>
+      <p:grpSpPr>
+        <a:xfrm>
+          <a:off x="0" y="0"/>
+          <a:ext cx="0" cy="0"/>
+          <a:chOff x="0" y="0"/>
+          <a:chExt cx="0" cy="0"/>
+        </a:xfrm>
+      </p:grpSpPr>
+      <p:sp>
+        <p:nvSpPr>
+          <p:cNvPr id="2" name="Title 1"/>
+          <p:cNvSpPr>
+            <a:spLocks noGrp="1"/>
+          </p:cNvSpPr>
+          <p:nvPr>
+            <p:ph type="title"/>
+          </p:nvPr>
+        </p:nvSpPr>
+        <p:spPr/>
+        <p:txBody>
+          <a:bodyPr/>
+          <a:lstStyle/>
+          <a:p>
+            <a:r>
+              <a:rPr lang="en-US" dirty="0" smtClean="0"/>
+              <a:t>References and more reading</a:t>
+            </a:r>
+            <a:endParaRPr lang="en-US" dirty="0"/>
+          </a:p>
+        </p:txBody>
+      </p:sp>
+      <p:sp>
+        <p:nvSpPr>
+          <p:cNvPr id="3" name="Content Placeholder 2"/>
+          <p:cNvSpPr>
+            <a:spLocks noGrp="1"/>
+          </p:cNvSpPr>
+          <p:nvPr>
+            <p:ph idx="1"/>
+          </p:nvPr>
+        </p:nvSpPr>
+        <p:spPr/>
+        <p:txBody>
+          <a:bodyPr/>
+          <a:lstStyle/>
+          <a:p>
+            <a:r>
+              <a:rPr lang="en-US" dirty="0" smtClean="0">
+                <a:hlinkClick r:id="rId2"/>
+              </a:rPr>
+              <a:t>http://en.wikipedia.org/wiki/PF_%28firewall%29</a:t>
+            </a:r>
+            <a:endParaRPr lang="en-US" dirty="0" smtClean="0"/>
+          </a:p>
+          <a:p>
+            <a:r>
+              <a:rPr lang="en-US" dirty="0" smtClean="0">
+                <a:hlinkClick r:id="rId3"/>
+              </a:rPr>
+              <a:t>http://www.openbsd.org/faq/pf/filter.html</a:t>
+            </a:r>
+            <a:endParaRPr lang="en-US" dirty="0" smtClean="0"/>
+          </a:p>
+          <a:p>
+            <a:r>
+              <a:rPr lang="en-US" dirty="0" smtClean="0">
+                <a:hlinkClick r:id="rId4"/>
+              </a:rPr>
+              <a:t>http://www.freebsd.org/doc/en_US.ISO8859-1/books/handbook/firewalls-pf.html</a:t>
+            </a:r>
+            <a:endParaRPr lang="en-US" dirty="0" smtClean="0"/>
+          </a:p>
+          <a:p>
+            <a:r>
+              <a:rPr lang="en-US" dirty="0" smtClean="0">
+                <a:hlinkClick r:id="rId5"/>
+              </a:rPr>
+              <a:t>http://en.wikipedia.org/wiki/Firewall_%28computing%29</a:t>
+            </a:r>
+            <a:r>
+              <a:rPr lang="en-US" dirty="0" smtClean="0"/>
+              <a:t> </a:t>
+            </a:r>
+          </a:p>
+          <a:p>
+            <a:endParaRPr lang="en-US" dirty="0" smtClean="0"/>
+          </a:p>
+          <a:p>
             <a:endParaRPr lang="en-US" dirty="0"/>
           </a:p>
         </p:txBody>

--- a/firewalls/Firewalling in FreeBSD-v1.pptx
+++ b/firewalls/Firewalling in FreeBSD-v1.pptx
@@ -6184,7 +6184,7 @@
           <a:p>
             <a:r>
               <a:rPr lang="en-US" b="1" dirty="0" smtClean="0"/>
-              <a:t>Sample Web Server</a:t>
+              <a:t>Sample Web Server 1</a:t>
             </a:r>
             <a:endParaRPr lang="en-US" b="1" dirty="0"/>
           </a:p>
@@ -6211,20 +6211,7 @@
               <a:buNone/>
             </a:pPr>
             <a:r>
-              <a:rPr lang="en-US" sz="2400" dirty="0" err="1"/>
-              <a:t>ext_if</a:t>
-            </a:r>
-            <a:r>
-              <a:rPr lang="en-US" sz="2400" dirty="0"/>
-              <a:t>=“em0”</a:t>
-            </a:r>
-          </a:p>
-          <a:p>
-            <a:pPr marL="0" indent="0">
-              <a:buNone/>
-            </a:pPr>
-            <a:r>
-              <a:rPr lang="en-US" sz="2400" dirty="0" err="1"/>
+              <a:rPr lang="en-US" sz="2400" dirty="0" err="1" smtClean="0"/>
               <a:t>good_ports</a:t>
             </a:r>
             <a:r>
@@ -6242,6 +6229,10 @@
             <a:br>
               <a:rPr lang="en-US" sz="2400" dirty="0"/>
             </a:br>
+            <a:r>
+              <a:rPr lang="en-US" sz="2400" dirty="0" smtClean="0"/>
+              <a:t>me=“192.168.0.1” #Web Server IP</a:t>
+            </a:r>
             <a:endParaRPr lang="en-US" sz="2400" dirty="0"/>
           </a:p>
           <a:p>
@@ -6268,7 +6259,11 @@
             </a:pPr>
             <a:r>
               <a:rPr lang="en-US" sz="2400" dirty="0"/>
-              <a:t>pass in on $em0 </a:t>
+              <a:t>pass in on </a:t>
+            </a:r>
+            <a:r>
+              <a:rPr lang="en-US" sz="2400" dirty="0" smtClean="0"/>
+              <a:t>em0 </a:t>
             </a:r>
             <a:r>
               <a:rPr lang="en-US" sz="2400" dirty="0" err="1"/>
@@ -6284,19 +6279,19 @@
             </a:r>
             <a:r>
               <a:rPr lang="en-US" sz="2400" dirty="0"/>
-              <a:t> from $</a:t>
-            </a:r>
-            <a:r>
-              <a:rPr lang="en-US" sz="2400" dirty="0" err="1"/>
+              <a:t> from </a:t>
+            </a:r>
+            <a:r>
+              <a:rPr lang="en-US" sz="2400" dirty="0" smtClean="0"/>
+              <a:t>any to $me port \$</a:t>
+            </a:r>
+            <a:r>
+              <a:rPr lang="en-US" sz="2400" dirty="0" err="1" smtClean="0"/>
               <a:t>good_ports</a:t>
             </a:r>
             <a:r>
-              <a:rPr lang="en-US" sz="2400" dirty="0"/>
-              <a:t> to </a:t>
-            </a:r>
-            <a:r>
               <a:rPr lang="en-US" sz="2400" dirty="0" smtClean="0"/>
-              <a:t>any</a:t>
+              <a:t/>
             </a:r>
             <a:br>
               <a:rPr lang="en-US" sz="2400" dirty="0" smtClean="0"/>
@@ -6317,7 +6312,7 @@
             </a:br>
             <a:r>
               <a:rPr lang="en-US" sz="2400" dirty="0" smtClean="0"/>
-              <a:t>##This is sufficient to allow any communication that the server initiates (pass out all), all incoming </a:t>
+              <a:t>##This is sufficient to allow any communication that the server initiates (pass out all), allow all incoming </a:t>
             </a:r>
             <a:r>
               <a:rPr lang="en-US" sz="2400" dirty="0" err="1" smtClean="0"/>
@@ -6410,124 +6405,93 @@
               <a:buNone/>
             </a:pPr>
             <a:r>
-              <a:rPr lang="en-US" sz="2800" dirty="0" err="1"/>
-              <a:t>ext_if</a:t>
-            </a:r>
-            <a:r>
-              <a:rPr lang="en-US" sz="2800" dirty="0"/>
-              <a:t>=“em0”</a:t>
+              <a:rPr lang="en-US" sz="2800" dirty="0" err="1" smtClean="0"/>
+              <a:t>good_ports</a:t>
+            </a:r>
+            <a:r>
+              <a:rPr lang="en-US" sz="2800" dirty="0" smtClean="0"/>
+              <a:t>=“{ 22, 443, 80 }”</a:t>
+            </a:r>
+            <a:br>
+              <a:rPr lang="en-US" sz="2800" dirty="0" smtClean="0"/>
+            </a:br>
+            <a:r>
+              <a:rPr lang="en-US" sz="2800" dirty="0" smtClean="0"/>
+              <a:t>me=“192.168.0.1” #Web server IP</a:t>
             </a:r>
           </a:p>
           <a:p>
             <a:pPr marL="0" indent="0">
               <a:buNone/>
             </a:pPr>
-            <a:r>
-              <a:rPr lang="en-US" sz="2800" dirty="0" err="1"/>
+            <a:endParaRPr lang="en-US" sz="2800" dirty="0" smtClean="0"/>
+          </a:p>
+          <a:p>
+            <a:pPr marL="0" indent="0">
+              <a:buNone/>
+            </a:pPr>
+            <a:r>
+              <a:rPr lang="en-US" sz="2800" dirty="0" smtClean="0"/>
+              <a:t>pass in quick on em0 </a:t>
+            </a:r>
+            <a:r>
+              <a:rPr lang="en-US" sz="2800" dirty="0" err="1" smtClean="0"/>
+              <a:t>inet</a:t>
+            </a:r>
+            <a:r>
+              <a:rPr lang="en-US" sz="2800" dirty="0" smtClean="0"/>
+              <a:t> proto </a:t>
+            </a:r>
+            <a:r>
+              <a:rPr lang="en-US" sz="2800" dirty="0" err="1" smtClean="0"/>
+              <a:t>tcp</a:t>
+            </a:r>
+            <a:r>
+              <a:rPr lang="en-US" sz="2800" dirty="0" smtClean="0"/>
+              <a:t> from any to $me port \$</a:t>
+            </a:r>
+            <a:r>
+              <a:rPr lang="en-US" sz="2800" dirty="0" err="1" smtClean="0"/>
               <a:t>good_ports</a:t>
             </a:r>
-            <a:r>
-              <a:rPr lang="en-US" sz="2800" dirty="0"/>
-              <a:t>=“{ 22, 443, 80 }”</a:t>
+            <a:endParaRPr lang="en-US" sz="2800" dirty="0" smtClean="0"/>
+          </a:p>
+          <a:p>
+            <a:pPr marL="0" indent="0">
+              <a:buNone/>
+            </a:pPr>
+            <a:r>
+              <a:rPr lang="en-US" sz="2800" dirty="0" smtClean="0"/>
+              <a:t>block in all</a:t>
+            </a:r>
+          </a:p>
+          <a:p>
+            <a:pPr marL="0" indent="0">
+              <a:buNone/>
+            </a:pPr>
+            <a:r>
+              <a:rPr lang="en-US" sz="2800" dirty="0" smtClean="0"/>
+              <a:t>pass out all</a:t>
             </a:r>
             <a:br>
-              <a:rPr lang="en-US" sz="2800" dirty="0"/>
+              <a:rPr lang="en-US" sz="2800" dirty="0" smtClean="0"/>
             </a:br>
-            <a:endParaRPr lang="en-US" sz="2800" dirty="0"/>
+            <a:endParaRPr lang="en-US" sz="2800" dirty="0" smtClean="0"/>
           </a:p>
           <a:p>
             <a:pPr marL="0" indent="0">
               <a:buNone/>
             </a:pPr>
             <a:r>
-              <a:rPr lang="en-US" sz="2800" dirty="0"/>
-              <a:t>pass in </a:t>
-            </a:r>
-            <a:r>
-              <a:rPr lang="en-US" sz="2800" dirty="0" smtClean="0"/>
-              <a:t>quick on </a:t>
-            </a:r>
-            <a:r>
-              <a:rPr lang="en-US" sz="2800" dirty="0"/>
-              <a:t>$em0 </a:t>
-            </a:r>
-            <a:r>
-              <a:rPr lang="en-US" sz="2800" dirty="0" err="1"/>
-              <a:t>inet</a:t>
-            </a:r>
-            <a:r>
-              <a:rPr lang="en-US" sz="2800" dirty="0"/>
-              <a:t> proto </a:t>
-            </a:r>
-            <a:r>
-              <a:rPr lang="en-US" sz="2800" dirty="0" err="1"/>
-              <a:t>tcp</a:t>
-            </a:r>
-            <a:r>
-              <a:rPr lang="en-US" sz="2800" dirty="0"/>
-              <a:t> from $</a:t>
-            </a:r>
-            <a:r>
-              <a:rPr lang="en-US" sz="2800" dirty="0" err="1"/>
-              <a:t>good_ports</a:t>
-            </a:r>
-            <a:r>
-              <a:rPr lang="en-US" sz="2800" dirty="0"/>
-              <a:t> to any</a:t>
-            </a:r>
-          </a:p>
-          <a:p>
-            <a:pPr marL="0" indent="0">
-              <a:buNone/>
-            </a:pPr>
-            <a:r>
-              <a:rPr lang="en-US" sz="2800" dirty="0"/>
-              <a:t>block in all</a:t>
-            </a:r>
-          </a:p>
-          <a:p>
-            <a:pPr marL="0" indent="0">
-              <a:buNone/>
-            </a:pPr>
-            <a:r>
-              <a:rPr lang="en-US" sz="2800" dirty="0"/>
-              <a:t>pass out all</a:t>
+              <a:rPr lang="en-US" dirty="0" smtClean="0"/>
+              <a:t/>
             </a:r>
             <a:br>
-              <a:rPr lang="en-US" sz="2800" dirty="0"/>
+              <a:rPr lang="en-US" dirty="0" smtClean="0"/>
             </a:br>
-            <a:endParaRPr lang="en-US" sz="2800" dirty="0"/>
-          </a:p>
-          <a:p>
-            <a:pPr marL="0" indent="0">
-              <a:buNone/>
-            </a:pPr>
-            <a:r>
-              <a:rPr lang="en-US" dirty="0"/>
-              <a:t/>
-            </a:r>
-            <a:br>
-              <a:rPr lang="en-US" dirty="0"/>
-            </a:br>
-            <a:r>
-              <a:rPr lang="en-US" dirty="0"/>
-              <a:t>##These rules will </a:t>
-            </a:r>
-            <a:r>
-              <a:rPr lang="en-US" dirty="0" smtClean="0"/>
-              <a:t>pass the good ports first (due to quick) then block </a:t>
-            </a:r>
-            <a:r>
-              <a:rPr lang="en-US" dirty="0"/>
-              <a:t>all incoming traffic (block in all</a:t>
-            </a:r>
-            <a:r>
-              <a:rPr lang="en-US" dirty="0" smtClean="0"/>
-              <a:t>) </a:t>
-            </a:r>
-            <a:r>
-              <a:rPr lang="en-US" dirty="0"/>
-              <a:t>Outgoing traffic will be allowed as long as the server sent the first packet (pass out all)</a:t>
+            <a:r>
+              <a:rPr lang="en-US" dirty="0" smtClean="0"/>
+              <a:t>##These rules will pass the good ports first (due to quick) then block all incoming traffic (block in all). Outgoing traffic will be allowed as long as the server sent the first packet (pass out all)</a:t>
             </a:r>
           </a:p>
           <a:p>
@@ -6614,20 +6578,7 @@
               <a:buNone/>
             </a:pPr>
             <a:r>
-              <a:rPr lang="en-US" sz="2400" dirty="0" err="1"/>
-              <a:t>ext_if</a:t>
-            </a:r>
-            <a:r>
-              <a:rPr lang="en-US" sz="2400" dirty="0"/>
-              <a:t>=“em0”</a:t>
-            </a:r>
-          </a:p>
-          <a:p>
-            <a:pPr marL="0" indent="0">
-              <a:buNone/>
-            </a:pPr>
-            <a:r>
-              <a:rPr lang="en-US" sz="2400" dirty="0" err="1"/>
+              <a:rPr lang="en-US" sz="2400" dirty="0" err="1" smtClean="0"/>
               <a:t>good_ports</a:t>
             </a:r>
             <a:r>
@@ -6645,6 +6596,10 @@
             <a:br>
               <a:rPr lang="en-US" sz="2400" dirty="0"/>
             </a:br>
+            <a:r>
+              <a:rPr lang="en-US" sz="2400" dirty="0" smtClean="0"/>
+              <a:t>me=“192.168.0.1” #Web Server</a:t>
+            </a:r>
             <a:endParaRPr lang="en-US" sz="2400" dirty="0"/>
           </a:p>
           <a:p>
@@ -6657,7 +6612,11 @@
             </a:r>
             <a:r>
               <a:rPr lang="en-US" sz="2400" dirty="0"/>
-              <a:t>in on $em0 </a:t>
+              <a:t>in on </a:t>
+            </a:r>
+            <a:r>
+              <a:rPr lang="en-US" sz="2400" dirty="0" smtClean="0"/>
+              <a:t>em0 </a:t>
             </a:r>
             <a:r>
               <a:rPr lang="en-US" sz="2400" dirty="0" err="1"/>
@@ -6673,20 +6632,21 @@
             </a:r>
             <a:r>
               <a:rPr lang="en-US" sz="2400" dirty="0"/>
-              <a:t> from $</a:t>
+              <a:t> from </a:t>
+            </a:r>
+            <a:r>
+              <a:rPr lang="en-US" sz="2400" dirty="0" smtClean="0"/>
+              <a:t>any to $me port $</a:t>
             </a:r>
             <a:r>
               <a:rPr lang="en-US" sz="2400" dirty="0" err="1"/>
               <a:t>good_ports</a:t>
             </a:r>
             <a:r>
-              <a:rPr lang="en-US" sz="2400" dirty="0"/>
-              <a:t> to </a:t>
-            </a:r>
-            <a:r>
-              <a:rPr lang="en-US" sz="2400" dirty="0" smtClean="0"/>
-              <a:t>any</a:t>
-            </a:r>
+              <a:rPr lang="en-US" sz="2400"/>
+              <a:t> </a:t>
+            </a:r>
+            <a:endParaRPr lang="en-US" sz="2400" dirty="0" smtClean="0"/>
           </a:p>
           <a:p>
             <a:pPr marL="0" indent="0">

--- a/firewalls/Firewalling in FreeBSD-v1.pptx
+++ b/firewalls/Firewalling in FreeBSD-v1.pptx
@@ -4825,6 +4825,13 @@
   <p:clrMapOvr>
     <a:masterClrMapping/>
   </p:clrMapOvr>
+  <p:timing>
+    <p:tnLst>
+      <p:par>
+        <p:cTn xmlns:p14="http://schemas.microsoft.com/office/powerpoint/2010/main" id="1" dur="indefinite" restart="never" nodeType="tmRoot"/>
+      </p:par>
+    </p:tnLst>
+  </p:timing>
 </p:sld>
 </file>
 
@@ -5371,6 +5378,13 @@
   <p:clrMapOvr>
     <a:masterClrMapping/>
   </p:clrMapOvr>
+  <p:timing>
+    <p:tnLst>
+      <p:par>
+        <p:cTn xmlns:p14="http://schemas.microsoft.com/office/powerpoint/2010/main" id="1" dur="indefinite" restart="never" nodeType="tmRoot"/>
+      </p:par>
+    </p:tnLst>
+  </p:timing>
 </p:sld>
 </file>
 
@@ -5552,6 +5566,13 @@
   <p:clrMapOvr>
     <a:masterClrMapping/>
   </p:clrMapOvr>
+  <p:timing>
+    <p:tnLst>
+      <p:par>
+        <p:cTn xmlns:p14="http://schemas.microsoft.com/office/powerpoint/2010/main" id="1" dur="indefinite" restart="never" nodeType="tmRoot"/>
+      </p:par>
+    </p:tnLst>
+  </p:timing>
 </p:sld>
 </file>
 
@@ -5780,6 +5801,13 @@
   <p:clrMapOvr>
     <a:masterClrMapping/>
   </p:clrMapOvr>
+  <p:timing>
+    <p:tnLst>
+      <p:par>
+        <p:cTn xmlns:p14="http://schemas.microsoft.com/office/powerpoint/2010/main" id="1" dur="indefinite" restart="never" nodeType="tmRoot"/>
+      </p:par>
+    </p:tnLst>
+  </p:timing>
 </p:sld>
 </file>
 
@@ -6016,6 +6044,13 @@
   <p:clrMapOvr>
     <a:masterClrMapping/>
   </p:clrMapOvr>
+  <p:timing>
+    <p:tnLst>
+      <p:par>
+        <p:cTn xmlns:p14="http://schemas.microsoft.com/office/powerpoint/2010/main" id="1" dur="indefinite" restart="never" nodeType="tmRoot"/>
+      </p:par>
+    </p:tnLst>
+  </p:timing>
 </p:sld>
 </file>
 
@@ -6147,6 +6182,13 @@
   <p:clrMapOvr>
     <a:masterClrMapping/>
   </p:clrMapOvr>
+  <p:timing>
+    <p:tnLst>
+      <p:par>
+        <p:cTn xmlns:p14="http://schemas.microsoft.com/office/powerpoint/2010/main" id="1" dur="indefinite" restart="never" nodeType="tmRoot"/>
+      </p:par>
+    </p:tnLst>
+  </p:timing>
 </p:sld>
 </file>
 
@@ -6211,36 +6253,80 @@
               <a:buNone/>
             </a:pPr>
             <a:r>
-              <a:rPr lang="en-US" sz="2400" dirty="0" err="1" smtClean="0"/>
+              <a:rPr lang="en-US" sz="2000" dirty="0" err="1" smtClean="0">
+                <a:latin typeface="Courier"/>
+                <a:cs typeface="Courier"/>
+              </a:rPr>
               <a:t>good_ports</a:t>
             </a:r>
             <a:r>
-              <a:rPr lang="en-US" sz="2400" dirty="0"/>
+              <a:rPr lang="en-US" sz="2000" dirty="0">
+                <a:latin typeface="Courier"/>
+                <a:cs typeface="Courier"/>
+              </a:rPr>
               <a:t>=“{ 22, </a:t>
             </a:r>
             <a:r>
-              <a:rPr lang="en-US" sz="2400" dirty="0" smtClean="0"/>
+              <a:rPr lang="en-US" sz="2000" dirty="0" smtClean="0">
+                <a:latin typeface="Courier"/>
+                <a:cs typeface="Courier"/>
+              </a:rPr>
               <a:t>443</a:t>
             </a:r>
             <a:r>
-              <a:rPr lang="en-US" sz="2400" dirty="0"/>
+              <a:rPr lang="en-US" sz="2000" dirty="0">
+                <a:latin typeface="Courier"/>
+                <a:cs typeface="Courier"/>
+              </a:rPr>
               <a:t>, 80 }”</a:t>
             </a:r>
             <a:br>
-              <a:rPr lang="en-US" sz="2400" dirty="0"/>
+              <a:rPr lang="en-US" sz="2000" dirty="0">
+                <a:latin typeface="Courier"/>
+                <a:cs typeface="Courier"/>
+              </a:rPr>
             </a:br>
             <a:r>
-              <a:rPr lang="en-US" sz="2400" dirty="0" smtClean="0"/>
+              <a:rPr lang="en-US" sz="2000" dirty="0" smtClean="0">
+                <a:latin typeface="Courier"/>
+                <a:cs typeface="Courier"/>
+              </a:rPr>
               <a:t>me=“192.168.0.1” #Web Server IP</a:t>
             </a:r>
-            <a:endParaRPr lang="en-US" sz="2400" dirty="0"/>
+            <a:br>
+              <a:rPr lang="en-US" sz="2000" dirty="0" smtClean="0">
+                <a:latin typeface="Courier"/>
+                <a:cs typeface="Courier"/>
+              </a:rPr>
+            </a:br>
+            <a:r>
+              <a:rPr lang="en-US" sz="2000" dirty="0">
+                <a:latin typeface="Courier"/>
+                <a:cs typeface="Courier"/>
+              </a:rPr>
+              <a:t>set skip on </a:t>
+            </a:r>
+            <a:r>
+              <a:rPr lang="en-US" sz="2000" dirty="0" smtClean="0">
+                <a:latin typeface="Courier"/>
+                <a:cs typeface="Courier"/>
+              </a:rPr>
+              <a:t>lo0</a:t>
+            </a:r>
+            <a:endParaRPr lang="en-US" sz="2000" dirty="0">
+              <a:latin typeface="Courier"/>
+              <a:cs typeface="Courier"/>
+            </a:endParaRPr>
           </a:p>
           <a:p>
             <a:pPr marL="0" indent="0">
               <a:buNone/>
             </a:pPr>
             <a:r>
-              <a:rPr lang="en-US" sz="2400" dirty="0"/>
+              <a:rPr lang="en-US" sz="2000" dirty="0">
+                <a:latin typeface="Courier"/>
+                <a:cs typeface="Courier"/>
+              </a:rPr>
               <a:t>block in all</a:t>
             </a:r>
           </a:p>
@@ -6249,7 +6335,10 @@
               <a:buNone/>
             </a:pPr>
             <a:r>
-              <a:rPr lang="en-US" sz="2400" dirty="0"/>
+              <a:rPr lang="en-US" sz="2000" dirty="0">
+                <a:latin typeface="Courier"/>
+                <a:cs typeface="Courier"/>
+              </a:rPr>
               <a:t>pass out all</a:t>
             </a:r>
           </a:p>
@@ -6258,43 +6347,73 @@
               <a:buNone/>
             </a:pPr>
             <a:r>
-              <a:rPr lang="en-US" sz="2400" dirty="0"/>
+              <a:rPr lang="en-US" sz="2000" dirty="0">
+                <a:latin typeface="Courier"/>
+                <a:cs typeface="Courier"/>
+              </a:rPr>
               <a:t>pass in on </a:t>
             </a:r>
             <a:r>
-              <a:rPr lang="en-US" sz="2400" dirty="0" smtClean="0"/>
+              <a:rPr lang="en-US" sz="2000" dirty="0" smtClean="0">
+                <a:latin typeface="Courier"/>
+                <a:cs typeface="Courier"/>
+              </a:rPr>
               <a:t>em0 </a:t>
             </a:r>
             <a:r>
-              <a:rPr lang="en-US" sz="2400" dirty="0" err="1"/>
+              <a:rPr lang="en-US" sz="2000" dirty="0" err="1">
+                <a:latin typeface="Courier"/>
+                <a:cs typeface="Courier"/>
+              </a:rPr>
               <a:t>inet</a:t>
             </a:r>
             <a:r>
-              <a:rPr lang="en-US" sz="2400" dirty="0"/>
+              <a:rPr lang="en-US" sz="2000" dirty="0">
+                <a:latin typeface="Courier"/>
+                <a:cs typeface="Courier"/>
+              </a:rPr>
               <a:t> proto </a:t>
             </a:r>
             <a:r>
-              <a:rPr lang="en-US" sz="2400" dirty="0" err="1"/>
+              <a:rPr lang="en-US" sz="2000" dirty="0" err="1">
+                <a:latin typeface="Courier"/>
+                <a:cs typeface="Courier"/>
+              </a:rPr>
               <a:t>tcp</a:t>
             </a:r>
             <a:r>
-              <a:rPr lang="en-US" sz="2400" dirty="0"/>
+              <a:rPr lang="en-US" sz="2000" dirty="0">
+                <a:latin typeface="Courier"/>
+                <a:cs typeface="Courier"/>
+              </a:rPr>
               <a:t> from </a:t>
             </a:r>
             <a:r>
-              <a:rPr lang="en-US" sz="2400" dirty="0" smtClean="0"/>
+              <a:rPr lang="en-US" sz="2000" dirty="0" smtClean="0">
+                <a:latin typeface="Courier"/>
+                <a:cs typeface="Courier"/>
+              </a:rPr>
               <a:t>any to $me port \$</a:t>
             </a:r>
             <a:r>
-              <a:rPr lang="en-US" sz="2400" dirty="0" err="1" smtClean="0"/>
+              <a:rPr lang="en-US" sz="2000" dirty="0" err="1" smtClean="0">
+                <a:latin typeface="Courier"/>
+                <a:cs typeface="Courier"/>
+              </a:rPr>
               <a:t>good_ports</a:t>
             </a:r>
             <a:r>
-              <a:rPr lang="en-US" sz="2400" dirty="0" smtClean="0"/>
+              <a:rPr lang="en-US" sz="2000" dirty="0" smtClean="0">
+                <a:latin typeface="Courier"/>
+                <a:cs typeface="Courier"/>
+              </a:rPr>
               <a:t/>
             </a:r>
             <a:br>
-              <a:rPr lang="en-US" sz="2400" dirty="0" smtClean="0"/>
+              <a:rPr lang="en-US" sz="2000" dirty="0" smtClean="0">
+                <a:latin typeface="Courier"/>
+                <a:cs typeface="Courier"/>
+              </a:rPr>
             </a:br>
             <a:r>
               <a:rPr lang="en-US" sz="2400" dirty="0" smtClean="0"/>
@@ -6336,6 +6455,13 @@
   <p:clrMapOvr>
     <a:masterClrMapping/>
   </p:clrMapOvr>
+  <p:timing>
+    <p:tnLst>
+      <p:par>
+        <p:cTn xmlns:p14="http://schemas.microsoft.com/office/powerpoint/2010/main" id="1" dur="indefinite" restart="never" nodeType="tmRoot"/>
+      </p:par>
+    </p:tnLst>
+  </p:timing>
 </p:sld>
 </file>
 
@@ -6397,7 +6523,7 @@
         </p:spPr>
         <p:txBody>
           <a:bodyPr>
-            <a:normAutofit fontScale="92500" lnSpcReduction="20000"/>
+            <a:normAutofit fontScale="92500" lnSpcReduction="10000"/>
           </a:bodyPr>
           <a:lstStyle/>
           <a:p>
@@ -6405,18 +6531,30 @@
               <a:buNone/>
             </a:pPr>
             <a:r>
-              <a:rPr lang="en-US" sz="2800" dirty="0" err="1" smtClean="0"/>
+              <a:rPr lang="en-US" sz="2200" dirty="0" err="1" smtClean="0">
+                <a:latin typeface="Courier"/>
+                <a:cs typeface="Courier"/>
+              </a:rPr>
               <a:t>good_ports</a:t>
             </a:r>
             <a:r>
-              <a:rPr lang="en-US" sz="2800" dirty="0" smtClean="0"/>
+              <a:rPr lang="en-US" sz="2200" dirty="0" smtClean="0">
+                <a:latin typeface="Courier"/>
+                <a:cs typeface="Courier"/>
+              </a:rPr>
               <a:t>=“{ 22, 443, 80 }”</a:t>
             </a:r>
             <a:br>
-              <a:rPr lang="en-US" sz="2800" dirty="0" smtClean="0"/>
+              <a:rPr lang="en-US" sz="2200" dirty="0" smtClean="0">
+                <a:latin typeface="Courier"/>
+                <a:cs typeface="Courier"/>
+              </a:rPr>
             </a:br>
             <a:r>
-              <a:rPr lang="en-US" sz="2800" dirty="0" smtClean="0"/>
+              <a:rPr lang="en-US" sz="2200" dirty="0" smtClean="0">
+                <a:latin typeface="Courier"/>
+                <a:cs typeface="Courier"/>
+              </a:rPr>
               <a:t>me=“192.168.0.1” #Web server IP</a:t>
             </a:r>
           </a:p>
@@ -6424,44 +6562,81 @@
             <a:pPr marL="0" indent="0">
               <a:buNone/>
             </a:pPr>
-            <a:endParaRPr lang="en-US" sz="2800" dirty="0" smtClean="0"/>
+            <a:r>
+              <a:rPr lang="en-US" sz="2200" dirty="0">
+                <a:latin typeface="Courier"/>
+                <a:cs typeface="Courier"/>
+              </a:rPr>
+              <a:t>set skip on </a:t>
+            </a:r>
+            <a:r>
+              <a:rPr lang="en-US" sz="2200" dirty="0" smtClean="0">
+                <a:latin typeface="Courier"/>
+                <a:cs typeface="Courier"/>
+              </a:rPr>
+              <a:t>lo0</a:t>
+            </a:r>
           </a:p>
           <a:p>
             <a:pPr marL="0" indent="0">
               <a:buNone/>
             </a:pPr>
             <a:r>
-              <a:rPr lang="en-US" sz="2800" dirty="0" smtClean="0"/>
+              <a:rPr lang="en-US" sz="2200" dirty="0" smtClean="0">
+                <a:latin typeface="Courier"/>
+                <a:cs typeface="Courier"/>
+              </a:rPr>
               <a:t>pass in quick on em0 </a:t>
             </a:r>
             <a:r>
-              <a:rPr lang="en-US" sz="2800" dirty="0" err="1" smtClean="0"/>
+              <a:rPr lang="en-US" sz="2200" dirty="0" err="1" smtClean="0">
+                <a:latin typeface="Courier"/>
+                <a:cs typeface="Courier"/>
+              </a:rPr>
               <a:t>inet</a:t>
             </a:r>
             <a:r>
-              <a:rPr lang="en-US" sz="2800" dirty="0" smtClean="0"/>
+              <a:rPr lang="en-US" sz="2200" dirty="0" smtClean="0">
+                <a:latin typeface="Courier"/>
+                <a:cs typeface="Courier"/>
+              </a:rPr>
               <a:t> proto </a:t>
             </a:r>
             <a:r>
-              <a:rPr lang="en-US" sz="2800" dirty="0" err="1" smtClean="0"/>
+              <a:rPr lang="en-US" sz="2200" dirty="0" err="1" smtClean="0">
+                <a:latin typeface="Courier"/>
+                <a:cs typeface="Courier"/>
+              </a:rPr>
               <a:t>tcp</a:t>
             </a:r>
             <a:r>
-              <a:rPr lang="en-US" sz="2800" dirty="0" smtClean="0"/>
-              <a:t> from any to $me port \$</a:t>
-            </a:r>
-            <a:r>
-              <a:rPr lang="en-US" sz="2800" dirty="0" err="1" smtClean="0"/>
+              <a:rPr lang="en-US" sz="2200" dirty="0" smtClean="0">
+                <a:latin typeface="Courier"/>
+                <a:cs typeface="Courier"/>
+              </a:rPr>
+              <a:t> from any to $me \ port $</a:t>
+            </a:r>
+            <a:r>
+              <a:rPr lang="en-US" sz="2200" dirty="0" err="1" smtClean="0">
+                <a:latin typeface="Courier"/>
+                <a:cs typeface="Courier"/>
+              </a:rPr>
               <a:t>good_ports</a:t>
             </a:r>
-            <a:endParaRPr lang="en-US" sz="2800" dirty="0" smtClean="0"/>
+            <a:endParaRPr lang="en-US" sz="2200" dirty="0" smtClean="0">
+              <a:latin typeface="Courier"/>
+              <a:cs typeface="Courier"/>
+            </a:endParaRPr>
           </a:p>
           <a:p>
             <a:pPr marL="0" indent="0">
               <a:buNone/>
             </a:pPr>
             <a:r>
-              <a:rPr lang="en-US" sz="2800" dirty="0" smtClean="0"/>
+              <a:rPr lang="en-US" sz="2200" dirty="0" smtClean="0">
+                <a:latin typeface="Courier"/>
+                <a:cs typeface="Courier"/>
+              </a:rPr>
               <a:t>block in all</a:t>
             </a:r>
           </a:p>
@@ -6470,13 +6645,22 @@
               <a:buNone/>
             </a:pPr>
             <a:r>
-              <a:rPr lang="en-US" sz="2800" dirty="0" smtClean="0"/>
+              <a:rPr lang="en-US" sz="2200" dirty="0" smtClean="0">
+                <a:latin typeface="Courier"/>
+                <a:cs typeface="Courier"/>
+              </a:rPr>
               <a:t>pass out all</a:t>
             </a:r>
             <a:br>
-              <a:rPr lang="en-US" sz="2800" dirty="0" smtClean="0"/>
+              <a:rPr lang="en-US" sz="2200" dirty="0" smtClean="0">
+                <a:latin typeface="Courier"/>
+                <a:cs typeface="Courier"/>
+              </a:rPr>
             </a:br>
-            <a:endParaRPr lang="en-US" sz="2800" dirty="0" smtClean="0"/>
+            <a:endParaRPr lang="en-US" sz="2200" dirty="0" smtClean="0">
+              <a:latin typeface="Courier"/>
+              <a:cs typeface="Courier"/>
+            </a:endParaRPr>
           </a:p>
           <a:p>
             <a:pPr marL="0" indent="0">
@@ -6509,6 +6693,13 @@
   <p:clrMapOvr>
     <a:masterClrMapping/>
   </p:clrMapOvr>
+  <p:timing>
+    <p:tnLst>
+      <p:par>
+        <p:cTn xmlns:p14="http://schemas.microsoft.com/office/powerpoint/2010/main" id="1" dur="indefinite" restart="never" nodeType="tmRoot"/>
+      </p:par>
+    </p:tnLst>
+  </p:timing>
 </p:sld>
 </file>
 
@@ -6578,125 +6769,227 @@
               <a:buNone/>
             </a:pPr>
             <a:r>
-              <a:rPr lang="en-US" sz="2400" dirty="0" err="1" smtClean="0"/>
+              <a:rPr lang="en-US" sz="2000" dirty="0" err="1" smtClean="0">
+                <a:latin typeface="Courier"/>
+                <a:cs typeface="Courier"/>
+              </a:rPr>
               <a:t>good_ports</a:t>
             </a:r>
             <a:r>
-              <a:rPr lang="en-US" sz="2400" dirty="0"/>
+              <a:rPr lang="en-US" sz="2000" dirty="0">
+                <a:latin typeface="Courier"/>
+                <a:cs typeface="Courier"/>
+              </a:rPr>
               <a:t>=“{ 22, </a:t>
             </a:r>
             <a:r>
+              <a:rPr lang="en-US" sz="2000" dirty="0" smtClean="0">
+                <a:latin typeface="Courier"/>
+                <a:cs typeface="Courier"/>
+              </a:rPr>
+              <a:t>443</a:t>
+            </a:r>
+            <a:r>
+              <a:rPr lang="en-US" sz="2000" dirty="0">
+                <a:latin typeface="Courier"/>
+                <a:cs typeface="Courier"/>
+              </a:rPr>
+              <a:t>, 80 }”</a:t>
+            </a:r>
+            <a:br>
+              <a:rPr lang="en-US" sz="2000" dirty="0">
+                <a:latin typeface="Courier"/>
+                <a:cs typeface="Courier"/>
+              </a:rPr>
+            </a:br>
+            <a:r>
+              <a:rPr lang="en-US" sz="2000" dirty="0" smtClean="0">
+                <a:latin typeface="Courier"/>
+                <a:cs typeface="Courier"/>
+              </a:rPr>
+              <a:t>me=“192.168.0.1” #Web Server</a:t>
+            </a:r>
+          </a:p>
+          <a:p>
+            <a:pPr marL="0" indent="0">
+              <a:buNone/>
+            </a:pPr>
+            <a:r>
+              <a:rPr lang="en-US" sz="2000" dirty="0">
+                <a:latin typeface="Courier"/>
+                <a:cs typeface="Courier"/>
+              </a:rPr>
+              <a:t>set skip on </a:t>
+            </a:r>
+            <a:r>
+              <a:rPr lang="en-US" sz="2000" dirty="0" smtClean="0">
+                <a:latin typeface="Courier"/>
+                <a:cs typeface="Courier"/>
+              </a:rPr>
+              <a:t>lo0</a:t>
+            </a:r>
+            <a:endParaRPr lang="en-US" sz="2000" dirty="0">
+              <a:latin typeface="Courier"/>
+              <a:cs typeface="Courier"/>
+            </a:endParaRPr>
+          </a:p>
+          <a:p>
+            <a:pPr marL="0" indent="0">
+              <a:buNone/>
+            </a:pPr>
+            <a:r>
+              <a:rPr lang="en-US" sz="2000" dirty="0" smtClean="0">
+                <a:latin typeface="Courier"/>
+                <a:cs typeface="Courier"/>
+              </a:rPr>
+              <a:t>pass </a:t>
+            </a:r>
+            <a:r>
+              <a:rPr lang="en-US" sz="2000" dirty="0">
+                <a:latin typeface="Courier"/>
+                <a:cs typeface="Courier"/>
+              </a:rPr>
+              <a:t>in on </a:t>
+            </a:r>
+            <a:r>
+              <a:rPr lang="en-US" sz="2000" dirty="0" smtClean="0">
+                <a:latin typeface="Courier"/>
+                <a:cs typeface="Courier"/>
+              </a:rPr>
+              <a:t>em0 </a:t>
+            </a:r>
+            <a:r>
+              <a:rPr lang="en-US" sz="2000" dirty="0" err="1">
+                <a:latin typeface="Courier"/>
+                <a:cs typeface="Courier"/>
+              </a:rPr>
+              <a:t>inet</a:t>
+            </a:r>
+            <a:r>
+              <a:rPr lang="en-US" sz="2000" dirty="0">
+                <a:latin typeface="Courier"/>
+                <a:cs typeface="Courier"/>
+              </a:rPr>
+              <a:t> proto </a:t>
+            </a:r>
+            <a:r>
+              <a:rPr lang="en-US" sz="2000" dirty="0" err="1">
+                <a:latin typeface="Courier"/>
+                <a:cs typeface="Courier"/>
+              </a:rPr>
+              <a:t>tcp</a:t>
+            </a:r>
+            <a:r>
+              <a:rPr lang="en-US" sz="2000" dirty="0">
+                <a:latin typeface="Courier"/>
+                <a:cs typeface="Courier"/>
+              </a:rPr>
+              <a:t> from </a:t>
+            </a:r>
+            <a:r>
+              <a:rPr lang="en-US" sz="2000" dirty="0" smtClean="0">
+                <a:latin typeface="Courier"/>
+                <a:cs typeface="Courier"/>
+              </a:rPr>
+              <a:t>any to $me port \$</a:t>
+            </a:r>
+            <a:r>
+              <a:rPr lang="en-US" sz="2000" dirty="0" err="1">
+                <a:latin typeface="Courier"/>
+                <a:cs typeface="Courier"/>
+              </a:rPr>
+              <a:t>good_ports</a:t>
+            </a:r>
+            <a:r>
+              <a:rPr lang="en-US" sz="2000" dirty="0">
+                <a:latin typeface="Courier"/>
+                <a:cs typeface="Courier"/>
+              </a:rPr>
+              <a:t> </a:t>
+            </a:r>
+            <a:endParaRPr lang="en-US" sz="2000" dirty="0" smtClean="0">
+              <a:latin typeface="Courier"/>
+              <a:cs typeface="Courier"/>
+            </a:endParaRPr>
+          </a:p>
+          <a:p>
+            <a:pPr marL="0" indent="0">
+              <a:buNone/>
+            </a:pPr>
+            <a:r>
+              <a:rPr lang="en-US" sz="2000" dirty="0">
+                <a:latin typeface="Courier"/>
+                <a:cs typeface="Courier"/>
+              </a:rPr>
+              <a:t>b</a:t>
+            </a:r>
+            <a:r>
+              <a:rPr lang="en-US" sz="2000" dirty="0" smtClean="0">
+                <a:latin typeface="Courier"/>
+                <a:cs typeface="Courier"/>
+              </a:rPr>
+              <a:t>lock in all</a:t>
+            </a:r>
+            <a:endParaRPr lang="en-US" sz="2000" dirty="0">
+              <a:latin typeface="Courier"/>
+              <a:cs typeface="Courier"/>
+            </a:endParaRPr>
+          </a:p>
+          <a:p>
+            <a:pPr marL="0" indent="0">
+              <a:buNone/>
+            </a:pPr>
+            <a:r>
+              <a:rPr lang="en-US" sz="2000" dirty="0">
+                <a:latin typeface="Courier"/>
+                <a:cs typeface="Courier"/>
+              </a:rPr>
+              <a:t>p</a:t>
+            </a:r>
+            <a:r>
+              <a:rPr lang="en-US" sz="2000" dirty="0" smtClean="0">
+                <a:latin typeface="Courier"/>
+                <a:cs typeface="Courier"/>
+              </a:rPr>
+              <a:t>ass out all</a:t>
+            </a:r>
+            <a:br>
+              <a:rPr lang="en-US" sz="2000" dirty="0" smtClean="0">
+                <a:latin typeface="Courier"/>
+                <a:cs typeface="Courier"/>
+              </a:rPr>
+            </a:br>
+            <a:endParaRPr lang="en-US" sz="2000" dirty="0" smtClean="0">
+              <a:latin typeface="Courier"/>
+              <a:cs typeface="Courier"/>
+            </a:endParaRPr>
+          </a:p>
+          <a:p>
+            <a:pPr marL="0" indent="0">
+              <a:buNone/>
+            </a:pPr>
+            <a:r>
               <a:rPr lang="en-US" sz="2400" dirty="0" smtClean="0"/>
-              <a:t>443</a:t>
-            </a:r>
-            <a:r>
-              <a:rPr lang="en-US" sz="2400" dirty="0"/>
-              <a:t>, 80 }”</a:t>
-            </a:r>
-            <a:br>
-              <a:rPr lang="en-US" sz="2400" dirty="0"/>
-            </a:br>
-            <a:r>
-              <a:rPr lang="en-US" sz="2400" dirty="0" smtClean="0"/>
-              <a:t>me=“192.168.0.1” #Web Server</a:t>
-            </a:r>
-            <a:endParaRPr lang="en-US" sz="2400" dirty="0"/>
-          </a:p>
-          <a:p>
-            <a:pPr marL="0" indent="0">
-              <a:buNone/>
-            </a:pPr>
-            <a:r>
-              <a:rPr lang="en-US" sz="2400" dirty="0" smtClean="0"/>
-              <a:t>pass </a:t>
-            </a:r>
-            <a:r>
-              <a:rPr lang="en-US" sz="2400" dirty="0"/>
-              <a:t>in on </a:t>
-            </a:r>
-            <a:r>
-              <a:rPr lang="en-US" sz="2400" dirty="0" smtClean="0"/>
-              <a:t>em0 </a:t>
-            </a:r>
-            <a:r>
-              <a:rPr lang="en-US" sz="2400" dirty="0" err="1"/>
-              <a:t>inet</a:t>
-            </a:r>
-            <a:r>
-              <a:rPr lang="en-US" sz="2400" dirty="0"/>
-              <a:t> proto </a:t>
-            </a:r>
-            <a:r>
-              <a:rPr lang="en-US" sz="2400" dirty="0" err="1"/>
-              <a:t>tcp</a:t>
-            </a:r>
-            <a:r>
-              <a:rPr lang="en-US" sz="2400" dirty="0"/>
-              <a:t> from </a:t>
-            </a:r>
-            <a:r>
-              <a:rPr lang="en-US" sz="2400" dirty="0" smtClean="0"/>
-              <a:t>any to $me port $</a:t>
-            </a:r>
-            <a:r>
-              <a:rPr lang="en-US" sz="2400" dirty="0" err="1"/>
-              <a:t>good_ports</a:t>
-            </a:r>
-            <a:r>
-              <a:rPr lang="en-US" sz="2400"/>
-              <a:t> </a:t>
-            </a:r>
-            <a:endParaRPr lang="en-US" sz="2400" dirty="0" smtClean="0"/>
-          </a:p>
-          <a:p>
-            <a:pPr marL="0" indent="0">
-              <a:buNone/>
-            </a:pPr>
-            <a:r>
-              <a:rPr lang="en-US" sz="2400" dirty="0"/>
-              <a:t>b</a:t>
-            </a:r>
-            <a:r>
-              <a:rPr lang="en-US" sz="2400" dirty="0" smtClean="0"/>
-              <a:t>lock in all</a:t>
-            </a:r>
-            <a:endParaRPr lang="en-US" sz="2400" dirty="0"/>
-          </a:p>
-          <a:p>
-            <a:pPr marL="0" indent="0">
-              <a:buNone/>
-            </a:pPr>
-            <a:r>
-              <a:rPr lang="en-US" sz="2400" dirty="0"/>
-              <a:t>p</a:t>
-            </a:r>
-            <a:r>
-              <a:rPr lang="en-US" sz="2400" dirty="0" smtClean="0"/>
-              <a:t>ass out all</a:t>
+              <a:t/>
             </a:r>
             <a:br>
               <a:rPr lang="en-US" sz="2400" dirty="0" smtClean="0"/>
             </a:br>
-            <a:endParaRPr lang="en-US" sz="2400" dirty="0" smtClean="0"/>
-          </a:p>
-          <a:p>
-            <a:pPr marL="0" indent="0">
-              <a:buNone/>
-            </a:pPr>
-            <a:r>
-              <a:rPr lang="en-US" sz="2400" dirty="0" smtClean="0"/>
-              <a:t/>
-            </a:r>
-            <a:br>
-              <a:rPr lang="en-US" sz="2400" dirty="0" smtClean="0"/>
-            </a:br>
             <a:r>
               <a:rPr lang="en-US" sz="2400" dirty="0"/>
               <a:t>##</a:t>
             </a:r>
             <a:r>
               <a:rPr lang="en-US" sz="2400" dirty="0" smtClean="0"/>
-              <a:t>These rules will block all incoming traffic (block in all) including traffic to the good ports hence this will fail. Outgoing traffic will be allowed as long as the server sent the first packet (pass out all)</a:t>
+              <a:t>These rules will block all incoming traffic (block in all) including traffic to the good ports hence this is a badly formatted </a:t>
+            </a:r>
+            <a:r>
+              <a:rPr lang="en-US" sz="2400" dirty="0" err="1" smtClean="0"/>
+              <a:t>ruleset</a:t>
+            </a:r>
+            <a:r>
+              <a:rPr lang="en-US" sz="2400" dirty="0" smtClean="0"/>
+              <a:t>. Outgoing traffic will be allowed as long as the server sent the first packet (pass out all)</a:t>
             </a:r>
             <a:endParaRPr lang="en-US" sz="2400" dirty="0"/>
           </a:p>
@@ -6712,6 +7005,13 @@
   <p:clrMapOvr>
     <a:masterClrMapping/>
   </p:clrMapOvr>
+  <p:timing>
+    <p:tnLst>
+      <p:par>
+        <p:cTn xmlns:p14="http://schemas.microsoft.com/office/powerpoint/2010/main" id="1" dur="indefinite" restart="never" nodeType="tmRoot"/>
+      </p:par>
+    </p:tnLst>
+  </p:timing>
 </p:sld>
 </file>
 
@@ -6749,7 +7049,7 @@
           <a:p>
             <a:r>
               <a:rPr lang="en-US" b="1" dirty="0" smtClean="0"/>
-              <a:t>Sample Mail Server example 1</a:t>
+              <a:t>Simple Mail Server example 1</a:t>
             </a:r>
             <a:endParaRPr lang="en-US" b="1" dirty="0"/>
           </a:p>
@@ -6768,7 +7068,7 @@
         <p:spPr/>
         <p:txBody>
           <a:bodyPr>
-            <a:normAutofit/>
+            <a:normAutofit fontScale="70000" lnSpcReduction="20000"/>
           </a:bodyPr>
           <a:lstStyle/>
           <a:p>
@@ -6776,98 +7076,227 @@
               <a:buNone/>
             </a:pPr>
             <a:r>
-              <a:rPr lang="en-US" sz="2800" dirty="0" err="1" smtClean="0"/>
-              <a:t>ext_if</a:t>
-            </a:r>
+              <a:rPr lang="en-US" sz="2800" dirty="0" err="1" smtClean="0">
+                <a:latin typeface="Courier"/>
+                <a:cs typeface="Courier"/>
+              </a:rPr>
+              <a:t>good_ports</a:t>
+            </a:r>
+            <a:r>
+              <a:rPr lang="en-US" sz="2800" dirty="0" smtClean="0">
+                <a:latin typeface="Courier"/>
+                <a:cs typeface="Courier"/>
+              </a:rPr>
+              <a:t>=“{ 22, 25, 110, 143, 993, 995, 443, 80 }”</a:t>
+            </a:r>
+            <a:br>
+              <a:rPr lang="en-US" sz="2800" dirty="0" smtClean="0">
+                <a:latin typeface="Courier"/>
+                <a:cs typeface="Courier"/>
+              </a:rPr>
+            </a:br>
+            <a:r>
+              <a:rPr lang="en-US" sz="2800" dirty="0" err="1" smtClean="0">
+                <a:latin typeface="Courier"/>
+                <a:cs typeface="Courier"/>
+              </a:rPr>
+              <a:t>good_udp</a:t>
+            </a:r>
+            <a:r>
+              <a:rPr lang="en-US" sz="2800" dirty="0" smtClean="0">
+                <a:latin typeface="Courier"/>
+                <a:cs typeface="Courier"/>
+              </a:rPr>
+              <a:t>=“53”</a:t>
+            </a:r>
+          </a:p>
+          <a:p>
+            <a:pPr marL="0" indent="0">
+              <a:buNone/>
+            </a:pPr>
+            <a:r>
+              <a:rPr lang="en-US" sz="2800" dirty="0">
+                <a:latin typeface="Courier"/>
+                <a:cs typeface="Courier"/>
+              </a:rPr>
+              <a:t>b</a:t>
+            </a:r>
+            <a:r>
+              <a:rPr lang="en-US" sz="2800" dirty="0" smtClean="0">
+                <a:latin typeface="Courier"/>
+                <a:cs typeface="Courier"/>
+              </a:rPr>
+              <a:t>lock in all</a:t>
+            </a:r>
+          </a:p>
+          <a:p>
+            <a:pPr marL="0" indent="0">
+              <a:buNone/>
+            </a:pPr>
+            <a:r>
+              <a:rPr lang="en-US" sz="2800" dirty="0">
+                <a:latin typeface="Courier"/>
+                <a:cs typeface="Courier"/>
+              </a:rPr>
+              <a:t>p</a:t>
+            </a:r>
+            <a:r>
+              <a:rPr lang="en-US" sz="2800" dirty="0" smtClean="0">
+                <a:latin typeface="Courier"/>
+                <a:cs typeface="Courier"/>
+              </a:rPr>
+              <a:t>ass out all</a:t>
+            </a:r>
+          </a:p>
+          <a:p>
+            <a:pPr marL="0" indent="0">
+              <a:buNone/>
+            </a:pPr>
+            <a:r>
+              <a:rPr lang="en-US" sz="2800" dirty="0">
+                <a:latin typeface="Courier"/>
+                <a:cs typeface="Courier"/>
+              </a:rPr>
+              <a:t>s</a:t>
+            </a:r>
+            <a:r>
+              <a:rPr lang="en-US" sz="2800" dirty="0" smtClean="0">
+                <a:latin typeface="Courier"/>
+                <a:cs typeface="Courier"/>
+              </a:rPr>
+              <a:t>et skip on lo0</a:t>
+            </a:r>
+          </a:p>
+          <a:p>
+            <a:pPr marL="0" indent="0">
+              <a:buNone/>
+            </a:pPr>
+            <a:r>
+              <a:rPr lang="en-US" sz="2800" dirty="0" smtClean="0">
+                <a:latin typeface="Courier"/>
+                <a:cs typeface="Courier"/>
+              </a:rPr>
+              <a:t>pass in on em0 </a:t>
+            </a:r>
+            <a:r>
+              <a:rPr lang="en-US" sz="2800" dirty="0" err="1" smtClean="0">
+                <a:latin typeface="Courier"/>
+                <a:cs typeface="Courier"/>
+              </a:rPr>
+              <a:t>inet</a:t>
+            </a:r>
+            <a:r>
+              <a:rPr lang="en-US" sz="2800" dirty="0" smtClean="0">
+                <a:latin typeface="Courier"/>
+                <a:cs typeface="Courier"/>
+              </a:rPr>
+              <a:t> proto </a:t>
+            </a:r>
+            <a:r>
+              <a:rPr lang="en-US" sz="2800" dirty="0" err="1" smtClean="0">
+                <a:latin typeface="Courier"/>
+                <a:cs typeface="Courier"/>
+              </a:rPr>
+              <a:t>tcp</a:t>
+            </a:r>
+            <a:r>
+              <a:rPr lang="en-US" sz="2800" dirty="0" smtClean="0">
+                <a:latin typeface="Courier"/>
+                <a:cs typeface="Courier"/>
+              </a:rPr>
+              <a:t> from $</a:t>
+            </a:r>
+            <a:r>
+              <a:rPr lang="en-US" sz="2800" dirty="0" err="1" smtClean="0">
+                <a:latin typeface="Courier"/>
+                <a:cs typeface="Courier"/>
+              </a:rPr>
+              <a:t>good_ports</a:t>
+            </a:r>
+            <a:r>
+              <a:rPr lang="en-US" sz="2800" dirty="0">
+                <a:latin typeface="Courier"/>
+                <a:cs typeface="Courier"/>
+              </a:rPr>
+              <a:t> </a:t>
+            </a:r>
+            <a:r>
+              <a:rPr lang="en-US" sz="2800" dirty="0" smtClean="0">
+                <a:latin typeface="Courier"/>
+                <a:cs typeface="Courier"/>
+              </a:rPr>
+              <a:t>to \ any </a:t>
+            </a:r>
+          </a:p>
+          <a:p>
+            <a:pPr marL="0" indent="0">
+              <a:buNone/>
+            </a:pPr>
+            <a:r>
+              <a:rPr lang="en-US" sz="2800" dirty="0">
+                <a:latin typeface="Courier"/>
+                <a:cs typeface="Courier"/>
+              </a:rPr>
+              <a:t>p</a:t>
+            </a:r>
+            <a:r>
+              <a:rPr lang="en-US" sz="2800" dirty="0" smtClean="0">
+                <a:latin typeface="Courier"/>
+                <a:cs typeface="Courier"/>
+              </a:rPr>
+              <a:t>ass in on em0 </a:t>
+            </a:r>
+            <a:r>
+              <a:rPr lang="en-US" sz="2800" dirty="0" err="1" smtClean="0">
+                <a:latin typeface="Courier"/>
+                <a:cs typeface="Courier"/>
+              </a:rPr>
+              <a:t>inet</a:t>
+            </a:r>
+            <a:r>
+              <a:rPr lang="en-US" sz="2800" dirty="0" smtClean="0">
+                <a:latin typeface="Courier"/>
+                <a:cs typeface="Courier"/>
+              </a:rPr>
+              <a:t> proto </a:t>
+            </a:r>
+            <a:r>
+              <a:rPr lang="en-US" sz="2800" dirty="0" err="1" smtClean="0">
+                <a:latin typeface="Courier"/>
+                <a:cs typeface="Courier"/>
+              </a:rPr>
+              <a:t>udp</a:t>
+            </a:r>
+            <a:r>
+              <a:rPr lang="en-US" sz="2800" dirty="0" smtClean="0">
+                <a:latin typeface="Courier"/>
+                <a:cs typeface="Courier"/>
+              </a:rPr>
+              <a:t> from any port \$</a:t>
+            </a:r>
+            <a:r>
+              <a:rPr lang="en-US" sz="2800" dirty="0" err="1" smtClean="0">
+                <a:latin typeface="Courier"/>
+                <a:cs typeface="Courier"/>
+              </a:rPr>
+              <a:t>good_udp</a:t>
+            </a:r>
+            <a:endParaRPr lang="en-US" sz="2800" dirty="0" smtClean="0">
+              <a:latin typeface="Courier"/>
+              <a:cs typeface="Courier"/>
+            </a:endParaRPr>
+          </a:p>
+          <a:p>
+            <a:pPr marL="0" indent="0">
+              <a:buNone/>
+            </a:pPr>
             <a:r>
               <a:rPr lang="en-US" sz="2800" dirty="0" smtClean="0"/>
-              <a:t>=“em0”</a:t>
-            </a:r>
-          </a:p>
-          <a:p>
-            <a:pPr marL="0" indent="0">
-              <a:buNone/>
-            </a:pPr>
-            <a:r>
-              <a:rPr lang="en-US" sz="2800" dirty="0" err="1"/>
-              <a:t>g</a:t>
-            </a:r>
-            <a:r>
-              <a:rPr lang="en-US" sz="2800" dirty="0" err="1" smtClean="0"/>
-              <a:t>ood_ports</a:t>
-            </a:r>
-            <a:r>
-              <a:rPr lang="en-US" sz="2800" dirty="0" smtClean="0"/>
-              <a:t>=“{ 22, 25, 110, 143, 993, 995, 443, 80 }”</a:t>
+              <a:t/>
             </a:r>
             <a:br>
               <a:rPr lang="en-US" sz="2800" dirty="0" smtClean="0"/>
             </a:br>
-            <a:endParaRPr lang="en-US" sz="2800" dirty="0" smtClean="0"/>
-          </a:p>
-          <a:p>
-            <a:pPr marL="0" indent="0">
-              <a:buNone/>
-            </a:pPr>
-            <a:r>
-              <a:rPr lang="en-US" sz="2800" dirty="0"/>
-              <a:t>b</a:t>
-            </a:r>
-            <a:r>
-              <a:rPr lang="en-US" sz="2800" dirty="0" smtClean="0"/>
-              <a:t>lock in all</a:t>
-            </a:r>
-          </a:p>
-          <a:p>
-            <a:pPr marL="0" indent="0">
-              <a:buNone/>
-            </a:pPr>
-            <a:r>
-              <a:rPr lang="en-US" sz="2800" dirty="0"/>
-              <a:t>p</a:t>
-            </a:r>
-            <a:r>
-              <a:rPr lang="en-US" sz="2800" dirty="0" smtClean="0"/>
-              <a:t>ass out all</a:t>
-            </a:r>
-          </a:p>
-          <a:p>
-            <a:pPr marL="0" indent="0">
-              <a:buNone/>
-            </a:pPr>
-            <a:r>
-              <a:rPr lang="en-US" sz="2800" dirty="0" smtClean="0"/>
-              <a:t>pass in on $em0 </a:t>
-            </a:r>
-            <a:r>
-              <a:rPr lang="en-US" sz="2800" dirty="0" err="1" smtClean="0"/>
-              <a:t>inet</a:t>
-            </a:r>
-            <a:r>
-              <a:rPr lang="en-US" sz="2800" dirty="0" smtClean="0"/>
-              <a:t> proto </a:t>
-            </a:r>
-            <a:r>
-              <a:rPr lang="en-US" sz="2800" dirty="0" err="1" smtClean="0"/>
-              <a:t>tcp</a:t>
-            </a:r>
-            <a:r>
-              <a:rPr lang="en-US" sz="2800" dirty="0" smtClean="0"/>
-              <a:t> from $</a:t>
-            </a:r>
-            <a:r>
-              <a:rPr lang="en-US" sz="2800" dirty="0" err="1" smtClean="0"/>
-              <a:t>good_ports</a:t>
-            </a:r>
-            <a:r>
-              <a:rPr lang="en-US" sz="2800" dirty="0" smtClean="0"/>
-              <a:t> to any </a:t>
-            </a:r>
-          </a:p>
-          <a:p>
-            <a:pPr marL="0" indent="0">
-              <a:buNone/>
-            </a:pPr>
             <a:r>
               <a:rPr lang="en-US" sz="2800" dirty="0" smtClean="0"/>
               <a:t/>
@@ -6875,6 +7304,39 @@
             <a:br>
               <a:rPr lang="en-US" sz="2800" dirty="0" smtClean="0"/>
             </a:br>
+            <a:r>
+              <a:rPr lang="en-US" sz="3400" dirty="0"/>
+              <a:t>##These rules will pass the good ports </a:t>
+            </a:r>
+            <a:r>
+              <a:rPr lang="en-US" sz="3400" dirty="0" smtClean="0"/>
+              <a:t>on </a:t>
+            </a:r>
+            <a:r>
+              <a:rPr lang="en-US" sz="3400" dirty="0" err="1" smtClean="0"/>
+              <a:t>tcp</a:t>
+            </a:r>
+            <a:r>
+              <a:rPr lang="en-US" sz="3400" dirty="0" smtClean="0"/>
+              <a:t>, pass any </a:t>
+            </a:r>
+            <a:r>
+              <a:rPr lang="en-US" sz="3400" dirty="0" err="1" smtClean="0"/>
+              <a:t>udp</a:t>
+            </a:r>
+            <a:r>
+              <a:rPr lang="en-US" sz="3400" dirty="0" smtClean="0"/>
+              <a:t> traffic with a source port of 53 then </a:t>
+            </a:r>
+            <a:r>
+              <a:rPr lang="en-US" sz="3400" dirty="0"/>
+              <a:t>block all incoming traffic (block in all). Outgoing traffic will be allowed as long as the server sent the first packet (pass out all)</a:t>
+            </a:r>
+          </a:p>
+          <a:p>
+            <a:pPr marL="0" indent="0">
+              <a:buNone/>
+            </a:pPr>
             <a:endParaRPr lang="en-US" sz="2800" dirty="0"/>
           </a:p>
         </p:txBody>
@@ -6889,6 +7351,13 @@
   <p:clrMapOvr>
     <a:masterClrMapping/>
   </p:clrMapOvr>
+  <p:timing>
+    <p:tnLst>
+      <p:par>
+        <p:cTn xmlns:p14="http://schemas.microsoft.com/office/powerpoint/2010/main" id="1" dur="indefinite" restart="never" nodeType="tmRoot"/>
+      </p:par>
+    </p:tnLst>
+  </p:timing>
 </p:sld>
 </file>
 
@@ -6987,6 +7456,21 @@
               <a:buNone/>
             </a:pPr>
             <a:r>
+              <a:rPr lang="en-US" sz="2800" dirty="0"/>
+              <a:t>block in all</a:t>
+            </a:r>
+          </a:p>
+          <a:p>
+            <a:pPr marL="0" indent="0">
+              <a:buNone/>
+            </a:pPr>
+            <a:endParaRPr lang="en-US" sz="2800" dirty="0" smtClean="0"/>
+          </a:p>
+          <a:p>
+            <a:pPr marL="0" indent="0">
+              <a:buNone/>
+            </a:pPr>
+            <a:r>
               <a:rPr lang="en-US" sz="2800" dirty="0" smtClean="0"/>
               <a:t>pass in quick on $em0 </a:t>
             </a:r>
@@ -7014,20 +7498,6 @@
               <a:rPr lang="en-US" sz="2800" dirty="0" smtClean="0"/>
               <a:t> to any </a:t>
             </a:r>
-          </a:p>
-          <a:p>
-            <a:pPr marL="0" indent="0">
-              <a:buNone/>
-            </a:pPr>
-            <a:r>
-              <a:rPr lang="en-US" sz="2800" dirty="0"/>
-              <a:t>b</a:t>
-            </a:r>
-            <a:r>
-              <a:rPr lang="en-US" sz="2800" dirty="0" smtClean="0"/>
-              <a:t>lock in all</a:t>
-            </a:r>
-            <a:endParaRPr lang="en-US" sz="2800" dirty="0"/>
           </a:p>
           <a:p>
             <a:pPr marL="0" indent="0">
@@ -7053,6 +7523,13 @@
   <p:clrMapOvr>
     <a:masterClrMapping/>
   </p:clrMapOvr>
+  <p:timing>
+    <p:tnLst>
+      <p:par>
+        <p:cTn xmlns:p14="http://schemas.microsoft.com/office/powerpoint/2010/main" id="1" dur="indefinite" restart="never" nodeType="tmRoot"/>
+      </p:par>
+    </p:tnLst>
+  </p:timing>
 </p:sld>
 </file>
 

--- a/firewalls/Firewalling in FreeBSD-v1.pptx
+++ b/firewalls/Firewalling in FreeBSD-v1.pptx
@@ -23,20 +23,21 @@
     <p:sldId id="270" r:id="rId17"/>
     <p:sldId id="277" r:id="rId18"/>
     <p:sldId id="278" r:id="rId19"/>
-    <p:sldId id="271" r:id="rId20"/>
-    <p:sldId id="272" r:id="rId21"/>
-    <p:sldId id="274" r:id="rId22"/>
-    <p:sldId id="273" r:id="rId23"/>
-    <p:sldId id="275" r:id="rId24"/>
-    <p:sldId id="285" r:id="rId25"/>
-    <p:sldId id="286" r:id="rId26"/>
-    <p:sldId id="288" r:id="rId27"/>
-    <p:sldId id="287" r:id="rId28"/>
-    <p:sldId id="283" r:id="rId29"/>
-    <p:sldId id="284" r:id="rId30"/>
-    <p:sldId id="282" r:id="rId31"/>
-    <p:sldId id="281" r:id="rId32"/>
-    <p:sldId id="279" r:id="rId33"/>
+    <p:sldId id="285" r:id="rId20"/>
+    <p:sldId id="290" r:id="rId21"/>
+    <p:sldId id="271" r:id="rId22"/>
+    <p:sldId id="272" r:id="rId23"/>
+    <p:sldId id="274" r:id="rId24"/>
+    <p:sldId id="273" r:id="rId25"/>
+    <p:sldId id="275" r:id="rId26"/>
+    <p:sldId id="286" r:id="rId27"/>
+    <p:sldId id="289" r:id="rId28"/>
+    <p:sldId id="288" r:id="rId29"/>
+    <p:sldId id="287" r:id="rId30"/>
+    <p:sldId id="283" r:id="rId31"/>
+    <p:sldId id="282" r:id="rId32"/>
+    <p:sldId id="281" r:id="rId33"/>
+    <p:sldId id="279" r:id="rId34"/>
   </p:sldIdLst>
   <p:sldSz cx="9144000" cy="6858000" type="screen4x3"/>
   <p:notesSz cx="6858000" cy="9144000"/>
@@ -4864,8 +4865,8 @@
         </p:nvSpPr>
         <p:spPr>
           <a:xfrm>
-            <a:off x="457200" y="-111804"/>
-            <a:ext cx="8229600" cy="1143000"/>
+            <a:off x="457200" y="32747"/>
+            <a:ext cx="8229600" cy="919701"/>
           </a:xfrm>
         </p:spPr>
         <p:txBody>
@@ -4874,7 +4875,7 @@
           <a:p>
             <a:r>
               <a:rPr lang="en-US" b="1" dirty="0" smtClean="0"/>
-              <a:t>Passing Traffic</a:t>
+              <a:t>Understanding the PF Rules</a:t>
             </a:r>
             <a:endParaRPr lang="en-US" b="1" dirty="0"/>
           </a:p>
@@ -4892,162 +4893,73 @@
         </p:nvSpPr>
         <p:spPr>
           <a:xfrm>
-            <a:off x="256721" y="986228"/>
-            <a:ext cx="8633581" cy="5139935"/>
+            <a:off x="347767" y="1103630"/>
+            <a:ext cx="8339033" cy="5472793"/>
           </a:xfrm>
         </p:spPr>
         <p:txBody>
           <a:bodyPr>
-            <a:normAutofit/>
+            <a:normAutofit fontScale="92500" lnSpcReduction="10000"/>
           </a:bodyPr>
           <a:lstStyle/>
           <a:p>
-            <a:pPr>
-              <a:buNone/>
-            </a:pPr>
-            <a:r>
-              <a:rPr lang="en-US" sz="1600" dirty="0" smtClean="0">
-                <a:latin typeface="Courier"/>
-                <a:cs typeface="Courier"/>
-              </a:rPr>
-              <a:t>pass in on dc0 from 192.168.0.0/24 to 192.168.0.1 </a:t>
-            </a:r>
-          </a:p>
-          <a:p>
-            <a:pPr>
-              <a:buNone/>
-            </a:pPr>
-            <a:r>
-              <a:rPr lang="en-US" sz="1600" dirty="0" smtClean="0">
-                <a:latin typeface="Courier"/>
-                <a:cs typeface="Courier"/>
-              </a:rPr>
-              <a:t>pass out on dc0 from 192.168.0.1 to 192.168.0.0/24</a:t>
-            </a:r>
-          </a:p>
-          <a:p>
-            <a:pPr>
-              <a:buNone/>
-            </a:pPr>
-            <a:r>
-              <a:rPr lang="en-US" sz="1600" dirty="0" smtClean="0">
-                <a:latin typeface="Courier"/>
-                <a:cs typeface="Courier"/>
-              </a:rPr>
-              <a:t>pass in quick on em0 from 172.16.1.1 to any</a:t>
-            </a:r>
-          </a:p>
-          <a:p>
-            <a:pPr>
-              <a:buNone/>
-            </a:pPr>
-            <a:r>
-              <a:rPr lang="en-US" sz="1600" dirty="0" smtClean="0">
-                <a:latin typeface="Courier"/>
-                <a:cs typeface="Courier"/>
-              </a:rPr>
-              <a:t>pass out on em0 from any to 172.16.1.1</a:t>
-            </a:r>
-          </a:p>
-          <a:p>
-            <a:pPr>
-              <a:buNone/>
-            </a:pPr>
-            <a:r>
-              <a:rPr lang="en-US" sz="1600" dirty="0" smtClean="0">
-                <a:latin typeface="Courier"/>
-                <a:cs typeface="Courier"/>
-              </a:rPr>
-              <a:t>pass in quick on em0 </a:t>
-            </a:r>
-            <a:r>
-              <a:rPr lang="en-US" sz="1600" dirty="0" err="1" smtClean="0">
-                <a:latin typeface="Courier"/>
-                <a:cs typeface="Courier"/>
-              </a:rPr>
-              <a:t>inet</a:t>
-            </a:r>
-            <a:r>
-              <a:rPr lang="en-US" sz="1600" dirty="0" smtClean="0">
-                <a:latin typeface="Courier"/>
-                <a:cs typeface="Courier"/>
-              </a:rPr>
-              <a:t> proto </a:t>
-            </a:r>
-            <a:r>
-              <a:rPr lang="en-US" sz="1600" dirty="0" err="1" smtClean="0">
-                <a:latin typeface="Courier"/>
-                <a:cs typeface="Courier"/>
-              </a:rPr>
-              <a:t>icmp</a:t>
-            </a:r>
-            <a:r>
-              <a:rPr lang="en-US" sz="1600" dirty="0" smtClean="0">
-                <a:latin typeface="Courier"/>
-                <a:cs typeface="Courier"/>
-              </a:rPr>
-              <a:t> from any to any</a:t>
-            </a:r>
-          </a:p>
-          <a:p>
-            <a:pPr>
-              <a:buNone/>
-            </a:pPr>
-            <a:r>
-              <a:rPr lang="en-US" sz="1600" dirty="0" smtClean="0">
-                <a:latin typeface="Courier"/>
-                <a:cs typeface="Courier"/>
-              </a:rPr>
-              <a:t>pass in quick on rl0 </a:t>
-            </a:r>
-            <a:r>
-              <a:rPr lang="en-US" sz="1600" dirty="0" err="1" smtClean="0">
-                <a:latin typeface="Courier"/>
-                <a:cs typeface="Courier"/>
-              </a:rPr>
-              <a:t>inet</a:t>
-            </a:r>
-            <a:r>
-              <a:rPr lang="en-US" sz="1600" dirty="0" smtClean="0">
-                <a:latin typeface="Courier"/>
-                <a:cs typeface="Courier"/>
-              </a:rPr>
-              <a:t> proto </a:t>
-            </a:r>
-            <a:r>
-              <a:rPr lang="en-US" sz="1600" dirty="0" err="1" smtClean="0">
-                <a:latin typeface="Courier"/>
-                <a:cs typeface="Courier"/>
-              </a:rPr>
-              <a:t>udp</a:t>
-            </a:r>
-            <a:r>
-              <a:rPr lang="en-US" sz="1600" dirty="0" smtClean="0">
-                <a:latin typeface="Courier"/>
-                <a:cs typeface="Courier"/>
-              </a:rPr>
-              <a:t> from any port 53 to 192.168.0.1</a:t>
-            </a:r>
-          </a:p>
-          <a:p>
-            <a:endParaRPr lang="en-US" sz="1600" dirty="0" smtClean="0">
-              <a:latin typeface="Courier"/>
-              <a:cs typeface="Courier"/>
-            </a:endParaRPr>
-          </a:p>
-          <a:p>
-            <a:r>
-              <a:rPr lang="en-US" dirty="0" smtClean="0"/>
-              <a:t>What will the above rules do?</a:t>
-            </a:r>
-            <a:endParaRPr lang="en-US" b="1" i="1" dirty="0" smtClean="0"/>
-          </a:p>
-          <a:p>
-            <a:endParaRPr lang="en-US" b="1" dirty="0"/>
+            <a:r>
+              <a:rPr lang="en-US" dirty="0" smtClean="0"/>
+              <a:t>Rules are red from top to bottom</a:t>
+            </a:r>
+          </a:p>
+          <a:p>
+            <a:r>
+              <a:rPr lang="en-US" dirty="0" smtClean="0"/>
+              <a:t>A matching pass rule in one direction automatically creates a matching pass rule in the other direction</a:t>
+            </a:r>
+          </a:p>
+          <a:p>
+            <a:r>
+              <a:rPr lang="en-US" dirty="0" smtClean="0"/>
+              <a:t>PF allows everything in or out by default and you may (or may not) want this</a:t>
+            </a:r>
+          </a:p>
+          <a:p>
+            <a:r>
+              <a:rPr lang="en-US" dirty="0" smtClean="0"/>
+              <a:t>The last rule to match the packet wins</a:t>
+            </a:r>
+          </a:p>
+          <a:p>
+            <a:r>
+              <a:rPr lang="en-US" dirty="0" smtClean="0"/>
+              <a:t>If the packet is not matched it is allowed through anyway (default allow – exclusive)</a:t>
+            </a:r>
+          </a:p>
+          <a:p>
+            <a:r>
+              <a:rPr lang="en-US" dirty="0" smtClean="0"/>
+              <a:t>If you don</a:t>
+            </a:r>
+            <a:r>
+              <a:rPr lang="fr-FR" dirty="0" smtClean="0"/>
+              <a:t>’</a:t>
+            </a:r>
+            <a:r>
+              <a:rPr lang="en-US" dirty="0" smtClean="0"/>
+              <a:t>t want this, you must set an implicit block in the direction you want to block</a:t>
+            </a:r>
+          </a:p>
+          <a:p>
+            <a:endParaRPr lang="en-US" dirty="0" smtClean="0"/>
+          </a:p>
+          <a:p>
+            <a:endParaRPr lang="en-US" dirty="0"/>
           </a:p>
         </p:txBody>
       </p:sp>
     </p:spTree>
+    <p:extLst>
+      <p:ext uri="{BB962C8B-B14F-4D97-AF65-F5344CB8AC3E}">
+        <p14:creationId xmlns:p14="http://schemas.microsoft.com/office/powerpoint/2010/main" val="1400018760"/>
+      </p:ext>
+    </p:extLst>
   </p:cSld>
   <p:clrMapOvr>
     <a:masterClrMapping/>
@@ -5209,7 +5121,7 @@
           <a:p>
             <a:r>
               <a:rPr lang="en-US" b="1" dirty="0" smtClean="0"/>
-              <a:t>Sample File</a:t>
+              <a:t>What about default deny?</a:t>
             </a:r>
             <a:endParaRPr lang="en-US" b="1" dirty="0"/>
           </a:p>
@@ -5225,166 +5137,134 @@
             <p:ph idx="1"/>
           </p:nvPr>
         </p:nvSpPr>
-        <p:spPr/>
+        <p:spPr>
+          <a:xfrm>
+            <a:off x="457200" y="1600200"/>
+            <a:ext cx="8229600" cy="5006460"/>
+          </a:xfrm>
+        </p:spPr>
         <p:txBody>
           <a:bodyPr>
-            <a:normAutofit/>
+            <a:normAutofit fontScale="85000" lnSpcReduction="20000"/>
           </a:bodyPr>
           <a:lstStyle/>
           <a:p>
-            <a:pPr>
+            <a:r>
+              <a:rPr lang="en-US" dirty="0"/>
+              <a:t>The recommended practice when setting up a firewall is to take a "default deny" approach. </a:t>
+            </a:r>
+            <a:endParaRPr lang="en-US" dirty="0" smtClean="0"/>
+          </a:p>
+          <a:p>
+            <a:r>
+              <a:rPr lang="en-US" dirty="0" smtClean="0"/>
+              <a:t>That </a:t>
+            </a:r>
+            <a:r>
+              <a:rPr lang="en-US" dirty="0"/>
+              <a:t>is, to deny </a:t>
+            </a:r>
+            <a:r>
+              <a:rPr lang="en-US" i="1" dirty="0"/>
+              <a:t>everything</a:t>
+            </a:r>
+            <a:r>
+              <a:rPr lang="en-US" dirty="0"/>
+              <a:t> and then selectively allow certain traffic through the firewall. </a:t>
+            </a:r>
+            <a:endParaRPr lang="en-US" dirty="0" smtClean="0"/>
+          </a:p>
+          <a:p>
+            <a:r>
+              <a:rPr lang="en-US" dirty="0" smtClean="0"/>
+              <a:t>This </a:t>
+            </a:r>
+            <a:r>
+              <a:rPr lang="en-US" dirty="0"/>
+              <a:t>approach is recommended because it errs on the side of caution and also makes writing a </a:t>
+            </a:r>
+            <a:r>
+              <a:rPr lang="en-US" dirty="0" err="1"/>
+              <a:t>ruleset</a:t>
+            </a:r>
+            <a:r>
+              <a:rPr lang="en-US" dirty="0"/>
+              <a:t> easier. </a:t>
+            </a:r>
+            <a:r>
+              <a:rPr lang="en-US" dirty="0" smtClean="0"/>
+              <a:t>the </a:t>
+            </a:r>
+            <a:r>
+              <a:rPr lang="en-US" dirty="0"/>
+              <a:t>first two filter rules should be: </a:t>
+            </a:r>
+          </a:p>
+          <a:p>
+            <a:pPr marL="457200" lvl="1" indent="0">
               <a:buNone/>
             </a:pPr>
             <a:r>
-              <a:rPr lang="en-US" sz="2400" dirty="0" smtClean="0">
-                <a:latin typeface="Courier"/>
-                <a:cs typeface="Courier"/>
-              </a:rPr>
-              <a:t>block in </a:t>
-            </a:r>
-            <a:r>
-              <a:rPr lang="en-US" sz="2400" dirty="0">
-                <a:latin typeface="Courier"/>
-                <a:cs typeface="Courier"/>
-              </a:rPr>
-              <a:t>all #block stuff by default</a:t>
-            </a:r>
-            <a:endParaRPr lang="en-US" sz="2400" dirty="0" smtClean="0">
-              <a:latin typeface="Courier"/>
-              <a:cs typeface="Courier"/>
-            </a:endParaRPr>
-          </a:p>
-          <a:p>
-            <a:pPr>
-              <a:buNone/>
-            </a:pPr>
-            <a:r>
-              <a:rPr lang="en-US" sz="2400" dirty="0" smtClean="0">
-                <a:latin typeface="Courier"/>
-                <a:cs typeface="Courier"/>
-              </a:rPr>
-              <a:t>set skip on lo0</a:t>
-            </a:r>
-          </a:p>
-          <a:p>
-            <a:pPr>
-              <a:buNone/>
-            </a:pPr>
-            <a:r>
-              <a:rPr lang="en-US" sz="2400" dirty="0" smtClean="0">
-                <a:latin typeface="Courier"/>
-                <a:cs typeface="Courier"/>
-              </a:rPr>
-              <a:t>pass in log on em0 </a:t>
-            </a:r>
-            <a:r>
-              <a:rPr lang="en-US" sz="2400" dirty="0" err="1" smtClean="0">
-                <a:latin typeface="Courier"/>
-                <a:cs typeface="Courier"/>
-              </a:rPr>
-              <a:t>inet</a:t>
-            </a:r>
-            <a:r>
-              <a:rPr lang="en-US" sz="2400" dirty="0" smtClean="0">
-                <a:latin typeface="Courier"/>
-                <a:cs typeface="Courier"/>
-              </a:rPr>
-              <a:t> proto </a:t>
-            </a:r>
-            <a:r>
-              <a:rPr lang="en-US" sz="2400" dirty="0" err="1" smtClean="0">
-                <a:latin typeface="Courier"/>
-                <a:cs typeface="Courier"/>
-              </a:rPr>
-              <a:t>tcp</a:t>
-            </a:r>
-            <a:r>
-              <a:rPr lang="en-US" sz="2400" dirty="0" smtClean="0">
-                <a:latin typeface="Courier"/>
-                <a:cs typeface="Courier"/>
-              </a:rPr>
-              <a:t> all</a:t>
-            </a:r>
-          </a:p>
-          <a:p>
-            <a:pPr>
-              <a:buNone/>
-            </a:pPr>
-            <a:r>
-              <a:rPr lang="en-US" sz="2400" dirty="0" smtClean="0">
-                <a:latin typeface="Courier"/>
-                <a:cs typeface="Courier"/>
-              </a:rPr>
-              <a:t>pass out on em0 </a:t>
-            </a:r>
-            <a:r>
-              <a:rPr lang="en-US" sz="2400" dirty="0" err="1" smtClean="0">
-                <a:latin typeface="Courier"/>
-                <a:cs typeface="Courier"/>
-              </a:rPr>
-              <a:t>inet</a:t>
-            </a:r>
-            <a:r>
-              <a:rPr lang="en-US" sz="2400" dirty="0" smtClean="0">
-                <a:latin typeface="Courier"/>
-                <a:cs typeface="Courier"/>
-              </a:rPr>
-              <a:t> proto </a:t>
-            </a:r>
-            <a:r>
-              <a:rPr lang="en-US" sz="2400" dirty="0" err="1" smtClean="0">
-                <a:latin typeface="Courier"/>
-                <a:cs typeface="Courier"/>
-              </a:rPr>
-              <a:t>tcp</a:t>
-            </a:r>
-            <a:r>
-              <a:rPr lang="en-US" sz="2400" dirty="0" smtClean="0">
-                <a:latin typeface="Courier"/>
-                <a:cs typeface="Courier"/>
-              </a:rPr>
-              <a:t> all</a:t>
+              <a:rPr lang="en-US" dirty="0"/>
+              <a:t>block </a:t>
+            </a:r>
+            <a:r>
+              <a:rPr lang="en-US" dirty="0" smtClean="0"/>
+              <a:t>in</a:t>
+            </a:r>
+            <a:r>
+              <a:rPr lang="en-US" dirty="0"/>
+              <a:t> all</a:t>
             </a:r>
             <a:br>
-              <a:rPr lang="en-US" sz="2400" dirty="0" smtClean="0">
-                <a:latin typeface="Courier"/>
-                <a:cs typeface="Courier"/>
-              </a:rPr>
+              <a:rPr lang="en-US" dirty="0"/>
             </a:br>
-            <a:endParaRPr lang="en-US" sz="2400" dirty="0" smtClean="0">
-              <a:latin typeface="Courier"/>
-              <a:cs typeface="Courier"/>
-            </a:endParaRPr>
-          </a:p>
-          <a:p>
-            <a:r>
-              <a:rPr lang="en-US" dirty="0" smtClean="0"/>
-              <a:t>Will UDP traffic pass? Why?</a:t>
-            </a:r>
-          </a:p>
-          <a:p>
-            <a:r>
-              <a:rPr lang="en-US" dirty="0" smtClean="0"/>
-              <a:t>Will ICMP Traffic pass? Why?</a:t>
-            </a:r>
-          </a:p>
-          <a:p>
+            <a:r>
+              <a:rPr lang="en-US" dirty="0"/>
+              <a:t>block out </a:t>
+            </a:r>
+            <a:r>
+              <a:rPr lang="en-US" dirty="0" smtClean="0"/>
+              <a:t>all</a:t>
+            </a:r>
+          </a:p>
+          <a:p>
+            <a:r>
+              <a:rPr lang="en-US" dirty="0" smtClean="0"/>
+              <a:t>This </a:t>
+            </a:r>
+            <a:r>
+              <a:rPr lang="en-US" dirty="0"/>
+              <a:t>will block all traffic on all interfaces in either direction from anywhere to anywhere. </a:t>
+            </a:r>
+            <a:endParaRPr lang="en-US" dirty="0" smtClean="0"/>
+          </a:p>
+          <a:p>
+            <a:r>
+              <a:rPr lang="en-US" b="1" dirty="0" smtClean="0"/>
+              <a:t>HOWEVER</a:t>
+            </a:r>
+            <a:r>
+              <a:rPr lang="en-US" dirty="0" smtClean="0"/>
+              <a:t>, you may opt to approach your firewall rules differently depending on the scenario</a:t>
+            </a:r>
             <a:endParaRPr lang="en-US" dirty="0"/>
           </a:p>
+          <a:p>
+            <a:endParaRPr lang="en-US" dirty="0"/>
+          </a:p>
         </p:txBody>
       </p:sp>
     </p:spTree>
+    <p:extLst>
+      <p:ext uri="{BB962C8B-B14F-4D97-AF65-F5344CB8AC3E}">
+        <p14:creationId xmlns:p14="http://schemas.microsoft.com/office/powerpoint/2010/main" val="2960872974"/>
+      </p:ext>
+    </p:extLst>
   </p:cSld>
   <p:clrMapOvr>
     <a:masterClrMapping/>
   </p:clrMapOvr>
-  <p:timing>
-    <p:tnLst>
-      <p:par>
-        <p:cTn xmlns:p14="http://schemas.microsoft.com/office/powerpoint/2010/main" id="1" dur="indefinite" restart="never" nodeType="tmRoot"/>
-      </p:par>
-    </p:tnLst>
-  </p:timing>
 </p:sld>
 </file>
 
@@ -5415,14 +5295,19 @@
             <p:ph type="title"/>
           </p:nvPr>
         </p:nvSpPr>
-        <p:spPr/>
+        <p:spPr>
+          <a:xfrm>
+            <a:off x="457200" y="-111804"/>
+            <a:ext cx="8229600" cy="1143000"/>
+          </a:xfrm>
+        </p:spPr>
         <p:txBody>
           <a:bodyPr/>
           <a:lstStyle/>
           <a:p>
             <a:r>
               <a:rPr lang="en-US" b="1" dirty="0" smtClean="0"/>
-              <a:t>Sample Rules 2</a:t>
+              <a:t>Passing Traffic</a:t>
             </a:r>
             <a:endParaRPr lang="en-US" b="1" dirty="0"/>
           </a:p>
@@ -5438,20 +5323,27 @@
             <p:ph idx="1"/>
           </p:nvPr>
         </p:nvSpPr>
-        <p:spPr/>
-        <p:txBody>
-          <a:bodyPr/>
+        <p:spPr>
+          <a:xfrm>
+            <a:off x="256721" y="986228"/>
+            <a:ext cx="8633581" cy="5139935"/>
+          </a:xfrm>
+        </p:spPr>
+        <p:txBody>
+          <a:bodyPr>
+            <a:normAutofit/>
+          </a:bodyPr>
           <a:lstStyle/>
           <a:p>
             <a:pPr>
               <a:buNone/>
             </a:pPr>
             <a:r>
-              <a:rPr lang="en-US" sz="2000" dirty="0" smtClean="0">
-                <a:latin typeface="Courier"/>
-                <a:cs typeface="Courier"/>
-              </a:rPr>
-              <a:t>block in all #block stuff by default</a:t>
+              <a:rPr lang="en-US" sz="1600" dirty="0" smtClean="0">
+                <a:latin typeface="Courier"/>
+                <a:cs typeface="Courier"/>
+              </a:rPr>
+              <a:t>pass in on dc0 from 192.168.0.0/24 to 192.168.0.1 </a:t>
             </a:r>
           </a:p>
           <a:p>
@@ -5459,11 +5351,11 @@
               <a:buNone/>
             </a:pPr>
             <a:r>
-              <a:rPr lang="en-US" sz="2000" dirty="0" smtClean="0">
-                <a:latin typeface="Courier"/>
-                <a:cs typeface="Courier"/>
-              </a:rPr>
-              <a:t>set skip on lo0</a:t>
+              <a:rPr lang="en-US" sz="1600" dirty="0" smtClean="0">
+                <a:latin typeface="Courier"/>
+                <a:cs typeface="Courier"/>
+              </a:rPr>
+              <a:t>pass out on dc0 from 192.168.0.1 to 192.168.0.0/24</a:t>
             </a:r>
           </a:p>
           <a:p>
@@ -5471,39 +5363,63 @@
               <a:buNone/>
             </a:pPr>
             <a:r>
-              <a:rPr lang="en-US" sz="2000" dirty="0" smtClean="0">
-                <a:latin typeface="Courier"/>
-                <a:cs typeface="Courier"/>
-              </a:rPr>
-              <a:t>block in quick on em0 </a:t>
-            </a:r>
-            <a:r>
-              <a:rPr lang="en-US" sz="2000" dirty="0" err="1" smtClean="0">
+              <a:rPr lang="en-US" sz="1600" dirty="0" smtClean="0">
+                <a:latin typeface="Courier"/>
+                <a:cs typeface="Courier"/>
+              </a:rPr>
+              <a:t>pass in quick on em0 from 172.16.1.1 to any</a:t>
+            </a:r>
+          </a:p>
+          <a:p>
+            <a:pPr>
+              <a:buNone/>
+            </a:pPr>
+            <a:r>
+              <a:rPr lang="en-US" sz="1600" dirty="0" smtClean="0">
+                <a:latin typeface="Courier"/>
+                <a:cs typeface="Courier"/>
+              </a:rPr>
+              <a:t>pass out on em0 from any to 172.16.1.1</a:t>
+            </a:r>
+          </a:p>
+          <a:p>
+            <a:pPr>
+              <a:buNone/>
+            </a:pPr>
+            <a:r>
+              <a:rPr lang="en-US" sz="1600" dirty="0" smtClean="0">
+                <a:latin typeface="Courier"/>
+                <a:cs typeface="Courier"/>
+              </a:rPr>
+              <a:t>pass in quick on em0 </a:t>
+            </a:r>
+            <a:r>
+              <a:rPr lang="en-US" sz="1600" dirty="0" err="1" smtClean="0">
                 <a:latin typeface="Courier"/>
                 <a:cs typeface="Courier"/>
               </a:rPr>
               <a:t>inet</a:t>
             </a:r>
             <a:r>
-              <a:rPr lang="en-US" sz="2000" dirty="0" smtClean="0">
+              <a:rPr lang="en-US" sz="1600" dirty="0" smtClean="0">
                 <a:latin typeface="Courier"/>
                 <a:cs typeface="Courier"/>
               </a:rPr>
               <a:t> proto </a:t>
             </a:r>
             <a:r>
-              <a:rPr lang="en-US" sz="2000" dirty="0" err="1" smtClean="0">
-                <a:latin typeface="Courier"/>
-                <a:cs typeface="Courier"/>
-              </a:rPr>
-              <a:t>tcp</a:t>
-            </a:r>
-            <a:r>
-              <a:rPr lang="en-US" sz="2000" dirty="0" smtClean="0">
-                <a:latin typeface="Courier"/>
-                <a:cs typeface="Courier"/>
-              </a:rPr>
-              <a:t> from 192.168.0.1 80 to any</a:t>
+              <a:rPr lang="en-US" sz="1600" dirty="0" err="1" smtClean="0">
+                <a:latin typeface="Courier"/>
+                <a:cs typeface="Courier"/>
+              </a:rPr>
+              <a:t>icmp</a:t>
+            </a:r>
+            <a:r>
+              <a:rPr lang="en-US" sz="1600" dirty="0" smtClean="0">
+                <a:latin typeface="Courier"/>
+                <a:cs typeface="Courier"/>
+              </a:rPr>
+              <a:t> from any to any</a:t>
             </a:r>
           </a:p>
           <a:p>
@@ -5511,53 +5427,105 @@
               <a:buNone/>
             </a:pPr>
             <a:r>
-              <a:rPr lang="en-US" sz="2000" dirty="0" smtClean="0">
-                <a:latin typeface="Courier"/>
-                <a:cs typeface="Courier"/>
-              </a:rPr>
-              <a:t>pass in on em0 </a:t>
-            </a:r>
-            <a:r>
-              <a:rPr lang="en-US" sz="2000" dirty="0" err="1" smtClean="0">
+              <a:rPr lang="en-US" sz="1600" dirty="0" smtClean="0">
+                <a:latin typeface="Courier"/>
+                <a:cs typeface="Courier"/>
+              </a:rPr>
+              <a:t>pass in quick on rl0 </a:t>
+            </a:r>
+            <a:r>
+              <a:rPr lang="en-US" sz="1600" dirty="0" err="1" smtClean="0">
                 <a:latin typeface="Courier"/>
                 <a:cs typeface="Courier"/>
               </a:rPr>
               <a:t>inet</a:t>
             </a:r>
             <a:r>
-              <a:rPr lang="en-US" sz="2000" dirty="0" smtClean="0">
+              <a:rPr lang="en-US" sz="1600" dirty="0" smtClean="0">
                 <a:latin typeface="Courier"/>
                 <a:cs typeface="Courier"/>
               </a:rPr>
               <a:t> proto </a:t>
             </a:r>
             <a:r>
-              <a:rPr lang="en-US" sz="2000" dirty="0" err="1" smtClean="0">
-                <a:latin typeface="Courier"/>
-                <a:cs typeface="Courier"/>
-              </a:rPr>
-              <a:t>tcp</a:t>
-            </a:r>
-            <a:r>
-              <a:rPr lang="en-US" sz="2000" dirty="0" smtClean="0">
-                <a:latin typeface="Courier"/>
-                <a:cs typeface="Courier"/>
-              </a:rPr>
-              <a:t> all</a:t>
-            </a:r>
-          </a:p>
-          <a:p>
-            <a:r>
-              <a:rPr lang="en-US" dirty="0" smtClean="0"/>
-              <a:t>What happens here?</a:t>
-            </a:r>
-            <a:br>
-              <a:rPr lang="en-US" dirty="0" smtClean="0"/>
-            </a:br>
-            <a:endParaRPr lang="en-US" dirty="0" smtClean="0"/>
-          </a:p>
-          <a:p>
-            <a:endParaRPr lang="en-US" dirty="0"/>
+              <a:rPr lang="en-US" sz="1600" dirty="0" err="1" smtClean="0">
+                <a:latin typeface="Courier"/>
+                <a:cs typeface="Courier"/>
+              </a:rPr>
+              <a:t>udp</a:t>
+            </a:r>
+            <a:r>
+              <a:rPr lang="en-US" sz="1600" dirty="0" smtClean="0">
+                <a:latin typeface="Courier"/>
+                <a:cs typeface="Courier"/>
+              </a:rPr>
+              <a:t> from any port 53 to </a:t>
+            </a:r>
+            <a:r>
+              <a:rPr lang="en-US" sz="1600" dirty="0" smtClean="0">
+                <a:latin typeface="Courier"/>
+                <a:cs typeface="Courier"/>
+              </a:rPr>
+              <a:t>192.168.0.1</a:t>
+            </a:r>
+          </a:p>
+          <a:p>
+            <a:pPr>
+              <a:buNone/>
+            </a:pPr>
+            <a:r>
+              <a:rPr lang="en-US" sz="1600" dirty="0">
+                <a:latin typeface="Courier"/>
+                <a:cs typeface="Courier"/>
+              </a:rPr>
+              <a:t>b</a:t>
+            </a:r>
+            <a:r>
+              <a:rPr lang="en-US" sz="1600" dirty="0" smtClean="0">
+                <a:latin typeface="Courier"/>
+                <a:cs typeface="Courier"/>
+              </a:rPr>
+              <a:t>lock in quick all</a:t>
+            </a:r>
+          </a:p>
+          <a:p>
+            <a:pPr>
+              <a:buNone/>
+            </a:pPr>
+            <a:r>
+              <a:rPr lang="en-US" sz="1600" dirty="0" smtClean="0">
+                <a:latin typeface="Courier"/>
+                <a:cs typeface="Courier"/>
+              </a:rPr>
+              <a:t>b</a:t>
+            </a:r>
+            <a:r>
+              <a:rPr lang="en-US" sz="1600" dirty="0" smtClean="0">
+                <a:latin typeface="Courier"/>
+                <a:cs typeface="Courier"/>
+              </a:rPr>
+              <a:t>lock out quick all</a:t>
+            </a:r>
+            <a:endParaRPr lang="en-US" sz="1600" dirty="0" smtClean="0">
+              <a:latin typeface="Courier"/>
+              <a:cs typeface="Courier"/>
+            </a:endParaRPr>
+          </a:p>
+          <a:p>
+            <a:endParaRPr lang="en-US" sz="1600" dirty="0" smtClean="0">
+              <a:latin typeface="Courier"/>
+              <a:cs typeface="Courier"/>
+            </a:endParaRPr>
+          </a:p>
+          <a:p>
+            <a:r>
+              <a:rPr lang="en-US" dirty="0" smtClean="0"/>
+              <a:t>What will the above rules do?</a:t>
+            </a:r>
+            <a:endParaRPr lang="en-US" b="1" i="1" dirty="0" smtClean="0"/>
+          </a:p>
+          <a:p>
+            <a:endParaRPr lang="en-US" b="1" dirty="0"/>
           </a:p>
         </p:txBody>
       </p:sp>
@@ -5610,7 +5578,7 @@
           <a:p>
             <a:r>
               <a:rPr lang="en-US" b="1" dirty="0" smtClean="0"/>
-              <a:t>Macros</a:t>
+              <a:t>Sample File</a:t>
             </a:r>
             <a:endParaRPr lang="en-US" b="1" dirty="0"/>
           </a:p>
@@ -5626,170 +5594,148 @@
             <p:ph idx="1"/>
           </p:nvPr>
         </p:nvSpPr>
-        <p:spPr>
-          <a:xfrm>
-            <a:off x="324279" y="1417638"/>
-            <a:ext cx="8362521" cy="4525963"/>
-          </a:xfrm>
-        </p:spPr>
+        <p:spPr/>
         <p:txBody>
           <a:bodyPr>
             <a:normAutofit/>
           </a:bodyPr>
           <a:lstStyle/>
           <a:p>
-            <a:r>
-              <a:rPr lang="en-US" dirty="0" smtClean="0"/>
-              <a:t>Use macros to make rules simpler. Macros are usually identified at the top of the file </a:t>
-            </a:r>
-            <a:r>
-              <a:rPr lang="en-US" dirty="0" err="1" smtClean="0"/>
-              <a:t>ruleset</a:t>
-            </a:r>
-            <a:r>
-              <a:rPr lang="en-US" dirty="0" smtClean="0"/>
-              <a:t>. Sample Macros:</a:t>
-            </a:r>
-          </a:p>
-          <a:p>
-            <a:pPr lvl="1">
+            <a:pPr>
               <a:buNone/>
             </a:pPr>
             <a:r>
-              <a:rPr lang="en-US" sz="1600" dirty="0" err="1" smtClean="0">
-                <a:latin typeface="Courier"/>
-                <a:cs typeface="Courier"/>
-              </a:rPr>
-              <a:t>ext_if</a:t>
-            </a:r>
-            <a:r>
-              <a:rPr lang="en-US" sz="1600" dirty="0" smtClean="0">
-                <a:latin typeface="Courier"/>
-                <a:cs typeface="Courier"/>
-              </a:rPr>
-              <a:t>=“em0”</a:t>
-            </a:r>
-          </a:p>
-          <a:p>
-            <a:pPr lvl="1">
+              <a:rPr lang="en-US" sz="2400" dirty="0" smtClean="0">
+                <a:latin typeface="Courier"/>
+                <a:cs typeface="Courier"/>
+              </a:rPr>
+              <a:t>block in </a:t>
+            </a:r>
+            <a:r>
+              <a:rPr lang="en-US" sz="2400" dirty="0">
+                <a:latin typeface="Courier"/>
+                <a:cs typeface="Courier"/>
+              </a:rPr>
+              <a:t>all #block stuff by default</a:t>
+            </a:r>
+            <a:endParaRPr lang="en-US" sz="2400" dirty="0" smtClean="0">
+              <a:latin typeface="Courier"/>
+              <a:cs typeface="Courier"/>
+            </a:endParaRPr>
+          </a:p>
+          <a:p>
+            <a:pPr>
               <a:buNone/>
             </a:pPr>
             <a:r>
-              <a:rPr lang="en-US" sz="1600" dirty="0" err="1" smtClean="0">
-                <a:latin typeface="Courier"/>
-                <a:cs typeface="Courier"/>
-              </a:rPr>
-              <a:t>int_if</a:t>
-            </a:r>
-            <a:r>
-              <a:rPr lang="en-US" sz="1600" dirty="0" smtClean="0">
-                <a:latin typeface="Courier"/>
-                <a:cs typeface="Courier"/>
-              </a:rPr>
-              <a:t>=“em1”</a:t>
-            </a:r>
-          </a:p>
-          <a:p>
-            <a:pPr lvl="1">
+              <a:rPr lang="en-US" sz="2400" dirty="0" smtClean="0">
+                <a:latin typeface="Courier"/>
+                <a:cs typeface="Courier"/>
+              </a:rPr>
+              <a:t>set skip on lo0</a:t>
+            </a:r>
+          </a:p>
+          <a:p>
+            <a:pPr>
               <a:buNone/>
             </a:pPr>
             <a:r>
-              <a:rPr lang="en-US" sz="1600" dirty="0" smtClean="0">
-                <a:latin typeface="Courier"/>
-                <a:cs typeface="Courier"/>
-              </a:rPr>
-              <a:t>LAN=“192.168.0.0/24”</a:t>
-            </a:r>
-          </a:p>
-          <a:p>
-            <a:pPr lvl="1">
+              <a:rPr lang="en-US" sz="2400" dirty="0" smtClean="0">
+                <a:latin typeface="Courier"/>
+                <a:cs typeface="Courier"/>
+              </a:rPr>
+              <a:t>pass in log on em0 </a:t>
+            </a:r>
+            <a:r>
+              <a:rPr lang="en-US" sz="2400" dirty="0" err="1" smtClean="0">
+                <a:latin typeface="Courier"/>
+                <a:cs typeface="Courier"/>
+              </a:rPr>
+              <a:t>inet</a:t>
+            </a:r>
+            <a:r>
+              <a:rPr lang="en-US" sz="2400" dirty="0" smtClean="0">
+                <a:latin typeface="Courier"/>
+                <a:cs typeface="Courier"/>
+              </a:rPr>
+              <a:t> proto </a:t>
+            </a:r>
+            <a:r>
+              <a:rPr lang="en-US" sz="2400" dirty="0" err="1" smtClean="0">
+                <a:latin typeface="Courier"/>
+                <a:cs typeface="Courier"/>
+              </a:rPr>
+              <a:t>tcp</a:t>
+            </a:r>
+            <a:r>
+              <a:rPr lang="en-US" sz="2400" dirty="0" smtClean="0">
+                <a:latin typeface="Courier"/>
+                <a:cs typeface="Courier"/>
+              </a:rPr>
+              <a:t> all</a:t>
+            </a:r>
+          </a:p>
+          <a:p>
+            <a:pPr>
               <a:buNone/>
             </a:pPr>
             <a:r>
-              <a:rPr lang="en-US" sz="1600" dirty="0" err="1" smtClean="0">
-                <a:latin typeface="Courier"/>
-                <a:cs typeface="Courier"/>
-              </a:rPr>
-              <a:t>good_ports</a:t>
-            </a:r>
-            <a:r>
-              <a:rPr lang="en-US" sz="1600" dirty="0" smtClean="0">
-                <a:latin typeface="Courier"/>
-                <a:cs typeface="Courier"/>
-              </a:rPr>
-              <a:t>=“{ 80, 22, 110}”</a:t>
-            </a:r>
-          </a:p>
-          <a:p>
-            <a:pPr lvl="1">
-              <a:buNone/>
-            </a:pPr>
-            <a:r>
-              <a:rPr lang="en-US" sz="1600" dirty="0" err="1" smtClean="0">
-                <a:latin typeface="Courier"/>
-                <a:cs typeface="Courier"/>
-              </a:rPr>
-              <a:t>bad_ips</a:t>
-            </a:r>
-            <a:r>
-              <a:rPr lang="en-US" sz="1600" dirty="0" smtClean="0">
-                <a:latin typeface="Courier"/>
-                <a:cs typeface="Courier"/>
-              </a:rPr>
-              <a:t>=“{ 172.16.0.0/23, 10.10.0.0/16,}”</a:t>
-            </a:r>
-          </a:p>
-          <a:p>
-            <a:pPr lvl="1">
-              <a:buNone/>
-            </a:pPr>
-            <a:r>
-              <a:rPr lang="en-US" sz="1600" dirty="0" err="1" smtClean="0">
-                <a:latin typeface="Courier"/>
-                <a:cs typeface="Courier"/>
-              </a:rPr>
-              <a:t>my_pc</a:t>
-            </a:r>
-            <a:r>
-              <a:rPr lang="en-US" sz="1600" dirty="0" smtClean="0">
-                <a:latin typeface="Courier"/>
-                <a:cs typeface="Courier"/>
-              </a:rPr>
-              <a:t>=“172.16.1.1”</a:t>
-            </a:r>
-          </a:p>
-          <a:p>
-            <a:r>
-              <a:rPr lang="en-US" dirty="0"/>
-              <a:t>Macros cannot contain a </a:t>
-            </a:r>
-            <a:r>
-              <a:rPr lang="en-US" dirty="0" smtClean="0"/>
-              <a:t>hyphen however</a:t>
-            </a:r>
-          </a:p>
-          <a:p>
-            <a:pPr lvl="1"/>
-            <a:r>
-              <a:rPr lang="en-US" dirty="0" smtClean="0"/>
-              <a:t>so </a:t>
-            </a:r>
-            <a:r>
-              <a:rPr lang="en-US" b="1" dirty="0" err="1" smtClean="0"/>
-              <a:t>ext</a:t>
-            </a:r>
-            <a:r>
-              <a:rPr lang="en-US" b="1" dirty="0" smtClean="0"/>
-              <a:t>-if=“em0” </a:t>
-            </a:r>
-            <a:r>
-              <a:rPr lang="en-US" dirty="0" smtClean="0"/>
-              <a:t>will not work</a:t>
-            </a:r>
-          </a:p>
-          <a:p>
-            <a:pPr lvl="1"/>
-            <a:endParaRPr lang="en-US" dirty="0"/>
+              <a:rPr lang="en-US" sz="2400" dirty="0" smtClean="0">
+                <a:latin typeface="Courier"/>
+                <a:cs typeface="Courier"/>
+              </a:rPr>
+              <a:t>pass out on em0 </a:t>
+            </a:r>
+            <a:r>
+              <a:rPr lang="en-US" sz="2400" dirty="0" err="1" smtClean="0">
+                <a:latin typeface="Courier"/>
+                <a:cs typeface="Courier"/>
+              </a:rPr>
+              <a:t>inet</a:t>
+            </a:r>
+            <a:r>
+              <a:rPr lang="en-US" sz="2400" dirty="0" smtClean="0">
+                <a:latin typeface="Courier"/>
+                <a:cs typeface="Courier"/>
+              </a:rPr>
+              <a:t> proto </a:t>
+            </a:r>
+            <a:r>
+              <a:rPr lang="en-US" sz="2400" dirty="0" err="1" smtClean="0">
+                <a:latin typeface="Courier"/>
+                <a:cs typeface="Courier"/>
+              </a:rPr>
+              <a:t>tcp</a:t>
+            </a:r>
+            <a:r>
+              <a:rPr lang="en-US" sz="2400" dirty="0" smtClean="0">
+                <a:latin typeface="Courier"/>
+                <a:cs typeface="Courier"/>
+              </a:rPr>
+              <a:t> all</a:t>
+            </a:r>
+            <a:br>
+              <a:rPr lang="en-US" sz="2400" dirty="0" smtClean="0">
+                <a:latin typeface="Courier"/>
+                <a:cs typeface="Courier"/>
+              </a:rPr>
+            </a:br>
+            <a:endParaRPr lang="en-US" sz="2400" dirty="0" smtClean="0">
+              <a:latin typeface="Courier"/>
+              <a:cs typeface="Courier"/>
+            </a:endParaRPr>
+          </a:p>
+          <a:p>
+            <a:r>
+              <a:rPr lang="en-US" dirty="0" smtClean="0"/>
+              <a:t>Will UDP traffic pass? Why?</a:t>
+            </a:r>
+          </a:p>
+          <a:p>
+            <a:r>
+              <a:rPr lang="en-US" dirty="0" smtClean="0"/>
+              <a:t>Will ICMP Traffic pass? Why?</a:t>
+            </a:r>
           </a:p>
           <a:p>
             <a:endParaRPr lang="en-US" dirty="0"/>
@@ -5845,7 +5791,7 @@
           <a:p>
             <a:r>
               <a:rPr lang="en-US" b="1" dirty="0" smtClean="0"/>
-              <a:t>Macros cont’d</a:t>
+              <a:t>Sample Rules 2</a:t>
             </a:r>
             <a:endParaRPr lang="en-US" b="1" dirty="0"/>
           </a:p>
@@ -5863,22 +5809,116 @@
         </p:nvSpPr>
         <p:spPr/>
         <p:txBody>
-          <a:bodyPr>
-            <a:normAutofit/>
-          </a:bodyPr>
-          <a:lstStyle/>
-          <a:p>
-            <a:r>
-              <a:rPr lang="en-US" dirty="0" smtClean="0"/>
-              <a:t>Macros are then called using the $ sign in the </a:t>
-            </a:r>
-            <a:r>
-              <a:rPr lang="en-US" dirty="0" err="1" smtClean="0"/>
-              <a:t>ruleset</a:t>
-            </a:r>
-            <a:r>
-              <a:rPr lang="en-US" dirty="0" smtClean="0"/>
-              <a:t>:</a:t>
+          <a:bodyPr/>
+          <a:lstStyle/>
+          <a:p>
+            <a:pPr>
+              <a:buNone/>
+            </a:pPr>
+            <a:r>
+              <a:rPr lang="en-US" sz="2000" dirty="0" smtClean="0">
+                <a:latin typeface="Courier"/>
+                <a:cs typeface="Courier"/>
+              </a:rPr>
+              <a:t>block in all #block stuff by default</a:t>
+            </a:r>
+          </a:p>
+          <a:p>
+            <a:pPr>
+              <a:buNone/>
+            </a:pPr>
+            <a:r>
+              <a:rPr lang="en-US" sz="2000" dirty="0" smtClean="0">
+                <a:latin typeface="Courier"/>
+                <a:cs typeface="Courier"/>
+              </a:rPr>
+              <a:t>set skip on lo0</a:t>
+            </a:r>
+          </a:p>
+          <a:p>
+            <a:pPr>
+              <a:buNone/>
+            </a:pPr>
+            <a:r>
+              <a:rPr lang="en-US" sz="2000" dirty="0" smtClean="0">
+                <a:latin typeface="Courier"/>
+                <a:cs typeface="Courier"/>
+              </a:rPr>
+              <a:t>block in quick on em0 </a:t>
+            </a:r>
+            <a:r>
+              <a:rPr lang="en-US" sz="2000" dirty="0" err="1" smtClean="0">
+                <a:latin typeface="Courier"/>
+                <a:cs typeface="Courier"/>
+              </a:rPr>
+              <a:t>inet</a:t>
+            </a:r>
+            <a:r>
+              <a:rPr lang="en-US" sz="2000" dirty="0" smtClean="0">
+                <a:latin typeface="Courier"/>
+                <a:cs typeface="Courier"/>
+              </a:rPr>
+              <a:t> proto </a:t>
+            </a:r>
+            <a:r>
+              <a:rPr lang="en-US" sz="2000" dirty="0" err="1" smtClean="0">
+                <a:latin typeface="Courier"/>
+                <a:cs typeface="Courier"/>
+              </a:rPr>
+              <a:t>tcp</a:t>
+            </a:r>
+            <a:r>
+              <a:rPr lang="en-US" sz="2000" dirty="0" smtClean="0">
+                <a:latin typeface="Courier"/>
+                <a:cs typeface="Courier"/>
+              </a:rPr>
+              <a:t> from 192.168.0.1 80 to any</a:t>
+            </a:r>
+          </a:p>
+          <a:p>
+            <a:pPr>
+              <a:buNone/>
+            </a:pPr>
+            <a:r>
+              <a:rPr lang="en-US" sz="2000" dirty="0" smtClean="0">
+                <a:latin typeface="Courier"/>
+                <a:cs typeface="Courier"/>
+              </a:rPr>
+              <a:t>pass in on em0 </a:t>
+            </a:r>
+            <a:r>
+              <a:rPr lang="en-US" sz="2000" dirty="0" err="1" smtClean="0">
+                <a:latin typeface="Courier"/>
+                <a:cs typeface="Courier"/>
+              </a:rPr>
+              <a:t>inet</a:t>
+            </a:r>
+            <a:r>
+              <a:rPr lang="en-US" sz="2000" dirty="0" smtClean="0">
+                <a:latin typeface="Courier"/>
+                <a:cs typeface="Courier"/>
+              </a:rPr>
+              <a:t> proto </a:t>
+            </a:r>
+            <a:r>
+              <a:rPr lang="en-US" sz="2000" dirty="0" err="1" smtClean="0">
+                <a:latin typeface="Courier"/>
+                <a:cs typeface="Courier"/>
+              </a:rPr>
+              <a:t>tcp</a:t>
+            </a:r>
+            <a:r>
+              <a:rPr lang="en-US" sz="2000" dirty="0" smtClean="0">
+                <a:latin typeface="Courier"/>
+                <a:cs typeface="Courier"/>
+              </a:rPr>
+              <a:t> all</a:t>
+            </a:r>
+          </a:p>
+          <a:p>
+            <a:r>
+              <a:rPr lang="en-US" dirty="0" smtClean="0"/>
+              <a:t>What happens here?</a:t>
             </a:r>
             <a:br>
               <a:rPr lang="en-US" dirty="0" smtClean="0"/>
@@ -5886,156 +5926,7 @@
             <a:endParaRPr lang="en-US" dirty="0" smtClean="0"/>
           </a:p>
           <a:p>
-            <a:pPr>
-              <a:buNone/>
-            </a:pPr>
-            <a:r>
-              <a:rPr lang="en-US" sz="2000" dirty="0" smtClean="0">
-                <a:latin typeface="Courier"/>
-                <a:cs typeface="Courier"/>
-              </a:rPr>
-              <a:t>block in </a:t>
-            </a:r>
-            <a:r>
-              <a:rPr lang="en-US" sz="2000" dirty="0">
-                <a:latin typeface="Courier"/>
-                <a:cs typeface="Courier"/>
-              </a:rPr>
-              <a:t>all #block stuff by default</a:t>
-            </a:r>
-            <a:endParaRPr lang="en-US" sz="2000" dirty="0" smtClean="0">
-              <a:latin typeface="Courier"/>
-              <a:cs typeface="Courier"/>
-            </a:endParaRPr>
-          </a:p>
-          <a:p>
-            <a:pPr>
-              <a:buNone/>
-            </a:pPr>
-            <a:r>
-              <a:rPr lang="en-US" sz="2000" dirty="0" smtClean="0">
-                <a:latin typeface="Courier"/>
-                <a:cs typeface="Courier"/>
-              </a:rPr>
-              <a:t>set skip on lo0</a:t>
-            </a:r>
-          </a:p>
-          <a:p>
-            <a:pPr>
-              <a:buNone/>
-            </a:pPr>
-            <a:r>
-              <a:rPr lang="en-US" sz="2000" dirty="0" smtClean="0">
-                <a:latin typeface="Courier"/>
-                <a:cs typeface="Courier"/>
-              </a:rPr>
-              <a:t>pass in on $</a:t>
-            </a:r>
-            <a:r>
-              <a:rPr lang="en-US" sz="2000" dirty="0" err="1" smtClean="0">
-                <a:latin typeface="Courier"/>
-                <a:cs typeface="Courier"/>
-              </a:rPr>
-              <a:t>int_if</a:t>
-            </a:r>
-            <a:r>
-              <a:rPr lang="en-US" sz="2000" dirty="0" smtClean="0">
-                <a:latin typeface="Courier"/>
-                <a:cs typeface="Courier"/>
-              </a:rPr>
-              <a:t> </a:t>
-            </a:r>
-            <a:r>
-              <a:rPr lang="en-US" sz="2000" dirty="0" err="1" smtClean="0">
-                <a:latin typeface="Courier"/>
-                <a:cs typeface="Courier"/>
-              </a:rPr>
-              <a:t>inet</a:t>
-            </a:r>
-            <a:r>
-              <a:rPr lang="en-US" sz="2000" dirty="0" smtClean="0">
-                <a:latin typeface="Courier"/>
-                <a:cs typeface="Courier"/>
-              </a:rPr>
-              <a:t> proto </a:t>
-            </a:r>
-            <a:r>
-              <a:rPr lang="en-US" sz="2000" dirty="0" err="1" smtClean="0">
-                <a:latin typeface="Courier"/>
-                <a:cs typeface="Courier"/>
-              </a:rPr>
-              <a:t>tcp</a:t>
-            </a:r>
-            <a:r>
-              <a:rPr lang="en-US" sz="2000" dirty="0" smtClean="0">
-                <a:latin typeface="Courier"/>
-                <a:cs typeface="Courier"/>
-              </a:rPr>
-              <a:t> from any\ $</a:t>
-            </a:r>
-            <a:r>
-              <a:rPr lang="en-US" sz="2000" dirty="0" err="1" smtClean="0">
-                <a:latin typeface="Courier"/>
-                <a:cs typeface="Courier"/>
-              </a:rPr>
-              <a:t>good_ports</a:t>
-            </a:r>
-            <a:r>
-              <a:rPr lang="en-US" sz="2000" dirty="0" smtClean="0">
-                <a:latin typeface="Courier"/>
-                <a:cs typeface="Courier"/>
-              </a:rPr>
-              <a:t> to any</a:t>
-            </a:r>
-          </a:p>
-          <a:p>
-            <a:pPr>
-              <a:buNone/>
-            </a:pPr>
-            <a:r>
-              <a:rPr lang="en-US" sz="2000" dirty="0" smtClean="0">
-                <a:latin typeface="Courier"/>
-                <a:cs typeface="Courier"/>
-              </a:rPr>
-              <a:t>block in quick on $</a:t>
-            </a:r>
-            <a:r>
-              <a:rPr lang="en-US" sz="2000" dirty="0" err="1" smtClean="0">
-                <a:latin typeface="Courier"/>
-                <a:cs typeface="Courier"/>
-              </a:rPr>
-              <a:t>ext_if</a:t>
-            </a:r>
-            <a:r>
-              <a:rPr lang="en-US" sz="2000" dirty="0" smtClean="0">
-                <a:latin typeface="Courier"/>
-                <a:cs typeface="Courier"/>
-              </a:rPr>
-              <a:t> from any $</a:t>
-            </a:r>
-            <a:r>
-              <a:rPr lang="en-US" sz="2000" dirty="0" err="1" smtClean="0">
-                <a:latin typeface="Courier"/>
-                <a:cs typeface="Courier"/>
-              </a:rPr>
-              <a:t>bad_ips</a:t>
-            </a:r>
-            <a:r>
-              <a:rPr lang="en-US" sz="2000" dirty="0" smtClean="0">
-                <a:latin typeface="Courier"/>
-                <a:cs typeface="Courier"/>
-              </a:rPr>
-              <a:t>\</a:t>
-            </a:r>
-          </a:p>
-          <a:p>
-            <a:pPr marL="0" indent="0">
-              <a:buNone/>
-            </a:pPr>
-            <a:endParaRPr lang="en-US" sz="2000" dirty="0">
-              <a:latin typeface="Courier"/>
-              <a:cs typeface="Courier"/>
-            </a:endParaRPr>
+            <a:endParaRPr lang="en-US" dirty="0"/>
           </a:p>
         </p:txBody>
       </p:sp>
@@ -6081,103 +5972,200 @@
             <p:ph type="title"/>
           </p:nvPr>
         </p:nvSpPr>
+        <p:spPr/>
+        <p:txBody>
+          <a:bodyPr/>
+          <a:lstStyle/>
+          <a:p>
+            <a:r>
+              <a:rPr lang="en-US" b="1" dirty="0" smtClean="0"/>
+              <a:t>Macros</a:t>
+            </a:r>
+            <a:endParaRPr lang="en-US" b="1" dirty="0"/>
+          </a:p>
+        </p:txBody>
+      </p:sp>
+      <p:sp>
+        <p:nvSpPr>
+          <p:cNvPr id="3" name="Content Placeholder 2"/>
+          <p:cNvSpPr>
+            <a:spLocks noGrp="1"/>
+          </p:cNvSpPr>
+          <p:nvPr>
+            <p:ph idx="1"/>
+          </p:nvPr>
+        </p:nvSpPr>
         <p:spPr>
           <a:xfrm>
-            <a:off x="457200" y="32747"/>
-            <a:ext cx="8229600" cy="919701"/>
+            <a:off x="324279" y="1417638"/>
+            <a:ext cx="8362521" cy="4525963"/>
           </a:xfrm>
         </p:spPr>
         <p:txBody>
-          <a:bodyPr/>
-          <a:lstStyle/>
-          <a:p>
+          <a:bodyPr>
+            <a:normAutofit/>
+          </a:bodyPr>
+          <a:lstStyle/>
+          <a:p>
+            <a:r>
+              <a:rPr lang="en-US" dirty="0" smtClean="0"/>
+              <a:t>Use macros to make rules simpler. Macros are usually identified at the top of the file </a:t>
+            </a:r>
+            <a:r>
+              <a:rPr lang="en-US" dirty="0" err="1" smtClean="0"/>
+              <a:t>ruleset</a:t>
+            </a:r>
+            <a:r>
+              <a:rPr lang="en-US" dirty="0" smtClean="0"/>
+              <a:t>. Sample Macros:</a:t>
+            </a:r>
+          </a:p>
+          <a:p>
+            <a:pPr lvl="1">
+              <a:buNone/>
+            </a:pPr>
+            <a:r>
+              <a:rPr lang="en-US" sz="1600" dirty="0" err="1" smtClean="0">
+                <a:latin typeface="Courier"/>
+                <a:cs typeface="Courier"/>
+              </a:rPr>
+              <a:t>ext_if</a:t>
+            </a:r>
+            <a:r>
+              <a:rPr lang="en-US" sz="1600" dirty="0" smtClean="0">
+                <a:latin typeface="Courier"/>
+                <a:cs typeface="Courier"/>
+              </a:rPr>
+              <a:t>=“em0”</a:t>
+            </a:r>
+          </a:p>
+          <a:p>
+            <a:pPr lvl="1">
+              <a:buNone/>
+            </a:pPr>
+            <a:r>
+              <a:rPr lang="en-US" sz="1600" dirty="0" err="1" smtClean="0">
+                <a:latin typeface="Courier"/>
+                <a:cs typeface="Courier"/>
+              </a:rPr>
+              <a:t>int_if</a:t>
+            </a:r>
+            <a:r>
+              <a:rPr lang="en-US" sz="1600" dirty="0" smtClean="0">
+                <a:latin typeface="Courier"/>
+                <a:cs typeface="Courier"/>
+              </a:rPr>
+              <a:t>=“em1”</a:t>
+            </a:r>
+          </a:p>
+          <a:p>
+            <a:pPr lvl="1">
+              <a:buNone/>
+            </a:pPr>
+            <a:r>
+              <a:rPr lang="en-US" sz="1600" dirty="0" smtClean="0">
+                <a:latin typeface="Courier"/>
+                <a:cs typeface="Courier"/>
+              </a:rPr>
+              <a:t>LAN=“192.168.0.0/24”</a:t>
+            </a:r>
+          </a:p>
+          <a:p>
+            <a:pPr lvl="1">
+              <a:buNone/>
+            </a:pPr>
+            <a:r>
+              <a:rPr lang="en-US" sz="1600" dirty="0" err="1" smtClean="0">
+                <a:latin typeface="Courier"/>
+                <a:cs typeface="Courier"/>
+              </a:rPr>
+              <a:t>good_ports</a:t>
+            </a:r>
+            <a:r>
+              <a:rPr lang="en-US" sz="1600" dirty="0" smtClean="0">
+                <a:latin typeface="Courier"/>
+                <a:cs typeface="Courier"/>
+              </a:rPr>
+              <a:t>=“{ 80, 22, 110}”</a:t>
+            </a:r>
+          </a:p>
+          <a:p>
+            <a:pPr lvl="1">
+              <a:buNone/>
+            </a:pPr>
+            <a:r>
+              <a:rPr lang="en-US" sz="1600" dirty="0" err="1" smtClean="0">
+                <a:latin typeface="Courier"/>
+                <a:cs typeface="Courier"/>
+              </a:rPr>
+              <a:t>bad_ips</a:t>
+            </a:r>
+            <a:r>
+              <a:rPr lang="en-US" sz="1600" dirty="0" smtClean="0">
+                <a:latin typeface="Courier"/>
+                <a:cs typeface="Courier"/>
+              </a:rPr>
+              <a:t>=“{ 172.16.0.0/23, 10.10.0.0/16,}”</a:t>
+            </a:r>
+          </a:p>
+          <a:p>
+            <a:pPr lvl="1">
+              <a:buNone/>
+            </a:pPr>
+            <a:r>
+              <a:rPr lang="en-US" sz="1600" dirty="0" err="1" smtClean="0">
+                <a:latin typeface="Courier"/>
+                <a:cs typeface="Courier"/>
+              </a:rPr>
+              <a:t>my_pc</a:t>
+            </a:r>
+            <a:r>
+              <a:rPr lang="en-US" sz="1600" dirty="0" smtClean="0">
+                <a:latin typeface="Courier"/>
+                <a:cs typeface="Courier"/>
+              </a:rPr>
+              <a:t>=“172.16.1.1”</a:t>
+            </a:r>
+          </a:p>
+          <a:p>
+            <a:r>
+              <a:rPr lang="en-US" dirty="0"/>
+              <a:t>Macros cannot contain a </a:t>
+            </a:r>
+            <a:r>
+              <a:rPr lang="en-US" dirty="0" smtClean="0"/>
+              <a:t>hyphen however</a:t>
+            </a:r>
+          </a:p>
+          <a:p>
+            <a:pPr lvl="1"/>
+            <a:r>
+              <a:rPr lang="en-US" dirty="0" smtClean="0"/>
+              <a:t>so </a:t>
+            </a:r>
+            <a:r>
+              <a:rPr lang="en-US" b="1" dirty="0" err="1" smtClean="0"/>
+              <a:t>ext</a:t>
+            </a:r>
             <a:r>
               <a:rPr lang="en-US" b="1" dirty="0" smtClean="0"/>
-              <a:t>Understanding the PF Rules</a:t>
-            </a:r>
-            <a:endParaRPr lang="en-US" b="1" dirty="0"/>
-          </a:p>
-        </p:txBody>
-      </p:sp>
-      <p:sp>
-        <p:nvSpPr>
-          <p:cNvPr id="3" name="Content Placeholder 2"/>
-          <p:cNvSpPr>
-            <a:spLocks noGrp="1"/>
-          </p:cNvSpPr>
-          <p:nvPr>
-            <p:ph idx="1"/>
-          </p:nvPr>
-        </p:nvSpPr>
-        <p:spPr>
-          <a:xfrm>
-            <a:off x="347767" y="1103630"/>
-            <a:ext cx="8339033" cy="5472793"/>
-          </a:xfrm>
-        </p:spPr>
-        <p:txBody>
-          <a:bodyPr>
-            <a:normAutofit fontScale="92500" lnSpcReduction="10000"/>
-          </a:bodyPr>
-          <a:lstStyle/>
-          <a:p>
-            <a:r>
-              <a:rPr lang="en-US" dirty="0" smtClean="0"/>
-              <a:t>Rules are red from top to bottom</a:t>
-            </a:r>
-          </a:p>
-          <a:p>
-            <a:r>
-              <a:rPr lang="en-US" dirty="0" smtClean="0"/>
-              <a:t>A matching pass rule in one direction automatically creates a matching pass rule in the other direction</a:t>
-            </a:r>
-          </a:p>
-          <a:p>
-            <a:r>
-              <a:rPr lang="en-US" dirty="0" smtClean="0"/>
-              <a:t>PF allows everything in or out by default and you may (or may not) want this</a:t>
-            </a:r>
-          </a:p>
-          <a:p>
-            <a:r>
-              <a:rPr lang="en-US" dirty="0" smtClean="0"/>
-              <a:t>The last rule to match the packet wins</a:t>
-            </a:r>
-          </a:p>
-          <a:p>
-            <a:r>
-              <a:rPr lang="en-US" dirty="0" smtClean="0"/>
-              <a:t>If the packet is not matched it is allowed through anyway (default allow – exclusive)</a:t>
-            </a:r>
-          </a:p>
-          <a:p>
-            <a:r>
-              <a:rPr lang="en-US" dirty="0" smtClean="0"/>
-              <a:t>If you don</a:t>
-            </a:r>
-            <a:r>
-              <a:rPr lang="fr-FR" dirty="0" smtClean="0"/>
-              <a:t>’</a:t>
-            </a:r>
-            <a:r>
-              <a:rPr lang="en-US" dirty="0" smtClean="0"/>
-              <a:t>t want this, you must set an implicit block</a:t>
-            </a:r>
-          </a:p>
-          <a:p>
-            <a:endParaRPr lang="en-US" dirty="0" smtClean="0"/>
-          </a:p>
-          <a:p>
+              <a:t>-if=“em0” </a:t>
+            </a:r>
+            <a:r>
+              <a:rPr lang="en-US" dirty="0" smtClean="0"/>
+              <a:t>will not work</a:t>
+            </a:r>
+          </a:p>
+          <a:p>
+            <a:pPr lvl="1"/>
             <a:endParaRPr lang="en-US" dirty="0"/>
           </a:p>
+          <a:p>
+            <a:endParaRPr lang="en-US" dirty="0"/>
+          </a:p>
         </p:txBody>
       </p:sp>
     </p:spTree>
-    <p:extLst>
-      <p:ext uri="{BB962C8B-B14F-4D97-AF65-F5344CB8AC3E}">
-        <p14:creationId xmlns:p14="http://schemas.microsoft.com/office/powerpoint/2010/main" val="1400018760"/>
-      </p:ext>
-    </p:extLst>
   </p:cSld>
   <p:clrMapOvr>
     <a:masterClrMapping/>
@@ -6226,7 +6214,7 @@
           <a:p>
             <a:r>
               <a:rPr lang="en-US" b="1" dirty="0" smtClean="0"/>
-              <a:t>Sample Web Server 1</a:t>
+              <a:t>Macros cont’d</a:t>
             </a:r>
             <a:endParaRPr lang="en-US" b="1" dirty="0"/>
           </a:p>
@@ -6249,208 +6237,178 @@
           </a:bodyPr>
           <a:lstStyle/>
           <a:p>
+            <a:r>
+              <a:rPr lang="en-US" dirty="0" smtClean="0"/>
+              <a:t>Macros are then called using the $ sign in the </a:t>
+            </a:r>
+            <a:r>
+              <a:rPr lang="en-US" dirty="0" err="1" smtClean="0"/>
+              <a:t>ruleset</a:t>
+            </a:r>
+            <a:r>
+              <a:rPr lang="en-US" dirty="0" smtClean="0"/>
+              <a:t>:</a:t>
+            </a:r>
+            <a:br>
+              <a:rPr lang="en-US" dirty="0" smtClean="0"/>
+            </a:br>
+            <a:endParaRPr lang="en-US" dirty="0" smtClean="0"/>
+          </a:p>
+          <a:p>
+            <a:pPr>
+              <a:buNone/>
+            </a:pPr>
+            <a:r>
+              <a:rPr lang="en-US" sz="2000" dirty="0" smtClean="0">
+                <a:latin typeface="Courier"/>
+                <a:cs typeface="Courier"/>
+              </a:rPr>
+              <a:t>block in </a:t>
+            </a:r>
+            <a:r>
+              <a:rPr lang="en-US" sz="2000" dirty="0">
+                <a:latin typeface="Courier"/>
+                <a:cs typeface="Courier"/>
+              </a:rPr>
+              <a:t>all #block stuff by default</a:t>
+            </a:r>
+            <a:endParaRPr lang="en-US" sz="2000" dirty="0" smtClean="0">
+              <a:latin typeface="Courier"/>
+              <a:cs typeface="Courier"/>
+            </a:endParaRPr>
+          </a:p>
+          <a:p>
+            <a:pPr>
+              <a:buNone/>
+            </a:pPr>
+            <a:r>
+              <a:rPr lang="en-US" sz="2000" dirty="0" smtClean="0">
+                <a:latin typeface="Courier"/>
+                <a:cs typeface="Courier"/>
+              </a:rPr>
+              <a:t>set skip on lo0</a:t>
+            </a:r>
+          </a:p>
+          <a:p>
+            <a:pPr>
+              <a:buNone/>
+            </a:pPr>
+            <a:r>
+              <a:rPr lang="en-US" sz="2000" dirty="0" smtClean="0">
+                <a:latin typeface="Courier"/>
+                <a:cs typeface="Courier"/>
+              </a:rPr>
+              <a:t>pass in on $</a:t>
+            </a:r>
+            <a:r>
+              <a:rPr lang="en-US" sz="2000" dirty="0" err="1" smtClean="0">
+                <a:latin typeface="Courier"/>
+                <a:cs typeface="Courier"/>
+              </a:rPr>
+              <a:t>int_if</a:t>
+            </a:r>
+            <a:r>
+              <a:rPr lang="en-US" sz="2000" dirty="0" smtClean="0">
+                <a:latin typeface="Courier"/>
+                <a:cs typeface="Courier"/>
+              </a:rPr>
+              <a:t> </a:t>
+            </a:r>
+            <a:r>
+              <a:rPr lang="en-US" sz="2000" dirty="0" err="1" smtClean="0">
+                <a:latin typeface="Courier"/>
+                <a:cs typeface="Courier"/>
+              </a:rPr>
+              <a:t>inet</a:t>
+            </a:r>
+            <a:r>
+              <a:rPr lang="en-US" sz="2000" dirty="0" smtClean="0">
+                <a:latin typeface="Courier"/>
+                <a:cs typeface="Courier"/>
+              </a:rPr>
+              <a:t> proto </a:t>
+            </a:r>
+            <a:r>
+              <a:rPr lang="en-US" sz="2000" dirty="0" err="1" smtClean="0">
+                <a:latin typeface="Courier"/>
+                <a:cs typeface="Courier"/>
+              </a:rPr>
+              <a:t>tcp</a:t>
+            </a:r>
+            <a:r>
+              <a:rPr lang="en-US" sz="2000" dirty="0" smtClean="0">
+                <a:latin typeface="Courier"/>
+                <a:cs typeface="Courier"/>
+              </a:rPr>
+              <a:t> from any\ $</a:t>
+            </a:r>
+            <a:r>
+              <a:rPr lang="en-US" sz="2000" dirty="0" err="1" smtClean="0">
+                <a:latin typeface="Courier"/>
+                <a:cs typeface="Courier"/>
+              </a:rPr>
+              <a:t>good_ports</a:t>
+            </a:r>
+            <a:r>
+              <a:rPr lang="en-US" sz="2000" dirty="0" smtClean="0">
+                <a:latin typeface="Courier"/>
+                <a:cs typeface="Courier"/>
+              </a:rPr>
+              <a:t> to any</a:t>
+            </a:r>
+          </a:p>
+          <a:p>
+            <a:pPr>
+              <a:buNone/>
+            </a:pPr>
+            <a:r>
+              <a:rPr lang="en-US" sz="2000" dirty="0" smtClean="0">
+                <a:latin typeface="Courier"/>
+                <a:cs typeface="Courier"/>
+              </a:rPr>
+              <a:t>block in quick on $</a:t>
+            </a:r>
+            <a:r>
+              <a:rPr lang="en-US" sz="2000" dirty="0" err="1" smtClean="0">
+                <a:latin typeface="Courier"/>
+                <a:cs typeface="Courier"/>
+              </a:rPr>
+              <a:t>ext_if</a:t>
+            </a:r>
+            <a:r>
+              <a:rPr lang="en-US" sz="2000" dirty="0" smtClean="0">
+                <a:latin typeface="Courier"/>
+                <a:cs typeface="Courier"/>
+              </a:rPr>
+              <a:t> from any $</a:t>
+            </a:r>
+            <a:r>
+              <a:rPr lang="en-US" sz="2000" dirty="0" err="1" smtClean="0">
+                <a:latin typeface="Courier"/>
+                <a:cs typeface="Courier"/>
+              </a:rPr>
+              <a:t>bad_ips</a:t>
+            </a:r>
+            <a:r>
+              <a:rPr lang="en-US" sz="2000" dirty="0" smtClean="0">
+                <a:latin typeface="Courier"/>
+                <a:cs typeface="Courier"/>
+              </a:rPr>
+              <a:t>\</a:t>
+            </a:r>
+          </a:p>
+          <a:p>
             <a:pPr marL="0" indent="0">
               <a:buNone/>
             </a:pPr>
-            <a:r>
-              <a:rPr lang="en-US" sz="2000" dirty="0" err="1" smtClean="0">
-                <a:latin typeface="Courier"/>
-                <a:cs typeface="Courier"/>
-              </a:rPr>
-              <a:t>good_ports</a:t>
-            </a:r>
-            <a:r>
-              <a:rPr lang="en-US" sz="2000" dirty="0">
-                <a:latin typeface="Courier"/>
-                <a:cs typeface="Courier"/>
-              </a:rPr>
-              <a:t>=“{ 22, </a:t>
-            </a:r>
-            <a:r>
-              <a:rPr lang="en-US" sz="2000" dirty="0" smtClean="0">
-                <a:latin typeface="Courier"/>
-                <a:cs typeface="Courier"/>
-              </a:rPr>
-              <a:t>443</a:t>
-            </a:r>
-            <a:r>
-              <a:rPr lang="en-US" sz="2000" dirty="0">
-                <a:latin typeface="Courier"/>
-                <a:cs typeface="Courier"/>
-              </a:rPr>
-              <a:t>, 80 }”</a:t>
-            </a:r>
-            <a:br>
-              <a:rPr lang="en-US" sz="2000" dirty="0">
-                <a:latin typeface="Courier"/>
-                <a:cs typeface="Courier"/>
-              </a:rPr>
-            </a:br>
-            <a:r>
-              <a:rPr lang="en-US" sz="2000" dirty="0" smtClean="0">
-                <a:latin typeface="Courier"/>
-                <a:cs typeface="Courier"/>
-              </a:rPr>
-              <a:t>me=“192.168.0.1” #Web Server IP</a:t>
-            </a:r>
-            <a:br>
-              <a:rPr lang="en-US" sz="2000" dirty="0" smtClean="0">
-                <a:latin typeface="Courier"/>
-                <a:cs typeface="Courier"/>
-              </a:rPr>
-            </a:br>
-            <a:r>
-              <a:rPr lang="en-US" sz="2000" dirty="0">
-                <a:latin typeface="Courier"/>
-                <a:cs typeface="Courier"/>
-              </a:rPr>
-              <a:t>set skip on </a:t>
-            </a:r>
-            <a:r>
-              <a:rPr lang="en-US" sz="2000" dirty="0" smtClean="0">
-                <a:latin typeface="Courier"/>
-                <a:cs typeface="Courier"/>
-              </a:rPr>
-              <a:t>lo0</a:t>
-            </a:r>
             <a:endParaRPr lang="en-US" sz="2000" dirty="0">
               <a:latin typeface="Courier"/>
               <a:cs typeface="Courier"/>
             </a:endParaRPr>
           </a:p>
-          <a:p>
-            <a:pPr marL="0" indent="0">
-              <a:buNone/>
-            </a:pPr>
-            <a:r>
-              <a:rPr lang="en-US" sz="2000" dirty="0">
-                <a:latin typeface="Courier"/>
-                <a:cs typeface="Courier"/>
-              </a:rPr>
-              <a:t>block in all</a:t>
-            </a:r>
-          </a:p>
-          <a:p>
-            <a:pPr marL="0" indent="0">
-              <a:buNone/>
-            </a:pPr>
-            <a:r>
-              <a:rPr lang="en-US" sz="2000" dirty="0">
-                <a:latin typeface="Courier"/>
-                <a:cs typeface="Courier"/>
-              </a:rPr>
-              <a:t>pass out all</a:t>
-            </a:r>
-          </a:p>
-          <a:p>
-            <a:pPr marL="0" indent="0">
-              <a:buNone/>
-            </a:pPr>
-            <a:r>
-              <a:rPr lang="en-US" sz="2000" dirty="0">
-                <a:latin typeface="Courier"/>
-                <a:cs typeface="Courier"/>
-              </a:rPr>
-              <a:t>pass in on </a:t>
-            </a:r>
-            <a:r>
-              <a:rPr lang="en-US" sz="2000" dirty="0" smtClean="0">
-                <a:latin typeface="Courier"/>
-                <a:cs typeface="Courier"/>
-              </a:rPr>
-              <a:t>em0 </a:t>
-            </a:r>
-            <a:r>
-              <a:rPr lang="en-US" sz="2000" dirty="0" err="1">
-                <a:latin typeface="Courier"/>
-                <a:cs typeface="Courier"/>
-              </a:rPr>
-              <a:t>inet</a:t>
-            </a:r>
-            <a:r>
-              <a:rPr lang="en-US" sz="2000" dirty="0">
-                <a:latin typeface="Courier"/>
-                <a:cs typeface="Courier"/>
-              </a:rPr>
-              <a:t> proto </a:t>
-            </a:r>
-            <a:r>
-              <a:rPr lang="en-US" sz="2000" dirty="0" err="1">
-                <a:latin typeface="Courier"/>
-                <a:cs typeface="Courier"/>
-              </a:rPr>
-              <a:t>tcp</a:t>
-            </a:r>
-            <a:r>
-              <a:rPr lang="en-US" sz="2000" dirty="0">
-                <a:latin typeface="Courier"/>
-                <a:cs typeface="Courier"/>
-              </a:rPr>
-              <a:t> from </a:t>
-            </a:r>
-            <a:r>
-              <a:rPr lang="en-US" sz="2000" dirty="0" smtClean="0">
-                <a:latin typeface="Courier"/>
-                <a:cs typeface="Courier"/>
-              </a:rPr>
-              <a:t>any to $me port \$</a:t>
-            </a:r>
-            <a:r>
-              <a:rPr lang="en-US" sz="2000" dirty="0" err="1" smtClean="0">
-                <a:latin typeface="Courier"/>
-                <a:cs typeface="Courier"/>
-              </a:rPr>
-              <a:t>good_ports</a:t>
-            </a:r>
-            <a:r>
-              <a:rPr lang="en-US" sz="2000" dirty="0" smtClean="0">
-                <a:latin typeface="Courier"/>
-                <a:cs typeface="Courier"/>
-              </a:rPr>
-              <a:t/>
-            </a:r>
-            <a:br>
-              <a:rPr lang="en-US" sz="2000" dirty="0" smtClean="0">
-                <a:latin typeface="Courier"/>
-                <a:cs typeface="Courier"/>
-              </a:rPr>
-            </a:br>
-            <a:r>
-              <a:rPr lang="en-US" sz="2400" dirty="0" smtClean="0"/>
-              <a:t/>
-            </a:r>
-            <a:br>
-              <a:rPr lang="en-US" sz="2400" dirty="0" smtClean="0"/>
-            </a:br>
-            <a:r>
-              <a:rPr lang="en-US" sz="2400" dirty="0" smtClean="0"/>
-              <a:t/>
-            </a:r>
-            <a:br>
-              <a:rPr lang="en-US" sz="2400" dirty="0" smtClean="0"/>
-            </a:br>
-            <a:r>
-              <a:rPr lang="en-US" sz="2400" dirty="0" smtClean="0"/>
-              <a:t>##This is sufficient to allow any communication that the server initiates (pass out all), allow all incoming </a:t>
-            </a:r>
-            <a:r>
-              <a:rPr lang="en-US" sz="2400" dirty="0" err="1" smtClean="0"/>
-              <a:t>tcp</a:t>
-            </a:r>
-            <a:r>
-              <a:rPr lang="en-US" sz="2400" dirty="0" smtClean="0"/>
-              <a:t> traffic to the good ports and block all other incoming traffic</a:t>
-            </a:r>
-            <a:endParaRPr lang="en-US" sz="2400" dirty="0"/>
-          </a:p>
         </p:txBody>
       </p:sp>
     </p:spTree>
-    <p:extLst>
-      <p:ext uri="{BB962C8B-B14F-4D97-AF65-F5344CB8AC3E}">
-        <p14:creationId xmlns:p14="http://schemas.microsoft.com/office/powerpoint/2010/main" val="3366821294"/>
-      </p:ext>
-    </p:extLst>
   </p:cSld>
   <p:clrMapOvr>
     <a:masterClrMapping/>
@@ -6499,7 +6457,7 @@
           <a:p>
             <a:r>
               <a:rPr lang="en-US" b="1" dirty="0" smtClean="0"/>
-              <a:t>Sample Web Server 2</a:t>
+              <a:t>Sample Web Server 1</a:t>
             </a:r>
             <a:endParaRPr lang="en-US" b="1" dirty="0"/>
           </a:p>
@@ -6515,12 +6473,7 @@
             <p:ph idx="1"/>
           </p:nvPr>
         </p:nvSpPr>
-        <p:spPr>
-          <a:xfrm>
-            <a:off x="302406" y="1285048"/>
-            <a:ext cx="8648810" cy="5007415"/>
-          </a:xfrm>
-        </p:spPr>
+        <p:spPr/>
         <p:txBody>
           <a:bodyPr>
             <a:normAutofit fontScale="92500" lnSpcReduction="10000"/>
@@ -6531,99 +6484,67 @@
               <a:buNone/>
             </a:pPr>
             <a:r>
-              <a:rPr lang="en-US" sz="2200" dirty="0" err="1" smtClean="0">
+              <a:rPr lang="en-US" sz="2000" dirty="0" err="1" smtClean="0">
                 <a:latin typeface="Courier"/>
                 <a:cs typeface="Courier"/>
               </a:rPr>
               <a:t>good_ports</a:t>
             </a:r>
             <a:r>
-              <a:rPr lang="en-US" sz="2200" dirty="0" smtClean="0">
-                <a:latin typeface="Courier"/>
-                <a:cs typeface="Courier"/>
-              </a:rPr>
-              <a:t>=“{ 22, 443, 80 }”</a:t>
+              <a:rPr lang="en-US" sz="2000" dirty="0">
+                <a:latin typeface="Courier"/>
+                <a:cs typeface="Courier"/>
+              </a:rPr>
+              <a:t>=“{ 22, </a:t>
+            </a:r>
+            <a:r>
+              <a:rPr lang="en-US" sz="2000" dirty="0" smtClean="0">
+                <a:latin typeface="Courier"/>
+                <a:cs typeface="Courier"/>
+              </a:rPr>
+              <a:t>443</a:t>
+            </a:r>
+            <a:r>
+              <a:rPr lang="en-US" sz="2000" dirty="0">
+                <a:latin typeface="Courier"/>
+                <a:cs typeface="Courier"/>
+              </a:rPr>
+              <a:t>, 80 }”</a:t>
             </a:r>
             <a:br>
-              <a:rPr lang="en-US" sz="2200" dirty="0" smtClean="0">
+              <a:rPr lang="en-US" sz="2000" dirty="0">
                 <a:latin typeface="Courier"/>
                 <a:cs typeface="Courier"/>
               </a:rPr>
             </a:br>
             <a:r>
-              <a:rPr lang="en-US" sz="2200" dirty="0" smtClean="0">
-                <a:latin typeface="Courier"/>
-                <a:cs typeface="Courier"/>
-              </a:rPr>
-              <a:t>me=“192.168.0.1” #Web server IP</a:t>
-            </a:r>
-          </a:p>
-          <a:p>
-            <a:pPr marL="0" indent="0">
-              <a:buNone/>
-            </a:pPr>
-            <a:r>
-              <a:rPr lang="en-US" sz="2200" dirty="0">
+              <a:rPr lang="en-US" sz="2000" dirty="0" smtClean="0">
+                <a:latin typeface="Courier"/>
+                <a:cs typeface="Courier"/>
+              </a:rPr>
+              <a:t>me=“192.168.0.1” #Web Server IP</a:t>
+            </a:r>
+            <a:br>
+              <a:rPr lang="en-US" sz="2000" dirty="0" smtClean="0">
+                <a:latin typeface="Courier"/>
+                <a:cs typeface="Courier"/>
+              </a:rPr>
+            </a:br>
+            <a:r>
+              <a:rPr lang="en-US" sz="2000" dirty="0">
                 <a:latin typeface="Courier"/>
                 <a:cs typeface="Courier"/>
               </a:rPr>
               <a:t>set skip on </a:t>
             </a:r>
             <a:r>
-              <a:rPr lang="en-US" sz="2200" dirty="0" smtClean="0">
+              <a:rPr lang="en-US" sz="2000" dirty="0" smtClean="0">
                 <a:latin typeface="Courier"/>
                 <a:cs typeface="Courier"/>
               </a:rPr>
               <a:t>lo0</a:t>
             </a:r>
-          </a:p>
-          <a:p>
-            <a:pPr marL="0" indent="0">
-              <a:buNone/>
-            </a:pPr>
-            <a:r>
-              <a:rPr lang="en-US" sz="2200" dirty="0" smtClean="0">
-                <a:latin typeface="Courier"/>
-                <a:cs typeface="Courier"/>
-              </a:rPr>
-              <a:t>pass in quick on em0 </a:t>
-            </a:r>
-            <a:r>
-              <a:rPr lang="en-US" sz="2200" dirty="0" err="1" smtClean="0">
-                <a:latin typeface="Courier"/>
-                <a:cs typeface="Courier"/>
-              </a:rPr>
-              <a:t>inet</a:t>
-            </a:r>
-            <a:r>
-              <a:rPr lang="en-US" sz="2200" dirty="0" smtClean="0">
-                <a:latin typeface="Courier"/>
-                <a:cs typeface="Courier"/>
-              </a:rPr>
-              <a:t> proto </a:t>
-            </a:r>
-            <a:r>
-              <a:rPr lang="en-US" sz="2200" dirty="0" err="1" smtClean="0">
-                <a:latin typeface="Courier"/>
-                <a:cs typeface="Courier"/>
-              </a:rPr>
-              <a:t>tcp</a:t>
-            </a:r>
-            <a:r>
-              <a:rPr lang="en-US" sz="2200" dirty="0" smtClean="0">
-                <a:latin typeface="Courier"/>
-                <a:cs typeface="Courier"/>
-              </a:rPr>
-              <a:t> from any to $me \ port $</a:t>
-            </a:r>
-            <a:r>
-              <a:rPr lang="en-US" sz="2200" dirty="0" err="1" smtClean="0">
-                <a:latin typeface="Courier"/>
-                <a:cs typeface="Courier"/>
-              </a:rPr>
-              <a:t>good_ports</a:t>
-            </a:r>
-            <a:endParaRPr lang="en-US" sz="2200" dirty="0" smtClean="0">
+            <a:endParaRPr lang="en-US" sz="2000" dirty="0">
               <a:latin typeface="Courier"/>
               <a:cs typeface="Courier"/>
             </a:endParaRPr>
@@ -6633,7 +6554,7 @@
               <a:buNone/>
             </a:pPr>
             <a:r>
-              <a:rPr lang="en-US" sz="2200" dirty="0" smtClean="0">
+              <a:rPr lang="en-US" sz="2000" dirty="0">
                 <a:latin typeface="Courier"/>
                 <a:cs typeface="Courier"/>
               </a:rPr>
@@ -6645,19 +6566,20 @@
               <a:buNone/>
             </a:pPr>
             <a:r>
-              <a:rPr lang="en-US" sz="2200" dirty="0" smtClean="0">
-                <a:latin typeface="Courier"/>
-                <a:cs typeface="Courier"/>
-              </a:rPr>
-              <a:t>pass out all</a:t>
-            </a:r>
-            <a:br>
-              <a:rPr lang="en-US" sz="2200" dirty="0" smtClean="0">
-                <a:latin typeface="Courier"/>
-                <a:cs typeface="Courier"/>
-              </a:rPr>
-            </a:br>
-            <a:endParaRPr lang="en-US" sz="2200" dirty="0" smtClean="0">
+              <a:rPr lang="en-US" sz="2000" dirty="0">
+                <a:latin typeface="Courier"/>
+                <a:cs typeface="Courier"/>
+              </a:rPr>
+              <a:t>pass out </a:t>
+            </a:r>
+            <a:r>
+              <a:rPr lang="en-US" sz="2000" dirty="0" smtClean="0">
+                <a:latin typeface="Courier"/>
+                <a:cs typeface="Courier"/>
+              </a:rPr>
+              <a:t>all </a:t>
+            </a:r>
+            <a:endParaRPr lang="en-US" sz="2000" dirty="0">
               <a:latin typeface="Courier"/>
               <a:cs typeface="Courier"/>
             </a:endParaRPr>
@@ -6667,26 +6589,112 @@
               <a:buNone/>
             </a:pPr>
             <a:r>
-              <a:rPr lang="en-US" dirty="0" smtClean="0"/>
+              <a:rPr lang="en-US" sz="2000" dirty="0">
+                <a:latin typeface="Courier"/>
+                <a:cs typeface="Courier"/>
+              </a:rPr>
+              <a:t>pass in on </a:t>
+            </a:r>
+            <a:r>
+              <a:rPr lang="en-US" sz="2000" dirty="0" smtClean="0">
+                <a:latin typeface="Courier"/>
+                <a:cs typeface="Courier"/>
+              </a:rPr>
+              <a:t>em0 </a:t>
+            </a:r>
+            <a:r>
+              <a:rPr lang="en-US" sz="2000" dirty="0" err="1">
+                <a:latin typeface="Courier"/>
+                <a:cs typeface="Courier"/>
+              </a:rPr>
+              <a:t>inet</a:t>
+            </a:r>
+            <a:r>
+              <a:rPr lang="en-US" sz="2000" dirty="0">
+                <a:latin typeface="Courier"/>
+                <a:cs typeface="Courier"/>
+              </a:rPr>
+              <a:t> proto </a:t>
+            </a:r>
+            <a:r>
+              <a:rPr lang="en-US" sz="2000" dirty="0" err="1">
+                <a:latin typeface="Courier"/>
+                <a:cs typeface="Courier"/>
+              </a:rPr>
+              <a:t>tcp</a:t>
+            </a:r>
+            <a:r>
+              <a:rPr lang="en-US" sz="2000" dirty="0">
+                <a:latin typeface="Courier"/>
+                <a:cs typeface="Courier"/>
+              </a:rPr>
+              <a:t> from </a:t>
+            </a:r>
+            <a:r>
+              <a:rPr lang="en-US" sz="2000" dirty="0" smtClean="0">
+                <a:latin typeface="Courier"/>
+                <a:cs typeface="Courier"/>
+              </a:rPr>
+              <a:t>any to $me port \$</a:t>
+            </a:r>
+            <a:r>
+              <a:rPr lang="en-US" sz="2000" dirty="0" err="1" smtClean="0">
+                <a:latin typeface="Courier"/>
+                <a:cs typeface="Courier"/>
+              </a:rPr>
+              <a:t>good_ports</a:t>
+            </a:r>
+            <a:r>
+              <a:rPr lang="en-US" sz="2000" dirty="0" smtClean="0">
+                <a:latin typeface="Courier"/>
+                <a:cs typeface="Courier"/>
+              </a:rPr>
               <a:t/>
             </a:r>
             <a:br>
-              <a:rPr lang="en-US" dirty="0" smtClean="0"/>
+              <a:rPr lang="en-US" sz="2000" dirty="0" smtClean="0">
+                <a:latin typeface="Courier"/>
+                <a:cs typeface="Courier"/>
+              </a:rPr>
             </a:br>
             <a:r>
-              <a:rPr lang="en-US" dirty="0" smtClean="0"/>
-              <a:t>##These rules will pass the good ports first (due to quick) then block all incoming traffic (block in all). Outgoing traffic will be allowed as long as the server sent the first packet (pass out all)</a:t>
-            </a:r>
-          </a:p>
-          <a:p>
-            <a:endParaRPr lang="en-US" dirty="0"/>
+              <a:rPr lang="en-US" sz="2400" dirty="0" smtClean="0"/>
+              <a:t/>
+            </a:r>
+            <a:br>
+              <a:rPr lang="en-US" sz="2400" dirty="0" smtClean="0"/>
+            </a:br>
+            <a:r>
+              <a:rPr lang="en-US" sz="2400" dirty="0" smtClean="0"/>
+              <a:t/>
+            </a:r>
+            <a:br>
+              <a:rPr lang="en-US" sz="2400" dirty="0" smtClean="0"/>
+            </a:br>
+            <a:r>
+              <a:rPr lang="en-US" sz="2400" dirty="0" smtClean="0"/>
+              <a:t>##This is sufficient to allow any communication that the server initiates (pass out all), allow all incoming </a:t>
+            </a:r>
+            <a:r>
+              <a:rPr lang="en-US" sz="2400" dirty="0" err="1" smtClean="0"/>
+              <a:t>tcp</a:t>
+            </a:r>
+            <a:r>
+              <a:rPr lang="en-US" sz="2400" dirty="0" smtClean="0"/>
+              <a:t> traffic to the good ports and block all other incoming traffic. The “pass out all” is needed despite PF having an implicit pass rule. Removing it will mean traffic out will not match any rule but incoming traffic will be matched against </a:t>
+            </a:r>
+            <a:r>
+              <a:rPr lang="en-US" sz="2400" smtClean="0"/>
+              <a:t>the “block in all” rule.</a:t>
+            </a:r>
+            <a:endParaRPr lang="en-US" sz="2400" dirty="0"/>
           </a:p>
         </p:txBody>
       </p:sp>
     </p:spTree>
     <p:extLst>
       <p:ext uri="{BB962C8B-B14F-4D97-AF65-F5344CB8AC3E}">
-        <p14:creationId xmlns:p14="http://schemas.microsoft.com/office/powerpoint/2010/main" val="1777343887"/>
+        <p14:creationId xmlns:p14="http://schemas.microsoft.com/office/powerpoint/2010/main" val="3366821294"/>
       </p:ext>
     </p:extLst>
   </p:cSld>
@@ -6737,7 +6745,7 @@
           <a:p>
             <a:r>
               <a:rPr lang="en-US" b="1" dirty="0" smtClean="0"/>
-              <a:t>Sample Web Server 3</a:t>
+              <a:t>Sample Web Server 2</a:t>
             </a:r>
             <a:endParaRPr lang="en-US" b="1" dirty="0"/>
           </a:p>
@@ -6753,15 +6761,10 @@
             <p:ph idx="1"/>
           </p:nvPr>
         </p:nvSpPr>
-        <p:spPr>
-          <a:xfrm>
-            <a:off x="347767" y="1600200"/>
-            <a:ext cx="8467367" cy="4779686"/>
-          </a:xfrm>
-        </p:spPr>
+        <p:spPr/>
         <p:txBody>
           <a:bodyPr>
-            <a:normAutofit/>
+            <a:normAutofit lnSpcReduction="10000"/>
           </a:bodyPr>
           <a:lstStyle/>
           <a:p>
@@ -6807,13 +6810,14 @@
                 <a:latin typeface="Courier"/>
                 <a:cs typeface="Courier"/>
               </a:rPr>
-              <a:t>me=“192.168.0.1” #Web Server</a:t>
-            </a:r>
-          </a:p>
-          <a:p>
-            <a:pPr marL="0" indent="0">
-              <a:buNone/>
-            </a:pPr>
+              <a:t>me=“192.168.0.1” #Web Server IP</a:t>
+            </a:r>
+            <a:br>
+              <a:rPr lang="en-US" sz="2000" dirty="0" smtClean="0">
+                <a:latin typeface="Courier"/>
+                <a:cs typeface="Courier"/>
+              </a:rPr>
+            </a:br>
             <a:r>
               <a:rPr lang="en-US" sz="2000" dirty="0">
                 <a:latin typeface="Courier"/>
@@ -6838,97 +6842,30 @@
               <a:buNone/>
             </a:pPr>
             <a:r>
+              <a:rPr lang="en-US" sz="2000" dirty="0">
+                <a:latin typeface="Courier"/>
+                <a:cs typeface="Courier"/>
+              </a:rPr>
+              <a:t>block in all</a:t>
+            </a:r>
+          </a:p>
+          <a:p>
+            <a:pPr marL="0" indent="0">
+              <a:buNone/>
+            </a:pPr>
+            <a:r>
+              <a:rPr lang="en-US" sz="2000" dirty="0">
+                <a:latin typeface="Courier"/>
+                <a:cs typeface="Courier"/>
+              </a:rPr>
+              <a:t>pass out </a:t>
+            </a:r>
+            <a:r>
               <a:rPr lang="en-US" sz="2000" dirty="0" smtClean="0">
                 <a:latin typeface="Courier"/>
                 <a:cs typeface="Courier"/>
               </a:rPr>
-              <a:t>pass </a:t>
-            </a:r>
-            <a:r>
-              <a:rPr lang="en-US" sz="2000" dirty="0">
-                <a:latin typeface="Courier"/>
-                <a:cs typeface="Courier"/>
-              </a:rPr>
-              <a:t>in on </a:t>
-            </a:r>
-            <a:r>
-              <a:rPr lang="en-US" sz="2000" dirty="0" smtClean="0">
-                <a:latin typeface="Courier"/>
-                <a:cs typeface="Courier"/>
-              </a:rPr>
-              <a:t>em0 </a:t>
-            </a:r>
-            <a:r>
-              <a:rPr lang="en-US" sz="2000" dirty="0" err="1">
-                <a:latin typeface="Courier"/>
-                <a:cs typeface="Courier"/>
-              </a:rPr>
-              <a:t>inet</a:t>
-            </a:r>
-            <a:r>
-              <a:rPr lang="en-US" sz="2000" dirty="0">
-                <a:latin typeface="Courier"/>
-                <a:cs typeface="Courier"/>
-              </a:rPr>
-              <a:t> proto </a:t>
-            </a:r>
-            <a:r>
-              <a:rPr lang="en-US" sz="2000" dirty="0" err="1">
-                <a:latin typeface="Courier"/>
-                <a:cs typeface="Courier"/>
-              </a:rPr>
-              <a:t>tcp</a:t>
-            </a:r>
-            <a:r>
-              <a:rPr lang="en-US" sz="2000" dirty="0">
-                <a:latin typeface="Courier"/>
-                <a:cs typeface="Courier"/>
-              </a:rPr>
-              <a:t> from </a:t>
-            </a:r>
-            <a:r>
-              <a:rPr lang="en-US" sz="2000" dirty="0" smtClean="0">
-                <a:latin typeface="Courier"/>
-                <a:cs typeface="Courier"/>
-              </a:rPr>
-              <a:t>any to $me port \$</a:t>
-            </a:r>
-            <a:r>
-              <a:rPr lang="en-US" sz="2000" dirty="0" err="1">
-                <a:latin typeface="Courier"/>
-                <a:cs typeface="Courier"/>
-              </a:rPr>
-              <a:t>good_ports</a:t>
-            </a:r>
-            <a:r>
-              <a:rPr lang="en-US" sz="2000" dirty="0">
-                <a:latin typeface="Courier"/>
-                <a:cs typeface="Courier"/>
-              </a:rPr>
-              <a:t> </a:t>
-            </a:r>
-            <a:endParaRPr lang="en-US" sz="2000" dirty="0" smtClean="0">
-              <a:latin typeface="Courier"/>
-              <a:cs typeface="Courier"/>
-            </a:endParaRPr>
-          </a:p>
-          <a:p>
-            <a:pPr marL="0" indent="0">
-              <a:buNone/>
-            </a:pPr>
-            <a:r>
-              <a:rPr lang="en-US" sz="2000" dirty="0">
-                <a:latin typeface="Courier"/>
-                <a:cs typeface="Courier"/>
-              </a:rPr>
-              <a:t>b</a:t>
-            </a:r>
-            <a:r>
-              <a:rPr lang="en-US" sz="2000" dirty="0" smtClean="0">
-                <a:latin typeface="Courier"/>
-                <a:cs typeface="Courier"/>
-              </a:rPr>
-              <a:t>lock in all</a:t>
+              <a:t>all </a:t>
             </a:r>
             <a:endParaRPr lang="en-US" sz="2000" dirty="0">
               <a:latin typeface="Courier"/>
@@ -6944,14 +6881,63 @@
                 <a:latin typeface="Courier"/>
                 <a:cs typeface="Courier"/>
               </a:rPr>
-              <a:t>p</a:t>
+              <a:t>pass in on </a:t>
             </a:r>
             <a:r>
               <a:rPr lang="en-US" sz="2000" dirty="0" smtClean="0">
                 <a:latin typeface="Courier"/>
                 <a:cs typeface="Courier"/>
               </a:rPr>
-              <a:t>ass out all</a:t>
+              <a:t>em0 </a:t>
+            </a:r>
+            <a:r>
+              <a:rPr lang="en-US" sz="2000" dirty="0" err="1">
+                <a:latin typeface="Courier"/>
+                <a:cs typeface="Courier"/>
+              </a:rPr>
+              <a:t>inet</a:t>
+            </a:r>
+            <a:r>
+              <a:rPr lang="en-US" sz="2000" dirty="0">
+                <a:latin typeface="Courier"/>
+                <a:cs typeface="Courier"/>
+              </a:rPr>
+              <a:t> proto </a:t>
+            </a:r>
+            <a:r>
+              <a:rPr lang="en-US" sz="2000" dirty="0" err="1">
+                <a:latin typeface="Courier"/>
+                <a:cs typeface="Courier"/>
+              </a:rPr>
+              <a:t>tcp</a:t>
+            </a:r>
+            <a:r>
+              <a:rPr lang="en-US" sz="2000" dirty="0">
+                <a:latin typeface="Courier"/>
+                <a:cs typeface="Courier"/>
+              </a:rPr>
+              <a:t> from </a:t>
+            </a:r>
+            <a:r>
+              <a:rPr lang="en-US" sz="2000" dirty="0" smtClean="0">
+                <a:latin typeface="Courier"/>
+                <a:cs typeface="Courier"/>
+              </a:rPr>
+              <a:t>any to $me port \$</a:t>
+            </a:r>
+            <a:r>
+              <a:rPr lang="en-US" sz="2000" dirty="0" err="1" smtClean="0">
+                <a:latin typeface="Courier"/>
+                <a:cs typeface="Courier"/>
+              </a:rPr>
+              <a:t>good_ports</a:t>
+            </a:r>
+            <a:r>
+              <a:rPr lang="en-US" sz="2000" dirty="0" smtClean="0">
+                <a:latin typeface="Courier"/>
+                <a:cs typeface="Courier"/>
+              </a:rPr>
+              <a:t/>
             </a:r>
             <a:br>
               <a:rPr lang="en-US" sz="2000" dirty="0" smtClean="0">
@@ -6959,15 +6945,6 @@
                 <a:cs typeface="Courier"/>
               </a:rPr>
             </a:br>
-            <a:endParaRPr lang="en-US" sz="2000" dirty="0" smtClean="0">
-              <a:latin typeface="Courier"/>
-              <a:cs typeface="Courier"/>
-            </a:endParaRPr>
-          </a:p>
-          <a:p>
-            <a:pPr marL="0" indent="0">
-              <a:buNone/>
-            </a:pPr>
             <a:r>
               <a:rPr lang="en-US" sz="2400" dirty="0" smtClean="0"/>
               <a:t/>
@@ -6976,20 +6953,23 @@
               <a:rPr lang="en-US" sz="2400" dirty="0" smtClean="0"/>
             </a:br>
             <a:r>
-              <a:rPr lang="en-US" sz="2400" dirty="0"/>
-              <a:t>##</a:t>
-            </a:r>
-            <a:r>
               <a:rPr lang="en-US" sz="2400" dirty="0" smtClean="0"/>
-              <a:t>These rules will block all incoming traffic (block in all) including traffic to the good ports hence this is a badly formatted </a:t>
+              <a:t/>
+            </a:r>
+            <a:br>
+              <a:rPr lang="en-US" sz="2400" dirty="0" smtClean="0"/>
+            </a:br>
+            <a:r>
+              <a:rPr lang="en-US" sz="2400" dirty="0" smtClean="0"/>
+              <a:t>##This is sufficient to allow any communication that the server initiates (pass out all), allow all incoming </a:t>
             </a:r>
             <a:r>
               <a:rPr lang="en-US" sz="2400" dirty="0" err="1" smtClean="0"/>
-              <a:t>ruleset</a:t>
+              <a:t>tcp</a:t>
             </a:r>
             <a:r>
               <a:rPr lang="en-US" sz="2400" dirty="0" smtClean="0"/>
-              <a:t>. Outgoing traffic will be allowed as long as the server sent the first packet (pass out all)</a:t>
+              <a:t> traffic to the good ports and block all other incoming traffic. The “pass out all” is not needed because PF has an implicit pass rule. Removing it will have no effect</a:t>
             </a:r>
             <a:endParaRPr lang="en-US" sz="2400" dirty="0"/>
           </a:p>
@@ -6998,7 +6978,7 @@
     </p:spTree>
     <p:extLst>
       <p:ext uri="{BB962C8B-B14F-4D97-AF65-F5344CB8AC3E}">
-        <p14:creationId xmlns:p14="http://schemas.microsoft.com/office/powerpoint/2010/main" val="3890930800"/>
+        <p14:creationId xmlns:p14="http://schemas.microsoft.com/office/powerpoint/2010/main" val="1162493857"/>
       </p:ext>
     </p:extLst>
   </p:cSld>
@@ -7049,7 +7029,7 @@
           <a:p>
             <a:r>
               <a:rPr lang="en-US" b="1" dirty="0" smtClean="0"/>
-              <a:t>Simple Mail Server example 1</a:t>
+              <a:t>Sample Web Server 2</a:t>
             </a:r>
             <a:endParaRPr lang="en-US" b="1" dirty="0"/>
           </a:p>
@@ -7065,10 +7045,15 @@
             <p:ph idx="1"/>
           </p:nvPr>
         </p:nvSpPr>
-        <p:spPr/>
+        <p:spPr>
+          <a:xfrm>
+            <a:off x="302406" y="1285048"/>
+            <a:ext cx="8648810" cy="5007415"/>
+          </a:xfrm>
+        </p:spPr>
         <p:txBody>
           <a:bodyPr>
-            <a:normAutofit fontScale="70000" lnSpcReduction="20000"/>
+            <a:normAutofit fontScale="92500" lnSpcReduction="10000"/>
           </a:bodyPr>
           <a:lstStyle/>
           <a:p>
@@ -7076,38 +7061,31 @@
               <a:buNone/>
             </a:pPr>
             <a:r>
-              <a:rPr lang="en-US" sz="2800" dirty="0" err="1" smtClean="0">
+              <a:rPr lang="en-US" sz="2200" dirty="0" err="1" smtClean="0">
                 <a:latin typeface="Courier"/>
                 <a:cs typeface="Courier"/>
               </a:rPr>
               <a:t>good_ports</a:t>
             </a:r>
             <a:r>
-              <a:rPr lang="en-US" sz="2800" dirty="0" smtClean="0">
-                <a:latin typeface="Courier"/>
-                <a:cs typeface="Courier"/>
-              </a:rPr>
-              <a:t>=“{ 22, 25, 110, 143, 993, 995, 443, 80 }”</a:t>
+              <a:rPr lang="en-US" sz="2200" dirty="0" smtClean="0">
+                <a:latin typeface="Courier"/>
+                <a:cs typeface="Courier"/>
+              </a:rPr>
+              <a:t>=“{ 22, 443, 80 }”</a:t>
             </a:r>
             <a:br>
-              <a:rPr lang="en-US" sz="2800" dirty="0" smtClean="0">
+              <a:rPr lang="en-US" sz="2200" dirty="0" smtClean="0">
                 <a:latin typeface="Courier"/>
                 <a:cs typeface="Courier"/>
               </a:rPr>
             </a:br>
             <a:r>
-              <a:rPr lang="en-US" sz="2800" dirty="0" err="1" smtClean="0">
-                <a:latin typeface="Courier"/>
-                <a:cs typeface="Courier"/>
-              </a:rPr>
-              <a:t>good_udp</a:t>
-            </a:r>
-            <a:r>
-              <a:rPr lang="en-US" sz="2800" dirty="0" smtClean="0">
-                <a:latin typeface="Courier"/>
-                <a:cs typeface="Courier"/>
-              </a:rPr>
-              <a:t>=“53”</a:t>
+              <a:rPr lang="en-US" sz="2200" dirty="0" smtClean="0">
+                <a:latin typeface="Courier"/>
+                <a:cs typeface="Courier"/>
+              </a:rPr>
+              <a:t>me=“192.168.0.1” #Web server IP</a:t>
             </a:r>
           </a:p>
           <a:p>
@@ -7115,18 +7093,18 @@
               <a:buNone/>
             </a:pPr>
             <a:r>
-              <a:rPr lang="en-US" sz="2800" dirty="0">
-                <a:latin typeface="Courier"/>
-                <a:cs typeface="Courier"/>
-              </a:rPr>
-              <a:t>b</a:t>
-            </a:r>
-            <a:r>
-              <a:rPr lang="en-US" sz="2800" dirty="0" smtClean="0">
-                <a:latin typeface="Courier"/>
-                <a:cs typeface="Courier"/>
-              </a:rPr>
-              <a:t>lock in all</a:t>
+              <a:rPr lang="en-US" sz="2200" dirty="0">
+                <a:latin typeface="Courier"/>
+                <a:cs typeface="Courier"/>
+              </a:rPr>
+              <a:t>set skip on </a:t>
+            </a:r>
+            <a:r>
+              <a:rPr lang="en-US" sz="2200" dirty="0" smtClean="0">
+                <a:latin typeface="Courier"/>
+                <a:cs typeface="Courier"/>
+              </a:rPr>
+              <a:t>lo0</a:t>
             </a:r>
           </a:p>
           <a:p>
@@ -7134,154 +7112,48 @@
               <a:buNone/>
             </a:pPr>
             <a:r>
-              <a:rPr lang="en-US" sz="2800" dirty="0">
-                <a:latin typeface="Courier"/>
-                <a:cs typeface="Courier"/>
-              </a:rPr>
-              <a:t>p</a:t>
-            </a:r>
-            <a:r>
-              <a:rPr lang="en-US" sz="2800" dirty="0" smtClean="0">
-                <a:latin typeface="Courier"/>
-                <a:cs typeface="Courier"/>
-              </a:rPr>
-              <a:t>ass out all</a:t>
-            </a:r>
-          </a:p>
-          <a:p>
-            <a:pPr marL="0" indent="0">
-              <a:buNone/>
-            </a:pPr>
-            <a:r>
-              <a:rPr lang="en-US" sz="2800" dirty="0">
-                <a:latin typeface="Courier"/>
-                <a:cs typeface="Courier"/>
-              </a:rPr>
-              <a:t>s</a:t>
-            </a:r>
-            <a:r>
-              <a:rPr lang="en-US" sz="2800" dirty="0" smtClean="0">
-                <a:latin typeface="Courier"/>
-                <a:cs typeface="Courier"/>
-              </a:rPr>
-              <a:t>et skip on lo0</a:t>
-            </a:r>
-          </a:p>
-          <a:p>
-            <a:pPr marL="0" indent="0">
-              <a:buNone/>
-            </a:pPr>
-            <a:r>
-              <a:rPr lang="en-US" sz="2800" dirty="0" smtClean="0">
-                <a:latin typeface="Courier"/>
-                <a:cs typeface="Courier"/>
-              </a:rPr>
-              <a:t>pass in on em0 </a:t>
-            </a:r>
-            <a:r>
-              <a:rPr lang="en-US" sz="2800" dirty="0" err="1" smtClean="0">
+              <a:rPr lang="en-US" sz="2200" dirty="0" smtClean="0">
+                <a:latin typeface="Courier"/>
+                <a:cs typeface="Courier"/>
+              </a:rPr>
+              <a:t>pass in quick on em0 </a:t>
+            </a:r>
+            <a:r>
+              <a:rPr lang="en-US" sz="2200" dirty="0" err="1" smtClean="0">
                 <a:latin typeface="Courier"/>
                 <a:cs typeface="Courier"/>
               </a:rPr>
               <a:t>inet</a:t>
             </a:r>
             <a:r>
-              <a:rPr lang="en-US" sz="2800" dirty="0" smtClean="0">
+              <a:rPr lang="en-US" sz="2200" dirty="0" smtClean="0">
                 <a:latin typeface="Courier"/>
                 <a:cs typeface="Courier"/>
               </a:rPr>
               <a:t> proto </a:t>
             </a:r>
             <a:r>
-              <a:rPr lang="en-US" sz="2800" dirty="0" err="1" smtClean="0">
+              <a:rPr lang="en-US" sz="2200" dirty="0" err="1" smtClean="0">
                 <a:latin typeface="Courier"/>
                 <a:cs typeface="Courier"/>
               </a:rPr>
               <a:t>tcp</a:t>
             </a:r>
             <a:r>
-              <a:rPr lang="en-US" sz="2800" dirty="0" smtClean="0">
-                <a:latin typeface="Courier"/>
-                <a:cs typeface="Courier"/>
-              </a:rPr>
-              <a:t> from $</a:t>
-            </a:r>
-            <a:r>
-              <a:rPr lang="en-US" sz="2800" dirty="0" err="1" smtClean="0">
+              <a:rPr lang="en-US" sz="2200" dirty="0" smtClean="0">
+                <a:latin typeface="Courier"/>
+                <a:cs typeface="Courier"/>
+              </a:rPr>
+              <a:t> from any to $me \ port $</a:t>
+            </a:r>
+            <a:r>
+              <a:rPr lang="en-US" sz="2200" dirty="0" err="1" smtClean="0">
                 <a:latin typeface="Courier"/>
                 <a:cs typeface="Courier"/>
               </a:rPr>
               <a:t>good_ports</a:t>
             </a:r>
-            <a:r>
-              <a:rPr lang="en-US" sz="2800" dirty="0">
-                <a:latin typeface="Courier"/>
-                <a:cs typeface="Courier"/>
-              </a:rPr>
-              <a:t> </a:t>
-            </a:r>
-            <a:r>
-              <a:rPr lang="en-US" sz="2800" dirty="0" smtClean="0">
-                <a:latin typeface="Courier"/>
-                <a:cs typeface="Courier"/>
-              </a:rPr>
-              <a:t>to \ any </a:t>
-            </a:r>
-          </a:p>
-          <a:p>
-            <a:pPr marL="0" indent="0">
-              <a:buNone/>
-            </a:pPr>
-            <a:r>
-              <a:rPr lang="en-US" sz="2800" dirty="0">
-                <a:latin typeface="Courier"/>
-                <a:cs typeface="Courier"/>
-              </a:rPr>
-              <a:t>p</a:t>
-            </a:r>
-            <a:r>
-              <a:rPr lang="en-US" sz="2800" dirty="0" smtClean="0">
-                <a:latin typeface="Courier"/>
-                <a:cs typeface="Courier"/>
-              </a:rPr>
-              <a:t>ass in on em0 </a:t>
-            </a:r>
-            <a:r>
-              <a:rPr lang="en-US" sz="2800" dirty="0" err="1" smtClean="0">
-                <a:latin typeface="Courier"/>
-                <a:cs typeface="Courier"/>
-              </a:rPr>
-              <a:t>inet</a:t>
-            </a:r>
-            <a:r>
-              <a:rPr lang="en-US" sz="2800" dirty="0" smtClean="0">
-                <a:latin typeface="Courier"/>
-                <a:cs typeface="Courier"/>
-              </a:rPr>
-              <a:t> proto </a:t>
-            </a:r>
-            <a:r>
-              <a:rPr lang="en-US" sz="2800" dirty="0" err="1" smtClean="0">
-                <a:latin typeface="Courier"/>
-                <a:cs typeface="Courier"/>
-              </a:rPr>
-              <a:t>udp</a:t>
-            </a:r>
-            <a:r>
-              <a:rPr lang="en-US" sz="2800" dirty="0" smtClean="0">
-                <a:latin typeface="Courier"/>
-                <a:cs typeface="Courier"/>
-              </a:rPr>
-              <a:t> from any port \$</a:t>
-            </a:r>
-            <a:r>
-              <a:rPr lang="en-US" sz="2800" dirty="0" err="1" smtClean="0">
-                <a:latin typeface="Courier"/>
-                <a:cs typeface="Courier"/>
-              </a:rPr>
-              <a:t>good_udp</a:t>
-            </a:r>
-            <a:endParaRPr lang="en-US" sz="2800" dirty="0" smtClean="0">
+            <a:endParaRPr lang="en-US" sz="2200" dirty="0" smtClean="0">
               <a:latin typeface="Courier"/>
               <a:cs typeface="Courier"/>
             </a:endParaRPr>
@@ -7291,60 +7163,60 @@
               <a:buNone/>
             </a:pPr>
             <a:r>
-              <a:rPr lang="en-US" sz="2800" dirty="0" smtClean="0"/>
+              <a:rPr lang="en-US" sz="2200" dirty="0" smtClean="0">
+                <a:latin typeface="Courier"/>
+                <a:cs typeface="Courier"/>
+              </a:rPr>
+              <a:t>block in all</a:t>
+            </a:r>
+          </a:p>
+          <a:p>
+            <a:pPr marL="0" indent="0">
+              <a:buNone/>
+            </a:pPr>
+            <a:r>
+              <a:rPr lang="en-US" sz="2200" dirty="0" smtClean="0">
+                <a:latin typeface="Courier"/>
+                <a:cs typeface="Courier"/>
+              </a:rPr>
+              <a:t>pass out all</a:t>
+            </a:r>
+            <a:br>
+              <a:rPr lang="en-US" sz="2200" dirty="0" smtClean="0">
+                <a:latin typeface="Courier"/>
+                <a:cs typeface="Courier"/>
+              </a:rPr>
+            </a:br>
+            <a:endParaRPr lang="en-US" sz="2200" dirty="0" smtClean="0">
+              <a:latin typeface="Courier"/>
+              <a:cs typeface="Courier"/>
+            </a:endParaRPr>
+          </a:p>
+          <a:p>
+            <a:pPr marL="0" indent="0">
+              <a:buNone/>
+            </a:pPr>
+            <a:r>
+              <a:rPr lang="en-US" dirty="0" smtClean="0"/>
               <a:t/>
             </a:r>
             <a:br>
-              <a:rPr lang="en-US" sz="2800" dirty="0" smtClean="0"/>
+              <a:rPr lang="en-US" dirty="0" smtClean="0"/>
             </a:br>
             <a:r>
-              <a:rPr lang="en-US" sz="2800" dirty="0" smtClean="0"/>
-              <a:t/>
-            </a:r>
-            <a:br>
-              <a:rPr lang="en-US" sz="2800" dirty="0" smtClean="0"/>
-            </a:br>
-            <a:r>
-              <a:rPr lang="en-US" sz="3400" dirty="0"/>
-              <a:t>##These rules will pass the good ports </a:t>
-            </a:r>
-            <a:r>
-              <a:rPr lang="en-US" sz="3400" dirty="0" smtClean="0"/>
-              <a:t>on </a:t>
-            </a:r>
-            <a:r>
-              <a:rPr lang="en-US" sz="3400" dirty="0" err="1" smtClean="0"/>
-              <a:t>tcp</a:t>
-            </a:r>
-            <a:r>
-              <a:rPr lang="en-US" sz="3400" dirty="0" smtClean="0"/>
-              <a:t>, pass any </a:t>
-            </a:r>
-            <a:r>
-              <a:rPr lang="en-US" sz="3400" dirty="0" err="1" smtClean="0"/>
-              <a:t>udp</a:t>
-            </a:r>
-            <a:r>
-              <a:rPr lang="en-US" sz="3400" dirty="0" smtClean="0"/>
-              <a:t> traffic with a source port of 53 then </a:t>
-            </a:r>
-            <a:r>
-              <a:rPr lang="en-US" sz="3400" dirty="0"/>
-              <a:t>block all incoming traffic (block in all). Outgoing traffic will be allowed as long as the server sent the first packet (pass out all)</a:t>
-            </a:r>
-          </a:p>
-          <a:p>
-            <a:pPr marL="0" indent="0">
-              <a:buNone/>
-            </a:pPr>
-            <a:endParaRPr lang="en-US" sz="2800" dirty="0"/>
+              <a:rPr lang="en-US" dirty="0" smtClean="0"/>
+              <a:t>##These rules will pass the good ports first (due to quick word) then block all incoming traffic (block in all). Outgoing traffic will be allowed as long as the server sent the first packet (pass out all)</a:t>
+            </a:r>
+          </a:p>
+          <a:p>
+            <a:endParaRPr lang="en-US" dirty="0"/>
           </a:p>
         </p:txBody>
       </p:sp>
     </p:spTree>
     <p:extLst>
       <p:ext uri="{BB962C8B-B14F-4D97-AF65-F5344CB8AC3E}">
-        <p14:creationId xmlns:p14="http://schemas.microsoft.com/office/powerpoint/2010/main" val="2566821977"/>
+        <p14:creationId xmlns:p14="http://schemas.microsoft.com/office/powerpoint/2010/main" val="1777343887"/>
       </p:ext>
     </p:extLst>
   </p:cSld>
@@ -7395,7 +7267,7 @@
           <a:p>
             <a:r>
               <a:rPr lang="en-US" b="1" dirty="0" smtClean="0"/>
-              <a:t>Sample Mail Server example 2</a:t>
+              <a:t>Sample Web Server 3</a:t>
             </a:r>
             <a:endParaRPr lang="en-US" b="1" dirty="0"/>
           </a:p>
@@ -7411,7 +7283,12 @@
             <p:ph idx="1"/>
           </p:nvPr>
         </p:nvSpPr>
-        <p:spPr/>
+        <p:spPr>
+          <a:xfrm>
+            <a:off x="347767" y="1600200"/>
+            <a:ext cx="8467367" cy="4779686"/>
+          </a:xfrm>
+        </p:spPr>
         <p:txBody>
           <a:bodyPr>
             <a:normAutofit/>
@@ -7422,12 +7299,45 @@
               <a:buNone/>
             </a:pPr>
             <a:r>
-              <a:rPr lang="en-US" sz="2800" dirty="0" err="1" smtClean="0"/>
-              <a:t>ext_if</a:t>
-            </a:r>
-            <a:r>
-              <a:rPr lang="en-US" sz="2800" dirty="0" smtClean="0"/>
-              <a:t>=“em0”</a:t>
+              <a:rPr lang="en-US" sz="2000" dirty="0" err="1" smtClean="0">
+                <a:latin typeface="Courier"/>
+                <a:cs typeface="Courier"/>
+              </a:rPr>
+              <a:t>good_ports</a:t>
+            </a:r>
+            <a:r>
+              <a:rPr lang="en-US" sz="2000" dirty="0">
+                <a:latin typeface="Courier"/>
+                <a:cs typeface="Courier"/>
+              </a:rPr>
+              <a:t>=“{ 22, </a:t>
+            </a:r>
+            <a:r>
+              <a:rPr lang="en-US" sz="2000" dirty="0" smtClean="0">
+                <a:latin typeface="Courier"/>
+                <a:cs typeface="Courier"/>
+              </a:rPr>
+              <a:t>443</a:t>
+            </a:r>
+            <a:r>
+              <a:rPr lang="en-US" sz="2000" dirty="0">
+                <a:latin typeface="Courier"/>
+                <a:cs typeface="Courier"/>
+              </a:rPr>
+              <a:t>, 80 }”</a:t>
+            </a:r>
+            <a:br>
+              <a:rPr lang="en-US" sz="2000" dirty="0">
+                <a:latin typeface="Courier"/>
+                <a:cs typeface="Courier"/>
+              </a:rPr>
+            </a:br>
+            <a:r>
+              <a:rPr lang="en-US" sz="2000" dirty="0" smtClean="0">
+                <a:latin typeface="Courier"/>
+                <a:cs typeface="Courier"/>
+              </a:rPr>
+              <a:t>me=“192.168.0.1” #Web Server</a:t>
             </a:r>
           </a:p>
           <a:p>
@@ -7435,88 +7345,190 @@
               <a:buNone/>
             </a:pPr>
             <a:r>
-              <a:rPr lang="en-US" sz="2800" dirty="0" err="1"/>
-              <a:t>g</a:t>
-            </a:r>
-            <a:r>
-              <a:rPr lang="en-US" sz="2800" dirty="0" err="1" smtClean="0"/>
-              <a:t>ood_ports</a:t>
-            </a:r>
-            <a:r>
-              <a:rPr lang="en-US" sz="2800" dirty="0" smtClean="0"/>
-              <a:t>=“{ 22, 25, 110, 143, 993, 995, 443, 80 }”</a:t>
+              <a:rPr lang="en-US" sz="2000" dirty="0">
+                <a:latin typeface="Courier"/>
+                <a:cs typeface="Courier"/>
+              </a:rPr>
+              <a:t>set skip on </a:t>
+            </a:r>
+            <a:r>
+              <a:rPr lang="en-US" sz="2000" dirty="0" smtClean="0">
+                <a:latin typeface="Courier"/>
+                <a:cs typeface="Courier"/>
+              </a:rPr>
+              <a:t>lo0</a:t>
+            </a:r>
+            <a:endParaRPr lang="en-US" sz="2000" dirty="0">
+              <a:latin typeface="Courier"/>
+              <a:cs typeface="Courier"/>
+            </a:endParaRPr>
+          </a:p>
+          <a:p>
+            <a:pPr marL="0" indent="0">
+              <a:buNone/>
+            </a:pPr>
+            <a:r>
+              <a:rPr lang="en-US" sz="2000" dirty="0" smtClean="0">
+                <a:latin typeface="Courier"/>
+                <a:cs typeface="Courier"/>
+              </a:rPr>
+              <a:t>pass </a:t>
+            </a:r>
+            <a:r>
+              <a:rPr lang="en-US" sz="2000" dirty="0">
+                <a:latin typeface="Courier"/>
+                <a:cs typeface="Courier"/>
+              </a:rPr>
+              <a:t>in on </a:t>
+            </a:r>
+            <a:r>
+              <a:rPr lang="en-US" sz="2000" dirty="0" smtClean="0">
+                <a:latin typeface="Courier"/>
+                <a:cs typeface="Courier"/>
+              </a:rPr>
+              <a:t>em0 </a:t>
+            </a:r>
+            <a:r>
+              <a:rPr lang="en-US" sz="2000" dirty="0" err="1">
+                <a:latin typeface="Courier"/>
+                <a:cs typeface="Courier"/>
+              </a:rPr>
+              <a:t>inet</a:t>
+            </a:r>
+            <a:r>
+              <a:rPr lang="en-US" sz="2000" dirty="0">
+                <a:latin typeface="Courier"/>
+                <a:cs typeface="Courier"/>
+              </a:rPr>
+              <a:t> proto </a:t>
+            </a:r>
+            <a:r>
+              <a:rPr lang="en-US" sz="2000" dirty="0" err="1">
+                <a:latin typeface="Courier"/>
+                <a:cs typeface="Courier"/>
+              </a:rPr>
+              <a:t>tcp</a:t>
+            </a:r>
+            <a:r>
+              <a:rPr lang="en-US" sz="2000" dirty="0">
+                <a:latin typeface="Courier"/>
+                <a:cs typeface="Courier"/>
+              </a:rPr>
+              <a:t> from </a:t>
+            </a:r>
+            <a:r>
+              <a:rPr lang="en-US" sz="2000" dirty="0" smtClean="0">
+                <a:latin typeface="Courier"/>
+                <a:cs typeface="Courier"/>
+              </a:rPr>
+              <a:t>any to $me port \$</a:t>
+            </a:r>
+            <a:r>
+              <a:rPr lang="en-US" sz="2000" dirty="0" err="1">
+                <a:latin typeface="Courier"/>
+                <a:cs typeface="Courier"/>
+              </a:rPr>
+              <a:t>good_ports</a:t>
+            </a:r>
+            <a:r>
+              <a:rPr lang="en-US" sz="2000" dirty="0">
+                <a:latin typeface="Courier"/>
+                <a:cs typeface="Courier"/>
+              </a:rPr>
+              <a:t> </a:t>
+            </a:r>
+            <a:endParaRPr lang="en-US" sz="2000" dirty="0" smtClean="0">
+              <a:latin typeface="Courier"/>
+              <a:cs typeface="Courier"/>
+            </a:endParaRPr>
+          </a:p>
+          <a:p>
+            <a:pPr marL="0" indent="0">
+              <a:buNone/>
+            </a:pPr>
+            <a:r>
+              <a:rPr lang="en-US" sz="2000" dirty="0">
+                <a:latin typeface="Courier"/>
+                <a:cs typeface="Courier"/>
+              </a:rPr>
+              <a:t>b</a:t>
+            </a:r>
+            <a:r>
+              <a:rPr lang="en-US" sz="2000" dirty="0" smtClean="0">
+                <a:latin typeface="Courier"/>
+                <a:cs typeface="Courier"/>
+              </a:rPr>
+              <a:t>lock in all</a:t>
+            </a:r>
+            <a:endParaRPr lang="en-US" sz="2000" dirty="0">
+              <a:latin typeface="Courier"/>
+              <a:cs typeface="Courier"/>
+            </a:endParaRPr>
+          </a:p>
+          <a:p>
+            <a:pPr marL="0" indent="0">
+              <a:buNone/>
+            </a:pPr>
+            <a:r>
+              <a:rPr lang="en-US" sz="2000" dirty="0">
+                <a:latin typeface="Courier"/>
+                <a:cs typeface="Courier"/>
+              </a:rPr>
+              <a:t>p</a:t>
+            </a:r>
+            <a:r>
+              <a:rPr lang="en-US" sz="2000" dirty="0" smtClean="0">
+                <a:latin typeface="Courier"/>
+                <a:cs typeface="Courier"/>
+              </a:rPr>
+              <a:t>ass out all</a:t>
             </a:r>
             <a:br>
-              <a:rPr lang="en-US" sz="2800" dirty="0" smtClean="0"/>
+              <a:rPr lang="en-US" sz="2000" dirty="0" smtClean="0">
+                <a:latin typeface="Courier"/>
+                <a:cs typeface="Courier"/>
+              </a:rPr>
             </a:br>
-            <a:endParaRPr lang="en-US" sz="2800" dirty="0" smtClean="0"/>
+            <a:endParaRPr lang="en-US" sz="2000" dirty="0" smtClean="0">
+              <a:latin typeface="Courier"/>
+              <a:cs typeface="Courier"/>
+            </a:endParaRPr>
           </a:p>
           <a:p>
             <a:pPr marL="0" indent="0">
               <a:buNone/>
             </a:pPr>
             <a:r>
-              <a:rPr lang="en-US" sz="2800" dirty="0"/>
-              <a:t>block in all</a:t>
-            </a:r>
-          </a:p>
-          <a:p>
-            <a:pPr marL="0" indent="0">
-              <a:buNone/>
-            </a:pPr>
-            <a:endParaRPr lang="en-US" sz="2800" dirty="0" smtClean="0"/>
-          </a:p>
-          <a:p>
-            <a:pPr marL="0" indent="0">
-              <a:buNone/>
-            </a:pPr>
-            <a:r>
-              <a:rPr lang="en-US" sz="2800" dirty="0" smtClean="0"/>
-              <a:t>pass in quick on $em0 </a:t>
-            </a:r>
-            <a:r>
-              <a:rPr lang="en-US" sz="2800" dirty="0" err="1" smtClean="0"/>
-              <a:t>inet</a:t>
-            </a:r>
-            <a:r>
-              <a:rPr lang="en-US" sz="2800" dirty="0" smtClean="0"/>
-              <a:t> proto </a:t>
-            </a:r>
-            <a:r>
-              <a:rPr lang="en-US" sz="2800" dirty="0" err="1" smtClean="0"/>
-              <a:t>tcp</a:t>
-            </a:r>
-            <a:r>
-              <a:rPr lang="en-US" sz="2800" dirty="0" smtClean="0"/>
-              <a:t> from $</a:t>
-            </a:r>
-            <a:r>
-              <a:rPr lang="en-US" sz="2800" dirty="0" err="1" smtClean="0"/>
-              <a:t>good_ports</a:t>
-            </a:r>
-            <a:r>
-              <a:rPr lang="en-US" sz="2800" dirty="0" smtClean="0"/>
-              <a:t> to any </a:t>
-            </a:r>
-          </a:p>
-          <a:p>
-            <a:pPr marL="0" indent="0">
-              <a:buNone/>
-            </a:pPr>
-            <a:endParaRPr lang="en-US" sz="2800" dirty="0" smtClean="0"/>
-          </a:p>
-          <a:p>
-            <a:pPr marL="0" indent="0">
-              <a:buNone/>
-            </a:pPr>
-            <a:endParaRPr lang="en-US" sz="2800" dirty="0"/>
+              <a:rPr lang="en-US" sz="2400" dirty="0" smtClean="0"/>
+              <a:t/>
+            </a:r>
+            <a:br>
+              <a:rPr lang="en-US" sz="2400" dirty="0" smtClean="0"/>
+            </a:br>
+            <a:r>
+              <a:rPr lang="en-US" sz="2400" dirty="0"/>
+              <a:t>##</a:t>
+            </a:r>
+            <a:r>
+              <a:rPr lang="en-US" sz="2400" dirty="0" smtClean="0"/>
+              <a:t>These rules will block all incoming traffic (block in all) including traffic to the good ports hence this is a badly formatted </a:t>
+            </a:r>
+            <a:r>
+              <a:rPr lang="en-US" sz="2400" dirty="0" err="1" smtClean="0"/>
+              <a:t>ruleset</a:t>
+            </a:r>
+            <a:r>
+              <a:rPr lang="en-US" sz="2400" dirty="0" smtClean="0"/>
+              <a:t>. Outgoing traffic will be allowed as long as the server sent the first packet (pass out all)</a:t>
+            </a:r>
+            <a:endParaRPr lang="en-US" sz="2400" dirty="0"/>
           </a:p>
         </p:txBody>
       </p:sp>
     </p:spTree>
     <p:extLst>
       <p:ext uri="{BB962C8B-B14F-4D97-AF65-F5344CB8AC3E}">
-        <p14:creationId xmlns:p14="http://schemas.microsoft.com/office/powerpoint/2010/main" val="2188458699"/>
+        <p14:creationId xmlns:p14="http://schemas.microsoft.com/office/powerpoint/2010/main" val="3890930800"/>
       </p:ext>
     </p:extLst>
   </p:cSld>
@@ -7659,7 +7671,7 @@
           <a:p>
             <a:r>
               <a:rPr lang="en-US" b="1" dirty="0" smtClean="0"/>
-              <a:t>Logging</a:t>
+              <a:t>Simple Mail Server example 1</a:t>
             </a:r>
             <a:endParaRPr lang="en-US" b="1" dirty="0"/>
           </a:p>
@@ -7677,116 +7689,297 @@
         </p:nvSpPr>
         <p:spPr/>
         <p:txBody>
-          <a:bodyPr/>
-          <a:lstStyle/>
-          <a:p>
-            <a:r>
-              <a:rPr lang="en-US" dirty="0" smtClean="0"/>
-              <a:t>When you activate logging, a new virtual interface will be created called </a:t>
-            </a:r>
-            <a:r>
-              <a:rPr lang="en-US" b="1" i="1" dirty="0" smtClean="0"/>
-              <a:t>pflog0</a:t>
-            </a:r>
-          </a:p>
-          <a:p>
-            <a:r>
-              <a:rPr lang="en-US" dirty="0" smtClean="0"/>
-              <a:t>Doing a </a:t>
-            </a:r>
-            <a:r>
-              <a:rPr lang="en-US" dirty="0" err="1" smtClean="0"/>
-              <a:t>tcpdump</a:t>
-            </a:r>
-            <a:r>
-              <a:rPr lang="en-US" dirty="0" smtClean="0"/>
-              <a:t> on this interface will provide details of all traffic that you have chosen to log</a:t>
-            </a:r>
-          </a:p>
-          <a:p>
-            <a:r>
-              <a:rPr lang="en-US" dirty="0" smtClean="0"/>
-              <a:t>You can also direct all logs to </a:t>
-            </a:r>
-            <a:r>
-              <a:rPr lang="en-US" b="1" dirty="0" smtClean="0"/>
-              <a:t>/</a:t>
-            </a:r>
-            <a:r>
-              <a:rPr lang="en-US" b="1" dirty="0" err="1" smtClean="0"/>
-              <a:t>var</a:t>
-            </a:r>
-            <a:r>
-              <a:rPr lang="en-US" b="1" dirty="0" smtClean="0"/>
-              <a:t>/logs/</a:t>
-            </a:r>
-            <a:r>
-              <a:rPr lang="en-US" b="1" dirty="0" err="1" smtClean="0"/>
-              <a:t>pflog</a:t>
-            </a:r>
-            <a:r>
-              <a:rPr lang="en-US" b="1" dirty="0" smtClean="0"/>
+          <a:bodyPr>
+            <a:normAutofit fontScale="70000" lnSpcReduction="20000"/>
+          </a:bodyPr>
+          <a:lstStyle/>
+          <a:p>
+            <a:pPr marL="0" indent="0">
+              <a:buNone/>
+            </a:pPr>
+            <a:r>
+              <a:rPr lang="en-US" sz="2800" dirty="0" err="1" smtClean="0">
+                <a:latin typeface="Courier"/>
+                <a:cs typeface="Courier"/>
+              </a:rPr>
+              <a:t>good_ports</a:t>
+            </a:r>
+            <a:r>
+              <a:rPr lang="en-US" sz="2800" dirty="0" smtClean="0">
+                <a:latin typeface="Courier"/>
+                <a:cs typeface="Courier"/>
+              </a:rPr>
+              <a:t>=“{ 22, 25, 110, 143, 993, 995, 443, 80 }”</a:t>
+            </a:r>
+            <a:br>
+              <a:rPr lang="en-US" sz="2800" dirty="0" smtClean="0">
+                <a:latin typeface="Courier"/>
+                <a:cs typeface="Courier"/>
+              </a:rPr>
+            </a:br>
+            <a:r>
+              <a:rPr lang="en-US" sz="2800" dirty="0" err="1" smtClean="0">
+                <a:latin typeface="Courier"/>
+                <a:cs typeface="Courier"/>
+              </a:rPr>
+              <a:t>good_udp</a:t>
+            </a:r>
+            <a:r>
+              <a:rPr lang="en-US" sz="2800" dirty="0" smtClean="0">
+                <a:latin typeface="Courier"/>
+                <a:cs typeface="Courier"/>
+              </a:rPr>
+              <a:t>=“53”</a:t>
+            </a:r>
+          </a:p>
+          <a:p>
+            <a:pPr marL="0" indent="0">
+              <a:buNone/>
+            </a:pPr>
+            <a:r>
+              <a:rPr lang="en-US" sz="2800" dirty="0">
+                <a:latin typeface="Courier"/>
+                <a:cs typeface="Courier"/>
+              </a:rPr>
+              <a:t>b</a:t>
+            </a:r>
+            <a:r>
+              <a:rPr lang="en-US" sz="2800" dirty="0" smtClean="0">
+                <a:latin typeface="Courier"/>
+                <a:cs typeface="Courier"/>
+              </a:rPr>
+              <a:t>lock in all</a:t>
+            </a:r>
+          </a:p>
+          <a:p>
+            <a:pPr marL="0" indent="0">
+              <a:buNone/>
+            </a:pPr>
+            <a:r>
+              <a:rPr lang="en-US" sz="2800" dirty="0">
+                <a:latin typeface="Courier"/>
+                <a:cs typeface="Courier"/>
+              </a:rPr>
+              <a:t>p</a:t>
+            </a:r>
+            <a:r>
+              <a:rPr lang="en-US" sz="2800" dirty="0" smtClean="0">
+                <a:latin typeface="Courier"/>
+                <a:cs typeface="Courier"/>
+              </a:rPr>
+              <a:t>ass out all</a:t>
+            </a:r>
+          </a:p>
+          <a:p>
+            <a:pPr marL="0" indent="0">
+              <a:buNone/>
+            </a:pPr>
+            <a:r>
+              <a:rPr lang="en-US" sz="2800" dirty="0">
+                <a:latin typeface="Courier"/>
+                <a:cs typeface="Courier"/>
+              </a:rPr>
+              <a:t>s</a:t>
+            </a:r>
+            <a:r>
+              <a:rPr lang="en-US" sz="2800" dirty="0" smtClean="0">
+                <a:latin typeface="Courier"/>
+                <a:cs typeface="Courier"/>
+              </a:rPr>
+              <a:t>et skip on lo0</a:t>
+            </a:r>
+          </a:p>
+          <a:p>
+            <a:pPr marL="0" indent="0">
+              <a:buNone/>
+            </a:pPr>
+            <a:r>
+              <a:rPr lang="en-US" sz="2800" dirty="0" smtClean="0">
+                <a:latin typeface="Courier"/>
+                <a:cs typeface="Courier"/>
+              </a:rPr>
+              <a:t>pass in on em0 </a:t>
+            </a:r>
+            <a:r>
+              <a:rPr lang="en-US" sz="2800" dirty="0" err="1" smtClean="0">
+                <a:latin typeface="Courier"/>
+                <a:cs typeface="Courier"/>
+              </a:rPr>
+              <a:t>inet</a:t>
+            </a:r>
+            <a:r>
+              <a:rPr lang="en-US" sz="2800" dirty="0" smtClean="0">
+                <a:latin typeface="Courier"/>
+                <a:cs typeface="Courier"/>
+              </a:rPr>
+              <a:t> proto </a:t>
+            </a:r>
+            <a:r>
+              <a:rPr lang="en-US" sz="2800" dirty="0" err="1" smtClean="0">
+                <a:latin typeface="Courier"/>
+                <a:cs typeface="Courier"/>
+              </a:rPr>
+              <a:t>tcp</a:t>
+            </a:r>
+            <a:r>
+              <a:rPr lang="en-US" sz="2800" dirty="0" smtClean="0">
+                <a:latin typeface="Courier"/>
+                <a:cs typeface="Courier"/>
+              </a:rPr>
+              <a:t> from $</a:t>
+            </a:r>
+            <a:r>
+              <a:rPr lang="en-US" sz="2800" dirty="0" err="1" smtClean="0">
+                <a:latin typeface="Courier"/>
+                <a:cs typeface="Courier"/>
+              </a:rPr>
+              <a:t>good_ports</a:t>
+            </a:r>
+            <a:r>
+              <a:rPr lang="en-US" sz="2800" dirty="0">
+                <a:latin typeface="Courier"/>
+                <a:cs typeface="Courier"/>
+              </a:rPr>
               <a:t> </a:t>
             </a:r>
             <a:r>
-              <a:rPr lang="en-US" dirty="0" smtClean="0"/>
-              <a:t>by adding the following to /</a:t>
-            </a:r>
-            <a:r>
-              <a:rPr lang="en-US" dirty="0" err="1" smtClean="0"/>
-              <a:t>etc</a:t>
-            </a:r>
-            <a:r>
-              <a:rPr lang="en-US" dirty="0" smtClean="0"/>
-              <a:t>/</a:t>
-            </a:r>
-            <a:r>
-              <a:rPr lang="en-US" dirty="0" err="1" smtClean="0"/>
-              <a:t>rc.conf</a:t>
-            </a:r>
-            <a:endParaRPr lang="en-US" dirty="0" smtClean="0"/>
-          </a:p>
-          <a:p>
-            <a:pPr marL="457200" lvl="1" indent="0">
+              <a:rPr lang="en-US" sz="2800" dirty="0" smtClean="0">
+                <a:latin typeface="Courier"/>
+                <a:cs typeface="Courier"/>
+              </a:rPr>
+              <a:t>to \ any </a:t>
+            </a:r>
+          </a:p>
+          <a:p>
+            <a:pPr marL="0" indent="0">
               <a:buNone/>
             </a:pPr>
             <a:r>
-              <a:rPr lang="en-US" b="1" dirty="0" err="1"/>
-              <a:t>pflog_logfile</a:t>
-            </a:r>
-            <a:r>
-              <a:rPr lang="en-US" b="1" dirty="0"/>
-              <a:t>="/</a:t>
-            </a:r>
-            <a:r>
-              <a:rPr lang="en-US" b="1" dirty="0" err="1"/>
-              <a:t>var</a:t>
-            </a:r>
-            <a:r>
-              <a:rPr lang="en-US" b="1" dirty="0"/>
-              <a:t>/log/</a:t>
-            </a:r>
-            <a:r>
-              <a:rPr lang="en-US" b="1" dirty="0" err="1"/>
-              <a:t>pflog</a:t>
-            </a:r>
-            <a:r>
-              <a:rPr lang="en-US" b="1" dirty="0"/>
-              <a:t>"</a:t>
-            </a:r>
+              <a:rPr lang="en-US" sz="2800" dirty="0">
+                <a:latin typeface="Courier"/>
+                <a:cs typeface="Courier"/>
+              </a:rPr>
+              <a:t>p</a:t>
+            </a:r>
+            <a:r>
+              <a:rPr lang="en-US" sz="2800" dirty="0" smtClean="0">
+                <a:latin typeface="Courier"/>
+                <a:cs typeface="Courier"/>
+              </a:rPr>
+              <a:t>ass in on em0 </a:t>
+            </a:r>
+            <a:r>
+              <a:rPr lang="en-US" sz="2800" dirty="0" err="1" smtClean="0">
+                <a:latin typeface="Courier"/>
+                <a:cs typeface="Courier"/>
+              </a:rPr>
+              <a:t>inet</a:t>
+            </a:r>
+            <a:r>
+              <a:rPr lang="en-US" sz="2800" dirty="0" smtClean="0">
+                <a:latin typeface="Courier"/>
+                <a:cs typeface="Courier"/>
+              </a:rPr>
+              <a:t> proto </a:t>
+            </a:r>
+            <a:r>
+              <a:rPr lang="en-US" sz="2800" dirty="0" err="1" smtClean="0">
+                <a:latin typeface="Courier"/>
+                <a:cs typeface="Courier"/>
+              </a:rPr>
+              <a:t>udp</a:t>
+            </a:r>
+            <a:r>
+              <a:rPr lang="en-US" sz="2800" dirty="0" smtClean="0">
+                <a:latin typeface="Courier"/>
+                <a:cs typeface="Courier"/>
+              </a:rPr>
+              <a:t> from any port \$</a:t>
+            </a:r>
+            <a:r>
+              <a:rPr lang="en-US" sz="2800" dirty="0" err="1" smtClean="0">
+                <a:latin typeface="Courier"/>
+                <a:cs typeface="Courier"/>
+              </a:rPr>
+              <a:t>good_udp</a:t>
+            </a:r>
+            <a:endParaRPr lang="en-US" sz="2800" dirty="0" smtClean="0">
+              <a:latin typeface="Courier"/>
+              <a:cs typeface="Courier"/>
+            </a:endParaRPr>
+          </a:p>
+          <a:p>
+            <a:pPr marL="0" indent="0">
+              <a:buNone/>
+            </a:pPr>
+            <a:r>
+              <a:rPr lang="en-US" sz="2800" dirty="0" smtClean="0"/>
+              <a:t/>
+            </a:r>
+            <a:br>
+              <a:rPr lang="en-US" sz="2800" dirty="0" smtClean="0"/>
+            </a:br>
+            <a:r>
+              <a:rPr lang="en-US" sz="2800" dirty="0" smtClean="0"/>
+              <a:t/>
+            </a:r>
+            <a:br>
+              <a:rPr lang="en-US" sz="2800" dirty="0" smtClean="0"/>
+            </a:br>
+            <a:r>
+              <a:rPr lang="en-US" sz="3400" dirty="0"/>
+              <a:t>##These rules will pass the good ports </a:t>
+            </a:r>
+            <a:r>
+              <a:rPr lang="en-US" sz="3400" dirty="0" smtClean="0"/>
+              <a:t>on </a:t>
+            </a:r>
+            <a:r>
+              <a:rPr lang="en-US" sz="3400" dirty="0" err="1" smtClean="0"/>
+              <a:t>tcp</a:t>
+            </a:r>
+            <a:r>
+              <a:rPr lang="en-US" sz="3400" dirty="0" smtClean="0"/>
+              <a:t>, pass any </a:t>
+            </a:r>
+            <a:r>
+              <a:rPr lang="en-US" sz="3400" dirty="0" err="1" smtClean="0"/>
+              <a:t>udp</a:t>
+            </a:r>
+            <a:r>
+              <a:rPr lang="en-US" sz="3400" dirty="0" smtClean="0"/>
+              <a:t> traffic with a source port of 53 then </a:t>
+            </a:r>
+            <a:r>
+              <a:rPr lang="en-US" sz="3400" dirty="0"/>
+              <a:t>block all incoming traffic (block in all). Outgoing traffic will be allowed as long as the server sent the first packet (pass out all)</a:t>
+            </a:r>
+          </a:p>
+          <a:p>
+            <a:pPr marL="0" indent="0">
+              <a:buNone/>
+            </a:pPr>
+            <a:endParaRPr lang="en-US" sz="2800" dirty="0"/>
           </a:p>
         </p:txBody>
       </p:sp>
     </p:spTree>
     <p:extLst>
       <p:ext uri="{BB962C8B-B14F-4D97-AF65-F5344CB8AC3E}">
-        <p14:creationId xmlns:p14="http://schemas.microsoft.com/office/powerpoint/2010/main" val="2574323067"/>
+        <p14:creationId xmlns:p14="http://schemas.microsoft.com/office/powerpoint/2010/main" val="2566821977"/>
       </p:ext>
     </p:extLst>
   </p:cSld>
   <p:clrMapOvr>
     <a:masterClrMapping/>
   </p:clrMapOvr>
+  <p:timing>
+    <p:tnLst>
+      <p:par>
+        <p:cTn xmlns:p14="http://schemas.microsoft.com/office/powerpoint/2010/main" id="1" dur="indefinite" restart="never" nodeType="tmRoot"/>
+      </p:par>
+    </p:tnLst>
+  </p:timing>
 </p:sld>
 </file>
 
@@ -7824,6 +8017,171 @@
           <a:p>
             <a:r>
               <a:rPr lang="en-US" b="1" dirty="0" smtClean="0"/>
+              <a:t>Logging</a:t>
+            </a:r>
+            <a:endParaRPr lang="en-US" b="1" dirty="0"/>
+          </a:p>
+        </p:txBody>
+      </p:sp>
+      <p:sp>
+        <p:nvSpPr>
+          <p:cNvPr id="3" name="Content Placeholder 2"/>
+          <p:cNvSpPr>
+            <a:spLocks noGrp="1"/>
+          </p:cNvSpPr>
+          <p:nvPr>
+            <p:ph idx="1"/>
+          </p:nvPr>
+        </p:nvSpPr>
+        <p:spPr/>
+        <p:txBody>
+          <a:bodyPr/>
+          <a:lstStyle/>
+          <a:p>
+            <a:r>
+              <a:rPr lang="en-US" dirty="0" smtClean="0"/>
+              <a:t>When you activate logging, a new virtual interface will be created called </a:t>
+            </a:r>
+            <a:r>
+              <a:rPr lang="en-US" b="1" i="1" dirty="0" smtClean="0"/>
+              <a:t>pflog0</a:t>
+            </a:r>
+          </a:p>
+          <a:p>
+            <a:r>
+              <a:rPr lang="en-US" dirty="0" smtClean="0"/>
+              <a:t>Doing a </a:t>
+            </a:r>
+            <a:r>
+              <a:rPr lang="en-US" dirty="0" err="1" smtClean="0"/>
+              <a:t>tcpdump</a:t>
+            </a:r>
+            <a:r>
+              <a:rPr lang="en-US" dirty="0" smtClean="0"/>
+              <a:t> on this interface will provide details of all traffic that you have chosen to log</a:t>
+            </a:r>
+          </a:p>
+          <a:p>
+            <a:r>
+              <a:rPr lang="en-US" dirty="0" smtClean="0"/>
+              <a:t>You can also direct all logs to </a:t>
+            </a:r>
+            <a:r>
+              <a:rPr lang="en-US" b="1" dirty="0" smtClean="0"/>
+              <a:t>/</a:t>
+            </a:r>
+            <a:r>
+              <a:rPr lang="en-US" b="1" dirty="0" err="1" smtClean="0"/>
+              <a:t>var</a:t>
+            </a:r>
+            <a:r>
+              <a:rPr lang="en-US" b="1" dirty="0" smtClean="0"/>
+              <a:t>/logs/</a:t>
+            </a:r>
+            <a:r>
+              <a:rPr lang="en-US" b="1" dirty="0" err="1" smtClean="0"/>
+              <a:t>pflog</a:t>
+            </a:r>
+            <a:r>
+              <a:rPr lang="en-US" b="1" dirty="0" smtClean="0"/>
+              <a:t> </a:t>
+            </a:r>
+            <a:r>
+              <a:rPr lang="en-US" dirty="0" smtClean="0"/>
+              <a:t>by adding the following to /</a:t>
+            </a:r>
+            <a:r>
+              <a:rPr lang="en-US" dirty="0" err="1" smtClean="0"/>
+              <a:t>etc</a:t>
+            </a:r>
+            <a:r>
+              <a:rPr lang="en-US" dirty="0" smtClean="0"/>
+              <a:t>/</a:t>
+            </a:r>
+            <a:r>
+              <a:rPr lang="en-US" dirty="0" err="1" smtClean="0"/>
+              <a:t>rc.conf</a:t>
+            </a:r>
+            <a:endParaRPr lang="en-US" dirty="0" smtClean="0"/>
+          </a:p>
+          <a:p>
+            <a:pPr marL="457200" lvl="1" indent="0">
+              <a:buNone/>
+            </a:pPr>
+            <a:r>
+              <a:rPr lang="en-US" b="1" dirty="0" err="1"/>
+              <a:t>pflog_logfile</a:t>
+            </a:r>
+            <a:r>
+              <a:rPr lang="en-US" b="1" dirty="0"/>
+              <a:t>="/</a:t>
+            </a:r>
+            <a:r>
+              <a:rPr lang="en-US" b="1" dirty="0" err="1"/>
+              <a:t>var</a:t>
+            </a:r>
+            <a:r>
+              <a:rPr lang="en-US" b="1" dirty="0"/>
+              <a:t>/log/</a:t>
+            </a:r>
+            <a:r>
+              <a:rPr lang="en-US" b="1" dirty="0" err="1"/>
+              <a:t>pflog</a:t>
+            </a:r>
+            <a:r>
+              <a:rPr lang="en-US" b="1" dirty="0"/>
+              <a:t>"</a:t>
+            </a:r>
+          </a:p>
+        </p:txBody>
+      </p:sp>
+    </p:spTree>
+    <p:extLst>
+      <p:ext uri="{BB962C8B-B14F-4D97-AF65-F5344CB8AC3E}">
+        <p14:creationId xmlns:p14="http://schemas.microsoft.com/office/powerpoint/2010/main" val="2574323067"/>
+      </p:ext>
+    </p:extLst>
+  </p:cSld>
+  <p:clrMapOvr>
+    <a:masterClrMapping/>
+  </p:clrMapOvr>
+</p:sld>
+</file>
+
+<file path=ppt/slides/slide32.xml><?xml version="1.0" encoding="utf-8"?>
+<p:sld xmlns:a="http://schemas.openxmlformats.org/drawingml/2006/main" xmlns:r="http://schemas.openxmlformats.org/officeDocument/2006/relationships" xmlns:p="http://schemas.openxmlformats.org/presentationml/2006/main">
+  <p:cSld>
+    <p:spTree>
+      <p:nvGrpSpPr>
+        <p:cNvPr id="1" name=""/>
+        <p:cNvGrpSpPr/>
+        <p:nvPr/>
+      </p:nvGrpSpPr>
+      <p:grpSpPr>
+        <a:xfrm>
+          <a:off x="0" y="0"/>
+          <a:ext cx="0" cy="0"/>
+          <a:chOff x="0" y="0"/>
+          <a:chExt cx="0" cy="0"/>
+        </a:xfrm>
+      </p:grpSpPr>
+      <p:sp>
+        <p:nvSpPr>
+          <p:cNvPr id="2" name="Title 1"/>
+          <p:cNvSpPr>
+            <a:spLocks noGrp="1"/>
+          </p:cNvSpPr>
+          <p:nvPr>
+            <p:ph type="title"/>
+          </p:nvPr>
+        </p:nvSpPr>
+        <p:spPr/>
+        <p:txBody>
+          <a:bodyPr/>
+          <a:lstStyle/>
+          <a:p>
+            <a:r>
+              <a:rPr lang="en-US" b="1" dirty="0" smtClean="0"/>
               <a:t>Other PF Features</a:t>
             </a:r>
             <a:endParaRPr lang="en-US" b="1" dirty="0"/>
@@ -7969,7 +8327,7 @@
 </p:sld>
 </file>
 
-<file path=ppt/slides/slide32.xml><?xml version="1.0" encoding="utf-8"?>
+<file path=ppt/slides/slide33.xml><?xml version="1.0" encoding="utf-8"?>
 <p:sld xmlns:a="http://schemas.openxmlformats.org/drawingml/2006/main" xmlns:r="http://schemas.openxmlformats.org/officeDocument/2006/relationships" xmlns:p="http://schemas.openxmlformats.org/presentationml/2006/main">
   <p:cSld>
     <p:spTree>

--- a/firewalls/Firewalling in FreeBSD-v1.pptx
+++ b/firewalls/Firewalling in FreeBSD-v1.pptx
@@ -31,10 +31,10 @@
     <p:sldId id="273" r:id="rId25"/>
     <p:sldId id="275" r:id="rId26"/>
     <p:sldId id="286" r:id="rId27"/>
-    <p:sldId id="289" r:id="rId28"/>
-    <p:sldId id="288" r:id="rId29"/>
-    <p:sldId id="287" r:id="rId30"/>
-    <p:sldId id="283" r:id="rId31"/>
+    <p:sldId id="288" r:id="rId28"/>
+    <p:sldId id="287" r:id="rId29"/>
+    <p:sldId id="283" r:id="rId30"/>
+    <p:sldId id="291" r:id="rId31"/>
     <p:sldId id="282" r:id="rId32"/>
     <p:sldId id="281" r:id="rId33"/>
     <p:sldId id="279" r:id="rId34"/>
@@ -6681,11 +6681,7 @@
             </a:r>
             <a:r>
               <a:rPr lang="en-US" sz="2400" dirty="0" smtClean="0"/>
-              <a:t> traffic to the good ports and block all other incoming traffic. The “pass out all” is needed despite PF having an implicit pass rule. Removing it will mean traffic out will not match any rule but incoming traffic will be matched against </a:t>
-            </a:r>
-            <a:r>
-              <a:rPr lang="en-US" sz="2400" smtClean="0"/>
-              <a:t>the “block in all” rule.</a:t>
+              <a:t> traffic to the good ports and block all other incoming traffic. The “pass out all” is needed despite PF having an implicit pass rule. Removing it will mean traffic out will not match any rule but incoming traffic from any conversation initiated by the server will be matched against the “block in all” rule.</a:t>
             </a:r>
             <a:endParaRPr lang="en-US" sz="2400" dirty="0"/>
           </a:p>
@@ -6761,10 +6757,15 @@
             <p:ph idx="1"/>
           </p:nvPr>
         </p:nvSpPr>
-        <p:spPr/>
+        <p:spPr>
+          <a:xfrm>
+            <a:off x="302406" y="1285048"/>
+            <a:ext cx="8648810" cy="5007415"/>
+          </a:xfrm>
+        </p:spPr>
         <p:txBody>
           <a:bodyPr>
-            <a:normAutofit lnSpcReduction="10000"/>
+            <a:normAutofit fontScale="92500" lnSpcReduction="10000"/>
           </a:bodyPr>
           <a:lstStyle/>
           <a:p>
@@ -6772,67 +6773,99 @@
               <a:buNone/>
             </a:pPr>
             <a:r>
-              <a:rPr lang="en-US" sz="2000" dirty="0" err="1" smtClean="0">
+              <a:rPr lang="en-US" sz="2200" dirty="0" err="1" smtClean="0">
                 <a:latin typeface="Courier"/>
                 <a:cs typeface="Courier"/>
               </a:rPr>
               <a:t>good_ports</a:t>
             </a:r>
             <a:r>
-              <a:rPr lang="en-US" sz="2000" dirty="0">
-                <a:latin typeface="Courier"/>
-                <a:cs typeface="Courier"/>
-              </a:rPr>
-              <a:t>=“{ 22, </a:t>
-            </a:r>
-            <a:r>
-              <a:rPr lang="en-US" sz="2000" dirty="0" smtClean="0">
-                <a:latin typeface="Courier"/>
-                <a:cs typeface="Courier"/>
-              </a:rPr>
-              <a:t>443</a:t>
-            </a:r>
-            <a:r>
-              <a:rPr lang="en-US" sz="2000" dirty="0">
-                <a:latin typeface="Courier"/>
-                <a:cs typeface="Courier"/>
-              </a:rPr>
-              <a:t>, 80 }”</a:t>
+              <a:rPr lang="en-US" sz="2200" dirty="0" smtClean="0">
+                <a:latin typeface="Courier"/>
+                <a:cs typeface="Courier"/>
+              </a:rPr>
+              <a:t>=“{ 22, 443, 80 }”</a:t>
             </a:r>
             <a:br>
-              <a:rPr lang="en-US" sz="2000" dirty="0">
+              <a:rPr lang="en-US" sz="2200" dirty="0" smtClean="0">
                 <a:latin typeface="Courier"/>
                 <a:cs typeface="Courier"/>
               </a:rPr>
             </a:br>
             <a:r>
-              <a:rPr lang="en-US" sz="2000" dirty="0" smtClean="0">
-                <a:latin typeface="Courier"/>
-                <a:cs typeface="Courier"/>
-              </a:rPr>
-              <a:t>me=“192.168.0.1” #Web Server IP</a:t>
-            </a:r>
-            <a:br>
-              <a:rPr lang="en-US" sz="2000" dirty="0" smtClean="0">
-                <a:latin typeface="Courier"/>
-                <a:cs typeface="Courier"/>
-              </a:rPr>
-            </a:br>
-            <a:r>
-              <a:rPr lang="en-US" sz="2000" dirty="0">
+              <a:rPr lang="en-US" sz="2200" dirty="0" smtClean="0">
+                <a:latin typeface="Courier"/>
+                <a:cs typeface="Courier"/>
+              </a:rPr>
+              <a:t>me=“192.168.0.1” #Web server IP</a:t>
+            </a:r>
+          </a:p>
+          <a:p>
+            <a:pPr marL="0" indent="0">
+              <a:buNone/>
+            </a:pPr>
+            <a:r>
+              <a:rPr lang="en-US" sz="2200" dirty="0">
                 <a:latin typeface="Courier"/>
                 <a:cs typeface="Courier"/>
               </a:rPr>
               <a:t>set skip on </a:t>
             </a:r>
             <a:r>
-              <a:rPr lang="en-US" sz="2000" dirty="0" smtClean="0">
+              <a:rPr lang="en-US" sz="2200" dirty="0" smtClean="0">
                 <a:latin typeface="Courier"/>
                 <a:cs typeface="Courier"/>
               </a:rPr>
               <a:t>lo0</a:t>
             </a:r>
-            <a:endParaRPr lang="en-US" sz="2000" dirty="0">
+          </a:p>
+          <a:p>
+            <a:pPr marL="0" indent="0">
+              <a:buNone/>
+            </a:pPr>
+            <a:r>
+              <a:rPr lang="en-US" sz="2200" dirty="0" smtClean="0">
+                <a:latin typeface="Courier"/>
+                <a:cs typeface="Courier"/>
+              </a:rPr>
+              <a:t>pass in quick on em0 </a:t>
+            </a:r>
+            <a:r>
+              <a:rPr lang="en-US" sz="2200" dirty="0" err="1" smtClean="0">
+                <a:latin typeface="Courier"/>
+                <a:cs typeface="Courier"/>
+              </a:rPr>
+              <a:t>inet</a:t>
+            </a:r>
+            <a:r>
+              <a:rPr lang="en-US" sz="2200" dirty="0" smtClean="0">
+                <a:latin typeface="Courier"/>
+                <a:cs typeface="Courier"/>
+              </a:rPr>
+              <a:t> proto </a:t>
+            </a:r>
+            <a:r>
+              <a:rPr lang="en-US" sz="2200" dirty="0" err="1" smtClean="0">
+                <a:latin typeface="Courier"/>
+                <a:cs typeface="Courier"/>
+              </a:rPr>
+              <a:t>tcp</a:t>
+            </a:r>
+            <a:r>
+              <a:rPr lang="en-US" sz="2200" dirty="0" smtClean="0">
+                <a:latin typeface="Courier"/>
+                <a:cs typeface="Courier"/>
+              </a:rPr>
+              <a:t> from any to $me \ port $</a:t>
+            </a:r>
+            <a:r>
+              <a:rPr lang="en-US" sz="2200" dirty="0" err="1" smtClean="0">
+                <a:latin typeface="Courier"/>
+                <a:cs typeface="Courier"/>
+              </a:rPr>
+              <a:t>good_ports</a:t>
+            </a:r>
+            <a:endParaRPr lang="en-US" sz="2200" dirty="0" smtClean="0">
               <a:latin typeface="Courier"/>
               <a:cs typeface="Courier"/>
             </a:endParaRPr>
@@ -6842,7 +6875,7 @@
               <a:buNone/>
             </a:pPr>
             <a:r>
-              <a:rPr lang="en-US" sz="2000" dirty="0">
+              <a:rPr lang="en-US" sz="2200" dirty="0" smtClean="0">
                 <a:latin typeface="Courier"/>
                 <a:cs typeface="Courier"/>
               </a:rPr>
@@ -6854,20 +6887,19 @@
               <a:buNone/>
             </a:pPr>
             <a:r>
-              <a:rPr lang="en-US" sz="2000" dirty="0">
-                <a:latin typeface="Courier"/>
-                <a:cs typeface="Courier"/>
-              </a:rPr>
-              <a:t>pass out </a:t>
-            </a:r>
-            <a:r>
-              <a:rPr lang="en-US" sz="2000" dirty="0" smtClean="0">
-                <a:latin typeface="Courier"/>
-                <a:cs typeface="Courier"/>
-              </a:rPr>
-              <a:t>all </a:t>
-            </a:r>
-            <a:endParaRPr lang="en-US" sz="2000" dirty="0">
+              <a:rPr lang="en-US" sz="2200" dirty="0" smtClean="0">
+                <a:latin typeface="Courier"/>
+                <a:cs typeface="Courier"/>
+              </a:rPr>
+              <a:t>pass out all</a:t>
+            </a:r>
+            <a:br>
+              <a:rPr lang="en-US" sz="2200" dirty="0" smtClean="0">
+                <a:latin typeface="Courier"/>
+                <a:cs typeface="Courier"/>
+              </a:rPr>
+            </a:br>
+            <a:endParaRPr lang="en-US" sz="2200" dirty="0" smtClean="0">
               <a:latin typeface="Courier"/>
               <a:cs typeface="Courier"/>
             </a:endParaRPr>
@@ -6877,108 +6909,26 @@
               <a:buNone/>
             </a:pPr>
             <a:r>
-              <a:rPr lang="en-US" sz="2000" dirty="0">
-                <a:latin typeface="Courier"/>
-                <a:cs typeface="Courier"/>
-              </a:rPr>
-              <a:t>pass in on </a:t>
-            </a:r>
-            <a:r>
-              <a:rPr lang="en-US" sz="2000" dirty="0" smtClean="0">
-                <a:latin typeface="Courier"/>
-                <a:cs typeface="Courier"/>
-              </a:rPr>
-              <a:t>em0 </a:t>
-            </a:r>
-            <a:r>
-              <a:rPr lang="en-US" sz="2000" dirty="0" err="1">
-                <a:latin typeface="Courier"/>
-                <a:cs typeface="Courier"/>
-              </a:rPr>
-              <a:t>inet</a:t>
-            </a:r>
-            <a:r>
-              <a:rPr lang="en-US" sz="2000" dirty="0">
-                <a:latin typeface="Courier"/>
-                <a:cs typeface="Courier"/>
-              </a:rPr>
-              <a:t> proto </a:t>
-            </a:r>
-            <a:r>
-              <a:rPr lang="en-US" sz="2000" dirty="0" err="1">
-                <a:latin typeface="Courier"/>
-                <a:cs typeface="Courier"/>
-              </a:rPr>
-              <a:t>tcp</a:t>
-            </a:r>
-            <a:r>
-              <a:rPr lang="en-US" sz="2000" dirty="0">
-                <a:latin typeface="Courier"/>
-                <a:cs typeface="Courier"/>
-              </a:rPr>
-              <a:t> from </a:t>
-            </a:r>
-            <a:r>
-              <a:rPr lang="en-US" sz="2000" dirty="0" smtClean="0">
-                <a:latin typeface="Courier"/>
-                <a:cs typeface="Courier"/>
-              </a:rPr>
-              <a:t>any to $me port \$</a:t>
-            </a:r>
-            <a:r>
-              <a:rPr lang="en-US" sz="2000" dirty="0" err="1" smtClean="0">
-                <a:latin typeface="Courier"/>
-                <a:cs typeface="Courier"/>
-              </a:rPr>
-              <a:t>good_ports</a:t>
-            </a:r>
-            <a:r>
-              <a:rPr lang="en-US" sz="2000" dirty="0" smtClean="0">
-                <a:latin typeface="Courier"/>
-                <a:cs typeface="Courier"/>
-              </a:rPr>
+              <a:rPr lang="en-US" dirty="0" smtClean="0"/>
               <a:t/>
             </a:r>
             <a:br>
-              <a:rPr lang="en-US" sz="2000" dirty="0" smtClean="0">
-                <a:latin typeface="Courier"/>
-                <a:cs typeface="Courier"/>
-              </a:rPr>
+              <a:rPr lang="en-US" dirty="0" smtClean="0"/>
             </a:br>
             <a:r>
-              <a:rPr lang="en-US" sz="2400" dirty="0" smtClean="0"/>
-              <a:t/>
-            </a:r>
-            <a:br>
-              <a:rPr lang="en-US" sz="2400" dirty="0" smtClean="0"/>
-            </a:br>
-            <a:r>
-              <a:rPr lang="en-US" sz="2400" dirty="0" smtClean="0"/>
-              <a:t/>
-            </a:r>
-            <a:br>
-              <a:rPr lang="en-US" sz="2400" dirty="0" smtClean="0"/>
-            </a:br>
-            <a:r>
-              <a:rPr lang="en-US" sz="2400" dirty="0" smtClean="0"/>
-              <a:t>##This is sufficient to allow any communication that the server initiates (pass out all), allow all incoming </a:t>
-            </a:r>
-            <a:r>
-              <a:rPr lang="en-US" sz="2400" dirty="0" err="1" smtClean="0"/>
-              <a:t>tcp</a:t>
-            </a:r>
-            <a:r>
-              <a:rPr lang="en-US" sz="2400" dirty="0" smtClean="0"/>
-              <a:t> traffic to the good ports and block all other incoming traffic. The “pass out all” is not needed because PF has an implicit pass rule. Removing it will have no effect</a:t>
-            </a:r>
-            <a:endParaRPr lang="en-US" sz="2400" dirty="0"/>
+              <a:rPr lang="en-US" dirty="0" smtClean="0"/>
+              <a:t>##These rules will pass the good ports first (due to quick word) then block all incoming traffic (block in all). Outgoing traffic will be allowed as long as the server sent the first packet (pass out all)</a:t>
+            </a:r>
+          </a:p>
+          <a:p>
+            <a:endParaRPr lang="en-US" dirty="0"/>
           </a:p>
         </p:txBody>
       </p:sp>
     </p:spTree>
     <p:extLst>
       <p:ext uri="{BB962C8B-B14F-4D97-AF65-F5344CB8AC3E}">
-        <p14:creationId xmlns:p14="http://schemas.microsoft.com/office/powerpoint/2010/main" val="1162493857"/>
+        <p14:creationId xmlns:p14="http://schemas.microsoft.com/office/powerpoint/2010/main" val="1777343887"/>
       </p:ext>
     </p:extLst>
   </p:cSld>
@@ -7029,7 +6979,7 @@
           <a:p>
             <a:r>
               <a:rPr lang="en-US" b="1" dirty="0" smtClean="0"/>
-              <a:t>Sample Web Server 2</a:t>
+              <a:t>Sample Web Server 3</a:t>
             </a:r>
             <a:endParaRPr lang="en-US" b="1" dirty="0"/>
           </a:p>
@@ -7047,13 +6997,13 @@
         </p:nvSpPr>
         <p:spPr>
           <a:xfrm>
-            <a:off x="302406" y="1285048"/>
-            <a:ext cx="8648810" cy="5007415"/>
+            <a:off x="347767" y="1600200"/>
+            <a:ext cx="8467367" cy="4779686"/>
           </a:xfrm>
         </p:spPr>
         <p:txBody>
           <a:bodyPr>
-            <a:normAutofit fontScale="92500" lnSpcReduction="10000"/>
+            <a:normAutofit/>
           </a:bodyPr>
           <a:lstStyle/>
           <a:p>
@@ -7061,31 +7011,45 @@
               <a:buNone/>
             </a:pPr>
             <a:r>
-              <a:rPr lang="en-US" sz="2200" dirty="0" err="1" smtClean="0">
+              <a:rPr lang="en-US" sz="2000" dirty="0" err="1" smtClean="0">
                 <a:latin typeface="Courier"/>
                 <a:cs typeface="Courier"/>
               </a:rPr>
               <a:t>good_ports</a:t>
             </a:r>
             <a:r>
-              <a:rPr lang="en-US" sz="2200" dirty="0" smtClean="0">
-                <a:latin typeface="Courier"/>
-                <a:cs typeface="Courier"/>
-              </a:rPr>
-              <a:t>=“{ 22, 443, 80 }”</a:t>
+              <a:rPr lang="en-US" sz="2000" dirty="0">
+                <a:latin typeface="Courier"/>
+                <a:cs typeface="Courier"/>
+              </a:rPr>
+              <a:t>=“{ 22, </a:t>
+            </a:r>
+            <a:r>
+              <a:rPr lang="en-US" sz="2000" dirty="0" smtClean="0">
+                <a:latin typeface="Courier"/>
+                <a:cs typeface="Courier"/>
+              </a:rPr>
+              <a:t>443</a:t>
+            </a:r>
+            <a:r>
+              <a:rPr lang="en-US" sz="2000" dirty="0">
+                <a:latin typeface="Courier"/>
+                <a:cs typeface="Courier"/>
+              </a:rPr>
+              <a:t>, 80 }”</a:t>
             </a:r>
             <a:br>
-              <a:rPr lang="en-US" sz="2200" dirty="0" smtClean="0">
+              <a:rPr lang="en-US" sz="2000" dirty="0">
                 <a:latin typeface="Courier"/>
                 <a:cs typeface="Courier"/>
               </a:rPr>
             </a:br>
             <a:r>
-              <a:rPr lang="en-US" sz="2200" dirty="0" smtClean="0">
-                <a:latin typeface="Courier"/>
-                <a:cs typeface="Courier"/>
-              </a:rPr>
-              <a:t>me=“192.168.0.1” #Web server IP</a:t>
+              <a:rPr lang="en-US" sz="2000" dirty="0" smtClean="0">
+                <a:latin typeface="Courier"/>
+                <a:cs typeface="Courier"/>
+              </a:rPr>
+              <a:t>me=“192.168.0.1” #Web Server</a:t>
             </a:r>
           </a:p>
           <a:p>
@@ -7093,67 +7057,20 @@
               <a:buNone/>
             </a:pPr>
             <a:r>
-              <a:rPr lang="en-US" sz="2200" dirty="0">
+              <a:rPr lang="en-US" sz="2000" dirty="0">
                 <a:latin typeface="Courier"/>
                 <a:cs typeface="Courier"/>
               </a:rPr>
               <a:t>set skip on </a:t>
             </a:r>
             <a:r>
-              <a:rPr lang="en-US" sz="2200" dirty="0" smtClean="0">
+              <a:rPr lang="en-US" sz="2000" dirty="0" smtClean="0">
                 <a:latin typeface="Courier"/>
                 <a:cs typeface="Courier"/>
               </a:rPr>
               <a:t>lo0</a:t>
             </a:r>
-          </a:p>
-          <a:p>
-            <a:pPr marL="0" indent="0">
-              <a:buNone/>
-            </a:pPr>
-            <a:r>
-              <a:rPr lang="en-US" sz="2200" dirty="0" smtClean="0">
-                <a:latin typeface="Courier"/>
-                <a:cs typeface="Courier"/>
-              </a:rPr>
-              <a:t>pass in quick on em0 </a:t>
-            </a:r>
-            <a:r>
-              <a:rPr lang="en-US" sz="2200" dirty="0" err="1" smtClean="0">
-                <a:latin typeface="Courier"/>
-                <a:cs typeface="Courier"/>
-              </a:rPr>
-              <a:t>inet</a:t>
-            </a:r>
-            <a:r>
-              <a:rPr lang="en-US" sz="2200" dirty="0" smtClean="0">
-                <a:latin typeface="Courier"/>
-                <a:cs typeface="Courier"/>
-              </a:rPr>
-              <a:t> proto </a:t>
-            </a:r>
-            <a:r>
-              <a:rPr lang="en-US" sz="2200" dirty="0" err="1" smtClean="0">
-                <a:latin typeface="Courier"/>
-                <a:cs typeface="Courier"/>
-              </a:rPr>
-              <a:t>tcp</a:t>
-            </a:r>
-            <a:r>
-              <a:rPr lang="en-US" sz="2200" dirty="0" smtClean="0">
-                <a:latin typeface="Courier"/>
-                <a:cs typeface="Courier"/>
-              </a:rPr>
-              <a:t> from any to $me \ port $</a:t>
-            </a:r>
-            <a:r>
-              <a:rPr lang="en-US" sz="2200" dirty="0" err="1" smtClean="0">
-                <a:latin typeface="Courier"/>
-                <a:cs typeface="Courier"/>
-              </a:rPr>
-              <a:t>good_ports</a:t>
-            </a:r>
-            <a:endParaRPr lang="en-US" sz="2200" dirty="0" smtClean="0">
+            <a:endParaRPr lang="en-US" sz="2000" dirty="0">
               <a:latin typeface="Courier"/>
               <a:cs typeface="Courier"/>
             </a:endParaRPr>
@@ -7163,31 +7080,76 @@
               <a:buNone/>
             </a:pPr>
             <a:r>
-              <a:rPr lang="en-US" sz="2200" dirty="0" smtClean="0">
-                <a:latin typeface="Courier"/>
-                <a:cs typeface="Courier"/>
-              </a:rPr>
-              <a:t>block in all</a:t>
-            </a:r>
-          </a:p>
-          <a:p>
-            <a:pPr marL="0" indent="0">
-              <a:buNone/>
-            </a:pPr>
-            <a:r>
-              <a:rPr lang="en-US" sz="2200" dirty="0" smtClean="0">
-                <a:latin typeface="Courier"/>
-                <a:cs typeface="Courier"/>
-              </a:rPr>
-              <a:t>pass out all</a:t>
-            </a:r>
-            <a:br>
-              <a:rPr lang="en-US" sz="2200" dirty="0" smtClean="0">
-                <a:latin typeface="Courier"/>
-                <a:cs typeface="Courier"/>
-              </a:rPr>
-            </a:br>
-            <a:endParaRPr lang="en-US" sz="2200" dirty="0" smtClean="0">
+              <a:rPr lang="en-US" sz="2000" dirty="0" smtClean="0">
+                <a:latin typeface="Courier"/>
+                <a:cs typeface="Courier"/>
+              </a:rPr>
+              <a:t>pass </a:t>
+            </a:r>
+            <a:r>
+              <a:rPr lang="en-US" sz="2000" dirty="0">
+                <a:latin typeface="Courier"/>
+                <a:cs typeface="Courier"/>
+              </a:rPr>
+              <a:t>in on </a:t>
+            </a:r>
+            <a:r>
+              <a:rPr lang="en-US" sz="2000" dirty="0" smtClean="0">
+                <a:latin typeface="Courier"/>
+                <a:cs typeface="Courier"/>
+              </a:rPr>
+              <a:t>em0 </a:t>
+            </a:r>
+            <a:r>
+              <a:rPr lang="en-US" sz="2000" dirty="0" err="1">
+                <a:latin typeface="Courier"/>
+                <a:cs typeface="Courier"/>
+              </a:rPr>
+              <a:t>inet</a:t>
+            </a:r>
+            <a:r>
+              <a:rPr lang="en-US" sz="2000" dirty="0">
+                <a:latin typeface="Courier"/>
+                <a:cs typeface="Courier"/>
+              </a:rPr>
+              <a:t> proto </a:t>
+            </a:r>
+            <a:r>
+              <a:rPr lang="en-US" sz="2000" dirty="0" err="1">
+                <a:latin typeface="Courier"/>
+                <a:cs typeface="Courier"/>
+              </a:rPr>
+              <a:t>tcp</a:t>
+            </a:r>
+            <a:r>
+              <a:rPr lang="en-US" sz="2000" dirty="0">
+                <a:latin typeface="Courier"/>
+                <a:cs typeface="Courier"/>
+              </a:rPr>
+              <a:t> from </a:t>
+            </a:r>
+            <a:r>
+              <a:rPr lang="en-US" sz="2000" dirty="0" smtClean="0">
+                <a:latin typeface="Courier"/>
+                <a:cs typeface="Courier"/>
+              </a:rPr>
+              <a:t>any to $me port \$</a:t>
+            </a:r>
+            <a:r>
+              <a:rPr lang="en-US" sz="2000" dirty="0" err="1">
+                <a:latin typeface="Courier"/>
+                <a:cs typeface="Courier"/>
+              </a:rPr>
+              <a:t>good_ports</a:t>
+            </a:r>
+            <a:r>
+              <a:rPr lang="en-US" sz="2000" dirty="0">
+                <a:latin typeface="Courier"/>
+                <a:cs typeface="Courier"/>
+              </a:rPr>
+              <a:t> </a:t>
+            </a:r>
+            <a:endParaRPr lang="en-US" sz="2000" dirty="0" smtClean="0">
               <a:latin typeface="Courier"/>
               <a:cs typeface="Courier"/>
             </a:endParaRPr>
@@ -7197,26 +7159,92 @@
               <a:buNone/>
             </a:pPr>
             <a:r>
-              <a:rPr lang="en-US" dirty="0" smtClean="0"/>
+              <a:rPr lang="en-US" sz="2000" dirty="0">
+                <a:latin typeface="Courier"/>
+                <a:cs typeface="Courier"/>
+              </a:rPr>
+              <a:t>b</a:t>
+            </a:r>
+            <a:r>
+              <a:rPr lang="en-US" sz="2000" dirty="0" smtClean="0">
+                <a:latin typeface="Courier"/>
+                <a:cs typeface="Courier"/>
+              </a:rPr>
+              <a:t>lock in all</a:t>
+            </a:r>
+            <a:endParaRPr lang="en-US" sz="2000" dirty="0">
+              <a:latin typeface="Courier"/>
+              <a:cs typeface="Courier"/>
+            </a:endParaRPr>
+          </a:p>
+          <a:p>
+            <a:pPr marL="0" indent="0">
+              <a:buNone/>
+            </a:pPr>
+            <a:r>
+              <a:rPr lang="en-US" sz="2000" dirty="0">
+                <a:latin typeface="Courier"/>
+                <a:cs typeface="Courier"/>
+              </a:rPr>
+              <a:t>p</a:t>
+            </a:r>
+            <a:r>
+              <a:rPr lang="en-US" sz="2000" dirty="0" smtClean="0">
+                <a:latin typeface="Courier"/>
+                <a:cs typeface="Courier"/>
+              </a:rPr>
+              <a:t>ass out all</a:t>
+            </a:r>
+            <a:br>
+              <a:rPr lang="en-US" sz="2000" dirty="0" smtClean="0">
+                <a:latin typeface="Courier"/>
+                <a:cs typeface="Courier"/>
+              </a:rPr>
+            </a:br>
+            <a:endParaRPr lang="en-US" sz="2000" dirty="0" smtClean="0">
+              <a:latin typeface="Courier"/>
+              <a:cs typeface="Courier"/>
+            </a:endParaRPr>
+          </a:p>
+          <a:p>
+            <a:pPr marL="0" indent="0">
+              <a:buNone/>
+            </a:pPr>
+            <a:r>
+              <a:rPr lang="en-US" sz="2400" dirty="0" smtClean="0"/>
               <a:t/>
             </a:r>
             <a:br>
-              <a:rPr lang="en-US" dirty="0" smtClean="0"/>
+              <a:rPr lang="en-US" sz="2400" dirty="0" smtClean="0"/>
             </a:br>
             <a:r>
-              <a:rPr lang="en-US" dirty="0" smtClean="0"/>
-              <a:t>##These rules will pass the good ports first (due to quick word) then block all incoming traffic (block in all). Outgoing traffic will be allowed as long as the server sent the first packet (pass out all)</a:t>
-            </a:r>
-          </a:p>
-          <a:p>
-            <a:endParaRPr lang="en-US" dirty="0"/>
+              <a:rPr lang="en-US" sz="2400" dirty="0"/>
+              <a:t>##</a:t>
+            </a:r>
+            <a:r>
+              <a:rPr lang="en-US" sz="2400" dirty="0" smtClean="0"/>
+              <a:t>These rules will block all incoming traffic (block in all) including traffic to the good ports hence this is a badly formatted </a:t>
+            </a:r>
+            <a:r>
+              <a:rPr lang="en-US" sz="2400" dirty="0" err="1" smtClean="0"/>
+              <a:t>ruleset</a:t>
+            </a:r>
+            <a:r>
+              <a:rPr lang="en-US" sz="2400" dirty="0" smtClean="0"/>
+              <a:t>. Outgoing traffic will be allowed out but incoming replies will be dropped so this a broken </a:t>
+            </a:r>
+            <a:r>
+              <a:rPr lang="en-US" sz="2400" dirty="0" err="1" smtClean="0"/>
+              <a:t>ruleset</a:t>
+            </a:r>
+            <a:endParaRPr lang="en-US" sz="2400" dirty="0"/>
           </a:p>
         </p:txBody>
       </p:sp>
     </p:spTree>
     <p:extLst>
       <p:ext uri="{BB962C8B-B14F-4D97-AF65-F5344CB8AC3E}">
-        <p14:creationId xmlns:p14="http://schemas.microsoft.com/office/powerpoint/2010/main" val="1777343887"/>
+        <p14:creationId xmlns:p14="http://schemas.microsoft.com/office/powerpoint/2010/main" val="3890930800"/>
       </p:ext>
     </p:extLst>
   </p:cSld>
@@ -7267,7 +7295,7 @@
           <a:p>
             <a:r>
               <a:rPr lang="en-US" b="1" dirty="0" smtClean="0"/>
-              <a:t>Sample Web Server 3</a:t>
+              <a:t>Simple Mail Server example 1</a:t>
             </a:r>
             <a:endParaRPr lang="en-US" b="1" dirty="0"/>
           </a:p>
@@ -7283,15 +7311,10 @@
             <p:ph idx="1"/>
           </p:nvPr>
         </p:nvSpPr>
-        <p:spPr>
-          <a:xfrm>
-            <a:off x="347767" y="1600200"/>
-            <a:ext cx="8467367" cy="4779686"/>
-          </a:xfrm>
-        </p:spPr>
+        <p:spPr/>
         <p:txBody>
           <a:bodyPr>
-            <a:normAutofit/>
+            <a:normAutofit fontScale="70000" lnSpcReduction="20000"/>
           </a:bodyPr>
           <a:lstStyle/>
           <a:p>
@@ -7299,45 +7322,38 @@
               <a:buNone/>
             </a:pPr>
             <a:r>
-              <a:rPr lang="en-US" sz="2000" dirty="0" err="1" smtClean="0">
+              <a:rPr lang="en-US" sz="2800" dirty="0" err="1" smtClean="0">
                 <a:latin typeface="Courier"/>
                 <a:cs typeface="Courier"/>
               </a:rPr>
               <a:t>good_ports</a:t>
             </a:r>
             <a:r>
-              <a:rPr lang="en-US" sz="2000" dirty="0">
-                <a:latin typeface="Courier"/>
-                <a:cs typeface="Courier"/>
-              </a:rPr>
-              <a:t>=“{ 22, </a:t>
-            </a:r>
-            <a:r>
-              <a:rPr lang="en-US" sz="2000" dirty="0" smtClean="0">
-                <a:latin typeface="Courier"/>
-                <a:cs typeface="Courier"/>
-              </a:rPr>
-              <a:t>443</a:t>
-            </a:r>
-            <a:r>
-              <a:rPr lang="en-US" sz="2000" dirty="0">
-                <a:latin typeface="Courier"/>
-                <a:cs typeface="Courier"/>
-              </a:rPr>
-              <a:t>, 80 }”</a:t>
+              <a:rPr lang="en-US" sz="2800" dirty="0" smtClean="0">
+                <a:latin typeface="Courier"/>
+                <a:cs typeface="Courier"/>
+              </a:rPr>
+              <a:t>=“{ 22, 25, 110, 143, 993, 995, 443, 80 }”</a:t>
             </a:r>
             <a:br>
-              <a:rPr lang="en-US" sz="2000" dirty="0">
+              <a:rPr lang="en-US" sz="2800" dirty="0" smtClean="0">
                 <a:latin typeface="Courier"/>
                 <a:cs typeface="Courier"/>
               </a:rPr>
             </a:br>
             <a:r>
-              <a:rPr lang="en-US" sz="2000" dirty="0" smtClean="0">
-                <a:latin typeface="Courier"/>
-                <a:cs typeface="Courier"/>
-              </a:rPr>
-              <a:t>me=“192.168.0.1” #Web Server</a:t>
+              <a:rPr lang="en-US" sz="2800" dirty="0" err="1" smtClean="0">
+                <a:latin typeface="Courier"/>
+                <a:cs typeface="Courier"/>
+              </a:rPr>
+              <a:t>good_udp</a:t>
+            </a:r>
+            <a:r>
+              <a:rPr lang="en-US" sz="2800" dirty="0" smtClean="0">
+                <a:latin typeface="Courier"/>
+                <a:cs typeface="Courier"/>
+              </a:rPr>
+              <a:t>=“53”</a:t>
             </a:r>
           </a:p>
           <a:p>
@@ -7345,20 +7361,173 @@
               <a:buNone/>
             </a:pPr>
             <a:r>
-              <a:rPr lang="en-US" sz="2000" dirty="0">
-                <a:latin typeface="Courier"/>
-                <a:cs typeface="Courier"/>
-              </a:rPr>
-              <a:t>set skip on </a:t>
-            </a:r>
-            <a:r>
-              <a:rPr lang="en-US" sz="2000" dirty="0" smtClean="0">
-                <a:latin typeface="Courier"/>
-                <a:cs typeface="Courier"/>
-              </a:rPr>
-              <a:t>lo0</a:t>
-            </a:r>
-            <a:endParaRPr lang="en-US" sz="2000" dirty="0">
+              <a:rPr lang="en-US" sz="2800" dirty="0">
+                <a:latin typeface="Courier"/>
+                <a:cs typeface="Courier"/>
+              </a:rPr>
+              <a:t>b</a:t>
+            </a:r>
+            <a:r>
+              <a:rPr lang="en-US" sz="2800" dirty="0" smtClean="0">
+                <a:latin typeface="Courier"/>
+                <a:cs typeface="Courier"/>
+              </a:rPr>
+              <a:t>lock in all</a:t>
+            </a:r>
+          </a:p>
+          <a:p>
+            <a:pPr marL="0" indent="0">
+              <a:buNone/>
+            </a:pPr>
+            <a:r>
+              <a:rPr lang="en-US" sz="2800" dirty="0">
+                <a:latin typeface="Courier"/>
+                <a:cs typeface="Courier"/>
+              </a:rPr>
+              <a:t>p</a:t>
+            </a:r>
+            <a:r>
+              <a:rPr lang="en-US" sz="2800" dirty="0" smtClean="0">
+                <a:latin typeface="Courier"/>
+                <a:cs typeface="Courier"/>
+              </a:rPr>
+              <a:t>ass out all</a:t>
+            </a:r>
+          </a:p>
+          <a:p>
+            <a:pPr marL="0" indent="0">
+              <a:buNone/>
+            </a:pPr>
+            <a:r>
+              <a:rPr lang="en-US" sz="2800" dirty="0">
+                <a:latin typeface="Courier"/>
+                <a:cs typeface="Courier"/>
+              </a:rPr>
+              <a:t>s</a:t>
+            </a:r>
+            <a:r>
+              <a:rPr lang="en-US" sz="2800" dirty="0" smtClean="0">
+                <a:latin typeface="Courier"/>
+                <a:cs typeface="Courier"/>
+              </a:rPr>
+              <a:t>et skip on lo0</a:t>
+            </a:r>
+          </a:p>
+          <a:p>
+            <a:pPr marL="0" indent="0">
+              <a:buNone/>
+            </a:pPr>
+            <a:r>
+              <a:rPr lang="en-US" sz="2800" dirty="0" smtClean="0">
+                <a:latin typeface="Courier"/>
+                <a:cs typeface="Courier"/>
+              </a:rPr>
+              <a:t>pass in on em0 </a:t>
+            </a:r>
+            <a:r>
+              <a:rPr lang="en-US" sz="2800" dirty="0" err="1" smtClean="0">
+                <a:latin typeface="Courier"/>
+                <a:cs typeface="Courier"/>
+              </a:rPr>
+              <a:t>inet</a:t>
+            </a:r>
+            <a:r>
+              <a:rPr lang="en-US" sz="2800" dirty="0" smtClean="0">
+                <a:latin typeface="Courier"/>
+                <a:cs typeface="Courier"/>
+              </a:rPr>
+              <a:t> proto </a:t>
+            </a:r>
+            <a:r>
+              <a:rPr lang="en-US" sz="2800" dirty="0" err="1" smtClean="0">
+                <a:latin typeface="Courier"/>
+                <a:cs typeface="Courier"/>
+              </a:rPr>
+              <a:t>tcp</a:t>
+            </a:r>
+            <a:r>
+              <a:rPr lang="en-US" sz="2800" dirty="0" smtClean="0">
+                <a:latin typeface="Courier"/>
+                <a:cs typeface="Courier"/>
+              </a:rPr>
+              <a:t> from $</a:t>
+            </a:r>
+            <a:r>
+              <a:rPr lang="en-US" sz="2800" dirty="0" err="1" smtClean="0">
+                <a:latin typeface="Courier"/>
+                <a:cs typeface="Courier"/>
+              </a:rPr>
+              <a:t>good_ports</a:t>
+            </a:r>
+            <a:r>
+              <a:rPr lang="en-US" sz="2800" dirty="0">
+                <a:latin typeface="Courier"/>
+                <a:cs typeface="Courier"/>
+              </a:rPr>
+              <a:t> </a:t>
+            </a:r>
+            <a:r>
+              <a:rPr lang="en-US" sz="2800" dirty="0" smtClean="0">
+                <a:latin typeface="Courier"/>
+                <a:cs typeface="Courier"/>
+              </a:rPr>
+              <a:t>to \ any </a:t>
+            </a:r>
+          </a:p>
+          <a:p>
+            <a:pPr marL="0" indent="0">
+              <a:buNone/>
+            </a:pPr>
+            <a:r>
+              <a:rPr lang="en-US" sz="2800" dirty="0">
+                <a:latin typeface="Courier"/>
+                <a:cs typeface="Courier"/>
+              </a:rPr>
+              <a:t>p</a:t>
+            </a:r>
+            <a:r>
+              <a:rPr lang="en-US" sz="2800" dirty="0" smtClean="0">
+                <a:latin typeface="Courier"/>
+                <a:cs typeface="Courier"/>
+              </a:rPr>
+              <a:t>ass in on em0 </a:t>
+            </a:r>
+            <a:r>
+              <a:rPr lang="en-US" sz="2800" dirty="0" err="1" smtClean="0">
+                <a:latin typeface="Courier"/>
+                <a:cs typeface="Courier"/>
+              </a:rPr>
+              <a:t>inet</a:t>
+            </a:r>
+            <a:r>
+              <a:rPr lang="en-US" sz="2800" dirty="0" smtClean="0">
+                <a:latin typeface="Courier"/>
+                <a:cs typeface="Courier"/>
+              </a:rPr>
+              <a:t> proto </a:t>
+            </a:r>
+            <a:r>
+              <a:rPr lang="en-US" sz="2800" dirty="0" err="1" smtClean="0">
+                <a:latin typeface="Courier"/>
+                <a:cs typeface="Courier"/>
+              </a:rPr>
+              <a:t>udp</a:t>
+            </a:r>
+            <a:r>
+              <a:rPr lang="en-US" sz="2800" dirty="0" smtClean="0">
+                <a:latin typeface="Courier"/>
+                <a:cs typeface="Courier"/>
+              </a:rPr>
+              <a:t> from any port \$</a:t>
+            </a:r>
+            <a:r>
+              <a:rPr lang="en-US" sz="2800" dirty="0" err="1" smtClean="0">
+                <a:latin typeface="Courier"/>
+                <a:cs typeface="Courier"/>
+              </a:rPr>
+              <a:t>good_udp</a:t>
+            </a:r>
+            <a:endParaRPr lang="en-US" sz="2800" dirty="0" smtClean="0">
               <a:latin typeface="Courier"/>
               <a:cs typeface="Courier"/>
             </a:endParaRPr>
@@ -7368,167 +7537,60 @@
               <a:buNone/>
             </a:pPr>
             <a:r>
-              <a:rPr lang="en-US" sz="2000" dirty="0" smtClean="0">
-                <a:latin typeface="Courier"/>
-                <a:cs typeface="Courier"/>
-              </a:rPr>
-              <a:t>pass </a:t>
-            </a:r>
-            <a:r>
-              <a:rPr lang="en-US" sz="2000" dirty="0">
-                <a:latin typeface="Courier"/>
-                <a:cs typeface="Courier"/>
-              </a:rPr>
-              <a:t>in on </a:t>
-            </a:r>
-            <a:r>
-              <a:rPr lang="en-US" sz="2000" dirty="0" smtClean="0">
-                <a:latin typeface="Courier"/>
-                <a:cs typeface="Courier"/>
-              </a:rPr>
-              <a:t>em0 </a:t>
-            </a:r>
-            <a:r>
-              <a:rPr lang="en-US" sz="2000" dirty="0" err="1">
-                <a:latin typeface="Courier"/>
-                <a:cs typeface="Courier"/>
-              </a:rPr>
-              <a:t>inet</a:t>
-            </a:r>
-            <a:r>
-              <a:rPr lang="en-US" sz="2000" dirty="0">
-                <a:latin typeface="Courier"/>
-                <a:cs typeface="Courier"/>
-              </a:rPr>
-              <a:t> proto </a:t>
-            </a:r>
-            <a:r>
-              <a:rPr lang="en-US" sz="2000" dirty="0" err="1">
-                <a:latin typeface="Courier"/>
-                <a:cs typeface="Courier"/>
-              </a:rPr>
+              <a:rPr lang="en-US" sz="2800" dirty="0" smtClean="0"/>
+              <a:t/>
+            </a:r>
+            <a:br>
+              <a:rPr lang="en-US" sz="2800" dirty="0" smtClean="0"/>
+            </a:br>
+            <a:r>
+              <a:rPr lang="en-US" sz="2800" dirty="0" smtClean="0"/>
+              <a:t/>
+            </a:r>
+            <a:br>
+              <a:rPr lang="en-US" sz="2800" dirty="0" smtClean="0"/>
+            </a:br>
+            <a:r>
+              <a:rPr lang="en-US" sz="3400" dirty="0"/>
+              <a:t>##These rules will pass the good ports </a:t>
+            </a:r>
+            <a:r>
+              <a:rPr lang="en-US" sz="3400" dirty="0" smtClean="0"/>
+              <a:t>on </a:t>
+            </a:r>
+            <a:r>
+              <a:rPr lang="en-US" sz="3400" dirty="0" err="1" smtClean="0"/>
               <a:t>tcp</a:t>
             </a:r>
             <a:r>
-              <a:rPr lang="en-US" sz="2000" dirty="0">
-                <a:latin typeface="Courier"/>
-                <a:cs typeface="Courier"/>
-              </a:rPr>
-              <a:t> from </a:t>
-            </a:r>
-            <a:r>
-              <a:rPr lang="en-US" sz="2000" dirty="0" smtClean="0">
-                <a:latin typeface="Courier"/>
-                <a:cs typeface="Courier"/>
-              </a:rPr>
-              <a:t>any to $me port \$</a:t>
-            </a:r>
-            <a:r>
-              <a:rPr lang="en-US" sz="2000" dirty="0" err="1">
-                <a:latin typeface="Courier"/>
-                <a:cs typeface="Courier"/>
-              </a:rPr>
-              <a:t>good_ports</a:t>
-            </a:r>
-            <a:r>
-              <a:rPr lang="en-US" sz="2000" dirty="0">
-                <a:latin typeface="Courier"/>
-                <a:cs typeface="Courier"/>
-              </a:rPr>
-              <a:t> </a:t>
-            </a:r>
-            <a:endParaRPr lang="en-US" sz="2000" dirty="0" smtClean="0">
-              <a:latin typeface="Courier"/>
-              <a:cs typeface="Courier"/>
-            </a:endParaRPr>
+              <a:rPr lang="en-US" sz="3400" dirty="0" smtClean="0"/>
+              <a:t>, pass any </a:t>
+            </a:r>
+            <a:r>
+              <a:rPr lang="en-US" sz="3400" dirty="0" err="1" smtClean="0"/>
+              <a:t>udp</a:t>
+            </a:r>
+            <a:r>
+              <a:rPr lang="en-US" sz="3400" dirty="0" smtClean="0"/>
+              <a:t> traffic with a source port of 53 then </a:t>
+            </a:r>
+            <a:r>
+              <a:rPr lang="en-US" sz="3400" dirty="0"/>
+              <a:t>block all incoming traffic (block in all). Outgoing traffic will be allowed as long as the server sent the first packet (pass out all)</a:t>
+            </a:r>
           </a:p>
           <a:p>
             <a:pPr marL="0" indent="0">
               <a:buNone/>
             </a:pPr>
-            <a:r>
-              <a:rPr lang="en-US" sz="2000" dirty="0">
-                <a:latin typeface="Courier"/>
-                <a:cs typeface="Courier"/>
-              </a:rPr>
-              <a:t>b</a:t>
-            </a:r>
-            <a:r>
-              <a:rPr lang="en-US" sz="2000" dirty="0" smtClean="0">
-                <a:latin typeface="Courier"/>
-                <a:cs typeface="Courier"/>
-              </a:rPr>
-              <a:t>lock in all</a:t>
-            </a:r>
-            <a:endParaRPr lang="en-US" sz="2000" dirty="0">
-              <a:latin typeface="Courier"/>
-              <a:cs typeface="Courier"/>
-            </a:endParaRPr>
-          </a:p>
-          <a:p>
-            <a:pPr marL="0" indent="0">
-              <a:buNone/>
-            </a:pPr>
-            <a:r>
-              <a:rPr lang="en-US" sz="2000" dirty="0">
-                <a:latin typeface="Courier"/>
-                <a:cs typeface="Courier"/>
-              </a:rPr>
-              <a:t>p</a:t>
-            </a:r>
-            <a:r>
-              <a:rPr lang="en-US" sz="2000" dirty="0" smtClean="0">
-                <a:latin typeface="Courier"/>
-                <a:cs typeface="Courier"/>
-              </a:rPr>
-              <a:t>ass out all</a:t>
-            </a:r>
-            <a:br>
-              <a:rPr lang="en-US" sz="2000" dirty="0" smtClean="0">
-                <a:latin typeface="Courier"/>
-                <a:cs typeface="Courier"/>
-              </a:rPr>
-            </a:br>
-            <a:endParaRPr lang="en-US" sz="2000" dirty="0" smtClean="0">
-              <a:latin typeface="Courier"/>
-              <a:cs typeface="Courier"/>
-            </a:endParaRPr>
-          </a:p>
-          <a:p>
-            <a:pPr marL="0" indent="0">
-              <a:buNone/>
-            </a:pPr>
-            <a:r>
-              <a:rPr lang="en-US" sz="2400" dirty="0" smtClean="0"/>
-              <a:t/>
-            </a:r>
-            <a:br>
-              <a:rPr lang="en-US" sz="2400" dirty="0" smtClean="0"/>
-            </a:br>
-            <a:r>
-              <a:rPr lang="en-US" sz="2400" dirty="0"/>
-              <a:t>##</a:t>
-            </a:r>
-            <a:r>
-              <a:rPr lang="en-US" sz="2400" dirty="0" smtClean="0"/>
-              <a:t>These rules will block all incoming traffic (block in all) including traffic to the good ports hence this is a badly formatted </a:t>
-            </a:r>
-            <a:r>
-              <a:rPr lang="en-US" sz="2400" dirty="0" err="1" smtClean="0"/>
-              <a:t>ruleset</a:t>
-            </a:r>
-            <a:r>
-              <a:rPr lang="en-US" sz="2400" dirty="0" smtClean="0"/>
-              <a:t>. Outgoing traffic will be allowed as long as the server sent the first packet (pass out all)</a:t>
-            </a:r>
-            <a:endParaRPr lang="en-US" sz="2400" dirty="0"/>
+            <a:endParaRPr lang="en-US" sz="2800" dirty="0"/>
           </a:p>
         </p:txBody>
       </p:sp>
     </p:spTree>
     <p:extLst>
       <p:ext uri="{BB962C8B-B14F-4D97-AF65-F5344CB8AC3E}">
-        <p14:creationId xmlns:p14="http://schemas.microsoft.com/office/powerpoint/2010/main" val="3890930800"/>
+        <p14:creationId xmlns:p14="http://schemas.microsoft.com/office/powerpoint/2010/main" val="2566821977"/>
       </p:ext>
     </p:extLst>
   </p:cSld>
@@ -7671,7 +7733,7 @@
           <a:p>
             <a:r>
               <a:rPr lang="en-US" b="1" dirty="0" smtClean="0"/>
-              <a:t>Simple Mail Server example 1</a:t>
+              <a:t>Simplest way to organize</a:t>
             </a:r>
             <a:endParaRPr lang="en-US" b="1" dirty="0"/>
           </a:p>
@@ -7689,297 +7751,62 @@
         </p:nvSpPr>
         <p:spPr/>
         <p:txBody>
-          <a:bodyPr>
-            <a:normAutofit fontScale="70000" lnSpcReduction="20000"/>
-          </a:bodyPr>
-          <a:lstStyle/>
-          <a:p>
-            <a:pPr marL="0" indent="0">
-              <a:buNone/>
-            </a:pPr>
-            <a:r>
-              <a:rPr lang="en-US" sz="2800" dirty="0" err="1" smtClean="0">
-                <a:latin typeface="Courier"/>
-                <a:cs typeface="Courier"/>
-              </a:rPr>
-              <a:t>good_ports</a:t>
-            </a:r>
-            <a:r>
-              <a:rPr lang="en-US" sz="2800" dirty="0" smtClean="0">
-                <a:latin typeface="Courier"/>
-                <a:cs typeface="Courier"/>
-              </a:rPr>
-              <a:t>=“{ 22, 25, 110, 143, 993, 995, 443, 80 }”</a:t>
-            </a:r>
-            <a:br>
-              <a:rPr lang="en-US" sz="2800" dirty="0" smtClean="0">
-                <a:latin typeface="Courier"/>
-                <a:cs typeface="Courier"/>
-              </a:rPr>
-            </a:br>
-            <a:r>
-              <a:rPr lang="en-US" sz="2800" dirty="0" err="1" smtClean="0">
-                <a:latin typeface="Courier"/>
-                <a:cs typeface="Courier"/>
-              </a:rPr>
-              <a:t>good_udp</a:t>
-            </a:r>
-            <a:r>
-              <a:rPr lang="en-US" sz="2800" dirty="0" smtClean="0">
-                <a:latin typeface="Courier"/>
-                <a:cs typeface="Courier"/>
-              </a:rPr>
-              <a:t>=“53”</a:t>
-            </a:r>
-          </a:p>
-          <a:p>
-            <a:pPr marL="0" indent="0">
-              <a:buNone/>
-            </a:pPr>
-            <a:r>
-              <a:rPr lang="en-US" sz="2800" dirty="0">
-                <a:latin typeface="Courier"/>
-                <a:cs typeface="Courier"/>
-              </a:rPr>
-              <a:t>b</a:t>
-            </a:r>
-            <a:r>
-              <a:rPr lang="en-US" sz="2800" dirty="0" smtClean="0">
-                <a:latin typeface="Courier"/>
-                <a:cs typeface="Courier"/>
-              </a:rPr>
-              <a:t>lock in all</a:t>
-            </a:r>
-          </a:p>
-          <a:p>
-            <a:pPr marL="0" indent="0">
-              <a:buNone/>
-            </a:pPr>
-            <a:r>
-              <a:rPr lang="en-US" sz="2800" dirty="0">
-                <a:latin typeface="Courier"/>
-                <a:cs typeface="Courier"/>
-              </a:rPr>
-              <a:t>p</a:t>
-            </a:r>
-            <a:r>
-              <a:rPr lang="en-US" sz="2800" dirty="0" smtClean="0">
-                <a:latin typeface="Courier"/>
-                <a:cs typeface="Courier"/>
-              </a:rPr>
-              <a:t>ass out all</a:t>
-            </a:r>
-          </a:p>
-          <a:p>
-            <a:pPr marL="0" indent="0">
-              <a:buNone/>
-            </a:pPr>
-            <a:r>
-              <a:rPr lang="en-US" sz="2800" dirty="0">
-                <a:latin typeface="Courier"/>
-                <a:cs typeface="Courier"/>
-              </a:rPr>
-              <a:t>s</a:t>
-            </a:r>
-            <a:r>
-              <a:rPr lang="en-US" sz="2800" dirty="0" smtClean="0">
-                <a:latin typeface="Courier"/>
-                <a:cs typeface="Courier"/>
-              </a:rPr>
-              <a:t>et skip on lo0</a:t>
-            </a:r>
-          </a:p>
-          <a:p>
-            <a:pPr marL="0" indent="0">
-              <a:buNone/>
-            </a:pPr>
-            <a:r>
-              <a:rPr lang="en-US" sz="2800" dirty="0" smtClean="0">
-                <a:latin typeface="Courier"/>
-                <a:cs typeface="Courier"/>
-              </a:rPr>
-              <a:t>pass in on em0 </a:t>
-            </a:r>
-            <a:r>
-              <a:rPr lang="en-US" sz="2800" dirty="0" err="1" smtClean="0">
-                <a:latin typeface="Courier"/>
-                <a:cs typeface="Courier"/>
-              </a:rPr>
-              <a:t>inet</a:t>
-            </a:r>
-            <a:r>
-              <a:rPr lang="en-US" sz="2800" dirty="0" smtClean="0">
-                <a:latin typeface="Courier"/>
-                <a:cs typeface="Courier"/>
-              </a:rPr>
-              <a:t> proto </a:t>
-            </a:r>
-            <a:r>
-              <a:rPr lang="en-US" sz="2800" dirty="0" err="1" smtClean="0">
-                <a:latin typeface="Courier"/>
-                <a:cs typeface="Courier"/>
-              </a:rPr>
-              <a:t>tcp</a:t>
-            </a:r>
-            <a:r>
-              <a:rPr lang="en-US" sz="2800" dirty="0" smtClean="0">
-                <a:latin typeface="Courier"/>
-                <a:cs typeface="Courier"/>
-              </a:rPr>
-              <a:t> from $</a:t>
-            </a:r>
-            <a:r>
-              <a:rPr lang="en-US" sz="2800" dirty="0" err="1" smtClean="0">
-                <a:latin typeface="Courier"/>
-                <a:cs typeface="Courier"/>
-              </a:rPr>
-              <a:t>good_ports</a:t>
-            </a:r>
-            <a:r>
-              <a:rPr lang="en-US" sz="2800" dirty="0">
-                <a:latin typeface="Courier"/>
-                <a:cs typeface="Courier"/>
-              </a:rPr>
+          <a:bodyPr/>
+          <a:lstStyle/>
+          <a:p>
+            <a:r>
+              <a:rPr lang="en-US" dirty="0" smtClean="0"/>
+              <a:t>Put the “block in all” at the top so that all traffic that you do not specify is dropped</a:t>
+            </a:r>
+          </a:p>
+          <a:p>
+            <a:r>
+              <a:rPr lang="en-US" dirty="0" smtClean="0"/>
+              <a:t>Allow traffic that your server initiates “pass in all”</a:t>
+            </a:r>
+          </a:p>
+          <a:p>
+            <a:pPr lvl="1"/>
+            <a:r>
+              <a:rPr lang="en-US" dirty="0" smtClean="0"/>
+              <a:t>However if the machine gets compromised, for example, is hacked and is used to attack other networks, you will have to change this rule</a:t>
+            </a:r>
+          </a:p>
+          <a:p>
+            <a:r>
+              <a:rPr lang="en-US" dirty="0" smtClean="0"/>
+              <a:t>Allow the traffic and ports that</a:t>
+            </a:r>
+            <a:r>
+              <a:rPr lang="fr-FR" dirty="0"/>
               <a:t> </a:t>
             </a:r>
             <a:r>
-              <a:rPr lang="en-US" sz="2800" dirty="0" smtClean="0">
-                <a:latin typeface="Courier"/>
-                <a:cs typeface="Courier"/>
-              </a:rPr>
-              <a:t>to \ any </a:t>
-            </a:r>
-          </a:p>
-          <a:p>
-            <a:pPr marL="0" indent="0">
-              <a:buNone/>
-            </a:pPr>
-            <a:r>
-              <a:rPr lang="en-US" sz="2800" dirty="0">
-                <a:latin typeface="Courier"/>
-                <a:cs typeface="Courier"/>
-              </a:rPr>
-              <a:t>p</a:t>
-            </a:r>
-            <a:r>
-              <a:rPr lang="en-US" sz="2800" dirty="0" smtClean="0">
-                <a:latin typeface="Courier"/>
-                <a:cs typeface="Courier"/>
-              </a:rPr>
-              <a:t>ass in on em0 </a:t>
-            </a:r>
-            <a:r>
-              <a:rPr lang="en-US" sz="2800" dirty="0" err="1" smtClean="0">
-                <a:latin typeface="Courier"/>
-                <a:cs typeface="Courier"/>
-              </a:rPr>
-              <a:t>inet</a:t>
-            </a:r>
-            <a:r>
-              <a:rPr lang="en-US" sz="2800" dirty="0" smtClean="0">
-                <a:latin typeface="Courier"/>
-                <a:cs typeface="Courier"/>
-              </a:rPr>
-              <a:t> proto </a:t>
-            </a:r>
-            <a:r>
-              <a:rPr lang="en-US" sz="2800" dirty="0" err="1" smtClean="0">
-                <a:latin typeface="Courier"/>
-                <a:cs typeface="Courier"/>
-              </a:rPr>
-              <a:t>udp</a:t>
-            </a:r>
-            <a:r>
-              <a:rPr lang="en-US" sz="2800" dirty="0" smtClean="0">
-                <a:latin typeface="Courier"/>
-                <a:cs typeface="Courier"/>
-              </a:rPr>
-              <a:t> from any port \$</a:t>
-            </a:r>
-            <a:r>
-              <a:rPr lang="en-US" sz="2800" dirty="0" err="1" smtClean="0">
-                <a:latin typeface="Courier"/>
-                <a:cs typeface="Courier"/>
-              </a:rPr>
-              <a:t>good_udp</a:t>
-            </a:r>
-            <a:endParaRPr lang="en-US" sz="2800" dirty="0" smtClean="0">
-              <a:latin typeface="Courier"/>
-              <a:cs typeface="Courier"/>
-            </a:endParaRPr>
-          </a:p>
-          <a:p>
-            <a:pPr marL="0" indent="0">
-              <a:buNone/>
-            </a:pPr>
-            <a:r>
-              <a:rPr lang="en-US" sz="2800" dirty="0" smtClean="0"/>
-              <a:t/>
-            </a:r>
-            <a:br>
-              <a:rPr lang="en-US" sz="2800" dirty="0" smtClean="0"/>
-            </a:br>
-            <a:r>
-              <a:rPr lang="en-US" sz="2800" dirty="0" smtClean="0"/>
-              <a:t/>
-            </a:r>
-            <a:br>
-              <a:rPr lang="en-US" sz="2800" dirty="0" smtClean="0"/>
-            </a:br>
-            <a:r>
-              <a:rPr lang="en-US" sz="3400" dirty="0"/>
-              <a:t>##These rules will pass the good ports </a:t>
-            </a:r>
-            <a:r>
-              <a:rPr lang="en-US" sz="3400" dirty="0" smtClean="0"/>
-              <a:t>on </a:t>
-            </a:r>
-            <a:r>
-              <a:rPr lang="en-US" sz="3400" dirty="0" err="1" smtClean="0"/>
-              <a:t>tcp</a:t>
-            </a:r>
-            <a:r>
-              <a:rPr lang="en-US" sz="3400" dirty="0" smtClean="0"/>
-              <a:t>, pass any </a:t>
-            </a:r>
-            <a:r>
-              <a:rPr lang="en-US" sz="3400" dirty="0" err="1" smtClean="0"/>
-              <a:t>udp</a:t>
-            </a:r>
-            <a:r>
-              <a:rPr lang="en-US" sz="3400" dirty="0" smtClean="0"/>
-              <a:t> traffic with a source port of 53 then </a:t>
-            </a:r>
-            <a:r>
-              <a:rPr lang="en-US" sz="3400" dirty="0"/>
-              <a:t>block all incoming traffic (block in all). Outgoing traffic will be allowed as long as the server sent the first packet (pass out all)</a:t>
-            </a:r>
-          </a:p>
-          <a:p>
-            <a:pPr marL="0" indent="0">
-              <a:buNone/>
-            </a:pPr>
-            <a:endParaRPr lang="en-US" sz="2800" dirty="0"/>
+              <a:rPr lang="fr-FR" dirty="0" err="1" smtClean="0"/>
+              <a:t>you</a:t>
+            </a:r>
+            <a:r>
+              <a:rPr lang="fr-FR" dirty="0" smtClean="0"/>
+              <a:t> </a:t>
+            </a:r>
+            <a:r>
+              <a:rPr lang="fr-FR" smtClean="0"/>
+              <a:t>wish</a:t>
+            </a:r>
+            <a:endParaRPr lang="en-US" dirty="0"/>
           </a:p>
         </p:txBody>
       </p:sp>
     </p:spTree>
     <p:extLst>
       <p:ext uri="{BB962C8B-B14F-4D97-AF65-F5344CB8AC3E}">
-        <p14:creationId xmlns:p14="http://schemas.microsoft.com/office/powerpoint/2010/main" val="2566821977"/>
+        <p14:creationId xmlns:p14="http://schemas.microsoft.com/office/powerpoint/2010/main" val="4260198783"/>
       </p:ext>
     </p:extLst>
   </p:cSld>
   <p:clrMapOvr>
     <a:masterClrMapping/>
   </p:clrMapOvr>
-  <p:timing>
-    <p:tnLst>
-      <p:par>
-        <p:cTn xmlns:p14="http://schemas.microsoft.com/office/powerpoint/2010/main" id="1" dur="indefinite" restart="never" nodeType="tmRoot"/>
-      </p:par>
-    </p:tnLst>
-  </p:timing>
 </p:sld>
 </file>
 
@@ -8145,6 +7972,13 @@
   <p:clrMapOvr>
     <a:masterClrMapping/>
   </p:clrMapOvr>
+  <p:timing>
+    <p:tnLst>
+      <p:par>
+        <p:cTn xmlns:p14="http://schemas.microsoft.com/office/powerpoint/2010/main" id="1" dur="indefinite" restart="never" nodeType="tmRoot"/>
+      </p:par>
+    </p:tnLst>
+  </p:timing>
 </p:sld>
 </file>
 

--- a/firewalls/Firewalling in FreeBSD-v1.pptx
+++ b/firewalls/Firewalling in FreeBSD-v1.pptx
@@ -7728,12 +7728,18 @@
         </p:nvSpPr>
         <p:spPr/>
         <p:txBody>
-          <a:bodyPr/>
+          <a:bodyPr>
+            <a:normAutofit fontScale="90000"/>
+          </a:bodyPr>
           <a:lstStyle/>
           <a:p>
             <a:r>
               <a:rPr lang="en-US" b="1" dirty="0" smtClean="0"/>
-              <a:t>Simplest way to organize</a:t>
+              <a:t>Simplest way to organize the </a:t>
+            </a:r>
+            <a:r>
+              <a:rPr lang="en-US" b="1" dirty="0" err="1" smtClean="0"/>
+              <a:t>ruleset</a:t>
             </a:r>
             <a:endParaRPr lang="en-US" b="1" dirty="0"/>
           </a:p>
@@ -7790,7 +7796,7 @@
               <a:t> </a:t>
             </a:r>
             <a:r>
-              <a:rPr lang="fr-FR" smtClean="0"/>
+              <a:rPr lang="fr-FR" dirty="0" err="1" smtClean="0"/>
               <a:t>wish</a:t>
             </a:r>
             <a:endParaRPr lang="en-US" dirty="0"/>

--- a/firewalls/Firewalling in FreeBSD-v1.pptx
+++ b/firewalls/Firewalling in FreeBSD-v1.pptx
@@ -6681,7 +6681,7 @@
             </a:r>
             <a:r>
               <a:rPr lang="en-US" sz="2400" dirty="0" smtClean="0"/>
-              <a:t> traffic to the good ports and block all other incoming traffic. The “pass out all” is needed despite PF having an implicit pass rule. Removing it will mean traffic out will not match any rule but incoming traffic from any conversation initiated by the server will be matched against the “block in all” rule.</a:t>
+              <a:t> traffic to the good ports and block all other incoming traffic. The “pass out all” is needed despite PF having an implicit pass rule. Removing it will mean traffic out will not match any rule but incoming replies to conversations initiated by the server will be matched against the “block in all” rule.</a:t>
             </a:r>
             <a:endParaRPr lang="en-US" sz="2400" dirty="0"/>
           </a:p>

--- a/firewalls/Firewalling in FreeBSD-v1.pptx
+++ b/firewalls/Firewalling in FreeBSD-v1.pptx
@@ -321,7 +321,7 @@
             <a:fld id="{2663308E-FC3B-3C49-8918-A2AB2DD24839}" type="datetimeFigureOut">
               <a:rPr lang="en-US" smtClean="0"/>
               <a:pPr/>
-              <a:t>5/28/14</a:t>
+              <a:t>5/29/14</a:t>
             </a:fld>
             <a:endParaRPr lang="en-US"/>
           </a:p>
@@ -488,7 +488,7 @@
             <a:fld id="{2663308E-FC3B-3C49-8918-A2AB2DD24839}" type="datetimeFigureOut">
               <a:rPr lang="en-US" smtClean="0"/>
               <a:pPr/>
-              <a:t>5/28/14</a:t>
+              <a:t>5/29/14</a:t>
             </a:fld>
             <a:endParaRPr lang="en-US"/>
           </a:p>
@@ -665,7 +665,7 @@
             <a:fld id="{2663308E-FC3B-3C49-8918-A2AB2DD24839}" type="datetimeFigureOut">
               <a:rPr lang="en-US" smtClean="0"/>
               <a:pPr/>
-              <a:t>5/28/14</a:t>
+              <a:t>5/29/14</a:t>
             </a:fld>
             <a:endParaRPr lang="en-US"/>
           </a:p>
@@ -832,7 +832,7 @@
             <a:fld id="{2663308E-FC3B-3C49-8918-A2AB2DD24839}" type="datetimeFigureOut">
               <a:rPr lang="en-US" smtClean="0"/>
               <a:pPr/>
-              <a:t>5/28/14</a:t>
+              <a:t>5/29/14</a:t>
             </a:fld>
             <a:endParaRPr lang="en-US"/>
           </a:p>
@@ -1075,7 +1075,7 @@
             <a:fld id="{2663308E-FC3B-3C49-8918-A2AB2DD24839}" type="datetimeFigureOut">
               <a:rPr lang="en-US" smtClean="0"/>
               <a:pPr/>
-              <a:t>5/28/14</a:t>
+              <a:t>5/29/14</a:t>
             </a:fld>
             <a:endParaRPr lang="en-US"/>
           </a:p>
@@ -1360,7 +1360,7 @@
             <a:fld id="{2663308E-FC3B-3C49-8918-A2AB2DD24839}" type="datetimeFigureOut">
               <a:rPr lang="en-US" smtClean="0"/>
               <a:pPr/>
-              <a:t>5/28/14</a:t>
+              <a:t>5/29/14</a:t>
             </a:fld>
             <a:endParaRPr lang="en-US"/>
           </a:p>
@@ -1779,7 +1779,7 @@
             <a:fld id="{2663308E-FC3B-3C49-8918-A2AB2DD24839}" type="datetimeFigureOut">
               <a:rPr lang="en-US" smtClean="0"/>
               <a:pPr/>
-              <a:t>5/28/14</a:t>
+              <a:t>5/29/14</a:t>
             </a:fld>
             <a:endParaRPr lang="en-US"/>
           </a:p>
@@ -1894,7 +1894,7 @@
             <a:fld id="{2663308E-FC3B-3C49-8918-A2AB2DD24839}" type="datetimeFigureOut">
               <a:rPr lang="en-US" smtClean="0"/>
               <a:pPr/>
-              <a:t>5/28/14</a:t>
+              <a:t>5/29/14</a:t>
             </a:fld>
             <a:endParaRPr lang="en-US"/>
           </a:p>
@@ -1986,7 +1986,7 @@
             <a:fld id="{2663308E-FC3B-3C49-8918-A2AB2DD24839}" type="datetimeFigureOut">
               <a:rPr lang="en-US" smtClean="0"/>
               <a:pPr/>
-              <a:t>5/28/14</a:t>
+              <a:t>5/29/14</a:t>
             </a:fld>
             <a:endParaRPr lang="en-US"/>
           </a:p>
@@ -2260,7 +2260,7 @@
             <a:fld id="{2663308E-FC3B-3C49-8918-A2AB2DD24839}" type="datetimeFigureOut">
               <a:rPr lang="en-US" smtClean="0"/>
               <a:pPr/>
-              <a:t>5/28/14</a:t>
+              <a:t>5/29/14</a:t>
             </a:fld>
             <a:endParaRPr lang="en-US"/>
           </a:p>
@@ -2510,7 +2510,7 @@
             <a:fld id="{2663308E-FC3B-3C49-8918-A2AB2DD24839}" type="datetimeFigureOut">
               <a:rPr lang="en-US" smtClean="0"/>
               <a:pPr/>
-              <a:t>5/28/14</a:t>
+              <a:t>5/29/14</a:t>
             </a:fld>
             <a:endParaRPr lang="en-US"/>
           </a:p>
@@ -2720,7 +2720,7 @@
             <a:fld id="{2663308E-FC3B-3C49-8918-A2AB2DD24839}" type="datetimeFigureOut">
               <a:rPr lang="en-US" smtClean="0"/>
               <a:pPr/>
-              <a:t>5/28/14</a:t>
+              <a:t>5/29/14</a:t>
             </a:fld>
             <a:endParaRPr lang="en-US"/>
           </a:p>
@@ -4899,7 +4899,7 @@
         </p:spPr>
         <p:txBody>
           <a:bodyPr>
-            <a:normAutofit fontScale="92500" lnSpcReduction="10000"/>
+            <a:normAutofit fontScale="92500" lnSpcReduction="20000"/>
           </a:bodyPr>
           <a:lstStyle/>
           <a:p>
@@ -4911,8 +4911,32 @@
           <a:p>
             <a:r>
               <a:rPr lang="en-US" dirty="0" smtClean="0"/>
-              <a:t>A matching pass rule in one direction automatically creates a matching pass rule in the other direction</a:t>
-            </a:r>
+              <a:t>A matching pass rule in one direction automatically creates a matching pass rule in the other </a:t>
+            </a:r>
+            <a:r>
+              <a:rPr lang="en-US" dirty="0" smtClean="0"/>
+              <a:t>direction</a:t>
+            </a:r>
+          </a:p>
+          <a:p>
+            <a:pPr lvl="1"/>
+            <a:r>
+              <a:rPr lang="en-US" dirty="0" err="1" smtClean="0"/>
+              <a:t>Eg</a:t>
+            </a:r>
+            <a:r>
+              <a:rPr lang="en-US" smtClean="0"/>
+              <a:t> “pass out all” </a:t>
+            </a:r>
+            <a:r>
+              <a:rPr lang="en-US" dirty="0" smtClean="0"/>
+              <a:t>automatically creates </a:t>
+            </a:r>
+            <a:r>
+              <a:rPr lang="en-US" smtClean="0"/>
+              <a:t>a “pass in all”</a:t>
+            </a:r>
+            <a:endParaRPr lang="en-US" dirty="0" smtClean="0"/>
           </a:p>
           <a:p>
             <a:r>
@@ -5459,14 +5483,26 @@
                 <a:latin typeface="Courier"/>
                 <a:cs typeface="Courier"/>
               </a:rPr>
-              <a:t> from any port 53 to </a:t>
+              <a:t> from any port 53 to 192.168.0.1</a:t>
+            </a:r>
+          </a:p>
+          <a:p>
+            <a:pPr>
+              <a:buNone/>
+            </a:pPr>
+            <a:r>
+              <a:rPr lang="en-US" sz="1600" dirty="0">
+                <a:latin typeface="Courier"/>
+                <a:cs typeface="Courier"/>
+              </a:rPr>
+              <a:t>b</a:t>
             </a:r>
             <a:r>
               <a:rPr lang="en-US" sz="1600" dirty="0" smtClean="0">
                 <a:latin typeface="Courier"/>
                 <a:cs typeface="Courier"/>
               </a:rPr>
-              <a:t>192.168.0.1</a:t>
+              <a:t>lock in quick all</a:t>
             </a:r>
           </a:p>
           <a:p>
@@ -5474,42 +5510,12 @@
               <a:buNone/>
             </a:pPr>
             <a:r>
-              <a:rPr lang="en-US" sz="1600" dirty="0">
-                <a:latin typeface="Courier"/>
-                <a:cs typeface="Courier"/>
-              </a:rPr>
-              <a:t>b</a:t>
-            </a:r>
-            <a:r>
               <a:rPr lang="en-US" sz="1600" dirty="0" smtClean="0">
                 <a:latin typeface="Courier"/>
                 <a:cs typeface="Courier"/>
               </a:rPr>
-              <a:t>lock in quick all</a:t>
-            </a:r>
-          </a:p>
-          <a:p>
-            <a:pPr>
-              <a:buNone/>
-            </a:pPr>
-            <a:r>
-              <a:rPr lang="en-US" sz="1600" dirty="0" smtClean="0">
-                <a:latin typeface="Courier"/>
-                <a:cs typeface="Courier"/>
-              </a:rPr>
-              <a:t>b</a:t>
-            </a:r>
-            <a:r>
-              <a:rPr lang="en-US" sz="1600" dirty="0" smtClean="0">
-                <a:latin typeface="Courier"/>
-                <a:cs typeface="Courier"/>
-              </a:rPr>
-              <a:t>lock out quick all</a:t>
-            </a:r>
-            <a:endParaRPr lang="en-US" sz="1600" dirty="0" smtClean="0">
-              <a:latin typeface="Courier"/>
-              <a:cs typeface="Courier"/>
-            </a:endParaRPr>
+              <a:t>block out quick all</a:t>
+            </a:r>
           </a:p>
           <a:p>
             <a:endParaRPr lang="en-US" sz="1600" dirty="0" smtClean="0">

--- a/firewalls/Firewalling in FreeBSD-v1.pptx
+++ b/firewalls/Firewalling in FreeBSD-v1.pptx
@@ -4911,11 +4911,7 @@
           <a:p>
             <a:r>
               <a:rPr lang="en-US" dirty="0" smtClean="0"/>
-              <a:t>A matching pass rule in one direction automatically creates a matching pass rule in the other </a:t>
-            </a:r>
-            <a:r>
-              <a:rPr lang="en-US" dirty="0" smtClean="0"/>
-              <a:t>direction</a:t>
+              <a:t>A matching pass rule in one direction automatically creates a matching pass rule in the other direction</a:t>
             </a:r>
           </a:p>
           <a:p>
@@ -7763,26 +7759,78 @@
         </p:nvSpPr>
         <p:spPr/>
         <p:txBody>
-          <a:bodyPr/>
-          <a:lstStyle/>
-          <a:p>
-            <a:r>
-              <a:rPr lang="en-US" dirty="0" smtClean="0"/>
-              <a:t>Put the “block in all” at the top so that all traffic that you do not specify is dropped</a:t>
-            </a:r>
-          </a:p>
-          <a:p>
-            <a:r>
-              <a:rPr lang="en-US" dirty="0" smtClean="0"/>
-              <a:t>Allow traffic that your server initiates “pass in all”</a:t>
+          <a:bodyPr>
+            <a:normAutofit fontScale="85000" lnSpcReduction="20000"/>
+          </a:bodyPr>
+          <a:lstStyle/>
+          <a:p>
+            <a:r>
+              <a:rPr lang="en-US" dirty="0" smtClean="0"/>
+              <a:t>Put your Macros at the top</a:t>
             </a:r>
           </a:p>
           <a:p>
             <a:pPr lvl="1"/>
             <a:r>
               <a:rPr lang="en-US" dirty="0" smtClean="0"/>
-              <a:t>However if the machine gets compromised, for example, is hacked and is used to attack other networks, you will have to change this rule</a:t>
-            </a:r>
+              <a:t>If you are on IPv6 add a macro for link local (fe80::/10)</a:t>
+            </a:r>
+          </a:p>
+          <a:p>
+            <a:r>
+              <a:rPr lang="en-US" dirty="0" smtClean="0"/>
+              <a:t>Skip the lo0 – </a:t>
+            </a:r>
+            <a:r>
+              <a:rPr lang="en-US" b="1" dirty="0" smtClean="0"/>
+              <a:t>set skip on lo0</a:t>
+            </a:r>
+          </a:p>
+          <a:p>
+            <a:r>
+              <a:rPr lang="en-US" dirty="0" smtClean="0"/>
+              <a:t>Put </a:t>
+            </a:r>
+            <a:r>
+              <a:rPr lang="en-US" dirty="0" smtClean="0"/>
+              <a:t>the “block in all” at the top so that all traffic that you do not specify is dropped</a:t>
+            </a:r>
+          </a:p>
+          <a:p>
+            <a:r>
+              <a:rPr lang="en-US" dirty="0" smtClean="0"/>
+              <a:t>Allow traffic that your server initiates “pass </a:t>
+            </a:r>
+            <a:r>
+              <a:rPr lang="en-US" dirty="0" smtClean="0"/>
+              <a:t>out</a:t>
+            </a:r>
+            <a:r>
+              <a:rPr lang="en-US" dirty="0" smtClean="0"/>
+              <a:t> </a:t>
+            </a:r>
+            <a:r>
+              <a:rPr lang="en-US" dirty="0" smtClean="0"/>
+              <a:t>all”</a:t>
+            </a:r>
+          </a:p>
+          <a:p>
+            <a:pPr lvl="1"/>
+            <a:r>
+              <a:rPr lang="en-US" dirty="0" smtClean="0"/>
+              <a:t>However if the machine gets compromised, for example, is hacked and is used to attack other networks, you will have to change this </a:t>
+            </a:r>
+            <a:r>
+              <a:rPr lang="en-US" dirty="0" smtClean="0"/>
+              <a:t>rule</a:t>
+            </a:r>
+          </a:p>
+          <a:p>
+            <a:r>
+              <a:rPr lang="en-US" dirty="0" smtClean="0"/>
+              <a:t>Allow link local addresses (if you are on an IPv6 network)</a:t>
+            </a:r>
+            <a:endParaRPr lang="en-US" dirty="0" smtClean="0"/>
           </a:p>
           <a:p>
             <a:r>
